--- a/figures/scheduler.pptx
+++ b/figures/scheduler.pptx
@@ -8,9 +8,9 @@
     <p:notesMasterId r:id="rId5"/>
   </p:notesMasterIdLst>
   <p:sldIdLst>
-    <p:sldId id="272" r:id="rId2"/>
-    <p:sldId id="273" r:id="rId3"/>
-    <p:sldId id="274" r:id="rId4"/>
+    <p:sldId id="274" r:id="rId2"/>
+    <p:sldId id="275" r:id="rId3"/>
+    <p:sldId id="276" r:id="rId4"/>
   </p:sldIdLst>
   <p:sldSz cx="12192000" cy="6858000"/>
   <p:notesSz cx="6858000" cy="9144000"/>
@@ -199,7 +199,7 @@
           <a:p>
             <a:fld id="{9D8D1EA7-5FBA-43A7-969F-33446051D9B1}" type="datetimeFigureOut">
               <a:rPr lang="en-US" smtClean="0"/>
-              <a:t>2/16/19</a:t>
+              <a:t>5/15/20</a:t>
             </a:fld>
             <a:endParaRPr lang="en-US"/>
           </a:p>
@@ -540,7 +540,7 @@
     </p:spTree>
     <p:extLst>
       <p:ext uri="{BB962C8B-B14F-4D97-AF65-F5344CB8AC3E}">
-        <p14:creationId xmlns:p14="http://schemas.microsoft.com/office/powerpoint/2010/main" val="445045804"/>
+        <p14:creationId xmlns:p14="http://schemas.microsoft.com/office/powerpoint/2010/main" val="2200397219"/>
       </p:ext>
     </p:extLst>
   </p:cSld>
@@ -624,7 +624,7 @@
     </p:spTree>
     <p:extLst>
       <p:ext uri="{BB962C8B-B14F-4D97-AF65-F5344CB8AC3E}">
-        <p14:creationId xmlns:p14="http://schemas.microsoft.com/office/powerpoint/2010/main" val="2317204902"/>
+        <p14:creationId xmlns:p14="http://schemas.microsoft.com/office/powerpoint/2010/main" val="479701260"/>
       </p:ext>
     </p:extLst>
   </p:cSld>
@@ -708,7 +708,7 @@
     </p:spTree>
     <p:extLst>
       <p:ext uri="{BB962C8B-B14F-4D97-AF65-F5344CB8AC3E}">
-        <p14:creationId xmlns:p14="http://schemas.microsoft.com/office/powerpoint/2010/main" val="2200397219"/>
+        <p14:creationId xmlns:p14="http://schemas.microsoft.com/office/powerpoint/2010/main" val="870103313"/>
       </p:ext>
     </p:extLst>
   </p:cSld>
@@ -865,7 +865,7 @@
           <a:p>
             <a:fld id="{99B48964-E526-4DA8-9D44-D80007F26EA1}" type="datetimeFigureOut">
               <a:rPr lang="en-US" smtClean="0"/>
-              <a:t>2/16/19</a:t>
+              <a:t>5/15/20</a:t>
             </a:fld>
             <a:endParaRPr lang="en-US"/>
           </a:p>
@@ -1063,7 +1063,7 @@
           <a:p>
             <a:fld id="{99B48964-E526-4DA8-9D44-D80007F26EA1}" type="datetimeFigureOut">
               <a:rPr lang="en-US" smtClean="0"/>
-              <a:t>2/16/19</a:t>
+              <a:t>5/15/20</a:t>
             </a:fld>
             <a:endParaRPr lang="en-US"/>
           </a:p>
@@ -1271,7 +1271,7 @@
           <a:p>
             <a:fld id="{99B48964-E526-4DA8-9D44-D80007F26EA1}" type="datetimeFigureOut">
               <a:rPr lang="en-US" smtClean="0"/>
-              <a:t>2/16/19</a:t>
+              <a:t>5/15/20</a:t>
             </a:fld>
             <a:endParaRPr lang="en-US"/>
           </a:p>
@@ -1469,7 +1469,7 @@
           <a:p>
             <a:fld id="{99B48964-E526-4DA8-9D44-D80007F26EA1}" type="datetimeFigureOut">
               <a:rPr lang="en-US" smtClean="0"/>
-              <a:t>2/16/19</a:t>
+              <a:t>5/15/20</a:t>
             </a:fld>
             <a:endParaRPr lang="en-US"/>
           </a:p>
@@ -1744,7 +1744,7 @@
           <a:p>
             <a:fld id="{99B48964-E526-4DA8-9D44-D80007F26EA1}" type="datetimeFigureOut">
               <a:rPr lang="en-US" smtClean="0"/>
-              <a:t>2/16/19</a:t>
+              <a:t>5/15/20</a:t>
             </a:fld>
             <a:endParaRPr lang="en-US"/>
           </a:p>
@@ -2009,7 +2009,7 @@
           <a:p>
             <a:fld id="{99B48964-E526-4DA8-9D44-D80007F26EA1}" type="datetimeFigureOut">
               <a:rPr lang="en-US" smtClean="0"/>
-              <a:t>2/16/19</a:t>
+              <a:t>5/15/20</a:t>
             </a:fld>
             <a:endParaRPr lang="en-US"/>
           </a:p>
@@ -2421,7 +2421,7 @@
           <a:p>
             <a:fld id="{99B48964-E526-4DA8-9D44-D80007F26EA1}" type="datetimeFigureOut">
               <a:rPr lang="en-US" smtClean="0"/>
-              <a:t>2/16/19</a:t>
+              <a:t>5/15/20</a:t>
             </a:fld>
             <a:endParaRPr lang="en-US"/>
           </a:p>
@@ -2562,7 +2562,7 @@
           <a:p>
             <a:fld id="{99B48964-E526-4DA8-9D44-D80007F26EA1}" type="datetimeFigureOut">
               <a:rPr lang="en-US" smtClean="0"/>
-              <a:t>2/16/19</a:t>
+              <a:t>5/15/20</a:t>
             </a:fld>
             <a:endParaRPr lang="en-US"/>
           </a:p>
@@ -2675,7 +2675,7 @@
           <a:p>
             <a:fld id="{99B48964-E526-4DA8-9D44-D80007F26EA1}" type="datetimeFigureOut">
               <a:rPr lang="en-US" smtClean="0"/>
-              <a:t>2/16/19</a:t>
+              <a:t>5/15/20</a:t>
             </a:fld>
             <a:endParaRPr lang="en-US"/>
           </a:p>
@@ -2986,7 +2986,7 @@
           <a:p>
             <a:fld id="{99B48964-E526-4DA8-9D44-D80007F26EA1}" type="datetimeFigureOut">
               <a:rPr lang="en-US" smtClean="0"/>
-              <a:t>2/16/19</a:t>
+              <a:t>5/15/20</a:t>
             </a:fld>
             <a:endParaRPr lang="en-US"/>
           </a:p>
@@ -3274,7 +3274,7 @@
           <a:p>
             <a:fld id="{99B48964-E526-4DA8-9D44-D80007F26EA1}" type="datetimeFigureOut">
               <a:rPr lang="en-US" smtClean="0"/>
-              <a:t>2/16/19</a:t>
+              <a:t>5/15/20</a:t>
             </a:fld>
             <a:endParaRPr lang="en-US"/>
           </a:p>
@@ -3515,7 +3515,7 @@
           <a:p>
             <a:fld id="{99B48964-E526-4DA8-9D44-D80007F26EA1}" type="datetimeFigureOut">
               <a:rPr lang="en-US" smtClean="0"/>
-              <a:t>2/16/19</a:t>
+              <a:t>5/15/20</a:t>
             </a:fld>
             <a:endParaRPr lang="en-US"/>
           </a:p>
@@ -3932,264 +3932,12 @@
           <a:chExt cx="0" cy="0"/>
         </a:xfrm>
       </p:grpSpPr>
-      <p:grpSp>
-        <p:nvGrpSpPr>
-          <p:cNvPr id="3" name="Group 2">
-            <a:extLst>
-              <a:ext uri="{FF2B5EF4-FFF2-40B4-BE49-F238E27FC236}">
-                <a16:creationId xmlns:a16="http://schemas.microsoft.com/office/drawing/2014/main" id="{211B236F-9777-5D4D-A13C-F0C7BC35D1FA}"/>
-              </a:ext>
-            </a:extLst>
-          </p:cNvPr>
-          <p:cNvGrpSpPr/>
-          <p:nvPr/>
-        </p:nvGrpSpPr>
-        <p:grpSpPr>
-          <a:xfrm>
-            <a:off x="6223658" y="346035"/>
-            <a:ext cx="5546035" cy="1401417"/>
-            <a:chOff x="5635487" y="453022"/>
-            <a:chExt cx="5546035" cy="1401417"/>
-          </a:xfrm>
-        </p:grpSpPr>
-        <p:sp>
-          <p:nvSpPr>
-            <p:cNvPr id="4" name="Rectangle 3">
-              <a:extLst>
-                <a:ext uri="{FF2B5EF4-FFF2-40B4-BE49-F238E27FC236}">
-                  <a16:creationId xmlns:a16="http://schemas.microsoft.com/office/drawing/2014/main" id="{206E57E2-39B3-428D-BCE1-E8677F86C7B4}"/>
-                </a:ext>
-              </a:extLst>
-            </p:cNvPr>
-            <p:cNvSpPr/>
-            <p:nvPr/>
-          </p:nvSpPr>
-          <p:spPr>
-            <a:xfrm>
-              <a:off x="5635487" y="453022"/>
-              <a:ext cx="5546035" cy="1401417"/>
-            </a:xfrm>
-            <a:prstGeom prst="rect">
-              <a:avLst/>
-            </a:prstGeom>
-          </p:spPr>
-          <p:style>
-            <a:lnRef idx="2">
-              <a:schemeClr val="accent1">
-                <a:shade val="50000"/>
-              </a:schemeClr>
-            </a:lnRef>
-            <a:fillRef idx="1">
-              <a:schemeClr val="accent1"/>
-            </a:fillRef>
-            <a:effectRef idx="0">
-              <a:schemeClr val="accent1"/>
-            </a:effectRef>
-            <a:fontRef idx="minor">
-              <a:schemeClr val="lt1"/>
-            </a:fontRef>
-          </p:style>
-          <p:txBody>
-            <a:bodyPr rtlCol="0" anchor="t"/>
-            <a:lstStyle/>
-            <a:p>
-              <a:pPr algn="ctr"/>
-              <a:r>
-                <a:rPr lang="en-US" dirty="0"/>
-                <a:t>SMs Element</a:t>
-              </a:r>
-            </a:p>
-          </p:txBody>
-        </p:sp>
-        <p:sp>
-          <p:nvSpPr>
-            <p:cNvPr id="5" name="Rectangle 4">
-              <a:extLst>
-                <a:ext uri="{FF2B5EF4-FFF2-40B4-BE49-F238E27FC236}">
-                  <a16:creationId xmlns:a16="http://schemas.microsoft.com/office/drawing/2014/main" id="{AF7D64F0-8B4E-4BE0-A361-049559F83E0E}"/>
-                </a:ext>
-              </a:extLst>
-            </p:cNvPr>
-            <p:cNvSpPr/>
-            <p:nvPr/>
-          </p:nvSpPr>
-          <p:spPr>
-            <a:xfrm>
-              <a:off x="5855274" y="1133061"/>
-              <a:ext cx="964096" cy="586408"/>
-            </a:xfrm>
-            <a:prstGeom prst="rect">
-              <a:avLst/>
-            </a:prstGeom>
-          </p:spPr>
-          <p:style>
-            <a:lnRef idx="2">
-              <a:schemeClr val="accent2">
-                <a:shade val="50000"/>
-              </a:schemeClr>
-            </a:lnRef>
-            <a:fillRef idx="1">
-              <a:schemeClr val="accent2"/>
-            </a:fillRef>
-            <a:effectRef idx="0">
-              <a:schemeClr val="accent2"/>
-            </a:effectRef>
-            <a:fontRef idx="minor">
-              <a:schemeClr val="lt1"/>
-            </a:fontRef>
-          </p:style>
-          <p:txBody>
-            <a:bodyPr rtlCol="0" anchor="ctr"/>
-            <a:lstStyle/>
-            <a:p>
-              <a:pPr algn="ctr"/>
-              <a:r>
-                <a:rPr lang="en-US" dirty="0"/>
-                <a:t>SM</a:t>
-              </a:r>
-            </a:p>
-          </p:txBody>
-        </p:sp>
-        <p:sp>
-          <p:nvSpPr>
-            <p:cNvPr id="6" name="Rectangle 5">
-              <a:extLst>
-                <a:ext uri="{FF2B5EF4-FFF2-40B4-BE49-F238E27FC236}">
-                  <a16:creationId xmlns:a16="http://schemas.microsoft.com/office/drawing/2014/main" id="{179BA2DD-0D37-446E-B501-9E376BACE116}"/>
-                </a:ext>
-              </a:extLst>
-            </p:cNvPr>
-            <p:cNvSpPr/>
-            <p:nvPr/>
-          </p:nvSpPr>
-          <p:spPr>
-            <a:xfrm>
-              <a:off x="7117544" y="1133061"/>
-              <a:ext cx="964096" cy="586408"/>
-            </a:xfrm>
-            <a:prstGeom prst="rect">
-              <a:avLst/>
-            </a:prstGeom>
-          </p:spPr>
-          <p:style>
-            <a:lnRef idx="2">
-              <a:schemeClr val="accent2">
-                <a:shade val="50000"/>
-              </a:schemeClr>
-            </a:lnRef>
-            <a:fillRef idx="1">
-              <a:schemeClr val="accent2"/>
-            </a:fillRef>
-            <a:effectRef idx="0">
-              <a:schemeClr val="accent2"/>
-            </a:effectRef>
-            <a:fontRef idx="minor">
-              <a:schemeClr val="lt1"/>
-            </a:fontRef>
-          </p:style>
-          <p:txBody>
-            <a:bodyPr rtlCol="0" anchor="ctr"/>
-            <a:lstStyle/>
-            <a:p>
-              <a:pPr algn="ctr"/>
-              <a:r>
-                <a:rPr lang="en-US" dirty="0"/>
-                <a:t>SM</a:t>
-              </a:r>
-            </a:p>
-          </p:txBody>
-        </p:sp>
-        <p:sp>
-          <p:nvSpPr>
-            <p:cNvPr id="7" name="Rectangle 6">
-              <a:extLst>
-                <a:ext uri="{FF2B5EF4-FFF2-40B4-BE49-F238E27FC236}">
-                  <a16:creationId xmlns:a16="http://schemas.microsoft.com/office/drawing/2014/main" id="{3388D868-1532-4D95-A895-2C202F1047CB}"/>
-                </a:ext>
-              </a:extLst>
-            </p:cNvPr>
-            <p:cNvSpPr/>
-            <p:nvPr/>
-          </p:nvSpPr>
-          <p:spPr>
-            <a:xfrm>
-              <a:off x="9941914" y="1133061"/>
-              <a:ext cx="964096" cy="586408"/>
-            </a:xfrm>
-            <a:prstGeom prst="rect">
-              <a:avLst/>
-            </a:prstGeom>
-          </p:spPr>
-          <p:style>
-            <a:lnRef idx="2">
-              <a:schemeClr val="accent2">
-                <a:shade val="50000"/>
-              </a:schemeClr>
-            </a:lnRef>
-            <a:fillRef idx="1">
-              <a:schemeClr val="accent2"/>
-            </a:fillRef>
-            <a:effectRef idx="0">
-              <a:schemeClr val="accent2"/>
-            </a:effectRef>
-            <a:fontRef idx="minor">
-              <a:schemeClr val="lt1"/>
-            </a:fontRef>
-          </p:style>
-          <p:txBody>
-            <a:bodyPr rtlCol="0" anchor="ctr"/>
-            <a:lstStyle/>
-            <a:p>
-              <a:pPr algn="ctr"/>
-              <a:r>
-                <a:rPr lang="en-US" dirty="0"/>
-                <a:t>SM</a:t>
-              </a:r>
-            </a:p>
-          </p:txBody>
-        </p:sp>
-        <p:sp>
-          <p:nvSpPr>
-            <p:cNvPr id="8" name="TextBox 7">
-              <a:extLst>
-                <a:ext uri="{FF2B5EF4-FFF2-40B4-BE49-F238E27FC236}">
-                  <a16:creationId xmlns:a16="http://schemas.microsoft.com/office/drawing/2014/main" id="{03FA039D-382D-47EC-8878-5042B53236F0}"/>
-                </a:ext>
-              </a:extLst>
-            </p:cNvPr>
-            <p:cNvSpPr txBox="1"/>
-            <p:nvPr/>
-          </p:nvSpPr>
-          <p:spPr>
-            <a:xfrm>
-              <a:off x="8544341" y="1292086"/>
-              <a:ext cx="934871" cy="369332"/>
-            </a:xfrm>
-            <a:prstGeom prst="rect">
-              <a:avLst/>
-            </a:prstGeom>
-            <a:noFill/>
-          </p:spPr>
-          <p:txBody>
-            <a:bodyPr wrap="none" rtlCol="0">
-              <a:spAutoFit/>
-            </a:bodyPr>
-            <a:lstStyle/>
-            <a:p>
-              <a:r>
-                <a:rPr lang="en-US" dirty="0"/>
-                <a:t>…………..</a:t>
-              </a:r>
-            </a:p>
-          </p:txBody>
-        </p:sp>
-      </p:grpSp>
-      <p:sp>
-        <p:nvSpPr>
-          <p:cNvPr id="9" name="Rectangle 8">
-            <a:extLst>
-              <a:ext uri="{FF2B5EF4-FFF2-40B4-BE49-F238E27FC236}">
-                <a16:creationId xmlns:a16="http://schemas.microsoft.com/office/drawing/2014/main" id="{C193FEB1-C503-4488-877E-058C6248BBE4}"/>
+      <p:sp>
+        <p:nvSpPr>
+          <p:cNvPr id="21" name="Rounded Rectangle 20">
+            <a:extLst>
+              <a:ext uri="{FF2B5EF4-FFF2-40B4-BE49-F238E27FC236}">
+                <a16:creationId xmlns:a16="http://schemas.microsoft.com/office/drawing/2014/main" id="{358DDB1E-D6A1-4146-AA18-AEEB8E521DBF}"/>
               </a:ext>
             </a:extLst>
           </p:cNvPr>
@@ -4198,12 +3946,20 @@
         </p:nvSpPr>
         <p:spPr>
           <a:xfrm>
-            <a:off x="422307" y="165946"/>
-            <a:ext cx="1659834" cy="1401417"/>
-          </a:xfrm>
-          <a:prstGeom prst="rect">
+            <a:off x="2389189" y="899052"/>
+            <a:ext cx="5815011" cy="2021948"/>
+          </a:xfrm>
+          <a:prstGeom prst="roundRect">
             <a:avLst/>
           </a:prstGeom>
+          <a:solidFill>
+            <a:srgbClr val="13D2FF"/>
+          </a:solidFill>
+          <a:ln w="19050">
+            <a:solidFill>
+              <a:schemeClr val="tx1"/>
+            </a:solidFill>
+          </a:ln>
         </p:spPr>
         <p:style>
           <a:lnRef idx="2">
@@ -4227,18 +3983,67 @@
           <a:p>
             <a:pPr algn="ctr"/>
             <a:r>
-              <a:rPr lang="en-US" dirty="0"/>
-              <a:t>Ariel</a:t>
-            </a:r>
-          </a:p>
-        </p:txBody>
-      </p:sp>
-      <p:sp>
-        <p:nvSpPr>
-          <p:cNvPr id="21" name="Rectangle 20">
-            <a:extLst>
-              <a:ext uri="{FF2B5EF4-FFF2-40B4-BE49-F238E27FC236}">
-                <a16:creationId xmlns:a16="http://schemas.microsoft.com/office/drawing/2014/main" id="{10865AD4-9091-43CE-8AAF-4464F486E31E}"/>
+              <a:rPr lang="en-US" sz="2000" dirty="0">
+                <a:solidFill>
+                  <a:schemeClr val="tx1"/>
+                </a:solidFill>
+              </a:rPr>
+              <a:t>GPUSched</a:t>
+            </a:r>
+          </a:p>
+        </p:txBody>
+      </p:sp>
+      <p:cxnSp>
+        <p:nvCxnSpPr>
+          <p:cNvPr id="45" name="Straight Arrow Connector 44">
+            <a:extLst>
+              <a:ext uri="{FF2B5EF4-FFF2-40B4-BE49-F238E27FC236}">
+                <a16:creationId xmlns:a16="http://schemas.microsoft.com/office/drawing/2014/main" id="{D37AA336-0550-DB44-B026-CE734AC92298}"/>
+              </a:ext>
+            </a:extLst>
+          </p:cNvPr>
+          <p:cNvCxnSpPr>
+            <a:cxnSpLocks/>
+            <a:endCxn id="43" idx="1"/>
+          </p:cNvCxnSpPr>
+          <p:nvPr/>
+        </p:nvCxnSpPr>
+        <p:spPr>
+          <a:xfrm>
+            <a:off x="534264" y="2457727"/>
+            <a:ext cx="3505199" cy="0"/>
+          </a:xfrm>
+          <a:prstGeom prst="straightConnector1">
+            <a:avLst/>
+          </a:prstGeom>
+          <a:ln w="57150">
+            <a:solidFill>
+              <a:schemeClr val="tx1"/>
+            </a:solidFill>
+            <a:tailEnd type="triangle"/>
+          </a:ln>
+        </p:spPr>
+        <p:style>
+          <a:lnRef idx="1">
+            <a:schemeClr val="accent1"/>
+          </a:lnRef>
+          <a:fillRef idx="0">
+            <a:schemeClr val="accent1"/>
+          </a:fillRef>
+          <a:effectRef idx="0">
+            <a:schemeClr val="accent1"/>
+          </a:effectRef>
+          <a:fontRef idx="minor">
+            <a:schemeClr val="tx1"/>
+          </a:fontRef>
+        </p:style>
+      </p:cxnSp>
+      <p:sp>
+        <p:nvSpPr>
+          <p:cNvPr id="23" name="Arrow: Left-Right 31">
+            <a:extLst>
+              <a:ext uri="{FF2B5EF4-FFF2-40B4-BE49-F238E27FC236}">
+                <a16:creationId xmlns:a16="http://schemas.microsoft.com/office/drawing/2014/main" id="{6249F92C-5FD0-3A46-BEC5-8E28292C8095}"/>
               </a:ext>
             </a:extLst>
           </p:cNvPr>
@@ -4247,12 +4052,117 @@
         </p:nvSpPr>
         <p:spPr>
           <a:xfrm>
-            <a:off x="754078" y="685315"/>
-            <a:ext cx="964096" cy="586408"/>
+            <a:off x="534264" y="1471625"/>
+            <a:ext cx="2370938" cy="257528"/>
+          </a:xfrm>
+          <a:prstGeom prst="leftRightArrow">
+            <a:avLst/>
+          </a:prstGeom>
+          <a:solidFill>
+            <a:srgbClr val="B0DDF2"/>
+          </a:solidFill>
+          <a:ln w="19050">
+            <a:solidFill>
+              <a:schemeClr val="tx1"/>
+            </a:solidFill>
+          </a:ln>
+        </p:spPr>
+        <p:style>
+          <a:lnRef idx="2">
+            <a:schemeClr val="accent1">
+              <a:shade val="50000"/>
+            </a:schemeClr>
+          </a:lnRef>
+          <a:fillRef idx="1">
+            <a:schemeClr val="accent1"/>
+          </a:fillRef>
+          <a:effectRef idx="0">
+            <a:schemeClr val="accent1"/>
+          </a:effectRef>
+          <a:fontRef idx="minor">
+            <a:schemeClr val="lt1"/>
+          </a:fontRef>
+        </p:style>
+        <p:txBody>
+          <a:bodyPr rtlCol="0" anchor="ctr"/>
+          <a:lstStyle/>
+          <a:p>
+            <a:pPr algn="ctr"/>
+            <a:endParaRPr lang="en-US" sz="2000"/>
+          </a:p>
+        </p:txBody>
+      </p:sp>
+      <p:sp>
+        <p:nvSpPr>
+          <p:cNvPr id="25" name="TextBox 24">
+            <a:extLst>
+              <a:ext uri="{FF2B5EF4-FFF2-40B4-BE49-F238E27FC236}">
+                <a16:creationId xmlns:a16="http://schemas.microsoft.com/office/drawing/2014/main" id="{6814E60B-3ABB-8A4A-9194-561120D0A27E}"/>
+              </a:ext>
+            </a:extLst>
+          </p:cNvPr>
+          <p:cNvSpPr txBox="1"/>
+          <p:nvPr/>
+        </p:nvSpPr>
+        <p:spPr>
+          <a:xfrm>
+            <a:off x="1010884" y="763739"/>
+            <a:ext cx="1317456" cy="707886"/>
           </a:xfrm>
           <a:prstGeom prst="rect">
             <a:avLst/>
           </a:prstGeom>
+          <a:noFill/>
+        </p:spPr>
+        <p:txBody>
+          <a:bodyPr wrap="square" rtlCol="0">
+            <a:spAutoFit/>
+          </a:bodyPr>
+          <a:lstStyle/>
+          <a:p>
+            <a:pPr algn="ctr"/>
+            <a:r>
+              <a:rPr lang="en-US" altLang="zh-CN" sz="2000" dirty="0"/>
+              <a:t>API</a:t>
+            </a:r>
+            <a:r>
+              <a:rPr lang="en-US" sz="2000" dirty="0"/>
+              <a:t> command</a:t>
+            </a:r>
+          </a:p>
+        </p:txBody>
+      </p:sp>
+      <p:sp>
+        <p:nvSpPr>
+          <p:cNvPr id="29" name="Rectangle 28">
+            <a:extLst>
+              <a:ext uri="{FF2B5EF4-FFF2-40B4-BE49-F238E27FC236}">
+                <a16:creationId xmlns:a16="http://schemas.microsoft.com/office/drawing/2014/main" id="{60BBAA7F-2825-304B-BEC7-E51BCE0EB1B4}"/>
+              </a:ext>
+            </a:extLst>
+          </p:cNvPr>
+          <p:cNvSpPr/>
+          <p:nvPr/>
+        </p:nvSpPr>
+        <p:spPr>
+          <a:xfrm>
+            <a:off x="2905202" y="1307185"/>
+            <a:ext cx="1134261" cy="586408"/>
+          </a:xfrm>
+          <a:prstGeom prst="rect">
+            <a:avLst/>
+          </a:prstGeom>
+          <a:solidFill>
+            <a:schemeClr val="accent2">
+              <a:lumMod val="60000"/>
+              <a:lumOff val="40000"/>
+            </a:schemeClr>
+          </a:solidFill>
+          <a:ln w="38100">
+            <a:solidFill>
+              <a:schemeClr val="tx1"/>
+            </a:solidFill>
+          </a:ln>
         </p:spPr>
         <p:style>
           <a:lnRef idx="2">
@@ -4276,18 +4186,43 @@
           <a:p>
             <a:pPr algn="ctr"/>
             <a:r>
-              <a:rPr lang="en-US" dirty="0"/>
-              <a:t>CPU</a:t>
-            </a:r>
-          </a:p>
-        </p:txBody>
-      </p:sp>
-      <p:sp>
-        <p:nvSpPr>
-          <p:cNvPr id="32" name="Arrow: Left-Right 31">
-            <a:extLst>
-              <a:ext uri="{FF2B5EF4-FFF2-40B4-BE49-F238E27FC236}">
-                <a16:creationId xmlns:a16="http://schemas.microsoft.com/office/drawing/2014/main" id="{46E62D3B-F828-43F5-B3E8-7993592AE053}"/>
+              <a:rPr lang="en-US" altLang="zh-CN" sz="2000" dirty="0">
+                <a:solidFill>
+                  <a:schemeClr val="tx1"/>
+                </a:solidFill>
+              </a:rPr>
+              <a:t>Kernel</a:t>
+            </a:r>
+            <a:r>
+              <a:rPr lang="zh-CN" altLang="en-US" sz="2000" dirty="0">
+                <a:solidFill>
+                  <a:schemeClr val="tx1"/>
+                </a:solidFill>
+              </a:rPr>
+              <a:t> </a:t>
+            </a:r>
+            <a:r>
+              <a:rPr lang="en-US" altLang="zh-CN" sz="2000" dirty="0">
+                <a:solidFill>
+                  <a:schemeClr val="tx1"/>
+                </a:solidFill>
+              </a:rPr>
+              <a:t>handler</a:t>
+            </a:r>
+            <a:endParaRPr lang="en-US" sz="2000" dirty="0">
+              <a:solidFill>
+                <a:schemeClr val="tx1"/>
+              </a:solidFill>
+            </a:endParaRPr>
+          </a:p>
+        </p:txBody>
+      </p:sp>
+      <p:sp>
+        <p:nvSpPr>
+          <p:cNvPr id="31" name="Rounded Rectangle 30">
+            <a:extLst>
+              <a:ext uri="{FF2B5EF4-FFF2-40B4-BE49-F238E27FC236}">
+                <a16:creationId xmlns:a16="http://schemas.microsoft.com/office/drawing/2014/main" id="{B7818CD2-CE3C-6D48-A844-D80B35326C6F}"/>
               </a:ext>
             </a:extLst>
           </p:cNvPr>
@@ -4296,12 +4231,20 @@
         </p:nvSpPr>
         <p:spPr>
           <a:xfrm>
-            <a:off x="2082141" y="356779"/>
-            <a:ext cx="4141517" cy="328536"/>
-          </a:xfrm>
-          <a:prstGeom prst="leftRightArrow">
+            <a:off x="2389188" y="3085440"/>
+            <a:ext cx="5815011" cy="3124860"/>
+          </a:xfrm>
+          <a:prstGeom prst="roundRect">
             <a:avLst/>
           </a:prstGeom>
+          <a:solidFill>
+            <a:srgbClr val="13D2FF"/>
+          </a:solidFill>
+          <a:ln w="19050">
+            <a:solidFill>
+              <a:schemeClr val="tx1"/>
+            </a:solidFill>
+          </a:ln>
         </p:spPr>
         <p:style>
           <a:lnRef idx="2">
@@ -4320,2882 +4263,48 @@
           </a:fontRef>
         </p:style>
         <p:txBody>
-          <a:bodyPr rtlCol="0" anchor="ctr"/>
+          <a:bodyPr rtlCol="0" anchor="b"/>
           <a:lstStyle/>
           <a:p>
             <a:pPr algn="ctr"/>
-            <a:endParaRPr lang="en-US"/>
-          </a:p>
-        </p:txBody>
-      </p:sp>
-      <p:sp>
-        <p:nvSpPr>
-          <p:cNvPr id="78" name="TextBox 77">
-            <a:extLst>
-              <a:ext uri="{FF2B5EF4-FFF2-40B4-BE49-F238E27FC236}">
-                <a16:creationId xmlns:a16="http://schemas.microsoft.com/office/drawing/2014/main" id="{496267EC-7B81-4373-853F-111BBBC26EF7}"/>
-              </a:ext>
-            </a:extLst>
-          </p:cNvPr>
-          <p:cNvSpPr txBox="1"/>
-          <p:nvPr/>
-        </p:nvSpPr>
-        <p:spPr>
-          <a:xfrm>
-            <a:off x="3292986" y="76697"/>
-            <a:ext cx="2930672" cy="369332"/>
-          </a:xfrm>
-          <a:prstGeom prst="rect">
-            <a:avLst/>
-          </a:prstGeom>
-          <a:noFill/>
-        </p:spPr>
-        <p:txBody>
-          <a:bodyPr wrap="square" rtlCol="0">
-            <a:spAutoFit/>
-          </a:bodyPr>
-          <a:lstStyle/>
-          <a:p>
-            <a:r>
-              <a:rPr lang="en-US" dirty="0"/>
-              <a:t>Command link</a:t>
-            </a:r>
-          </a:p>
-        </p:txBody>
-      </p:sp>
-      <p:sp>
-        <p:nvSpPr>
-          <p:cNvPr id="58" name="Arrow: Left-Right 31">
-            <a:extLst>
-              <a:ext uri="{FF2B5EF4-FFF2-40B4-BE49-F238E27FC236}">
-                <a16:creationId xmlns:a16="http://schemas.microsoft.com/office/drawing/2014/main" id="{50C7562A-7C61-9E42-BEF7-B2FBB7E9AC2B}"/>
-              </a:ext>
-            </a:extLst>
-          </p:cNvPr>
-          <p:cNvSpPr/>
-          <p:nvPr/>
-        </p:nvSpPr>
-        <p:spPr>
-          <a:xfrm>
-            <a:off x="2082141" y="1234735"/>
-            <a:ext cx="1210845" cy="213937"/>
-          </a:xfrm>
-          <a:prstGeom prst="leftRightArrow">
-            <a:avLst/>
-          </a:prstGeom>
-        </p:spPr>
-        <p:style>
-          <a:lnRef idx="2">
-            <a:schemeClr val="accent1">
-              <a:shade val="50000"/>
-            </a:schemeClr>
-          </a:lnRef>
-          <a:fillRef idx="1">
-            <a:schemeClr val="accent1"/>
-          </a:fillRef>
-          <a:effectRef idx="0">
-            <a:schemeClr val="accent1"/>
-          </a:effectRef>
-          <a:fontRef idx="minor">
-            <a:schemeClr val="lt1"/>
-          </a:fontRef>
-        </p:style>
-        <p:txBody>
-          <a:bodyPr rtlCol="0" anchor="ctr"/>
-          <a:lstStyle/>
-          <a:p>
-            <a:pPr algn="ctr"/>
-            <a:endParaRPr lang="en-US"/>
-          </a:p>
-        </p:txBody>
-      </p:sp>
-      <p:sp>
-        <p:nvSpPr>
-          <p:cNvPr id="67" name="TextBox 66">
-            <a:extLst>
-              <a:ext uri="{FF2B5EF4-FFF2-40B4-BE49-F238E27FC236}">
-                <a16:creationId xmlns:a16="http://schemas.microsoft.com/office/drawing/2014/main" id="{89B5B1E2-7221-5C41-AFD8-79C42182E21B}"/>
-              </a:ext>
-            </a:extLst>
-          </p:cNvPr>
-          <p:cNvSpPr txBox="1"/>
-          <p:nvPr/>
-        </p:nvSpPr>
-        <p:spPr>
-          <a:xfrm>
-            <a:off x="2097346" y="1448671"/>
-            <a:ext cx="1168369" cy="646331"/>
-          </a:xfrm>
-          <a:prstGeom prst="rect">
-            <a:avLst/>
-          </a:prstGeom>
-          <a:noFill/>
-        </p:spPr>
-        <p:txBody>
-          <a:bodyPr wrap="square" rtlCol="0">
-            <a:spAutoFit/>
-          </a:bodyPr>
-          <a:lstStyle/>
-          <a:p>
-            <a:r>
-              <a:rPr lang="en-US" dirty="0"/>
-              <a:t>Launch command</a:t>
-            </a:r>
-          </a:p>
-        </p:txBody>
-      </p:sp>
-      <p:sp>
-        <p:nvSpPr>
-          <p:cNvPr id="68" name="TextBox 67">
-            <a:extLst>
-              <a:ext uri="{FF2B5EF4-FFF2-40B4-BE49-F238E27FC236}">
-                <a16:creationId xmlns:a16="http://schemas.microsoft.com/office/drawing/2014/main" id="{B5AFA252-8E64-6341-BF3A-6362A3C2F889}"/>
-              </a:ext>
-            </a:extLst>
-          </p:cNvPr>
-          <p:cNvSpPr txBox="1"/>
-          <p:nvPr/>
-        </p:nvSpPr>
-        <p:spPr>
-          <a:xfrm>
-            <a:off x="5004054" y="1633337"/>
-            <a:ext cx="1317456" cy="923330"/>
-          </a:xfrm>
-          <a:prstGeom prst="rect">
-            <a:avLst/>
-          </a:prstGeom>
-          <a:noFill/>
-        </p:spPr>
-        <p:txBody>
-          <a:bodyPr wrap="square" rtlCol="0">
-            <a:spAutoFit/>
-          </a:bodyPr>
-          <a:lstStyle/>
-          <a:p>
-            <a:r>
-              <a:rPr lang="en-US" dirty="0"/>
-              <a:t>CTA Launch commands</a:t>
-            </a:r>
-          </a:p>
-          <a:p>
-            <a:endParaRPr lang="en-US" dirty="0"/>
-          </a:p>
-        </p:txBody>
-      </p:sp>
-      <p:sp>
-        <p:nvSpPr>
-          <p:cNvPr id="69" name="Rectangle 68">
-            <a:extLst>
-              <a:ext uri="{FF2B5EF4-FFF2-40B4-BE49-F238E27FC236}">
-                <a16:creationId xmlns:a16="http://schemas.microsoft.com/office/drawing/2014/main" id="{B43103FC-1750-0648-9155-C30B9FAEC9B6}"/>
-              </a:ext>
-            </a:extLst>
-          </p:cNvPr>
-          <p:cNvSpPr/>
-          <p:nvPr/>
-        </p:nvSpPr>
-        <p:spPr>
-          <a:xfrm>
-            <a:off x="3335462" y="965397"/>
-            <a:ext cx="1659834" cy="1401417"/>
-          </a:xfrm>
-          <a:prstGeom prst="rect">
-            <a:avLst/>
-          </a:prstGeom>
-        </p:spPr>
-        <p:style>
-          <a:lnRef idx="2">
-            <a:schemeClr val="accent1">
-              <a:shade val="50000"/>
-            </a:schemeClr>
-          </a:lnRef>
-          <a:fillRef idx="1">
-            <a:schemeClr val="accent1"/>
-          </a:fillRef>
-          <a:effectRef idx="0">
-            <a:schemeClr val="accent1"/>
-          </a:effectRef>
-          <a:fontRef idx="minor">
-            <a:schemeClr val="lt1"/>
-          </a:fontRef>
-        </p:style>
-        <p:txBody>
-          <a:bodyPr rtlCol="0" anchor="t"/>
-          <a:lstStyle/>
-          <a:p>
-            <a:pPr algn="ctr"/>
-            <a:r>
-              <a:rPr lang="en-US" dirty="0"/>
-              <a:t>GPUSched Element</a:t>
-            </a:r>
-          </a:p>
-        </p:txBody>
-      </p:sp>
-      <p:sp>
-        <p:nvSpPr>
-          <p:cNvPr id="71" name="Arrow: Left-Right 31">
-            <a:extLst>
-              <a:ext uri="{FF2B5EF4-FFF2-40B4-BE49-F238E27FC236}">
-                <a16:creationId xmlns:a16="http://schemas.microsoft.com/office/drawing/2014/main" id="{6C55F45A-E80B-6642-9666-37D0E47D4D26}"/>
-              </a:ext>
-            </a:extLst>
-          </p:cNvPr>
-          <p:cNvSpPr/>
-          <p:nvPr/>
-        </p:nvSpPr>
-        <p:spPr>
-          <a:xfrm>
-            <a:off x="5004054" y="1341703"/>
-            <a:ext cx="1210845" cy="213937"/>
-          </a:xfrm>
-          <a:prstGeom prst="leftRightArrow">
-            <a:avLst/>
-          </a:prstGeom>
-        </p:spPr>
-        <p:style>
-          <a:lnRef idx="2">
-            <a:schemeClr val="accent1">
-              <a:shade val="50000"/>
-            </a:schemeClr>
-          </a:lnRef>
-          <a:fillRef idx="1">
-            <a:schemeClr val="accent1"/>
-          </a:fillRef>
-          <a:effectRef idx="0">
-            <a:schemeClr val="accent1"/>
-          </a:effectRef>
-          <a:fontRef idx="minor">
-            <a:schemeClr val="lt1"/>
-          </a:fontRef>
-        </p:style>
-        <p:txBody>
-          <a:bodyPr rtlCol="0" anchor="ctr"/>
-          <a:lstStyle/>
-          <a:p>
-            <a:pPr algn="ctr"/>
-            <a:endParaRPr lang="en-US"/>
-          </a:p>
-        </p:txBody>
-      </p:sp>
-      <p:sp>
-        <p:nvSpPr>
-          <p:cNvPr id="18" name="Rectangle 17">
-            <a:extLst>
-              <a:ext uri="{FF2B5EF4-FFF2-40B4-BE49-F238E27FC236}">
-                <a16:creationId xmlns:a16="http://schemas.microsoft.com/office/drawing/2014/main" id="{2C231744-7309-A440-B3CE-F28E48A1A4A4}"/>
-              </a:ext>
-            </a:extLst>
-          </p:cNvPr>
-          <p:cNvSpPr/>
-          <p:nvPr/>
-        </p:nvSpPr>
-        <p:spPr>
-          <a:xfrm>
-            <a:off x="758737" y="1791092"/>
-            <a:ext cx="923807" cy="620402"/>
-          </a:xfrm>
-          <a:prstGeom prst="rect">
-            <a:avLst/>
-          </a:prstGeom>
-        </p:spPr>
-        <p:style>
-          <a:lnRef idx="2">
-            <a:schemeClr val="accent1">
-              <a:shade val="50000"/>
-            </a:schemeClr>
-          </a:lnRef>
-          <a:fillRef idx="1">
-            <a:schemeClr val="accent1"/>
-          </a:fillRef>
-          <a:effectRef idx="0">
-            <a:schemeClr val="accent1"/>
-          </a:effectRef>
-          <a:fontRef idx="minor">
-            <a:schemeClr val="lt1"/>
-          </a:fontRef>
-        </p:style>
-        <p:txBody>
-          <a:bodyPr rtlCol="0" anchor="ctr"/>
-          <a:lstStyle/>
-          <a:p>
-            <a:pPr algn="ctr"/>
-            <a:r>
-              <a:rPr lang="en-US" dirty="0"/>
-              <a:t>L1</a:t>
-            </a:r>
-          </a:p>
-        </p:txBody>
-      </p:sp>
-      <p:sp>
-        <p:nvSpPr>
-          <p:cNvPr id="19" name="Rectangle 18">
-            <a:extLst>
-              <a:ext uri="{FF2B5EF4-FFF2-40B4-BE49-F238E27FC236}">
-                <a16:creationId xmlns:a16="http://schemas.microsoft.com/office/drawing/2014/main" id="{625A53FA-ABAA-964B-88D6-80E184D88C0D}"/>
-              </a:ext>
-            </a:extLst>
-          </p:cNvPr>
-          <p:cNvSpPr/>
-          <p:nvPr/>
-        </p:nvSpPr>
-        <p:spPr>
-          <a:xfrm>
-            <a:off x="758736" y="2840601"/>
-            <a:ext cx="923807" cy="620402"/>
-          </a:xfrm>
-          <a:prstGeom prst="rect">
-            <a:avLst/>
-          </a:prstGeom>
-        </p:spPr>
-        <p:style>
-          <a:lnRef idx="2">
-            <a:schemeClr val="accent1">
-              <a:shade val="50000"/>
-            </a:schemeClr>
-          </a:lnRef>
-          <a:fillRef idx="1">
-            <a:schemeClr val="accent1"/>
-          </a:fillRef>
-          <a:effectRef idx="0">
-            <a:schemeClr val="accent1"/>
-          </a:effectRef>
-          <a:fontRef idx="minor">
-            <a:schemeClr val="lt1"/>
-          </a:fontRef>
-        </p:style>
-        <p:txBody>
-          <a:bodyPr rtlCol="0" anchor="ctr"/>
-          <a:lstStyle/>
-          <a:p>
-            <a:pPr algn="ctr"/>
-            <a:r>
-              <a:rPr lang="en-US" dirty="0"/>
-              <a:t>L2</a:t>
-            </a:r>
-          </a:p>
-        </p:txBody>
-      </p:sp>
-      <p:sp>
-        <p:nvSpPr>
-          <p:cNvPr id="20" name="Rectangle 19">
-            <a:extLst>
-              <a:ext uri="{FF2B5EF4-FFF2-40B4-BE49-F238E27FC236}">
-                <a16:creationId xmlns:a16="http://schemas.microsoft.com/office/drawing/2014/main" id="{732F74FD-16A9-DC48-AB86-98C8D07ACBF4}"/>
-              </a:ext>
-            </a:extLst>
-          </p:cNvPr>
-          <p:cNvSpPr/>
-          <p:nvPr/>
-        </p:nvSpPr>
-        <p:spPr>
-          <a:xfrm>
-            <a:off x="758736" y="3844988"/>
-            <a:ext cx="923807" cy="620402"/>
-          </a:xfrm>
-          <a:prstGeom prst="rect">
-            <a:avLst/>
-          </a:prstGeom>
-        </p:spPr>
-        <p:style>
-          <a:lnRef idx="2">
-            <a:schemeClr val="accent1">
-              <a:shade val="50000"/>
-            </a:schemeClr>
-          </a:lnRef>
-          <a:fillRef idx="1">
-            <a:schemeClr val="accent1"/>
-          </a:fillRef>
-          <a:effectRef idx="0">
-            <a:schemeClr val="accent1"/>
-          </a:effectRef>
-          <a:fontRef idx="minor">
-            <a:schemeClr val="lt1"/>
-          </a:fontRef>
-        </p:style>
-        <p:txBody>
-          <a:bodyPr rtlCol="0" anchor="ctr"/>
-          <a:lstStyle/>
-          <a:p>
-            <a:pPr algn="ctr"/>
-            <a:r>
-              <a:rPr lang="en-US" dirty="0"/>
-              <a:t>Router</a:t>
-            </a:r>
-          </a:p>
-        </p:txBody>
-      </p:sp>
-      <p:sp>
-        <p:nvSpPr>
-          <p:cNvPr id="22" name="Rectangle 21">
-            <a:extLst>
-              <a:ext uri="{FF2B5EF4-FFF2-40B4-BE49-F238E27FC236}">
-                <a16:creationId xmlns:a16="http://schemas.microsoft.com/office/drawing/2014/main" id="{3B7C6461-83A4-4E44-A643-147564F81510}"/>
-              </a:ext>
-            </a:extLst>
-          </p:cNvPr>
-          <p:cNvSpPr/>
-          <p:nvPr/>
-        </p:nvSpPr>
-        <p:spPr>
-          <a:xfrm>
-            <a:off x="742403" y="5700111"/>
-            <a:ext cx="923807" cy="620402"/>
-          </a:xfrm>
-          <a:prstGeom prst="rect">
-            <a:avLst/>
-          </a:prstGeom>
-        </p:spPr>
-        <p:style>
-          <a:lnRef idx="2">
-            <a:schemeClr val="accent1">
-              <a:shade val="50000"/>
-            </a:schemeClr>
-          </a:lnRef>
-          <a:fillRef idx="1">
-            <a:schemeClr val="accent1"/>
-          </a:fillRef>
-          <a:effectRef idx="0">
-            <a:schemeClr val="accent1"/>
-          </a:effectRef>
-          <a:fontRef idx="minor">
-            <a:schemeClr val="lt1"/>
-          </a:fontRef>
-        </p:style>
-        <p:txBody>
-          <a:bodyPr rtlCol="0" anchor="ctr"/>
-          <a:lstStyle/>
-          <a:p>
-            <a:pPr algn="ctr"/>
-            <a:r>
-              <a:rPr lang="en-US" dirty="0"/>
-              <a:t>MC</a:t>
-            </a:r>
-          </a:p>
-        </p:txBody>
-      </p:sp>
-      <p:sp>
-        <p:nvSpPr>
-          <p:cNvPr id="23" name="Rectangle 22">
-            <a:extLst>
-              <a:ext uri="{FF2B5EF4-FFF2-40B4-BE49-F238E27FC236}">
-                <a16:creationId xmlns:a16="http://schemas.microsoft.com/office/drawing/2014/main" id="{8371F76C-6061-C04B-AD70-9A3D018CC641}"/>
-              </a:ext>
-            </a:extLst>
-          </p:cNvPr>
-          <p:cNvSpPr/>
-          <p:nvPr/>
-        </p:nvSpPr>
-        <p:spPr>
-          <a:xfrm>
-            <a:off x="758734" y="4776393"/>
-            <a:ext cx="923807" cy="620402"/>
-          </a:xfrm>
-          <a:prstGeom prst="rect">
-            <a:avLst/>
-          </a:prstGeom>
-        </p:spPr>
-        <p:style>
-          <a:lnRef idx="2">
-            <a:schemeClr val="accent1">
-              <a:shade val="50000"/>
-            </a:schemeClr>
-          </a:lnRef>
-          <a:fillRef idx="1">
-            <a:schemeClr val="accent1"/>
-          </a:fillRef>
-          <a:effectRef idx="0">
-            <a:schemeClr val="accent1"/>
-          </a:effectRef>
-          <a:fontRef idx="minor">
-            <a:schemeClr val="lt1"/>
-          </a:fontRef>
-        </p:style>
-        <p:txBody>
-          <a:bodyPr rtlCol="0" anchor="ctr"/>
-          <a:lstStyle/>
-          <a:p>
-            <a:pPr algn="ctr"/>
-            <a:r>
-              <a:rPr lang="en-US" dirty="0"/>
-              <a:t>DC</a:t>
-            </a:r>
-          </a:p>
-        </p:txBody>
-      </p:sp>
-      <p:cxnSp>
-        <p:nvCxnSpPr>
-          <p:cNvPr id="24" name="Straight Arrow Connector 23">
-            <a:extLst>
-              <a:ext uri="{FF2B5EF4-FFF2-40B4-BE49-F238E27FC236}">
-                <a16:creationId xmlns:a16="http://schemas.microsoft.com/office/drawing/2014/main" id="{24D72EE6-8B24-1B4F-8977-446C21628515}"/>
-              </a:ext>
-            </a:extLst>
-          </p:cNvPr>
-          <p:cNvCxnSpPr>
-            <a:cxnSpLocks/>
-            <a:endCxn id="18" idx="0"/>
-          </p:cNvCxnSpPr>
-          <p:nvPr/>
-        </p:nvCxnSpPr>
-        <p:spPr>
-          <a:xfrm flipH="1">
-            <a:off x="1220641" y="1487776"/>
-            <a:ext cx="0" cy="303316"/>
-          </a:xfrm>
-          <a:prstGeom prst="straightConnector1">
-            <a:avLst/>
-          </a:prstGeom>
-          <a:ln>
-            <a:tailEnd type="triangle"/>
-          </a:ln>
-        </p:spPr>
-        <p:style>
-          <a:lnRef idx="1">
-            <a:schemeClr val="accent1"/>
-          </a:lnRef>
-          <a:fillRef idx="0">
-            <a:schemeClr val="accent1"/>
-          </a:fillRef>
-          <a:effectRef idx="0">
-            <a:schemeClr val="accent1"/>
-          </a:effectRef>
-          <a:fontRef idx="minor">
-            <a:schemeClr val="tx1"/>
-          </a:fontRef>
-        </p:style>
-      </p:cxnSp>
-      <p:cxnSp>
-        <p:nvCxnSpPr>
-          <p:cNvPr id="25" name="Straight Arrow Connector 24">
-            <a:extLst>
-              <a:ext uri="{FF2B5EF4-FFF2-40B4-BE49-F238E27FC236}">
-                <a16:creationId xmlns:a16="http://schemas.microsoft.com/office/drawing/2014/main" id="{902E7B82-9B8F-B544-BA1F-CD0466F2402C}"/>
-              </a:ext>
-            </a:extLst>
-          </p:cNvPr>
-          <p:cNvCxnSpPr>
-            <a:cxnSpLocks/>
-            <a:stCxn id="18" idx="2"/>
-          </p:cNvCxnSpPr>
-          <p:nvPr/>
-        </p:nvCxnSpPr>
-        <p:spPr>
-          <a:xfrm flipH="1">
-            <a:off x="1198861" y="2411494"/>
-            <a:ext cx="21780" cy="429107"/>
-          </a:xfrm>
-          <a:prstGeom prst="straightConnector1">
-            <a:avLst/>
-          </a:prstGeom>
-          <a:ln>
-            <a:tailEnd type="triangle"/>
-          </a:ln>
-        </p:spPr>
-        <p:style>
-          <a:lnRef idx="1">
-            <a:schemeClr val="accent1"/>
-          </a:lnRef>
-          <a:fillRef idx="0">
-            <a:schemeClr val="accent1"/>
-          </a:fillRef>
-          <a:effectRef idx="0">
-            <a:schemeClr val="accent1"/>
-          </a:effectRef>
-          <a:fontRef idx="minor">
-            <a:schemeClr val="tx1"/>
-          </a:fontRef>
-        </p:style>
-      </p:cxnSp>
-      <p:cxnSp>
-        <p:nvCxnSpPr>
-          <p:cNvPr id="26" name="Straight Arrow Connector 25">
-            <a:extLst>
-              <a:ext uri="{FF2B5EF4-FFF2-40B4-BE49-F238E27FC236}">
-                <a16:creationId xmlns:a16="http://schemas.microsoft.com/office/drawing/2014/main" id="{EB4509F8-0562-2744-AA21-DADA8B366AFB}"/>
-              </a:ext>
-            </a:extLst>
-          </p:cNvPr>
-          <p:cNvCxnSpPr>
-            <a:cxnSpLocks/>
-            <a:endCxn id="20" idx="0"/>
-          </p:cNvCxnSpPr>
-          <p:nvPr/>
-        </p:nvCxnSpPr>
-        <p:spPr>
-          <a:xfrm flipH="1">
-            <a:off x="1220640" y="3493054"/>
-            <a:ext cx="10892" cy="351934"/>
-          </a:xfrm>
-          <a:prstGeom prst="straightConnector1">
-            <a:avLst/>
-          </a:prstGeom>
-          <a:ln>
-            <a:tailEnd type="triangle"/>
-          </a:ln>
-        </p:spPr>
-        <p:style>
-          <a:lnRef idx="1">
-            <a:schemeClr val="accent1"/>
-          </a:lnRef>
-          <a:fillRef idx="0">
-            <a:schemeClr val="accent1"/>
-          </a:fillRef>
-          <a:effectRef idx="0">
-            <a:schemeClr val="accent1"/>
-          </a:effectRef>
-          <a:fontRef idx="minor">
-            <a:schemeClr val="tx1"/>
-          </a:fontRef>
-        </p:style>
-      </p:cxnSp>
-      <p:cxnSp>
-        <p:nvCxnSpPr>
-          <p:cNvPr id="27" name="Straight Arrow Connector 26">
-            <a:extLst>
-              <a:ext uri="{FF2B5EF4-FFF2-40B4-BE49-F238E27FC236}">
-                <a16:creationId xmlns:a16="http://schemas.microsoft.com/office/drawing/2014/main" id="{0AF455C2-7143-3940-91DC-CE98977C1AA2}"/>
-              </a:ext>
-            </a:extLst>
-          </p:cNvPr>
-          <p:cNvCxnSpPr>
-            <a:cxnSpLocks/>
-          </p:cNvCxnSpPr>
-          <p:nvPr/>
-        </p:nvCxnSpPr>
-        <p:spPr>
-          <a:xfrm flipH="1">
-            <a:off x="1193415" y="4455359"/>
-            <a:ext cx="10892" cy="351934"/>
-          </a:xfrm>
-          <a:prstGeom prst="straightConnector1">
-            <a:avLst/>
-          </a:prstGeom>
-          <a:ln>
-            <a:tailEnd type="triangle"/>
-          </a:ln>
-        </p:spPr>
-        <p:style>
-          <a:lnRef idx="1">
-            <a:schemeClr val="accent1"/>
-          </a:lnRef>
-          <a:fillRef idx="0">
-            <a:schemeClr val="accent1"/>
-          </a:fillRef>
-          <a:effectRef idx="0">
-            <a:schemeClr val="accent1"/>
-          </a:effectRef>
-          <a:fontRef idx="minor">
-            <a:schemeClr val="tx1"/>
-          </a:fontRef>
-        </p:style>
-      </p:cxnSp>
-      <p:cxnSp>
-        <p:nvCxnSpPr>
-          <p:cNvPr id="28" name="Straight Arrow Connector 27">
-            <a:extLst>
-              <a:ext uri="{FF2B5EF4-FFF2-40B4-BE49-F238E27FC236}">
-                <a16:creationId xmlns:a16="http://schemas.microsoft.com/office/drawing/2014/main" id="{BB374D22-BD0D-0B49-A6EB-B12BEC076DE4}"/>
-              </a:ext>
-            </a:extLst>
-          </p:cNvPr>
-          <p:cNvCxnSpPr>
-            <a:cxnSpLocks/>
-          </p:cNvCxnSpPr>
-          <p:nvPr/>
-        </p:nvCxnSpPr>
-        <p:spPr>
-          <a:xfrm flipH="1">
-            <a:off x="1171128" y="5355864"/>
-            <a:ext cx="10892" cy="351934"/>
-          </a:xfrm>
-          <a:prstGeom prst="straightConnector1">
-            <a:avLst/>
-          </a:prstGeom>
-          <a:ln>
-            <a:tailEnd type="triangle"/>
-          </a:ln>
-        </p:spPr>
-        <p:style>
-          <a:lnRef idx="1">
-            <a:schemeClr val="accent1"/>
-          </a:lnRef>
-          <a:fillRef idx="0">
-            <a:schemeClr val="accent1"/>
-          </a:fillRef>
-          <a:effectRef idx="0">
-            <a:schemeClr val="accent1"/>
-          </a:effectRef>
-          <a:fontRef idx="minor">
-            <a:schemeClr val="tx1"/>
-          </a:fontRef>
-        </p:style>
-      </p:cxnSp>
-      <p:sp>
-        <p:nvSpPr>
-          <p:cNvPr id="34" name="Rectangle 33">
-            <a:extLst>
-              <a:ext uri="{FF2B5EF4-FFF2-40B4-BE49-F238E27FC236}">
-                <a16:creationId xmlns:a16="http://schemas.microsoft.com/office/drawing/2014/main" id="{DF82C088-F174-CF46-BD6F-77D94B1080D5}"/>
-              </a:ext>
-            </a:extLst>
-          </p:cNvPr>
-          <p:cNvSpPr/>
-          <p:nvPr/>
-        </p:nvSpPr>
-        <p:spPr>
-          <a:xfrm>
-            <a:off x="6447989" y="1936265"/>
-            <a:ext cx="923807" cy="620402"/>
-          </a:xfrm>
-          <a:prstGeom prst="rect">
-            <a:avLst/>
-          </a:prstGeom>
-        </p:spPr>
-        <p:style>
-          <a:lnRef idx="2">
-            <a:schemeClr val="accent1">
-              <a:shade val="50000"/>
-            </a:schemeClr>
-          </a:lnRef>
-          <a:fillRef idx="1">
-            <a:schemeClr val="accent1"/>
-          </a:fillRef>
-          <a:effectRef idx="0">
-            <a:schemeClr val="accent1"/>
-          </a:effectRef>
-          <a:fontRef idx="minor">
-            <a:schemeClr val="lt1"/>
-          </a:fontRef>
-        </p:style>
-        <p:txBody>
-          <a:bodyPr rtlCol="0" anchor="ctr"/>
-          <a:lstStyle/>
-          <a:p>
-            <a:pPr algn="ctr"/>
-            <a:r>
-              <a:rPr lang="en-US" dirty="0"/>
-              <a:t>L1</a:t>
-            </a:r>
-          </a:p>
-        </p:txBody>
-      </p:sp>
-      <p:sp>
-        <p:nvSpPr>
-          <p:cNvPr id="35" name="Rectangle 34">
-            <a:extLst>
-              <a:ext uri="{FF2B5EF4-FFF2-40B4-BE49-F238E27FC236}">
-                <a16:creationId xmlns:a16="http://schemas.microsoft.com/office/drawing/2014/main" id="{8717236B-C6D9-934A-AB81-7FCC419BBFEF}"/>
-              </a:ext>
-            </a:extLst>
-          </p:cNvPr>
-          <p:cNvSpPr/>
-          <p:nvPr/>
-        </p:nvSpPr>
-        <p:spPr>
-          <a:xfrm>
-            <a:off x="6436441" y="4276110"/>
-            <a:ext cx="923807" cy="620402"/>
-          </a:xfrm>
-          <a:prstGeom prst="rect">
-            <a:avLst/>
-          </a:prstGeom>
-        </p:spPr>
-        <p:style>
-          <a:lnRef idx="2">
-            <a:schemeClr val="accent1">
-              <a:shade val="50000"/>
-            </a:schemeClr>
-          </a:lnRef>
-          <a:fillRef idx="1">
-            <a:schemeClr val="accent1"/>
-          </a:fillRef>
-          <a:effectRef idx="0">
-            <a:schemeClr val="accent1"/>
-          </a:effectRef>
-          <a:fontRef idx="minor">
-            <a:schemeClr val="lt1"/>
-          </a:fontRef>
-        </p:style>
-        <p:txBody>
-          <a:bodyPr rtlCol="0" anchor="ctr"/>
-          <a:lstStyle/>
-          <a:p>
-            <a:pPr algn="ctr"/>
-            <a:r>
-              <a:rPr lang="en-US" dirty="0"/>
-              <a:t>L2</a:t>
-            </a:r>
-          </a:p>
-        </p:txBody>
-      </p:sp>
-      <p:cxnSp>
-        <p:nvCxnSpPr>
-          <p:cNvPr id="36" name="Straight Arrow Connector 35">
-            <a:extLst>
-              <a:ext uri="{FF2B5EF4-FFF2-40B4-BE49-F238E27FC236}">
-                <a16:creationId xmlns:a16="http://schemas.microsoft.com/office/drawing/2014/main" id="{E00B89F4-F2FA-8C4D-8145-2A7A0C76F60F}"/>
-              </a:ext>
-            </a:extLst>
-          </p:cNvPr>
-          <p:cNvCxnSpPr>
-            <a:cxnSpLocks/>
-            <a:endCxn id="34" idx="0"/>
-          </p:cNvCxnSpPr>
-          <p:nvPr/>
-        </p:nvCxnSpPr>
-        <p:spPr>
-          <a:xfrm flipH="1">
-            <a:off x="6909893" y="1632949"/>
-            <a:ext cx="0" cy="303316"/>
-          </a:xfrm>
-          <a:prstGeom prst="straightConnector1">
-            <a:avLst/>
-          </a:prstGeom>
-          <a:ln>
-            <a:tailEnd type="triangle"/>
-          </a:ln>
-        </p:spPr>
-        <p:style>
-          <a:lnRef idx="1">
-            <a:schemeClr val="accent1"/>
-          </a:lnRef>
-          <a:fillRef idx="0">
-            <a:schemeClr val="accent1"/>
-          </a:fillRef>
-          <a:effectRef idx="0">
-            <a:schemeClr val="accent1"/>
-          </a:effectRef>
-          <a:fontRef idx="minor">
-            <a:schemeClr val="tx1"/>
-          </a:fontRef>
-        </p:style>
-      </p:cxnSp>
-      <p:sp>
-        <p:nvSpPr>
-          <p:cNvPr id="37" name="Rectangle 36">
-            <a:extLst>
-              <a:ext uri="{FF2B5EF4-FFF2-40B4-BE49-F238E27FC236}">
-                <a16:creationId xmlns:a16="http://schemas.microsoft.com/office/drawing/2014/main" id="{BDDF67E1-4A2A-CC45-8EEC-FBC8918C1D6D}"/>
-              </a:ext>
-            </a:extLst>
-          </p:cNvPr>
-          <p:cNvSpPr/>
-          <p:nvPr/>
-        </p:nvSpPr>
-        <p:spPr>
-          <a:xfrm>
-            <a:off x="7740097" y="1982232"/>
-            <a:ext cx="923807" cy="620402"/>
-          </a:xfrm>
-          <a:prstGeom prst="rect">
-            <a:avLst/>
-          </a:prstGeom>
-        </p:spPr>
-        <p:style>
-          <a:lnRef idx="2">
-            <a:schemeClr val="accent1">
-              <a:shade val="50000"/>
-            </a:schemeClr>
-          </a:lnRef>
-          <a:fillRef idx="1">
-            <a:schemeClr val="accent1"/>
-          </a:fillRef>
-          <a:effectRef idx="0">
-            <a:schemeClr val="accent1"/>
-          </a:effectRef>
-          <a:fontRef idx="minor">
-            <a:schemeClr val="lt1"/>
-          </a:fontRef>
-        </p:style>
-        <p:txBody>
-          <a:bodyPr rtlCol="0" anchor="ctr"/>
-          <a:lstStyle/>
-          <a:p>
-            <a:pPr algn="ctr"/>
-            <a:r>
-              <a:rPr lang="en-US" dirty="0"/>
-              <a:t>L1</a:t>
-            </a:r>
-          </a:p>
-        </p:txBody>
-      </p:sp>
-      <p:cxnSp>
-        <p:nvCxnSpPr>
-          <p:cNvPr id="38" name="Straight Arrow Connector 37">
-            <a:extLst>
-              <a:ext uri="{FF2B5EF4-FFF2-40B4-BE49-F238E27FC236}">
-                <a16:creationId xmlns:a16="http://schemas.microsoft.com/office/drawing/2014/main" id="{2936D317-3C7B-A94D-BF2E-DE5F2BD0998A}"/>
-              </a:ext>
-            </a:extLst>
-          </p:cNvPr>
-          <p:cNvCxnSpPr>
-            <a:cxnSpLocks/>
-            <a:endCxn id="37" idx="0"/>
-          </p:cNvCxnSpPr>
-          <p:nvPr/>
-        </p:nvCxnSpPr>
-        <p:spPr>
-          <a:xfrm flipH="1">
-            <a:off x="8202001" y="1678916"/>
-            <a:ext cx="0" cy="303316"/>
-          </a:xfrm>
-          <a:prstGeom prst="straightConnector1">
-            <a:avLst/>
-          </a:prstGeom>
-          <a:ln>
-            <a:tailEnd type="triangle"/>
-          </a:ln>
-        </p:spPr>
-        <p:style>
-          <a:lnRef idx="1">
-            <a:schemeClr val="accent1"/>
-          </a:lnRef>
-          <a:fillRef idx="0">
-            <a:schemeClr val="accent1"/>
-          </a:fillRef>
-          <a:effectRef idx="0">
-            <a:schemeClr val="accent1"/>
-          </a:effectRef>
-          <a:fontRef idx="minor">
-            <a:schemeClr val="tx1"/>
-          </a:fontRef>
-        </p:style>
-      </p:cxnSp>
-      <p:cxnSp>
-        <p:nvCxnSpPr>
-          <p:cNvPr id="39" name="Straight Arrow Connector 38">
-            <a:extLst>
-              <a:ext uri="{FF2B5EF4-FFF2-40B4-BE49-F238E27FC236}">
-                <a16:creationId xmlns:a16="http://schemas.microsoft.com/office/drawing/2014/main" id="{B8E33CF0-B4C5-2842-9B1F-0FDCB065B6CD}"/>
-              </a:ext>
-            </a:extLst>
-          </p:cNvPr>
-          <p:cNvCxnSpPr>
-            <a:cxnSpLocks/>
-            <a:stCxn id="47" idx="1"/>
-          </p:cNvCxnSpPr>
-          <p:nvPr/>
-        </p:nvCxnSpPr>
-        <p:spPr>
-          <a:xfrm flipH="1">
-            <a:off x="7671688" y="2877700"/>
-            <a:ext cx="5762" cy="511130"/>
-          </a:xfrm>
-          <a:prstGeom prst="straightConnector1">
-            <a:avLst/>
-          </a:prstGeom>
-          <a:ln>
-            <a:tailEnd type="triangle"/>
-          </a:ln>
-        </p:spPr>
-        <p:style>
-          <a:lnRef idx="1">
-            <a:schemeClr val="accent1"/>
-          </a:lnRef>
-          <a:fillRef idx="0">
-            <a:schemeClr val="accent1"/>
-          </a:fillRef>
-          <a:effectRef idx="0">
-            <a:schemeClr val="accent1"/>
-          </a:effectRef>
-          <a:fontRef idx="minor">
-            <a:schemeClr val="tx1"/>
-          </a:fontRef>
-        </p:style>
-      </p:cxnSp>
-      <p:sp>
-        <p:nvSpPr>
-          <p:cNvPr id="40" name="Rectangle 39">
-            <a:extLst>
-              <a:ext uri="{FF2B5EF4-FFF2-40B4-BE49-F238E27FC236}">
-                <a16:creationId xmlns:a16="http://schemas.microsoft.com/office/drawing/2014/main" id="{707014B1-5544-B247-86A3-77441170DD34}"/>
-              </a:ext>
-            </a:extLst>
-          </p:cNvPr>
-          <p:cNvSpPr/>
-          <p:nvPr/>
-        </p:nvSpPr>
-        <p:spPr>
-          <a:xfrm>
-            <a:off x="10530085" y="1936265"/>
-            <a:ext cx="923807" cy="620402"/>
-          </a:xfrm>
-          <a:prstGeom prst="rect">
-            <a:avLst/>
-          </a:prstGeom>
-        </p:spPr>
-        <p:style>
-          <a:lnRef idx="2">
-            <a:schemeClr val="accent1">
-              <a:shade val="50000"/>
-            </a:schemeClr>
-          </a:lnRef>
-          <a:fillRef idx="1">
-            <a:schemeClr val="accent1"/>
-          </a:fillRef>
-          <a:effectRef idx="0">
-            <a:schemeClr val="accent1"/>
-          </a:effectRef>
-          <a:fontRef idx="minor">
-            <a:schemeClr val="lt1"/>
-          </a:fontRef>
-        </p:style>
-        <p:txBody>
-          <a:bodyPr rtlCol="0" anchor="ctr"/>
-          <a:lstStyle/>
-          <a:p>
-            <a:pPr algn="ctr"/>
-            <a:r>
-              <a:rPr lang="en-US" dirty="0"/>
-              <a:t>L1</a:t>
-            </a:r>
-          </a:p>
-        </p:txBody>
-      </p:sp>
-      <p:sp>
-        <p:nvSpPr>
-          <p:cNvPr id="41" name="Rectangle 40">
-            <a:extLst>
-              <a:ext uri="{FF2B5EF4-FFF2-40B4-BE49-F238E27FC236}">
-                <a16:creationId xmlns:a16="http://schemas.microsoft.com/office/drawing/2014/main" id="{D1D1B31D-629C-634E-9E52-4E915B26AD77}"/>
-              </a:ext>
-            </a:extLst>
-          </p:cNvPr>
-          <p:cNvSpPr/>
-          <p:nvPr/>
-        </p:nvSpPr>
-        <p:spPr>
-          <a:xfrm>
-            <a:off x="8056026" y="4295630"/>
-            <a:ext cx="923807" cy="620402"/>
-          </a:xfrm>
-          <a:prstGeom prst="rect">
-            <a:avLst/>
-          </a:prstGeom>
-        </p:spPr>
-        <p:style>
-          <a:lnRef idx="2">
-            <a:schemeClr val="accent1">
-              <a:shade val="50000"/>
-            </a:schemeClr>
-          </a:lnRef>
-          <a:fillRef idx="1">
-            <a:schemeClr val="accent1"/>
-          </a:fillRef>
-          <a:effectRef idx="0">
-            <a:schemeClr val="accent1"/>
-          </a:effectRef>
-          <a:fontRef idx="minor">
-            <a:schemeClr val="lt1"/>
-          </a:fontRef>
-        </p:style>
-        <p:txBody>
-          <a:bodyPr rtlCol="0" anchor="ctr"/>
-          <a:lstStyle/>
-          <a:p>
-            <a:pPr algn="ctr"/>
-            <a:r>
-              <a:rPr lang="en-US" dirty="0"/>
-              <a:t>L2</a:t>
-            </a:r>
-          </a:p>
-        </p:txBody>
-      </p:sp>
-      <p:cxnSp>
-        <p:nvCxnSpPr>
-          <p:cNvPr id="42" name="Straight Arrow Connector 41">
-            <a:extLst>
-              <a:ext uri="{FF2B5EF4-FFF2-40B4-BE49-F238E27FC236}">
-                <a16:creationId xmlns:a16="http://schemas.microsoft.com/office/drawing/2014/main" id="{D0425E2C-198D-0340-A660-2120D27DCB93}"/>
-              </a:ext>
-            </a:extLst>
-          </p:cNvPr>
-          <p:cNvCxnSpPr>
-            <a:cxnSpLocks/>
-            <a:endCxn id="40" idx="0"/>
-          </p:cNvCxnSpPr>
-          <p:nvPr/>
-        </p:nvCxnSpPr>
-        <p:spPr>
-          <a:xfrm flipH="1">
-            <a:off x="10991989" y="1632949"/>
-            <a:ext cx="0" cy="303316"/>
-          </a:xfrm>
-          <a:prstGeom prst="straightConnector1">
-            <a:avLst/>
-          </a:prstGeom>
-          <a:ln>
-            <a:tailEnd type="triangle"/>
-          </a:ln>
-        </p:spPr>
-        <p:style>
-          <a:lnRef idx="1">
-            <a:schemeClr val="accent1"/>
-          </a:lnRef>
-          <a:fillRef idx="0">
-            <a:schemeClr val="accent1"/>
-          </a:fillRef>
-          <a:effectRef idx="0">
-            <a:schemeClr val="accent1"/>
-          </a:effectRef>
-          <a:fontRef idx="minor">
-            <a:schemeClr val="tx1"/>
-          </a:fontRef>
-        </p:style>
-      </p:cxnSp>
-      <p:cxnSp>
-        <p:nvCxnSpPr>
-          <p:cNvPr id="43" name="Straight Arrow Connector 42">
-            <a:extLst>
-              <a:ext uri="{FF2B5EF4-FFF2-40B4-BE49-F238E27FC236}">
-                <a16:creationId xmlns:a16="http://schemas.microsoft.com/office/drawing/2014/main" id="{E6DC82AB-A966-5543-A78A-CDB70445E5C6}"/>
-              </a:ext>
-            </a:extLst>
-          </p:cNvPr>
-          <p:cNvCxnSpPr>
-            <a:cxnSpLocks/>
-            <a:stCxn id="40" idx="2"/>
-          </p:cNvCxnSpPr>
-          <p:nvPr/>
-        </p:nvCxnSpPr>
-        <p:spPr>
-          <a:xfrm flipH="1">
-            <a:off x="10970209" y="2556667"/>
-            <a:ext cx="21780" cy="429107"/>
-          </a:xfrm>
-          <a:prstGeom prst="straightConnector1">
-            <a:avLst/>
-          </a:prstGeom>
-          <a:ln>
-            <a:tailEnd type="triangle"/>
-          </a:ln>
-        </p:spPr>
-        <p:style>
-          <a:lnRef idx="1">
-            <a:schemeClr val="accent1"/>
-          </a:lnRef>
-          <a:fillRef idx="0">
-            <a:schemeClr val="accent1"/>
-          </a:fillRef>
-          <a:effectRef idx="0">
-            <a:schemeClr val="accent1"/>
-          </a:effectRef>
-          <a:fontRef idx="minor">
-            <a:schemeClr val="tx1"/>
-          </a:fontRef>
-        </p:style>
-      </p:cxnSp>
-      <p:sp>
-        <p:nvSpPr>
-          <p:cNvPr id="44" name="Rectangle 43">
-            <a:extLst>
-              <a:ext uri="{FF2B5EF4-FFF2-40B4-BE49-F238E27FC236}">
-                <a16:creationId xmlns:a16="http://schemas.microsoft.com/office/drawing/2014/main" id="{53925B7D-74CD-EA4D-A208-3D686607DFC6}"/>
-              </a:ext>
-            </a:extLst>
-          </p:cNvPr>
-          <p:cNvSpPr/>
-          <p:nvPr/>
-        </p:nvSpPr>
-        <p:spPr>
-          <a:xfrm>
-            <a:off x="6436441" y="3370686"/>
-            <a:ext cx="5113637" cy="620402"/>
-          </a:xfrm>
-          <a:prstGeom prst="rect">
-            <a:avLst/>
-          </a:prstGeom>
-        </p:spPr>
-        <p:style>
-          <a:lnRef idx="2">
-            <a:schemeClr val="accent1">
-              <a:shade val="50000"/>
-            </a:schemeClr>
-          </a:lnRef>
-          <a:fillRef idx="1">
-            <a:schemeClr val="accent1"/>
-          </a:fillRef>
-          <a:effectRef idx="0">
-            <a:schemeClr val="accent1"/>
-          </a:effectRef>
-          <a:fontRef idx="minor">
-            <a:schemeClr val="lt1"/>
-          </a:fontRef>
-        </p:style>
-        <p:txBody>
-          <a:bodyPr rtlCol="0" anchor="ctr"/>
-          <a:lstStyle/>
-          <a:p>
-            <a:pPr algn="ctr"/>
-            <a:r>
-              <a:rPr lang="en-US" dirty="0"/>
-              <a:t>Router</a:t>
-            </a:r>
-          </a:p>
-        </p:txBody>
-      </p:sp>
-      <p:sp>
-        <p:nvSpPr>
-          <p:cNvPr id="45" name="Rectangle 44">
-            <a:extLst>
-              <a:ext uri="{FF2B5EF4-FFF2-40B4-BE49-F238E27FC236}">
-                <a16:creationId xmlns:a16="http://schemas.microsoft.com/office/drawing/2014/main" id="{29AE22AC-2D6E-3647-902B-28A9AFC073E7}"/>
-              </a:ext>
-            </a:extLst>
-          </p:cNvPr>
-          <p:cNvSpPr/>
-          <p:nvPr/>
-        </p:nvSpPr>
-        <p:spPr>
-          <a:xfrm>
-            <a:off x="6483733" y="5244482"/>
-            <a:ext cx="923807" cy="620402"/>
-          </a:xfrm>
-          <a:prstGeom prst="rect">
-            <a:avLst/>
-          </a:prstGeom>
-        </p:spPr>
-        <p:style>
-          <a:lnRef idx="2">
-            <a:schemeClr val="accent1">
-              <a:shade val="50000"/>
-            </a:schemeClr>
-          </a:lnRef>
-          <a:fillRef idx="1">
-            <a:schemeClr val="accent1"/>
-          </a:fillRef>
-          <a:effectRef idx="0">
-            <a:schemeClr val="accent1"/>
-          </a:effectRef>
-          <a:fontRef idx="minor">
-            <a:schemeClr val="lt1"/>
-          </a:fontRef>
-        </p:style>
-        <p:txBody>
-          <a:bodyPr rtlCol="0" anchor="ctr"/>
-          <a:lstStyle/>
-          <a:p>
-            <a:pPr algn="ctr"/>
-            <a:r>
-              <a:rPr lang="en-US" dirty="0"/>
-              <a:t>MC</a:t>
-            </a:r>
-          </a:p>
-        </p:txBody>
-      </p:sp>
-      <p:cxnSp>
-        <p:nvCxnSpPr>
-          <p:cNvPr id="46" name="Straight Arrow Connector 45">
-            <a:extLst>
-              <a:ext uri="{FF2B5EF4-FFF2-40B4-BE49-F238E27FC236}">
-                <a16:creationId xmlns:a16="http://schemas.microsoft.com/office/drawing/2014/main" id="{DC1A9FCB-F838-5048-958F-19BDED9C8711}"/>
-              </a:ext>
-            </a:extLst>
-          </p:cNvPr>
-          <p:cNvCxnSpPr>
-            <a:cxnSpLocks/>
-          </p:cNvCxnSpPr>
-          <p:nvPr/>
-        </p:nvCxnSpPr>
-        <p:spPr>
-          <a:xfrm flipH="1">
-            <a:off x="6912458" y="4900235"/>
-            <a:ext cx="10892" cy="351934"/>
-          </a:xfrm>
-          <a:prstGeom prst="straightConnector1">
-            <a:avLst/>
-          </a:prstGeom>
-          <a:ln>
-            <a:tailEnd type="triangle"/>
-          </a:ln>
-        </p:spPr>
-        <p:style>
-          <a:lnRef idx="1">
-            <a:schemeClr val="accent1"/>
-          </a:lnRef>
-          <a:fillRef idx="0">
-            <a:schemeClr val="accent1"/>
-          </a:fillRef>
-          <a:effectRef idx="0">
-            <a:schemeClr val="accent1"/>
-          </a:effectRef>
-          <a:fontRef idx="minor">
-            <a:schemeClr val="tx1"/>
-          </a:fontRef>
-        </p:style>
-      </p:cxnSp>
-      <p:sp>
-        <p:nvSpPr>
-          <p:cNvPr id="47" name="Left Brace 46">
-            <a:extLst>
-              <a:ext uri="{FF2B5EF4-FFF2-40B4-BE49-F238E27FC236}">
-                <a16:creationId xmlns:a16="http://schemas.microsoft.com/office/drawing/2014/main" id="{FC86C433-0B9F-024D-844B-749D4FBBA293}"/>
-              </a:ext>
-            </a:extLst>
-          </p:cNvPr>
-          <p:cNvSpPr/>
-          <p:nvPr/>
-        </p:nvSpPr>
-        <p:spPr>
-          <a:xfrm rot="16200000">
-            <a:off x="7543639" y="2083688"/>
-            <a:ext cx="267620" cy="1320403"/>
-          </a:xfrm>
-          <a:prstGeom prst="leftBrace">
-            <a:avLst/>
-          </a:prstGeom>
-        </p:spPr>
-        <p:style>
-          <a:lnRef idx="1">
-            <a:schemeClr val="accent1"/>
-          </a:lnRef>
-          <a:fillRef idx="0">
-            <a:schemeClr val="accent1"/>
-          </a:fillRef>
-          <a:effectRef idx="0">
-            <a:schemeClr val="accent1"/>
-          </a:effectRef>
-          <a:fontRef idx="minor">
-            <a:schemeClr val="tx1"/>
-          </a:fontRef>
-        </p:style>
-        <p:txBody>
-          <a:bodyPr rtlCol="0" anchor="ctr"/>
-          <a:lstStyle/>
-          <a:p>
-            <a:pPr algn="ctr"/>
-            <a:endParaRPr lang="en-US"/>
-          </a:p>
-        </p:txBody>
-      </p:sp>
-      <p:sp>
-        <p:nvSpPr>
-          <p:cNvPr id="48" name="Rectangle 47">
-            <a:extLst>
-              <a:ext uri="{FF2B5EF4-FFF2-40B4-BE49-F238E27FC236}">
-                <a16:creationId xmlns:a16="http://schemas.microsoft.com/office/drawing/2014/main" id="{0D4B6307-00F9-2349-A7BB-AE2F0A099D27}"/>
-              </a:ext>
-            </a:extLst>
-          </p:cNvPr>
-          <p:cNvSpPr/>
-          <p:nvPr/>
-        </p:nvSpPr>
-        <p:spPr>
-          <a:xfrm>
-            <a:off x="8056026" y="5308273"/>
-            <a:ext cx="923807" cy="620402"/>
-          </a:xfrm>
-          <a:prstGeom prst="rect">
-            <a:avLst/>
-          </a:prstGeom>
-        </p:spPr>
-        <p:style>
-          <a:lnRef idx="2">
-            <a:schemeClr val="accent1">
-              <a:shade val="50000"/>
-            </a:schemeClr>
-          </a:lnRef>
-          <a:fillRef idx="1">
-            <a:schemeClr val="accent1"/>
-          </a:fillRef>
-          <a:effectRef idx="0">
-            <a:schemeClr val="accent1"/>
-          </a:effectRef>
-          <a:fontRef idx="minor">
-            <a:schemeClr val="lt1"/>
-          </a:fontRef>
-        </p:style>
-        <p:txBody>
-          <a:bodyPr rtlCol="0" anchor="ctr"/>
-          <a:lstStyle/>
-          <a:p>
-            <a:pPr algn="ctr"/>
-            <a:r>
-              <a:rPr lang="en-US" dirty="0"/>
-              <a:t>MC</a:t>
-            </a:r>
-          </a:p>
-        </p:txBody>
-      </p:sp>
-      <p:cxnSp>
-        <p:nvCxnSpPr>
-          <p:cNvPr id="49" name="Straight Arrow Connector 48">
-            <a:extLst>
-              <a:ext uri="{FF2B5EF4-FFF2-40B4-BE49-F238E27FC236}">
-                <a16:creationId xmlns:a16="http://schemas.microsoft.com/office/drawing/2014/main" id="{00B615BC-C922-7948-A323-6A179D565E44}"/>
-              </a:ext>
-            </a:extLst>
-          </p:cNvPr>
-          <p:cNvCxnSpPr>
-            <a:cxnSpLocks/>
-          </p:cNvCxnSpPr>
-          <p:nvPr/>
-        </p:nvCxnSpPr>
-        <p:spPr>
-          <a:xfrm flipH="1">
-            <a:off x="8484751" y="4964026"/>
-            <a:ext cx="10892" cy="351934"/>
-          </a:xfrm>
-          <a:prstGeom prst="straightConnector1">
-            <a:avLst/>
-          </a:prstGeom>
-          <a:ln>
-            <a:tailEnd type="triangle"/>
-          </a:ln>
-        </p:spPr>
-        <p:style>
-          <a:lnRef idx="1">
-            <a:schemeClr val="accent1"/>
-          </a:lnRef>
-          <a:fillRef idx="0">
-            <a:schemeClr val="accent1"/>
-          </a:fillRef>
-          <a:effectRef idx="0">
-            <a:schemeClr val="accent1"/>
-          </a:effectRef>
-          <a:fontRef idx="minor">
-            <a:schemeClr val="tx1"/>
-          </a:fontRef>
-        </p:style>
-      </p:cxnSp>
-      <p:cxnSp>
-        <p:nvCxnSpPr>
-          <p:cNvPr id="50" name="Straight Arrow Connector 49">
-            <a:extLst>
-              <a:ext uri="{FF2B5EF4-FFF2-40B4-BE49-F238E27FC236}">
-                <a16:creationId xmlns:a16="http://schemas.microsoft.com/office/drawing/2014/main" id="{B49D8233-499C-A549-9AFA-103F5C5B4873}"/>
-              </a:ext>
-            </a:extLst>
-          </p:cNvPr>
-          <p:cNvCxnSpPr>
-            <a:cxnSpLocks/>
-          </p:cNvCxnSpPr>
-          <p:nvPr/>
-        </p:nvCxnSpPr>
-        <p:spPr>
-          <a:xfrm flipH="1">
-            <a:off x="8507038" y="3983401"/>
-            <a:ext cx="10892" cy="351934"/>
-          </a:xfrm>
-          <a:prstGeom prst="straightConnector1">
-            <a:avLst/>
-          </a:prstGeom>
-          <a:ln>
-            <a:tailEnd type="triangle"/>
-          </a:ln>
-        </p:spPr>
-        <p:style>
-          <a:lnRef idx="1">
-            <a:schemeClr val="accent1"/>
-          </a:lnRef>
-          <a:fillRef idx="0">
-            <a:schemeClr val="accent1"/>
-          </a:fillRef>
-          <a:effectRef idx="0">
-            <a:schemeClr val="accent1"/>
-          </a:effectRef>
-          <a:fontRef idx="minor">
-            <a:schemeClr val="tx1"/>
-          </a:fontRef>
-        </p:style>
-      </p:cxnSp>
-      <p:cxnSp>
-        <p:nvCxnSpPr>
-          <p:cNvPr id="51" name="Straight Arrow Connector 50">
-            <a:extLst>
-              <a:ext uri="{FF2B5EF4-FFF2-40B4-BE49-F238E27FC236}">
-                <a16:creationId xmlns:a16="http://schemas.microsoft.com/office/drawing/2014/main" id="{DD717EE1-38D4-404F-A2B5-9296FC471CF2}"/>
-              </a:ext>
-            </a:extLst>
-          </p:cNvPr>
-          <p:cNvCxnSpPr>
-            <a:cxnSpLocks/>
-          </p:cNvCxnSpPr>
-          <p:nvPr/>
-        </p:nvCxnSpPr>
-        <p:spPr>
-          <a:xfrm flipH="1">
-            <a:off x="6884415" y="3957632"/>
-            <a:ext cx="10892" cy="351934"/>
-          </a:xfrm>
-          <a:prstGeom prst="straightConnector1">
-            <a:avLst/>
-          </a:prstGeom>
-          <a:ln>
-            <a:tailEnd type="triangle"/>
-          </a:ln>
-        </p:spPr>
-        <p:style>
-          <a:lnRef idx="1">
-            <a:schemeClr val="accent1"/>
-          </a:lnRef>
-          <a:fillRef idx="0">
-            <a:schemeClr val="accent1"/>
-          </a:fillRef>
-          <a:effectRef idx="0">
-            <a:schemeClr val="accent1"/>
-          </a:effectRef>
-          <a:fontRef idx="minor">
-            <a:schemeClr val="tx1"/>
-          </a:fontRef>
-        </p:style>
-      </p:cxnSp>
-      <p:sp>
-        <p:nvSpPr>
-          <p:cNvPr id="52" name="Rectangle 51">
-            <a:extLst>
-              <a:ext uri="{FF2B5EF4-FFF2-40B4-BE49-F238E27FC236}">
-                <a16:creationId xmlns:a16="http://schemas.microsoft.com/office/drawing/2014/main" id="{B31E09FA-6E5A-7E4B-AF61-BB31E3E7FF18}"/>
-              </a:ext>
-            </a:extLst>
-          </p:cNvPr>
-          <p:cNvSpPr/>
-          <p:nvPr/>
-        </p:nvSpPr>
-        <p:spPr>
-          <a:xfrm>
-            <a:off x="10602310" y="4306964"/>
-            <a:ext cx="923807" cy="620402"/>
-          </a:xfrm>
-          <a:prstGeom prst="rect">
-            <a:avLst/>
-          </a:prstGeom>
-        </p:spPr>
-        <p:style>
-          <a:lnRef idx="2">
-            <a:schemeClr val="accent1">
-              <a:shade val="50000"/>
-            </a:schemeClr>
-          </a:lnRef>
-          <a:fillRef idx="1">
-            <a:schemeClr val="accent1"/>
-          </a:fillRef>
-          <a:effectRef idx="0">
-            <a:schemeClr val="accent1"/>
-          </a:effectRef>
-          <a:fontRef idx="minor">
-            <a:schemeClr val="lt1"/>
-          </a:fontRef>
-        </p:style>
-        <p:txBody>
-          <a:bodyPr rtlCol="0" anchor="ctr"/>
-          <a:lstStyle/>
-          <a:p>
-            <a:pPr algn="ctr"/>
-            <a:r>
-              <a:rPr lang="en-US" dirty="0"/>
-              <a:t>L2</a:t>
-            </a:r>
-          </a:p>
-        </p:txBody>
-      </p:sp>
-      <p:sp>
-        <p:nvSpPr>
-          <p:cNvPr id="53" name="Rectangle 52">
-            <a:extLst>
-              <a:ext uri="{FF2B5EF4-FFF2-40B4-BE49-F238E27FC236}">
-                <a16:creationId xmlns:a16="http://schemas.microsoft.com/office/drawing/2014/main" id="{1B9866CD-2FEA-4548-AABB-8C981DA3773A}"/>
-              </a:ext>
-            </a:extLst>
-          </p:cNvPr>
-          <p:cNvSpPr/>
-          <p:nvPr/>
-        </p:nvSpPr>
-        <p:spPr>
-          <a:xfrm>
-            <a:off x="10602310" y="5319607"/>
-            <a:ext cx="923807" cy="620402"/>
-          </a:xfrm>
-          <a:prstGeom prst="rect">
-            <a:avLst/>
-          </a:prstGeom>
-        </p:spPr>
-        <p:style>
-          <a:lnRef idx="2">
-            <a:schemeClr val="accent1">
-              <a:shade val="50000"/>
-            </a:schemeClr>
-          </a:lnRef>
-          <a:fillRef idx="1">
-            <a:schemeClr val="accent1"/>
-          </a:fillRef>
-          <a:effectRef idx="0">
-            <a:schemeClr val="accent1"/>
-          </a:effectRef>
-          <a:fontRef idx="minor">
-            <a:schemeClr val="lt1"/>
-          </a:fontRef>
-        </p:style>
-        <p:txBody>
-          <a:bodyPr rtlCol="0" anchor="ctr"/>
-          <a:lstStyle/>
-          <a:p>
-            <a:pPr algn="ctr"/>
-            <a:r>
-              <a:rPr lang="en-US" dirty="0"/>
-              <a:t>MC</a:t>
-            </a:r>
-          </a:p>
-        </p:txBody>
-      </p:sp>
-      <p:cxnSp>
-        <p:nvCxnSpPr>
-          <p:cNvPr id="54" name="Straight Arrow Connector 53">
-            <a:extLst>
-              <a:ext uri="{FF2B5EF4-FFF2-40B4-BE49-F238E27FC236}">
-                <a16:creationId xmlns:a16="http://schemas.microsoft.com/office/drawing/2014/main" id="{5A966016-F578-B846-BD46-3851AAA072B0}"/>
-              </a:ext>
-            </a:extLst>
-          </p:cNvPr>
-          <p:cNvCxnSpPr>
-            <a:cxnSpLocks/>
-          </p:cNvCxnSpPr>
-          <p:nvPr/>
-        </p:nvCxnSpPr>
-        <p:spPr>
-          <a:xfrm flipH="1">
-            <a:off x="11031035" y="4975360"/>
-            <a:ext cx="10892" cy="351934"/>
-          </a:xfrm>
-          <a:prstGeom prst="straightConnector1">
-            <a:avLst/>
-          </a:prstGeom>
-          <a:ln>
-            <a:tailEnd type="triangle"/>
-          </a:ln>
-        </p:spPr>
-        <p:style>
-          <a:lnRef idx="1">
-            <a:schemeClr val="accent1"/>
-          </a:lnRef>
-          <a:fillRef idx="0">
-            <a:schemeClr val="accent1"/>
-          </a:fillRef>
-          <a:effectRef idx="0">
-            <a:schemeClr val="accent1"/>
-          </a:effectRef>
-          <a:fontRef idx="minor">
-            <a:schemeClr val="tx1"/>
-          </a:fontRef>
-        </p:style>
-      </p:cxnSp>
-      <p:cxnSp>
-        <p:nvCxnSpPr>
-          <p:cNvPr id="55" name="Straight Arrow Connector 54">
-            <a:extLst>
-              <a:ext uri="{FF2B5EF4-FFF2-40B4-BE49-F238E27FC236}">
-                <a16:creationId xmlns:a16="http://schemas.microsoft.com/office/drawing/2014/main" id="{4AF1ABE7-0B8C-0E46-845A-13F492AAE289}"/>
-              </a:ext>
-            </a:extLst>
-          </p:cNvPr>
-          <p:cNvCxnSpPr>
-            <a:cxnSpLocks/>
-          </p:cNvCxnSpPr>
-          <p:nvPr/>
-        </p:nvCxnSpPr>
-        <p:spPr>
-          <a:xfrm flipH="1">
-            <a:off x="11053321" y="3996701"/>
-            <a:ext cx="10892" cy="351934"/>
-          </a:xfrm>
-          <a:prstGeom prst="straightConnector1">
-            <a:avLst/>
-          </a:prstGeom>
-          <a:ln>
-            <a:tailEnd type="triangle"/>
-          </a:ln>
-        </p:spPr>
-        <p:style>
-          <a:lnRef idx="1">
-            <a:schemeClr val="accent1"/>
-          </a:lnRef>
-          <a:fillRef idx="0">
-            <a:schemeClr val="accent1"/>
-          </a:fillRef>
-          <a:effectRef idx="0">
-            <a:schemeClr val="accent1"/>
-          </a:effectRef>
-          <a:fontRef idx="minor">
-            <a:schemeClr val="tx1"/>
-          </a:fontRef>
-        </p:style>
-      </p:cxnSp>
-      <p:sp>
-        <p:nvSpPr>
-          <p:cNvPr id="57" name="Rectangle 56">
-            <a:extLst>
-              <a:ext uri="{FF2B5EF4-FFF2-40B4-BE49-F238E27FC236}">
-                <a16:creationId xmlns:a16="http://schemas.microsoft.com/office/drawing/2014/main" id="{BF47120B-9505-1D45-95A9-7BB4B9D498AF}"/>
-              </a:ext>
-            </a:extLst>
-          </p:cNvPr>
-          <p:cNvSpPr/>
-          <p:nvPr/>
-        </p:nvSpPr>
-        <p:spPr>
-          <a:xfrm>
-            <a:off x="422307" y="1678916"/>
-            <a:ext cx="1647768" cy="5006364"/>
-          </a:xfrm>
-          <a:prstGeom prst="rect">
-            <a:avLst/>
-          </a:prstGeom>
-          <a:noFill/>
-          <a:ln w="25400">
-            <a:solidFill>
-              <a:schemeClr val="tx1"/>
-            </a:solidFill>
-            <a:prstDash val="dash"/>
-          </a:ln>
-        </p:spPr>
-        <p:style>
-          <a:lnRef idx="2">
-            <a:schemeClr val="accent1">
-              <a:shade val="50000"/>
-            </a:schemeClr>
-          </a:lnRef>
-          <a:fillRef idx="1">
-            <a:schemeClr val="accent1"/>
-          </a:fillRef>
-          <a:effectRef idx="0">
-            <a:schemeClr val="accent1"/>
-          </a:effectRef>
-          <a:fontRef idx="minor">
-            <a:schemeClr val="lt1"/>
-          </a:fontRef>
-        </p:style>
-        <p:txBody>
-          <a:bodyPr rtlCol="0" anchor="b" anchorCtr="0"/>
-          <a:lstStyle/>
-          <a:p>
-            <a:pPr algn="ctr"/>
-            <a:r>
-              <a:rPr lang="en-US" dirty="0">
+            <a:r>
+              <a:rPr lang="en-US" altLang="zh-CN" sz="2000" dirty="0">
                 <a:solidFill>
                   <a:schemeClr val="tx1"/>
                 </a:solidFill>
               </a:rPr>
-              <a:t>Mem Hierarchy</a:t>
-            </a:r>
-          </a:p>
-        </p:txBody>
-      </p:sp>
-      <p:sp>
-        <p:nvSpPr>
-          <p:cNvPr id="59" name="Rectangle 58">
-            <a:extLst>
-              <a:ext uri="{FF2B5EF4-FFF2-40B4-BE49-F238E27FC236}">
-                <a16:creationId xmlns:a16="http://schemas.microsoft.com/office/drawing/2014/main" id="{25E80AB0-9CA0-8E4C-8FA3-D66ABF3398BC}"/>
-              </a:ext>
-            </a:extLst>
-          </p:cNvPr>
-          <p:cNvSpPr/>
-          <p:nvPr/>
-        </p:nvSpPr>
-        <p:spPr>
-          <a:xfrm>
-            <a:off x="6223657" y="1851636"/>
-            <a:ext cx="5546035" cy="4691404"/>
-          </a:xfrm>
-          <a:prstGeom prst="rect">
-            <a:avLst/>
-          </a:prstGeom>
-          <a:noFill/>
-          <a:ln w="25400">
-            <a:solidFill>
-              <a:schemeClr val="tx1"/>
-            </a:solidFill>
-            <a:prstDash val="dash"/>
-          </a:ln>
-        </p:spPr>
-        <p:style>
-          <a:lnRef idx="2">
-            <a:schemeClr val="accent1">
-              <a:shade val="50000"/>
-            </a:schemeClr>
-          </a:lnRef>
-          <a:fillRef idx="1">
-            <a:schemeClr val="accent1"/>
-          </a:fillRef>
-          <a:effectRef idx="0">
-            <a:schemeClr val="accent1"/>
-          </a:effectRef>
-          <a:fontRef idx="minor">
-            <a:schemeClr val="lt1"/>
-          </a:fontRef>
-        </p:style>
-        <p:txBody>
-          <a:bodyPr rtlCol="0" anchor="b" anchorCtr="0"/>
-          <a:lstStyle/>
-          <a:p>
-            <a:pPr algn="ctr"/>
-            <a:r>
-              <a:rPr lang="en-US" dirty="0">
+              <a:t>GPGPU-Sim</a:t>
+            </a:r>
+            <a:r>
+              <a:rPr lang="zh-CN" altLang="en-US" sz="2000" dirty="0">
                 <a:solidFill>
                   <a:schemeClr val="tx1"/>
                 </a:solidFill>
               </a:rPr>
-              <a:t>Mem Hierarchy</a:t>
-            </a:r>
-          </a:p>
-        </p:txBody>
-      </p:sp>
-    </p:spTree>
-    <p:extLst>
-      <p:ext uri="{BB962C8B-B14F-4D97-AF65-F5344CB8AC3E}">
-        <p14:creationId xmlns:p14="http://schemas.microsoft.com/office/powerpoint/2010/main" val="350666331"/>
-      </p:ext>
-    </p:extLst>
-  </p:cSld>
-  <p:clrMapOvr>
-    <a:masterClrMapping/>
-  </p:clrMapOvr>
-</p:sld>
-</file>
-
-<file path=ppt/slides/slide2.xml><?xml version="1.0" encoding="utf-8"?>
-<p:sld xmlns:a="http://schemas.openxmlformats.org/drawingml/2006/main" xmlns:r="http://schemas.openxmlformats.org/officeDocument/2006/relationships" xmlns:p="http://schemas.openxmlformats.org/presentationml/2006/main">
-  <p:cSld>
-    <p:spTree>
-      <p:nvGrpSpPr>
-        <p:cNvPr id="1" name=""/>
-        <p:cNvGrpSpPr/>
-        <p:nvPr/>
-      </p:nvGrpSpPr>
-      <p:grpSpPr>
-        <a:xfrm>
-          <a:off x="0" y="0"/>
-          <a:ext cx="0" cy="0"/>
-          <a:chOff x="0" y="0"/>
-          <a:chExt cx="0" cy="0"/>
-        </a:xfrm>
-      </p:grpSpPr>
-      <p:grpSp>
-        <p:nvGrpSpPr>
-          <p:cNvPr id="3" name="Group 2">
-            <a:extLst>
-              <a:ext uri="{FF2B5EF4-FFF2-40B4-BE49-F238E27FC236}">
-                <a16:creationId xmlns:a16="http://schemas.microsoft.com/office/drawing/2014/main" id="{211B236F-9777-5D4D-A13C-F0C7BC35D1FA}"/>
-              </a:ext>
-            </a:extLst>
-          </p:cNvPr>
-          <p:cNvGrpSpPr/>
-          <p:nvPr/>
-        </p:nvGrpSpPr>
-        <p:grpSpPr>
-          <a:xfrm>
-            <a:off x="6223658" y="346035"/>
-            <a:ext cx="5546035" cy="1401417"/>
-            <a:chOff x="5635487" y="453022"/>
-            <a:chExt cx="5546035" cy="1401417"/>
-          </a:xfrm>
-        </p:grpSpPr>
-        <p:sp>
-          <p:nvSpPr>
-            <p:cNvPr id="4" name="Rectangle 3">
-              <a:extLst>
-                <a:ext uri="{FF2B5EF4-FFF2-40B4-BE49-F238E27FC236}">
-                  <a16:creationId xmlns:a16="http://schemas.microsoft.com/office/drawing/2014/main" id="{206E57E2-39B3-428D-BCE1-E8677F86C7B4}"/>
-                </a:ext>
-              </a:extLst>
-            </p:cNvPr>
-            <p:cNvSpPr/>
-            <p:nvPr/>
-          </p:nvSpPr>
-          <p:spPr>
-            <a:xfrm>
-              <a:off x="5635487" y="453022"/>
-              <a:ext cx="5546035" cy="1401417"/>
-            </a:xfrm>
-            <a:prstGeom prst="rect">
-              <a:avLst/>
-            </a:prstGeom>
-          </p:spPr>
-          <p:style>
-            <a:lnRef idx="2">
-              <a:schemeClr val="accent1">
-                <a:shade val="50000"/>
-              </a:schemeClr>
-            </a:lnRef>
-            <a:fillRef idx="1">
-              <a:schemeClr val="accent1"/>
-            </a:fillRef>
-            <a:effectRef idx="0">
-              <a:schemeClr val="accent1"/>
-            </a:effectRef>
-            <a:fontRef idx="minor">
-              <a:schemeClr val="lt1"/>
-            </a:fontRef>
-          </p:style>
-          <p:txBody>
-            <a:bodyPr rtlCol="0" anchor="t"/>
-            <a:lstStyle/>
-            <a:p>
-              <a:pPr algn="ctr"/>
-              <a:r>
-                <a:rPr lang="en-US" dirty="0"/>
-                <a:t>SMs Element</a:t>
-              </a:r>
-            </a:p>
-          </p:txBody>
-        </p:sp>
-        <p:sp>
-          <p:nvSpPr>
-            <p:cNvPr id="5" name="Rectangle 4">
-              <a:extLst>
-                <a:ext uri="{FF2B5EF4-FFF2-40B4-BE49-F238E27FC236}">
-                  <a16:creationId xmlns:a16="http://schemas.microsoft.com/office/drawing/2014/main" id="{AF7D64F0-8B4E-4BE0-A361-049559F83E0E}"/>
-                </a:ext>
-              </a:extLst>
-            </p:cNvPr>
-            <p:cNvSpPr/>
-            <p:nvPr/>
-          </p:nvSpPr>
-          <p:spPr>
-            <a:xfrm>
-              <a:off x="5855274" y="1133061"/>
-              <a:ext cx="964096" cy="586408"/>
-            </a:xfrm>
-            <a:prstGeom prst="rect">
-              <a:avLst/>
-            </a:prstGeom>
-          </p:spPr>
-          <p:style>
-            <a:lnRef idx="2">
-              <a:schemeClr val="accent2">
-                <a:shade val="50000"/>
-              </a:schemeClr>
-            </a:lnRef>
-            <a:fillRef idx="1">
-              <a:schemeClr val="accent2"/>
-            </a:fillRef>
-            <a:effectRef idx="0">
-              <a:schemeClr val="accent2"/>
-            </a:effectRef>
-            <a:fontRef idx="minor">
-              <a:schemeClr val="lt1"/>
-            </a:fontRef>
-          </p:style>
-          <p:txBody>
-            <a:bodyPr rtlCol="0" anchor="ctr"/>
-            <a:lstStyle/>
-            <a:p>
-              <a:pPr algn="ctr"/>
-              <a:r>
-                <a:rPr lang="en-US" dirty="0"/>
-                <a:t>SM</a:t>
-              </a:r>
-            </a:p>
-          </p:txBody>
-        </p:sp>
-        <p:sp>
-          <p:nvSpPr>
-            <p:cNvPr id="6" name="Rectangle 5">
-              <a:extLst>
-                <a:ext uri="{FF2B5EF4-FFF2-40B4-BE49-F238E27FC236}">
-                  <a16:creationId xmlns:a16="http://schemas.microsoft.com/office/drawing/2014/main" id="{179BA2DD-0D37-446E-B501-9E376BACE116}"/>
-                </a:ext>
-              </a:extLst>
-            </p:cNvPr>
-            <p:cNvSpPr/>
-            <p:nvPr/>
-          </p:nvSpPr>
-          <p:spPr>
-            <a:xfrm>
-              <a:off x="7117544" y="1133061"/>
-              <a:ext cx="964096" cy="586408"/>
-            </a:xfrm>
-            <a:prstGeom prst="rect">
-              <a:avLst/>
-            </a:prstGeom>
-          </p:spPr>
-          <p:style>
-            <a:lnRef idx="2">
-              <a:schemeClr val="accent2">
-                <a:shade val="50000"/>
-              </a:schemeClr>
-            </a:lnRef>
-            <a:fillRef idx="1">
-              <a:schemeClr val="accent2"/>
-            </a:fillRef>
-            <a:effectRef idx="0">
-              <a:schemeClr val="accent2"/>
-            </a:effectRef>
-            <a:fontRef idx="minor">
-              <a:schemeClr val="lt1"/>
-            </a:fontRef>
-          </p:style>
-          <p:txBody>
-            <a:bodyPr rtlCol="0" anchor="ctr"/>
-            <a:lstStyle/>
-            <a:p>
-              <a:pPr algn="ctr"/>
-              <a:r>
-                <a:rPr lang="en-US" dirty="0"/>
-                <a:t>SM</a:t>
-              </a:r>
-            </a:p>
-          </p:txBody>
-        </p:sp>
-        <p:sp>
-          <p:nvSpPr>
-            <p:cNvPr id="7" name="Rectangle 6">
-              <a:extLst>
-                <a:ext uri="{FF2B5EF4-FFF2-40B4-BE49-F238E27FC236}">
-                  <a16:creationId xmlns:a16="http://schemas.microsoft.com/office/drawing/2014/main" id="{3388D868-1532-4D95-A895-2C202F1047CB}"/>
-                </a:ext>
-              </a:extLst>
-            </p:cNvPr>
-            <p:cNvSpPr/>
-            <p:nvPr/>
-          </p:nvSpPr>
-          <p:spPr>
-            <a:xfrm>
-              <a:off x="9941914" y="1133061"/>
-              <a:ext cx="964096" cy="586408"/>
-            </a:xfrm>
-            <a:prstGeom prst="rect">
-              <a:avLst/>
-            </a:prstGeom>
-          </p:spPr>
-          <p:style>
-            <a:lnRef idx="2">
-              <a:schemeClr val="accent2">
-                <a:shade val="50000"/>
-              </a:schemeClr>
-            </a:lnRef>
-            <a:fillRef idx="1">
-              <a:schemeClr val="accent2"/>
-            </a:fillRef>
-            <a:effectRef idx="0">
-              <a:schemeClr val="accent2"/>
-            </a:effectRef>
-            <a:fontRef idx="minor">
-              <a:schemeClr val="lt1"/>
-            </a:fontRef>
-          </p:style>
-          <p:txBody>
-            <a:bodyPr rtlCol="0" anchor="ctr"/>
-            <a:lstStyle/>
-            <a:p>
-              <a:pPr algn="ctr"/>
-              <a:r>
-                <a:rPr lang="en-US" dirty="0"/>
-                <a:t>SM</a:t>
-              </a:r>
-            </a:p>
-          </p:txBody>
-        </p:sp>
-        <p:sp>
-          <p:nvSpPr>
-            <p:cNvPr id="8" name="TextBox 7">
-              <a:extLst>
-                <a:ext uri="{FF2B5EF4-FFF2-40B4-BE49-F238E27FC236}">
-                  <a16:creationId xmlns:a16="http://schemas.microsoft.com/office/drawing/2014/main" id="{03FA039D-382D-47EC-8878-5042B53236F0}"/>
-                </a:ext>
-              </a:extLst>
-            </p:cNvPr>
-            <p:cNvSpPr txBox="1"/>
-            <p:nvPr/>
-          </p:nvSpPr>
-          <p:spPr>
-            <a:xfrm>
-              <a:off x="8544341" y="1292086"/>
-              <a:ext cx="934871" cy="369332"/>
-            </a:xfrm>
-            <a:prstGeom prst="rect">
-              <a:avLst/>
-            </a:prstGeom>
-            <a:noFill/>
-          </p:spPr>
-          <p:txBody>
-            <a:bodyPr wrap="none" rtlCol="0">
-              <a:spAutoFit/>
-            </a:bodyPr>
-            <a:lstStyle/>
-            <a:p>
-              <a:r>
-                <a:rPr lang="en-US" dirty="0"/>
-                <a:t>…………..</a:t>
-              </a:r>
-            </a:p>
-          </p:txBody>
-        </p:sp>
-      </p:grpSp>
-      <p:sp>
-        <p:nvSpPr>
-          <p:cNvPr id="9" name="Rectangle 8">
-            <a:extLst>
-              <a:ext uri="{FF2B5EF4-FFF2-40B4-BE49-F238E27FC236}">
-                <a16:creationId xmlns:a16="http://schemas.microsoft.com/office/drawing/2014/main" id="{C193FEB1-C503-4488-877E-058C6248BBE4}"/>
-              </a:ext>
-            </a:extLst>
-          </p:cNvPr>
-          <p:cNvSpPr/>
-          <p:nvPr/>
-        </p:nvSpPr>
-        <p:spPr>
-          <a:xfrm>
-            <a:off x="422307" y="165946"/>
-            <a:ext cx="1659834" cy="1401417"/>
-          </a:xfrm>
-          <a:prstGeom prst="rect">
-            <a:avLst/>
-          </a:prstGeom>
-        </p:spPr>
-        <p:style>
-          <a:lnRef idx="2">
-            <a:schemeClr val="accent1">
-              <a:shade val="50000"/>
-            </a:schemeClr>
-          </a:lnRef>
-          <a:fillRef idx="1">
-            <a:schemeClr val="accent1"/>
-          </a:fillRef>
-          <a:effectRef idx="0">
-            <a:schemeClr val="accent1"/>
-          </a:effectRef>
-          <a:fontRef idx="minor">
-            <a:schemeClr val="lt1"/>
-          </a:fontRef>
-        </p:style>
-        <p:txBody>
-          <a:bodyPr rtlCol="0" anchor="t"/>
-          <a:lstStyle/>
-          <a:p>
-            <a:pPr algn="ctr"/>
-            <a:r>
-              <a:rPr lang="en-US" dirty="0"/>
-              <a:t>Ariel</a:t>
-            </a:r>
-          </a:p>
-        </p:txBody>
-      </p:sp>
-      <p:sp>
-        <p:nvSpPr>
-          <p:cNvPr id="21" name="Rectangle 20">
-            <a:extLst>
-              <a:ext uri="{FF2B5EF4-FFF2-40B4-BE49-F238E27FC236}">
-                <a16:creationId xmlns:a16="http://schemas.microsoft.com/office/drawing/2014/main" id="{10865AD4-9091-43CE-8AAF-4464F486E31E}"/>
-              </a:ext>
-            </a:extLst>
-          </p:cNvPr>
-          <p:cNvSpPr/>
-          <p:nvPr/>
-        </p:nvSpPr>
-        <p:spPr>
-          <a:xfrm>
-            <a:off x="754078" y="685315"/>
-            <a:ext cx="964096" cy="586408"/>
-          </a:xfrm>
-          <a:prstGeom prst="rect">
-            <a:avLst/>
-          </a:prstGeom>
-        </p:spPr>
-        <p:style>
-          <a:lnRef idx="2">
-            <a:schemeClr val="accent2">
-              <a:shade val="50000"/>
-            </a:schemeClr>
-          </a:lnRef>
-          <a:fillRef idx="1">
-            <a:schemeClr val="accent2"/>
-          </a:fillRef>
-          <a:effectRef idx="0">
-            <a:schemeClr val="accent2"/>
-          </a:effectRef>
-          <a:fontRef idx="minor">
-            <a:schemeClr val="lt1"/>
-          </a:fontRef>
-        </p:style>
-        <p:txBody>
-          <a:bodyPr rtlCol="0" anchor="ctr"/>
-          <a:lstStyle/>
-          <a:p>
-            <a:pPr algn="ctr"/>
-            <a:r>
-              <a:rPr lang="en-US" dirty="0"/>
-              <a:t>CPU</a:t>
-            </a:r>
-          </a:p>
-        </p:txBody>
-      </p:sp>
-      <p:sp>
-        <p:nvSpPr>
-          <p:cNvPr id="32" name="Arrow: Left-Right 31">
-            <a:extLst>
-              <a:ext uri="{FF2B5EF4-FFF2-40B4-BE49-F238E27FC236}">
-                <a16:creationId xmlns:a16="http://schemas.microsoft.com/office/drawing/2014/main" id="{46E62D3B-F828-43F5-B3E8-7993592AE053}"/>
-              </a:ext>
-            </a:extLst>
-          </p:cNvPr>
-          <p:cNvSpPr/>
-          <p:nvPr/>
-        </p:nvSpPr>
-        <p:spPr>
-          <a:xfrm>
-            <a:off x="2082141" y="356779"/>
-            <a:ext cx="4141517" cy="328536"/>
-          </a:xfrm>
-          <a:prstGeom prst="leftRightArrow">
-            <a:avLst/>
-          </a:prstGeom>
-        </p:spPr>
-        <p:style>
-          <a:lnRef idx="2">
-            <a:schemeClr val="accent1">
-              <a:shade val="50000"/>
-            </a:schemeClr>
-          </a:lnRef>
-          <a:fillRef idx="1">
-            <a:schemeClr val="accent1"/>
-          </a:fillRef>
-          <a:effectRef idx="0">
-            <a:schemeClr val="accent1"/>
-          </a:effectRef>
-          <a:fontRef idx="minor">
-            <a:schemeClr val="lt1"/>
-          </a:fontRef>
-        </p:style>
-        <p:txBody>
-          <a:bodyPr rtlCol="0" anchor="ctr"/>
-          <a:lstStyle/>
-          <a:p>
-            <a:pPr algn="ctr"/>
-            <a:endParaRPr lang="en-US"/>
-          </a:p>
-        </p:txBody>
-      </p:sp>
-      <p:sp>
-        <p:nvSpPr>
-          <p:cNvPr id="78" name="TextBox 77">
-            <a:extLst>
-              <a:ext uri="{FF2B5EF4-FFF2-40B4-BE49-F238E27FC236}">
-                <a16:creationId xmlns:a16="http://schemas.microsoft.com/office/drawing/2014/main" id="{496267EC-7B81-4373-853F-111BBBC26EF7}"/>
-              </a:ext>
-            </a:extLst>
-          </p:cNvPr>
-          <p:cNvSpPr txBox="1"/>
-          <p:nvPr/>
-        </p:nvSpPr>
-        <p:spPr>
-          <a:xfrm>
-            <a:off x="3292986" y="76697"/>
-            <a:ext cx="2930672" cy="369332"/>
-          </a:xfrm>
-          <a:prstGeom prst="rect">
-            <a:avLst/>
-          </a:prstGeom>
-          <a:noFill/>
-        </p:spPr>
-        <p:txBody>
-          <a:bodyPr wrap="square" rtlCol="0">
-            <a:spAutoFit/>
-          </a:bodyPr>
-          <a:lstStyle/>
-          <a:p>
-            <a:r>
-              <a:rPr lang="en-US" dirty="0"/>
-              <a:t>Command link</a:t>
-            </a:r>
-          </a:p>
-        </p:txBody>
-      </p:sp>
-      <p:sp>
-        <p:nvSpPr>
-          <p:cNvPr id="58" name="Arrow: Left-Right 31">
-            <a:extLst>
-              <a:ext uri="{FF2B5EF4-FFF2-40B4-BE49-F238E27FC236}">
-                <a16:creationId xmlns:a16="http://schemas.microsoft.com/office/drawing/2014/main" id="{50C7562A-7C61-9E42-BEF7-B2FBB7E9AC2B}"/>
-              </a:ext>
-            </a:extLst>
-          </p:cNvPr>
-          <p:cNvSpPr/>
-          <p:nvPr/>
-        </p:nvSpPr>
-        <p:spPr>
-          <a:xfrm>
-            <a:off x="2082141" y="1234735"/>
-            <a:ext cx="1210845" cy="213937"/>
-          </a:xfrm>
-          <a:prstGeom prst="leftRightArrow">
-            <a:avLst/>
-          </a:prstGeom>
-        </p:spPr>
-        <p:style>
-          <a:lnRef idx="2">
-            <a:schemeClr val="accent1">
-              <a:shade val="50000"/>
-            </a:schemeClr>
-          </a:lnRef>
-          <a:fillRef idx="1">
-            <a:schemeClr val="accent1"/>
-          </a:fillRef>
-          <a:effectRef idx="0">
-            <a:schemeClr val="accent1"/>
-          </a:effectRef>
-          <a:fontRef idx="minor">
-            <a:schemeClr val="lt1"/>
-          </a:fontRef>
-        </p:style>
-        <p:txBody>
-          <a:bodyPr rtlCol="0" anchor="ctr"/>
-          <a:lstStyle/>
-          <a:p>
-            <a:pPr algn="ctr"/>
-            <a:endParaRPr lang="en-US"/>
-          </a:p>
-        </p:txBody>
-      </p:sp>
-      <p:sp>
-        <p:nvSpPr>
-          <p:cNvPr id="67" name="TextBox 66">
-            <a:extLst>
-              <a:ext uri="{FF2B5EF4-FFF2-40B4-BE49-F238E27FC236}">
-                <a16:creationId xmlns:a16="http://schemas.microsoft.com/office/drawing/2014/main" id="{89B5B1E2-7221-5C41-AFD8-79C42182E21B}"/>
-              </a:ext>
-            </a:extLst>
-          </p:cNvPr>
-          <p:cNvSpPr txBox="1"/>
-          <p:nvPr/>
-        </p:nvSpPr>
-        <p:spPr>
-          <a:xfrm>
-            <a:off x="2097346" y="1448671"/>
-            <a:ext cx="1168369" cy="646331"/>
-          </a:xfrm>
-          <a:prstGeom prst="rect">
-            <a:avLst/>
-          </a:prstGeom>
-          <a:noFill/>
-        </p:spPr>
-        <p:txBody>
-          <a:bodyPr wrap="square" rtlCol="0">
-            <a:spAutoFit/>
-          </a:bodyPr>
-          <a:lstStyle/>
-          <a:p>
-            <a:r>
-              <a:rPr lang="en-US" dirty="0"/>
-              <a:t>Launch command</a:t>
-            </a:r>
-          </a:p>
-        </p:txBody>
-      </p:sp>
-      <p:sp>
-        <p:nvSpPr>
-          <p:cNvPr id="68" name="TextBox 67">
-            <a:extLst>
-              <a:ext uri="{FF2B5EF4-FFF2-40B4-BE49-F238E27FC236}">
-                <a16:creationId xmlns:a16="http://schemas.microsoft.com/office/drawing/2014/main" id="{B5AFA252-8E64-6341-BF3A-6362A3C2F889}"/>
-              </a:ext>
-            </a:extLst>
-          </p:cNvPr>
-          <p:cNvSpPr txBox="1"/>
-          <p:nvPr/>
-        </p:nvSpPr>
-        <p:spPr>
-          <a:xfrm>
-            <a:off x="5004054" y="1633337"/>
-            <a:ext cx="1317456" cy="923330"/>
-          </a:xfrm>
-          <a:prstGeom prst="rect">
-            <a:avLst/>
-          </a:prstGeom>
-          <a:noFill/>
-        </p:spPr>
-        <p:txBody>
-          <a:bodyPr wrap="square" rtlCol="0">
-            <a:spAutoFit/>
-          </a:bodyPr>
-          <a:lstStyle/>
-          <a:p>
-            <a:r>
-              <a:rPr lang="en-US" dirty="0"/>
-              <a:t>CTA Launch commands</a:t>
-            </a:r>
-          </a:p>
-          <a:p>
-            <a:endParaRPr lang="en-US" dirty="0"/>
-          </a:p>
-        </p:txBody>
-      </p:sp>
-      <p:sp>
-        <p:nvSpPr>
-          <p:cNvPr id="69" name="Rectangle 68">
-            <a:extLst>
-              <a:ext uri="{FF2B5EF4-FFF2-40B4-BE49-F238E27FC236}">
-                <a16:creationId xmlns:a16="http://schemas.microsoft.com/office/drawing/2014/main" id="{B43103FC-1750-0648-9155-C30B9FAEC9B6}"/>
-              </a:ext>
-            </a:extLst>
-          </p:cNvPr>
-          <p:cNvSpPr/>
-          <p:nvPr/>
-        </p:nvSpPr>
-        <p:spPr>
-          <a:xfrm>
-            <a:off x="3335462" y="965397"/>
-            <a:ext cx="1659834" cy="1401417"/>
-          </a:xfrm>
-          <a:prstGeom prst="rect">
-            <a:avLst/>
-          </a:prstGeom>
-        </p:spPr>
-        <p:style>
-          <a:lnRef idx="2">
-            <a:schemeClr val="accent1">
-              <a:shade val="50000"/>
-            </a:schemeClr>
-          </a:lnRef>
-          <a:fillRef idx="1">
-            <a:schemeClr val="accent1"/>
-          </a:fillRef>
-          <a:effectRef idx="0">
-            <a:schemeClr val="accent1"/>
-          </a:effectRef>
-          <a:fontRef idx="minor">
-            <a:schemeClr val="lt1"/>
-          </a:fontRef>
-        </p:style>
-        <p:txBody>
-          <a:bodyPr rtlCol="0" anchor="t"/>
-          <a:lstStyle/>
-          <a:p>
-            <a:pPr algn="ctr"/>
-            <a:r>
-              <a:rPr lang="en-US" dirty="0"/>
-              <a:t>GPUSched Element</a:t>
-            </a:r>
-          </a:p>
-        </p:txBody>
-      </p:sp>
-      <p:sp>
-        <p:nvSpPr>
-          <p:cNvPr id="71" name="Arrow: Left-Right 31">
-            <a:extLst>
-              <a:ext uri="{FF2B5EF4-FFF2-40B4-BE49-F238E27FC236}">
-                <a16:creationId xmlns:a16="http://schemas.microsoft.com/office/drawing/2014/main" id="{6C55F45A-E80B-6642-9666-37D0E47D4D26}"/>
-              </a:ext>
-            </a:extLst>
-          </p:cNvPr>
-          <p:cNvSpPr/>
-          <p:nvPr/>
-        </p:nvSpPr>
-        <p:spPr>
-          <a:xfrm>
-            <a:off x="5004054" y="1341703"/>
-            <a:ext cx="1210845" cy="213937"/>
-          </a:xfrm>
-          <a:prstGeom prst="leftRightArrow">
-            <a:avLst/>
-          </a:prstGeom>
-        </p:spPr>
-        <p:style>
-          <a:lnRef idx="2">
-            <a:schemeClr val="accent1">
-              <a:shade val="50000"/>
-            </a:schemeClr>
-          </a:lnRef>
-          <a:fillRef idx="1">
-            <a:schemeClr val="accent1"/>
-          </a:fillRef>
-          <a:effectRef idx="0">
-            <a:schemeClr val="accent1"/>
-          </a:effectRef>
-          <a:fontRef idx="minor">
-            <a:schemeClr val="lt1"/>
-          </a:fontRef>
-        </p:style>
-        <p:txBody>
-          <a:bodyPr rtlCol="0" anchor="ctr"/>
-          <a:lstStyle/>
-          <a:p>
-            <a:pPr algn="ctr"/>
-            <a:endParaRPr lang="en-US"/>
-          </a:p>
-        </p:txBody>
-      </p:sp>
-    </p:spTree>
-    <p:extLst>
-      <p:ext uri="{BB962C8B-B14F-4D97-AF65-F5344CB8AC3E}">
-        <p14:creationId xmlns:p14="http://schemas.microsoft.com/office/powerpoint/2010/main" val="3964762851"/>
-      </p:ext>
-    </p:extLst>
-  </p:cSld>
-  <p:clrMapOvr>
-    <a:masterClrMapping/>
-  </p:clrMapOvr>
-</p:sld>
-</file>
-
-<file path=ppt/slides/slide3.xml><?xml version="1.0" encoding="utf-8"?>
-<p:sld xmlns:a="http://schemas.openxmlformats.org/drawingml/2006/main" xmlns:r="http://schemas.openxmlformats.org/officeDocument/2006/relationships" xmlns:p="http://schemas.openxmlformats.org/presentationml/2006/main">
-  <p:cSld>
-    <p:spTree>
-      <p:nvGrpSpPr>
-        <p:cNvPr id="1" name=""/>
-        <p:cNvGrpSpPr/>
-        <p:nvPr/>
-      </p:nvGrpSpPr>
-      <p:grpSpPr>
-        <a:xfrm>
-          <a:off x="0" y="0"/>
-          <a:ext cx="0" cy="0"/>
-          <a:chOff x="0" y="0"/>
-          <a:chExt cx="0" cy="0"/>
-        </a:xfrm>
-      </p:grpSpPr>
-      <p:sp>
-        <p:nvSpPr>
-          <p:cNvPr id="67" name="TextBox 66">
-            <a:extLst>
-              <a:ext uri="{FF2B5EF4-FFF2-40B4-BE49-F238E27FC236}">
-                <a16:creationId xmlns:a16="http://schemas.microsoft.com/office/drawing/2014/main" id="{89B5B1E2-7221-5C41-AFD8-79C42182E21B}"/>
-              </a:ext>
-            </a:extLst>
-          </p:cNvPr>
-          <p:cNvSpPr txBox="1"/>
-          <p:nvPr/>
-        </p:nvSpPr>
-        <p:spPr>
-          <a:xfrm>
-            <a:off x="1212579" y="4998986"/>
-            <a:ext cx="2052508" cy="369332"/>
-          </a:xfrm>
-          <a:prstGeom prst="rect">
-            <a:avLst/>
-          </a:prstGeom>
-          <a:noFill/>
-        </p:spPr>
-        <p:txBody>
-          <a:bodyPr wrap="square" rtlCol="0">
-            <a:spAutoFit/>
-          </a:bodyPr>
-          <a:lstStyle/>
-          <a:p>
-            <a:r>
-              <a:rPr lang="en-US" b="1" dirty="0"/>
-              <a:t>Launch </a:t>
-            </a:r>
-            <a:r>
-              <a:rPr lang="en-US" altLang="zh-CN" b="1" dirty="0"/>
-              <a:t>C</a:t>
-            </a:r>
-            <a:r>
-              <a:rPr lang="en-US" b="1" dirty="0"/>
-              <a:t>ommand</a:t>
-            </a:r>
-          </a:p>
-        </p:txBody>
-      </p:sp>
-      <p:sp>
-        <p:nvSpPr>
-          <p:cNvPr id="68" name="TextBox 67">
-            <a:extLst>
-              <a:ext uri="{FF2B5EF4-FFF2-40B4-BE49-F238E27FC236}">
-                <a16:creationId xmlns:a16="http://schemas.microsoft.com/office/drawing/2014/main" id="{B5AFA252-8E64-6341-BF3A-6362A3C2F889}"/>
-              </a:ext>
-            </a:extLst>
-          </p:cNvPr>
-          <p:cNvSpPr txBox="1"/>
-          <p:nvPr/>
-        </p:nvSpPr>
-        <p:spPr>
-          <a:xfrm>
-            <a:off x="7654615" y="5368318"/>
-            <a:ext cx="1317456" cy="923330"/>
-          </a:xfrm>
-          <a:prstGeom prst="rect">
-            <a:avLst/>
-          </a:prstGeom>
-          <a:noFill/>
-        </p:spPr>
-        <p:txBody>
-          <a:bodyPr wrap="square" rtlCol="0">
-            <a:spAutoFit/>
-          </a:bodyPr>
-          <a:lstStyle/>
-          <a:p>
-            <a:r>
-              <a:rPr lang="en-US" b="1" dirty="0"/>
-              <a:t>CTA Launch </a:t>
-            </a:r>
-            <a:r>
-              <a:rPr lang="en-US" altLang="zh-CN" b="1" dirty="0"/>
-              <a:t>C</a:t>
-            </a:r>
-            <a:r>
-              <a:rPr lang="en-US" b="1" dirty="0"/>
-              <a:t>ommand</a:t>
-            </a:r>
-          </a:p>
-          <a:p>
-            <a:endParaRPr lang="en-US" b="1" dirty="0"/>
-          </a:p>
-        </p:txBody>
-      </p:sp>
-      <p:sp>
-        <p:nvSpPr>
-          <p:cNvPr id="69" name="Rectangle 68">
-            <a:extLst>
-              <a:ext uri="{FF2B5EF4-FFF2-40B4-BE49-F238E27FC236}">
-                <a16:creationId xmlns:a16="http://schemas.microsoft.com/office/drawing/2014/main" id="{B43103FC-1750-0648-9155-C30B9FAEC9B6}"/>
-              </a:ext>
-            </a:extLst>
-          </p:cNvPr>
-          <p:cNvSpPr/>
-          <p:nvPr/>
-        </p:nvSpPr>
-        <p:spPr>
-          <a:xfrm>
-            <a:off x="3040409" y="1021770"/>
-            <a:ext cx="4499380" cy="4814459"/>
-          </a:xfrm>
-          <a:prstGeom prst="rect">
-            <a:avLst/>
-          </a:prstGeom>
-          <a:solidFill>
-            <a:schemeClr val="accent1">
-              <a:lumMod val="40000"/>
-              <a:lumOff val="60000"/>
-            </a:schemeClr>
-          </a:solidFill>
-        </p:spPr>
-        <p:style>
-          <a:lnRef idx="2">
-            <a:schemeClr val="accent1">
-              <a:shade val="50000"/>
-            </a:schemeClr>
-          </a:lnRef>
-          <a:fillRef idx="1">
-            <a:schemeClr val="accent1"/>
-          </a:fillRef>
-          <a:effectRef idx="0">
-            <a:schemeClr val="accent1"/>
-          </a:effectRef>
-          <a:fontRef idx="minor">
-            <a:schemeClr val="lt1"/>
-          </a:fontRef>
-        </p:style>
-        <p:txBody>
-          <a:bodyPr rtlCol="0" anchor="t"/>
-          <a:lstStyle/>
-          <a:p>
-            <a:pPr algn="ctr"/>
-            <a:r>
-              <a:rPr lang="en-US" sz="2400" b="1" dirty="0">
+              <a:t> </a:t>
+            </a:r>
+            <a:r>
+              <a:rPr lang="en-US" altLang="zh-CN" sz="2000" dirty="0">
                 <a:solidFill>
                   <a:schemeClr val="tx1"/>
                 </a:solidFill>
               </a:rPr>
-              <a:t>GPUSched Element</a:t>
-            </a:r>
-          </a:p>
-        </p:txBody>
-      </p:sp>
-      <p:sp>
-        <p:nvSpPr>
-          <p:cNvPr id="11" name="Right Arrow 10">
-            <a:extLst>
-              <a:ext uri="{FF2B5EF4-FFF2-40B4-BE49-F238E27FC236}">
-                <a16:creationId xmlns:a16="http://schemas.microsoft.com/office/drawing/2014/main" id="{F00C5919-D32F-A049-9C63-F45D41D236E4}"/>
-              </a:ext>
-            </a:extLst>
-          </p:cNvPr>
-          <p:cNvSpPr/>
-          <p:nvPr/>
-        </p:nvSpPr>
-        <p:spPr>
-          <a:xfrm>
-            <a:off x="6975763" y="5128757"/>
-            <a:ext cx="2361088" cy="198917"/>
-          </a:xfrm>
-          <a:prstGeom prst="rightArrow">
-            <a:avLst/>
-          </a:prstGeom>
-        </p:spPr>
-        <p:style>
-          <a:lnRef idx="2">
-            <a:schemeClr val="accent1">
-              <a:shade val="50000"/>
-            </a:schemeClr>
-          </a:lnRef>
-          <a:fillRef idx="1">
-            <a:schemeClr val="accent1"/>
-          </a:fillRef>
-          <a:effectRef idx="0">
-            <a:schemeClr val="accent1"/>
-          </a:effectRef>
-          <a:fontRef idx="minor">
-            <a:schemeClr val="lt1"/>
-          </a:fontRef>
-        </p:style>
-        <p:txBody>
-          <a:bodyPr rtlCol="0" anchor="ctr"/>
-          <a:lstStyle/>
-          <a:p>
-            <a:pPr algn="ctr"/>
-            <a:endParaRPr lang="en-US" b="1"/>
-          </a:p>
-        </p:txBody>
-      </p:sp>
-      <p:sp>
-        <p:nvSpPr>
-          <p:cNvPr id="12" name="Left Arrow 11">
-            <a:extLst>
-              <a:ext uri="{FF2B5EF4-FFF2-40B4-BE49-F238E27FC236}">
-                <a16:creationId xmlns:a16="http://schemas.microsoft.com/office/drawing/2014/main" id="{F154816F-EBE9-B046-B33B-8E166ED0CC25}"/>
-              </a:ext>
-            </a:extLst>
-          </p:cNvPr>
-          <p:cNvSpPr/>
-          <p:nvPr/>
-        </p:nvSpPr>
-        <p:spPr>
-          <a:xfrm>
-            <a:off x="6955844" y="4350648"/>
-            <a:ext cx="2361088" cy="198917"/>
-          </a:xfrm>
-          <a:prstGeom prst="leftArrow">
-            <a:avLst/>
-          </a:prstGeom>
-        </p:spPr>
-        <p:style>
-          <a:lnRef idx="2">
-            <a:schemeClr val="accent1">
-              <a:shade val="50000"/>
-            </a:schemeClr>
-          </a:lnRef>
-          <a:fillRef idx="1">
-            <a:schemeClr val="accent1"/>
-          </a:fillRef>
-          <a:effectRef idx="0">
-            <a:schemeClr val="accent1"/>
-          </a:effectRef>
-          <a:fontRef idx="minor">
-            <a:schemeClr val="lt1"/>
-          </a:fontRef>
-        </p:style>
-        <p:txBody>
-          <a:bodyPr rtlCol="0" anchor="ctr"/>
-          <a:lstStyle/>
-          <a:p>
-            <a:pPr algn="ctr"/>
-            <a:endParaRPr lang="en-US" b="1"/>
-          </a:p>
-        </p:txBody>
-      </p:sp>
-      <p:sp>
-        <p:nvSpPr>
-          <p:cNvPr id="22" name="Rectangle 21">
-            <a:extLst>
-              <a:ext uri="{FF2B5EF4-FFF2-40B4-BE49-F238E27FC236}">
-                <a16:creationId xmlns:a16="http://schemas.microsoft.com/office/drawing/2014/main" id="{729038D1-4628-764E-A5E0-3BB2C595D379}"/>
-              </a:ext>
-            </a:extLst>
-          </p:cNvPr>
-          <p:cNvSpPr/>
-          <p:nvPr/>
-        </p:nvSpPr>
-        <p:spPr>
-          <a:xfrm rot="16200000">
-            <a:off x="2950826" y="4133028"/>
-            <a:ext cx="2058991" cy="650934"/>
-          </a:xfrm>
-          <a:prstGeom prst="rect">
-            <a:avLst/>
-          </a:prstGeom>
-          <a:solidFill>
-            <a:schemeClr val="accent2"/>
-          </a:solidFill>
-        </p:spPr>
-        <p:style>
-          <a:lnRef idx="1">
-            <a:schemeClr val="accent1"/>
-          </a:lnRef>
-          <a:fillRef idx="2">
-            <a:schemeClr val="accent1"/>
-          </a:fillRef>
-          <a:effectRef idx="1">
-            <a:schemeClr val="accent1"/>
-          </a:effectRef>
-          <a:fontRef idx="minor">
-            <a:schemeClr val="dk1"/>
-          </a:fontRef>
-        </p:style>
-        <p:txBody>
-          <a:bodyPr rtlCol="0" anchor="ctr"/>
-          <a:lstStyle/>
-          <a:p>
-            <a:pPr algn="ctr"/>
-            <a:r>
-              <a:rPr lang="en-US" altLang="zh-CN" b="1" dirty="0"/>
-              <a:t>Kernel</a:t>
-            </a:r>
-            <a:r>
-              <a:rPr lang="zh-CN" altLang="en-US" b="1" dirty="0"/>
-              <a:t> </a:t>
-            </a:r>
-            <a:r>
-              <a:rPr lang="en-US" altLang="zh-CN" b="1" dirty="0"/>
-              <a:t>Handler</a:t>
-            </a:r>
-            <a:endParaRPr lang="en-US" b="1" dirty="0"/>
-          </a:p>
-        </p:txBody>
-      </p:sp>
-      <p:sp>
-        <p:nvSpPr>
-          <p:cNvPr id="58" name="Arrow: Left-Right 31">
-            <a:extLst>
-              <a:ext uri="{FF2B5EF4-FFF2-40B4-BE49-F238E27FC236}">
-                <a16:creationId xmlns:a16="http://schemas.microsoft.com/office/drawing/2014/main" id="{50C7562A-7C61-9E42-BEF7-B2FBB7E9AC2B}"/>
-              </a:ext>
-            </a:extLst>
-          </p:cNvPr>
-          <p:cNvSpPr/>
-          <p:nvPr/>
-        </p:nvSpPr>
-        <p:spPr>
-          <a:xfrm>
-            <a:off x="882316" y="4889735"/>
-            <a:ext cx="2772538" cy="217317"/>
-          </a:xfrm>
-          <a:prstGeom prst="leftRightArrow">
-            <a:avLst/>
-          </a:prstGeom>
-        </p:spPr>
-        <p:style>
-          <a:lnRef idx="2">
-            <a:schemeClr val="accent1">
-              <a:shade val="50000"/>
-            </a:schemeClr>
-          </a:lnRef>
-          <a:fillRef idx="1">
-            <a:schemeClr val="accent1"/>
-          </a:fillRef>
-          <a:effectRef idx="0">
-            <a:schemeClr val="accent1"/>
-          </a:effectRef>
-          <a:fontRef idx="minor">
-            <a:schemeClr val="lt1"/>
-          </a:fontRef>
-        </p:style>
-        <p:txBody>
-          <a:bodyPr rtlCol="0" anchor="ctr"/>
-          <a:lstStyle/>
-          <a:p>
-            <a:pPr algn="ctr"/>
-            <a:endParaRPr lang="en-US" b="1"/>
+              <a:t>lib</a:t>
+            </a:r>
+            <a:endParaRPr lang="en-US" sz="2000" dirty="0">
+              <a:solidFill>
+                <a:schemeClr val="tx1"/>
+              </a:solidFill>
+            </a:endParaRPr>
           </a:p>
         </p:txBody>
       </p:sp>
       <p:graphicFrame>
         <p:nvGraphicFramePr>
-          <p:cNvPr id="13" name="Table 12">
-            <a:extLst>
-              <a:ext uri="{FF2B5EF4-FFF2-40B4-BE49-F238E27FC236}">
-                <a16:creationId xmlns:a16="http://schemas.microsoft.com/office/drawing/2014/main" id="{BACB307B-A8DD-764A-A905-F3663C93944E}"/>
+          <p:cNvPr id="32" name="Table 31">
+            <a:extLst>
+              <a:ext uri="{FF2B5EF4-FFF2-40B4-BE49-F238E27FC236}">
+                <a16:creationId xmlns:a16="http://schemas.microsoft.com/office/drawing/2014/main" id="{1C313508-E6EE-B746-BB64-2A49E9305EE3}"/>
               </a:ext>
             </a:extLst>
           </p:cNvPr>
@@ -7205,14 +4314,14 @@
           <p:nvPr>
             <p:extLst>
               <p:ext uri="{D42A27DB-BD31-4B8C-83A1-F6EECF244321}">
-                <p14:modId xmlns:p14="http://schemas.microsoft.com/office/powerpoint/2010/main" val="132493368"/>
+                <p14:modId xmlns:p14="http://schemas.microsoft.com/office/powerpoint/2010/main" val="2144791687"/>
               </p:ext>
             </p:extLst>
           </p:nvPr>
         </p:nvGraphicFramePr>
         <p:xfrm>
-          <a:off x="3377875" y="1694129"/>
-          <a:ext cx="3577976" cy="399724"/>
+          <a:off x="3164805" y="5225189"/>
+          <a:ext cx="4263776" cy="396240"/>
         </p:xfrm>
         <a:graphic>
           <a:graphicData uri="http://schemas.openxmlformats.org/drawingml/2006/table">
@@ -7221,56 +4330,56 @@
                 <a:tableStyleId>{5C22544A-7EE6-4342-B048-85BDC9FD1C3A}</a:tableStyleId>
               </a:tblPr>
               <a:tblGrid>
-                <a:gridCol w="447247">
+                <a:gridCol w="532972">
                   <a:extLst>
                     <a:ext uri="{9D8B030D-6E8A-4147-A177-3AD203B41FA5}">
                       <a16:colId xmlns:a16="http://schemas.microsoft.com/office/drawing/2014/main" val="715010210"/>
                     </a:ext>
                   </a:extLst>
                 </a:gridCol>
-                <a:gridCol w="447247">
+                <a:gridCol w="532972">
                   <a:extLst>
                     <a:ext uri="{9D8B030D-6E8A-4147-A177-3AD203B41FA5}">
                       <a16:colId xmlns:a16="http://schemas.microsoft.com/office/drawing/2014/main" val="4164978965"/>
                     </a:ext>
                   </a:extLst>
                 </a:gridCol>
-                <a:gridCol w="447247">
+                <a:gridCol w="532972">
                   <a:extLst>
                     <a:ext uri="{9D8B030D-6E8A-4147-A177-3AD203B41FA5}">
                       <a16:colId xmlns:a16="http://schemas.microsoft.com/office/drawing/2014/main" val="469186599"/>
                     </a:ext>
                   </a:extLst>
                 </a:gridCol>
-                <a:gridCol w="447247">
+                <a:gridCol w="532972">
                   <a:extLst>
                     <a:ext uri="{9D8B030D-6E8A-4147-A177-3AD203B41FA5}">
                       <a16:colId xmlns:a16="http://schemas.microsoft.com/office/drawing/2014/main" val="2360870804"/>
                     </a:ext>
                   </a:extLst>
                 </a:gridCol>
-                <a:gridCol w="447247">
+                <a:gridCol w="532972">
                   <a:extLst>
                     <a:ext uri="{9D8B030D-6E8A-4147-A177-3AD203B41FA5}">
                       <a16:colId xmlns:a16="http://schemas.microsoft.com/office/drawing/2014/main" val="1544137110"/>
                     </a:ext>
                   </a:extLst>
                 </a:gridCol>
-                <a:gridCol w="447247">
+                <a:gridCol w="532972">
                   <a:extLst>
                     <a:ext uri="{9D8B030D-6E8A-4147-A177-3AD203B41FA5}">
                       <a16:colId xmlns:a16="http://schemas.microsoft.com/office/drawing/2014/main" val="3348002178"/>
                     </a:ext>
                   </a:extLst>
                 </a:gridCol>
-                <a:gridCol w="447247">
+                <a:gridCol w="532972">
                   <a:extLst>
                     <a:ext uri="{9D8B030D-6E8A-4147-A177-3AD203B41FA5}">
                       <a16:colId xmlns:a16="http://schemas.microsoft.com/office/drawing/2014/main" val="1154429950"/>
                     </a:ext>
                   </a:extLst>
                 </a:gridCol>
-                <a:gridCol w="447247">
+                <a:gridCol w="532972">
                   <a:extLst>
                     <a:ext uri="{9D8B030D-6E8A-4147-A177-3AD203B41FA5}">
                       <a16:colId xmlns:a16="http://schemas.microsoft.com/office/drawing/2014/main" val="3956358605"/>
@@ -7278,25 +4387,31 @@
                   </a:extLst>
                 </a:gridCol>
               </a:tblGrid>
-              <a:tr h="399724">
+              <a:tr h="387513">
                 <a:tc>
                   <a:txBody>
                     <a:bodyPr/>
                     <a:lstStyle/>
                     <a:p>
-                      <a:pPr algn="ctr"/>
+                      <a:pPr marL="0" algn="ctr" defTabSz="914400" rtl="0" eaLnBrk="1" latinLnBrk="0" hangingPunct="1"/>
                       <a:r>
-                        <a:rPr lang="en-US" altLang="zh-CN" dirty="0">
+                        <a:rPr lang="en-US" altLang="zh-CN" sz="2000" b="0" kern="1200" dirty="0">
                           <a:solidFill>
                             <a:schemeClr val="tx1"/>
                           </a:solidFill>
+                          <a:latin typeface="+mn-lt"/>
+                          <a:ea typeface="+mn-ea"/>
+                          <a:cs typeface="+mn-cs"/>
                         </a:rPr>
                         <a:t>K3</a:t>
                       </a:r>
-                      <a:endParaRPr lang="en-US" dirty="0">
+                      <a:endParaRPr lang="en-US" sz="2000" b="0" kern="1200" dirty="0">
                         <a:solidFill>
                           <a:schemeClr val="tx1"/>
                         </a:solidFill>
+                        <a:latin typeface="+mn-lt"/>
+                        <a:ea typeface="+mn-ea"/>
+                        <a:cs typeface="+mn-cs"/>
                       </a:endParaRPr>
                     </a:p>
                   </a:txBody>
@@ -7338,7 +4453,10 @@
                       <a:tailEnd type="none" w="med" len="med"/>
                     </a:lnB>
                     <a:solidFill>
-                      <a:schemeClr val="accent6"/>
+                      <a:schemeClr val="accent6">
+                        <a:lumMod val="40000"/>
+                        <a:lumOff val="60000"/>
+                      </a:schemeClr>
                     </a:solidFill>
                   </a:tcPr>
                 </a:tc>
@@ -7347,19 +4465,25 @@
                     <a:bodyPr/>
                     <a:lstStyle/>
                     <a:p>
-                      <a:pPr algn="ctr"/>
+                      <a:pPr marL="0" algn="ctr" defTabSz="914400" rtl="0" eaLnBrk="1" latinLnBrk="0" hangingPunct="1"/>
                       <a:r>
-                        <a:rPr lang="en-US" altLang="zh-CN" dirty="0">
+                        <a:rPr lang="en-US" altLang="zh-CN" sz="2000" b="0" kern="1200" dirty="0">
                           <a:solidFill>
                             <a:schemeClr val="tx1"/>
                           </a:solidFill>
+                          <a:latin typeface="+mn-lt"/>
+                          <a:ea typeface="+mn-ea"/>
+                          <a:cs typeface="+mn-cs"/>
                         </a:rPr>
                         <a:t>K4</a:t>
                       </a:r>
-                      <a:endParaRPr lang="en-US" dirty="0">
+                      <a:endParaRPr lang="en-US" sz="2000" b="0" kern="1200" dirty="0">
                         <a:solidFill>
                           <a:schemeClr val="tx1"/>
                         </a:solidFill>
+                        <a:latin typeface="+mn-lt"/>
+                        <a:ea typeface="+mn-ea"/>
+                        <a:cs typeface="+mn-cs"/>
                       </a:endParaRPr>
                     </a:p>
                   </a:txBody>
@@ -7401,7 +4525,10 @@
                       <a:tailEnd type="none" w="med" len="med"/>
                     </a:lnB>
                     <a:solidFill>
-                      <a:schemeClr val="accent6"/>
+                      <a:schemeClr val="accent6">
+                        <a:lumMod val="40000"/>
+                        <a:lumOff val="60000"/>
+                      </a:schemeClr>
                     </a:solidFill>
                   </a:tcPr>
                 </a:tc>
@@ -7410,19 +4537,25 @@
                     <a:bodyPr/>
                     <a:lstStyle/>
                     <a:p>
-                      <a:pPr algn="ctr"/>
+                      <a:pPr marL="0" algn="ctr" defTabSz="914400" rtl="0" eaLnBrk="1" latinLnBrk="0" hangingPunct="1"/>
                       <a:r>
-                        <a:rPr lang="en-US" altLang="zh-CN" dirty="0">
+                        <a:rPr lang="en-US" altLang="zh-CN" sz="2000" b="0" kern="1200" dirty="0">
                           <a:solidFill>
                             <a:schemeClr val="tx1"/>
                           </a:solidFill>
+                          <a:latin typeface="+mn-lt"/>
+                          <a:ea typeface="+mn-ea"/>
+                          <a:cs typeface="+mn-cs"/>
                         </a:rPr>
                         <a:t>K5</a:t>
                       </a:r>
-                      <a:endParaRPr lang="en-US" dirty="0">
+                      <a:endParaRPr lang="en-US" sz="2000" b="0" kern="1200" dirty="0">
                         <a:solidFill>
                           <a:schemeClr val="tx1"/>
                         </a:solidFill>
+                        <a:latin typeface="+mn-lt"/>
+                        <a:ea typeface="+mn-ea"/>
+                        <a:cs typeface="+mn-cs"/>
                       </a:endParaRPr>
                     </a:p>
                   </a:txBody>
@@ -7464,7 +4597,10 @@
                       <a:tailEnd type="none" w="med" len="med"/>
                     </a:lnB>
                     <a:solidFill>
-                      <a:schemeClr val="accent6"/>
+                      <a:schemeClr val="accent6">
+                        <a:lumMod val="40000"/>
+                        <a:lumOff val="60000"/>
+                      </a:schemeClr>
                     </a:solidFill>
                   </a:tcPr>
                 </a:tc>
@@ -7473,11 +4609,14 @@
                     <a:bodyPr/>
                     <a:lstStyle/>
                     <a:p>
-                      <a:pPr algn="ctr"/>
-                      <a:endParaRPr lang="en-US" dirty="0">
+                      <a:pPr marL="0" algn="ctr" defTabSz="914400" rtl="0" eaLnBrk="1" latinLnBrk="0" hangingPunct="1"/>
+                      <a:endParaRPr lang="en-US" sz="2000" b="0" kern="1200" dirty="0">
                         <a:solidFill>
                           <a:schemeClr val="tx1"/>
                         </a:solidFill>
+                        <a:latin typeface="+mn-lt"/>
+                        <a:ea typeface="+mn-ea"/>
+                        <a:cs typeface="+mn-cs"/>
                       </a:endParaRPr>
                     </a:p>
                   </a:txBody>
@@ -7519,7 +4658,10 @@
                       <a:tailEnd type="none" w="med" len="med"/>
                     </a:lnB>
                     <a:solidFill>
-                      <a:schemeClr val="accent6"/>
+                      <a:schemeClr val="accent6">
+                        <a:lumMod val="40000"/>
+                        <a:lumOff val="60000"/>
+                      </a:schemeClr>
                     </a:solidFill>
                   </a:tcPr>
                 </a:tc>
@@ -7528,8 +4670,373 @@
                     <a:bodyPr/>
                     <a:lstStyle/>
                     <a:p>
-                      <a:pPr algn="ctr"/>
-                      <a:endParaRPr lang="en-US" dirty="0">
+                      <a:pPr marL="0" algn="ctr" defTabSz="914400" rtl="0" eaLnBrk="1" latinLnBrk="0" hangingPunct="1"/>
+                      <a:endParaRPr lang="en-US" sz="2000" b="0" kern="1200" dirty="0">
+                        <a:solidFill>
+                          <a:schemeClr val="tx1"/>
+                        </a:solidFill>
+                        <a:latin typeface="+mn-lt"/>
+                        <a:ea typeface="+mn-ea"/>
+                        <a:cs typeface="+mn-cs"/>
+                      </a:endParaRPr>
+                    </a:p>
+                  </a:txBody>
+                  <a:tcPr anchor="ctr">
+                    <a:lnL w="12700" cap="flat" cmpd="sng" algn="ctr">
+                      <a:solidFill>
+                        <a:schemeClr val="tx1"/>
+                      </a:solidFill>
+                      <a:prstDash val="solid"/>
+                      <a:round/>
+                      <a:headEnd type="none" w="med" len="med"/>
+                      <a:tailEnd type="none" w="med" len="med"/>
+                    </a:lnL>
+                    <a:lnR w="12700" cap="flat" cmpd="sng" algn="ctr">
+                      <a:solidFill>
+                        <a:schemeClr val="tx1"/>
+                      </a:solidFill>
+                      <a:prstDash val="solid"/>
+                      <a:round/>
+                      <a:headEnd type="none" w="med" len="med"/>
+                      <a:tailEnd type="none" w="med" len="med"/>
+                    </a:lnR>
+                    <a:lnT w="12700" cap="flat" cmpd="sng" algn="ctr">
+                      <a:solidFill>
+                        <a:schemeClr val="tx1"/>
+                      </a:solidFill>
+                      <a:prstDash val="solid"/>
+                      <a:round/>
+                      <a:headEnd type="none" w="med" len="med"/>
+                      <a:tailEnd type="none" w="med" len="med"/>
+                    </a:lnT>
+                    <a:lnB w="12700" cap="flat" cmpd="sng" algn="ctr">
+                      <a:solidFill>
+                        <a:schemeClr val="tx1"/>
+                      </a:solidFill>
+                      <a:prstDash val="solid"/>
+                      <a:round/>
+                      <a:headEnd type="none" w="med" len="med"/>
+                      <a:tailEnd type="none" w="med" len="med"/>
+                    </a:lnB>
+                    <a:solidFill>
+                      <a:schemeClr val="accent6">
+                        <a:lumMod val="40000"/>
+                        <a:lumOff val="60000"/>
+                      </a:schemeClr>
+                    </a:solidFill>
+                  </a:tcPr>
+                </a:tc>
+                <a:tc>
+                  <a:txBody>
+                    <a:bodyPr/>
+                    <a:lstStyle/>
+                    <a:p>
+                      <a:pPr marL="0" algn="ctr" defTabSz="914400" rtl="0" eaLnBrk="1" latinLnBrk="0" hangingPunct="1"/>
+                      <a:endParaRPr lang="en-US" sz="2000" b="0" kern="1200" dirty="0">
+                        <a:solidFill>
+                          <a:schemeClr val="tx1"/>
+                        </a:solidFill>
+                        <a:latin typeface="+mn-lt"/>
+                        <a:ea typeface="+mn-ea"/>
+                        <a:cs typeface="+mn-cs"/>
+                      </a:endParaRPr>
+                    </a:p>
+                  </a:txBody>
+                  <a:tcPr>
+                    <a:lnL w="12700" cap="flat" cmpd="sng" algn="ctr">
+                      <a:solidFill>
+                        <a:schemeClr val="tx1"/>
+                      </a:solidFill>
+                      <a:prstDash val="solid"/>
+                      <a:round/>
+                      <a:headEnd type="none" w="med" len="med"/>
+                      <a:tailEnd type="none" w="med" len="med"/>
+                    </a:lnL>
+                    <a:lnR w="12700" cap="flat" cmpd="sng" algn="ctr">
+                      <a:solidFill>
+                        <a:schemeClr val="tx1"/>
+                      </a:solidFill>
+                      <a:prstDash val="solid"/>
+                      <a:round/>
+                      <a:headEnd type="none" w="med" len="med"/>
+                      <a:tailEnd type="none" w="med" len="med"/>
+                    </a:lnR>
+                    <a:lnT w="12700" cap="flat" cmpd="sng" algn="ctr">
+                      <a:solidFill>
+                        <a:schemeClr val="tx1"/>
+                      </a:solidFill>
+                      <a:prstDash val="solid"/>
+                      <a:round/>
+                      <a:headEnd type="none" w="med" len="med"/>
+                      <a:tailEnd type="none" w="med" len="med"/>
+                    </a:lnT>
+                    <a:lnB w="12700" cap="flat" cmpd="sng" algn="ctr">
+                      <a:solidFill>
+                        <a:schemeClr val="tx1"/>
+                      </a:solidFill>
+                      <a:prstDash val="solid"/>
+                      <a:round/>
+                      <a:headEnd type="none" w="med" len="med"/>
+                      <a:tailEnd type="none" w="med" len="med"/>
+                    </a:lnB>
+                    <a:solidFill>
+                      <a:schemeClr val="accent6">
+                        <a:lumMod val="40000"/>
+                        <a:lumOff val="60000"/>
+                      </a:schemeClr>
+                    </a:solidFill>
+                  </a:tcPr>
+                </a:tc>
+                <a:tc>
+                  <a:txBody>
+                    <a:bodyPr/>
+                    <a:lstStyle/>
+                    <a:p>
+                      <a:pPr marL="0" algn="ctr" defTabSz="914400" rtl="0" eaLnBrk="1" latinLnBrk="0" hangingPunct="1"/>
+                      <a:endParaRPr lang="en-US" sz="2000" b="0" kern="1200" dirty="0">
+                        <a:solidFill>
+                          <a:schemeClr val="tx1"/>
+                        </a:solidFill>
+                        <a:latin typeface="+mn-lt"/>
+                        <a:ea typeface="+mn-ea"/>
+                        <a:cs typeface="+mn-cs"/>
+                      </a:endParaRPr>
+                    </a:p>
+                  </a:txBody>
+                  <a:tcPr>
+                    <a:lnL w="12700" cap="flat" cmpd="sng" algn="ctr">
+                      <a:solidFill>
+                        <a:schemeClr val="tx1"/>
+                      </a:solidFill>
+                      <a:prstDash val="solid"/>
+                      <a:round/>
+                      <a:headEnd type="none" w="med" len="med"/>
+                      <a:tailEnd type="none" w="med" len="med"/>
+                    </a:lnL>
+                    <a:lnR w="12700" cap="flat" cmpd="sng" algn="ctr">
+                      <a:solidFill>
+                        <a:schemeClr val="tx1"/>
+                      </a:solidFill>
+                      <a:prstDash val="solid"/>
+                      <a:round/>
+                      <a:headEnd type="none" w="med" len="med"/>
+                      <a:tailEnd type="none" w="med" len="med"/>
+                    </a:lnR>
+                    <a:lnT w="12700" cap="flat" cmpd="sng" algn="ctr">
+                      <a:solidFill>
+                        <a:schemeClr val="tx1"/>
+                      </a:solidFill>
+                      <a:prstDash val="solid"/>
+                      <a:round/>
+                      <a:headEnd type="none" w="med" len="med"/>
+                      <a:tailEnd type="none" w="med" len="med"/>
+                    </a:lnT>
+                    <a:lnB w="12700" cap="flat" cmpd="sng" algn="ctr">
+                      <a:solidFill>
+                        <a:schemeClr val="tx1"/>
+                      </a:solidFill>
+                      <a:prstDash val="solid"/>
+                      <a:round/>
+                      <a:headEnd type="none" w="med" len="med"/>
+                      <a:tailEnd type="none" w="med" len="med"/>
+                    </a:lnB>
+                    <a:solidFill>
+                      <a:schemeClr val="accent6">
+                        <a:lumMod val="40000"/>
+                        <a:lumOff val="60000"/>
+                      </a:schemeClr>
+                    </a:solidFill>
+                  </a:tcPr>
+                </a:tc>
+                <a:tc>
+                  <a:txBody>
+                    <a:bodyPr/>
+                    <a:lstStyle/>
+                    <a:p>
+                      <a:pPr marL="0" algn="ctr" defTabSz="914400" rtl="0" eaLnBrk="1" latinLnBrk="0" hangingPunct="1"/>
+                      <a:endParaRPr lang="en-US" sz="2000" b="0" kern="1200" dirty="0">
+                        <a:solidFill>
+                          <a:schemeClr val="tx1"/>
+                        </a:solidFill>
+                        <a:latin typeface="+mn-lt"/>
+                        <a:ea typeface="+mn-ea"/>
+                        <a:cs typeface="+mn-cs"/>
+                      </a:endParaRPr>
+                    </a:p>
+                  </a:txBody>
+                  <a:tcPr>
+                    <a:lnL w="12700" cap="flat" cmpd="sng" algn="ctr">
+                      <a:solidFill>
+                        <a:schemeClr val="tx1"/>
+                      </a:solidFill>
+                      <a:prstDash val="solid"/>
+                      <a:round/>
+                      <a:headEnd type="none" w="med" len="med"/>
+                      <a:tailEnd type="none" w="med" len="med"/>
+                    </a:lnL>
+                    <a:lnR w="12700" cap="flat" cmpd="sng" algn="ctr">
+                      <a:solidFill>
+                        <a:schemeClr val="tx1"/>
+                      </a:solidFill>
+                      <a:prstDash val="solid"/>
+                      <a:round/>
+                      <a:headEnd type="none" w="med" len="med"/>
+                      <a:tailEnd type="none" w="med" len="med"/>
+                    </a:lnR>
+                    <a:lnT w="12700" cap="flat" cmpd="sng" algn="ctr">
+                      <a:solidFill>
+                        <a:schemeClr val="tx1"/>
+                      </a:solidFill>
+                      <a:prstDash val="solid"/>
+                      <a:round/>
+                      <a:headEnd type="none" w="med" len="med"/>
+                      <a:tailEnd type="none" w="med" len="med"/>
+                    </a:lnT>
+                    <a:lnB w="12700" cap="flat" cmpd="sng" algn="ctr">
+                      <a:solidFill>
+                        <a:schemeClr val="tx1"/>
+                      </a:solidFill>
+                      <a:prstDash val="solid"/>
+                      <a:round/>
+                      <a:headEnd type="none" w="med" len="med"/>
+                      <a:tailEnd type="none" w="med" len="med"/>
+                    </a:lnB>
+                    <a:solidFill>
+                      <a:schemeClr val="accent6">
+                        <a:lumMod val="40000"/>
+                        <a:lumOff val="60000"/>
+                      </a:schemeClr>
+                    </a:solidFill>
+                  </a:tcPr>
+                </a:tc>
+                <a:extLst>
+                  <a:ext uri="{0D108BD9-81ED-4DB2-BD59-A6C34878D82A}">
+                    <a16:rowId xmlns:a16="http://schemas.microsoft.com/office/drawing/2014/main" val="3008411283"/>
+                  </a:ext>
+                </a:extLst>
+              </a:tr>
+            </a:tbl>
+          </a:graphicData>
+        </a:graphic>
+      </p:graphicFrame>
+      <p:sp>
+        <p:nvSpPr>
+          <p:cNvPr id="2" name="Down Arrow 1">
+            <a:extLst>
+              <a:ext uri="{FF2B5EF4-FFF2-40B4-BE49-F238E27FC236}">
+                <a16:creationId xmlns:a16="http://schemas.microsoft.com/office/drawing/2014/main" id="{6298C443-75D5-7A4F-A1F5-C1ADDA2F2408}"/>
+              </a:ext>
+            </a:extLst>
+          </p:cNvPr>
+          <p:cNvSpPr/>
+          <p:nvPr/>
+        </p:nvSpPr>
+        <p:spPr>
+          <a:xfrm>
+            <a:off x="3297467" y="1952092"/>
+            <a:ext cx="335270" cy="3252669"/>
+          </a:xfrm>
+          <a:prstGeom prst="downArrow">
+            <a:avLst>
+              <a:gd name="adj1" fmla="val 50000"/>
+              <a:gd name="adj2" fmla="val 50000"/>
+            </a:avLst>
+          </a:prstGeom>
+          <a:solidFill>
+            <a:srgbClr val="B0DDF2"/>
+          </a:solidFill>
+          <a:ln w="19050">
+            <a:solidFill>
+              <a:schemeClr val="tx1"/>
+            </a:solidFill>
+          </a:ln>
+        </p:spPr>
+        <p:style>
+          <a:lnRef idx="2">
+            <a:schemeClr val="accent1">
+              <a:shade val="50000"/>
+            </a:schemeClr>
+          </a:lnRef>
+          <a:fillRef idx="1">
+            <a:schemeClr val="accent1"/>
+          </a:fillRef>
+          <a:effectRef idx="0">
+            <a:schemeClr val="accent1"/>
+          </a:effectRef>
+          <a:fontRef idx="minor">
+            <a:schemeClr val="lt1"/>
+          </a:fontRef>
+        </p:style>
+        <p:txBody>
+          <a:bodyPr rtlCol="0" anchor="ctr"/>
+          <a:lstStyle/>
+          <a:p>
+            <a:pPr algn="ctr"/>
+            <a:endParaRPr lang="en-US" sz="2000"/>
+          </a:p>
+        </p:txBody>
+      </p:sp>
+      <p:graphicFrame>
+        <p:nvGraphicFramePr>
+          <p:cNvPr id="34" name="Table 33">
+            <a:extLst>
+              <a:ext uri="{FF2B5EF4-FFF2-40B4-BE49-F238E27FC236}">
+                <a16:creationId xmlns:a16="http://schemas.microsoft.com/office/drawing/2014/main" id="{2E481102-7C64-0F43-BDE1-CA1A8FF612C5}"/>
+              </a:ext>
+            </a:extLst>
+          </p:cNvPr>
+          <p:cNvGraphicFramePr>
+            <a:graphicFrameLocks noGrp="1"/>
+          </p:cNvGraphicFramePr>
+          <p:nvPr>
+            <p:extLst>
+              <p:ext uri="{D42A27DB-BD31-4B8C-83A1-F6EECF244321}">
+                <p14:modId xmlns:p14="http://schemas.microsoft.com/office/powerpoint/2010/main" val="3678230429"/>
+              </p:ext>
+            </p:extLst>
+          </p:nvPr>
+        </p:nvGraphicFramePr>
+        <p:xfrm>
+          <a:off x="3806770" y="3189049"/>
+          <a:ext cx="1887186" cy="1584960"/>
+        </p:xfrm>
+        <a:graphic>
+          <a:graphicData uri="http://schemas.openxmlformats.org/drawingml/2006/table">
+            <a:tbl>
+              <a:tblPr firstRow="1" bandRow="1">
+                <a:tableStyleId>{5C22544A-7EE6-4342-B048-85BDC9FD1C3A}</a:tableStyleId>
+              </a:tblPr>
+              <a:tblGrid>
+                <a:gridCol w="943593">
+                  <a:extLst>
+                    <a:ext uri="{9D8B030D-6E8A-4147-A177-3AD203B41FA5}">
+                      <a16:colId xmlns:a16="http://schemas.microsoft.com/office/drawing/2014/main" val="1997404274"/>
+                    </a:ext>
+                  </a:extLst>
+                </a:gridCol>
+                <a:gridCol w="943593">
+                  <a:extLst>
+                    <a:ext uri="{9D8B030D-6E8A-4147-A177-3AD203B41FA5}">
+                      <a16:colId xmlns:a16="http://schemas.microsoft.com/office/drawing/2014/main" val="3624857573"/>
+                    </a:ext>
+                  </a:extLst>
+                </a:gridCol>
+              </a:tblGrid>
+              <a:tr h="327423">
+                <a:tc>
+                  <a:txBody>
+                    <a:bodyPr/>
+                    <a:lstStyle/>
+                    <a:p>
+                      <a:r>
+                        <a:rPr lang="en-US" altLang="zh-CN" sz="2000" b="0" dirty="0">
+                          <a:solidFill>
+                            <a:schemeClr val="tx1"/>
+                          </a:solidFill>
+                        </a:rPr>
+                        <a:t>SM1</a:t>
+                      </a:r>
+                      <a:endParaRPr lang="en-US" sz="2000" b="0" dirty="0">
                         <a:solidFill>
                           <a:schemeClr val="tx1"/>
                         </a:solidFill>
@@ -7574,7 +5081,10 @@
                       <a:tailEnd type="none" w="med" len="med"/>
                     </a:lnB>
                     <a:solidFill>
-                      <a:schemeClr val="accent6"/>
+                      <a:schemeClr val="accent6">
+                        <a:lumMod val="40000"/>
+                        <a:lumOff val="60000"/>
+                      </a:schemeClr>
                     </a:solidFill>
                   </a:tcPr>
                 </a:tc>
@@ -7583,491 +5093,15 @@
                     <a:bodyPr/>
                     <a:lstStyle/>
                     <a:p>
-                      <a:pPr algn="ctr"/>
-                      <a:endParaRPr lang="en-US" dirty="0">
-                        <a:solidFill>
-                          <a:schemeClr val="tx1"/>
-                        </a:solidFill>
-                      </a:endParaRPr>
-                    </a:p>
-                  </a:txBody>
-                  <a:tcPr>
-                    <a:lnL w="12700" cap="flat" cmpd="sng" algn="ctr">
-                      <a:solidFill>
-                        <a:schemeClr val="tx1"/>
-                      </a:solidFill>
-                      <a:prstDash val="solid"/>
-                      <a:round/>
-                      <a:headEnd type="none" w="med" len="med"/>
-                      <a:tailEnd type="none" w="med" len="med"/>
-                    </a:lnL>
-                    <a:lnR w="12700" cap="flat" cmpd="sng" algn="ctr">
-                      <a:solidFill>
-                        <a:schemeClr val="tx1"/>
-                      </a:solidFill>
-                      <a:prstDash val="solid"/>
-                      <a:round/>
-                      <a:headEnd type="none" w="med" len="med"/>
-                      <a:tailEnd type="none" w="med" len="med"/>
-                    </a:lnR>
-                    <a:lnT w="12700" cap="flat" cmpd="sng" algn="ctr">
-                      <a:solidFill>
-                        <a:schemeClr val="tx1"/>
-                      </a:solidFill>
-                      <a:prstDash val="solid"/>
-                      <a:round/>
-                      <a:headEnd type="none" w="med" len="med"/>
-                      <a:tailEnd type="none" w="med" len="med"/>
-                    </a:lnT>
-                    <a:lnB w="12700" cap="flat" cmpd="sng" algn="ctr">
-                      <a:solidFill>
-                        <a:schemeClr val="tx1"/>
-                      </a:solidFill>
-                      <a:prstDash val="solid"/>
-                      <a:round/>
-                      <a:headEnd type="none" w="med" len="med"/>
-                      <a:tailEnd type="none" w="med" len="med"/>
-                    </a:lnB>
-                    <a:solidFill>
-                      <a:schemeClr val="accent6"/>
-                    </a:solidFill>
-                  </a:tcPr>
-                </a:tc>
-                <a:tc>
-                  <a:txBody>
-                    <a:bodyPr/>
-                    <a:lstStyle/>
-                    <a:p>
-                      <a:pPr algn="ctr"/>
-                      <a:endParaRPr lang="en-US" dirty="0">
-                        <a:solidFill>
-                          <a:schemeClr val="tx1"/>
-                        </a:solidFill>
-                      </a:endParaRPr>
-                    </a:p>
-                  </a:txBody>
-                  <a:tcPr>
-                    <a:lnL w="12700" cap="flat" cmpd="sng" algn="ctr">
-                      <a:solidFill>
-                        <a:schemeClr val="tx1"/>
-                      </a:solidFill>
-                      <a:prstDash val="solid"/>
-                      <a:round/>
-                      <a:headEnd type="none" w="med" len="med"/>
-                      <a:tailEnd type="none" w="med" len="med"/>
-                    </a:lnL>
-                    <a:lnR w="12700" cap="flat" cmpd="sng" algn="ctr">
-                      <a:solidFill>
-                        <a:schemeClr val="tx1"/>
-                      </a:solidFill>
-                      <a:prstDash val="solid"/>
-                      <a:round/>
-                      <a:headEnd type="none" w="med" len="med"/>
-                      <a:tailEnd type="none" w="med" len="med"/>
-                    </a:lnR>
-                    <a:lnT w="12700" cap="flat" cmpd="sng" algn="ctr">
-                      <a:solidFill>
-                        <a:schemeClr val="tx1"/>
-                      </a:solidFill>
-                      <a:prstDash val="solid"/>
-                      <a:round/>
-                      <a:headEnd type="none" w="med" len="med"/>
-                      <a:tailEnd type="none" w="med" len="med"/>
-                    </a:lnT>
-                    <a:lnB w="12700" cap="flat" cmpd="sng" algn="ctr">
-                      <a:solidFill>
-                        <a:schemeClr val="tx1"/>
-                      </a:solidFill>
-                      <a:prstDash val="solid"/>
-                      <a:round/>
-                      <a:headEnd type="none" w="med" len="med"/>
-                      <a:tailEnd type="none" w="med" len="med"/>
-                    </a:lnB>
-                    <a:solidFill>
-                      <a:schemeClr val="accent6"/>
-                    </a:solidFill>
-                  </a:tcPr>
-                </a:tc>
-                <a:tc>
-                  <a:txBody>
-                    <a:bodyPr/>
-                    <a:lstStyle/>
-                    <a:p>
-                      <a:pPr algn="ctr"/>
-                      <a:endParaRPr lang="en-US" dirty="0">
-                        <a:solidFill>
-                          <a:schemeClr val="tx1"/>
-                        </a:solidFill>
-                      </a:endParaRPr>
-                    </a:p>
-                  </a:txBody>
-                  <a:tcPr>
-                    <a:lnL w="12700" cap="flat" cmpd="sng" algn="ctr">
-                      <a:solidFill>
-                        <a:schemeClr val="tx1"/>
-                      </a:solidFill>
-                      <a:prstDash val="solid"/>
-                      <a:round/>
-                      <a:headEnd type="none" w="med" len="med"/>
-                      <a:tailEnd type="none" w="med" len="med"/>
-                    </a:lnL>
-                    <a:lnR w="12700" cap="flat" cmpd="sng" algn="ctr">
-                      <a:solidFill>
-                        <a:schemeClr val="tx1"/>
-                      </a:solidFill>
-                      <a:prstDash val="solid"/>
-                      <a:round/>
-                      <a:headEnd type="none" w="med" len="med"/>
-                      <a:tailEnd type="none" w="med" len="med"/>
-                    </a:lnR>
-                    <a:lnT w="12700" cap="flat" cmpd="sng" algn="ctr">
-                      <a:solidFill>
-                        <a:schemeClr val="tx1"/>
-                      </a:solidFill>
-                      <a:prstDash val="solid"/>
-                      <a:round/>
-                      <a:headEnd type="none" w="med" len="med"/>
-                      <a:tailEnd type="none" w="med" len="med"/>
-                    </a:lnT>
-                    <a:lnB w="12700" cap="flat" cmpd="sng" algn="ctr">
-                      <a:solidFill>
-                        <a:schemeClr val="tx1"/>
-                      </a:solidFill>
-                      <a:prstDash val="solid"/>
-                      <a:round/>
-                      <a:headEnd type="none" w="med" len="med"/>
-                      <a:tailEnd type="none" w="med" len="med"/>
-                    </a:lnB>
-                    <a:solidFill>
-                      <a:schemeClr val="accent6"/>
-                    </a:solidFill>
-                  </a:tcPr>
-                </a:tc>
-                <a:extLst>
-                  <a:ext uri="{0D108BD9-81ED-4DB2-BD59-A6C34878D82A}">
-                    <a16:rowId xmlns:a16="http://schemas.microsoft.com/office/drawing/2014/main" val="3008411283"/>
-                  </a:ext>
-                </a:extLst>
-              </a:tr>
-            </a:tbl>
-          </a:graphicData>
-        </a:graphic>
-      </p:graphicFrame>
-      <p:sp>
-        <p:nvSpPr>
-          <p:cNvPr id="24" name="Right Arrow 23">
-            <a:extLst>
-              <a:ext uri="{FF2B5EF4-FFF2-40B4-BE49-F238E27FC236}">
-                <a16:creationId xmlns:a16="http://schemas.microsoft.com/office/drawing/2014/main" id="{FBA1E381-BA6F-7442-B905-7950FA9DA684}"/>
-              </a:ext>
-            </a:extLst>
-          </p:cNvPr>
-          <p:cNvSpPr/>
-          <p:nvPr/>
-        </p:nvSpPr>
-        <p:spPr>
-          <a:xfrm rot="16200000">
-            <a:off x="3331370" y="2629354"/>
-            <a:ext cx="1268783" cy="263397"/>
-          </a:xfrm>
-          <a:prstGeom prst="rightArrow">
-            <a:avLst/>
-          </a:prstGeom>
-        </p:spPr>
-        <p:style>
-          <a:lnRef idx="2">
-            <a:schemeClr val="accent1">
-              <a:shade val="50000"/>
-            </a:schemeClr>
-          </a:lnRef>
-          <a:fillRef idx="1">
-            <a:schemeClr val="accent1"/>
-          </a:fillRef>
-          <a:effectRef idx="0">
-            <a:schemeClr val="accent1"/>
-          </a:effectRef>
-          <a:fontRef idx="minor">
-            <a:schemeClr val="lt1"/>
-          </a:fontRef>
-        </p:style>
-        <p:txBody>
-          <a:bodyPr rtlCol="0" anchor="ctr"/>
-          <a:lstStyle/>
-          <a:p>
-            <a:pPr algn="ctr"/>
-            <a:endParaRPr lang="en-US" b="1"/>
-          </a:p>
-        </p:txBody>
-      </p:sp>
-      <p:sp>
-        <p:nvSpPr>
-          <p:cNvPr id="14" name="TextBox 13">
-            <a:extLst>
-              <a:ext uri="{FF2B5EF4-FFF2-40B4-BE49-F238E27FC236}">
-                <a16:creationId xmlns:a16="http://schemas.microsoft.com/office/drawing/2014/main" id="{5D3FF5F0-40FE-BE4D-B4F9-0896E7008BF9}"/>
-              </a:ext>
-            </a:extLst>
-          </p:cNvPr>
-          <p:cNvSpPr txBox="1"/>
-          <p:nvPr/>
-        </p:nvSpPr>
-        <p:spPr>
-          <a:xfrm>
-            <a:off x="3377875" y="1369580"/>
-            <a:ext cx="1680074" cy="375416"/>
-          </a:xfrm>
-          <a:prstGeom prst="rect">
-            <a:avLst/>
-          </a:prstGeom>
-          <a:noFill/>
-        </p:spPr>
-        <p:txBody>
-          <a:bodyPr wrap="square" rtlCol="0">
-            <a:spAutoFit/>
-          </a:bodyPr>
-          <a:lstStyle/>
-          <a:p>
-            <a:r>
-              <a:rPr lang="en-US" altLang="zh-CN" b="1" dirty="0"/>
-              <a:t>Kernel</a:t>
-            </a:r>
-            <a:r>
-              <a:rPr lang="zh-CN" altLang="en-US" b="1" dirty="0"/>
-              <a:t> </a:t>
-            </a:r>
-            <a:r>
-              <a:rPr lang="en-US" altLang="zh-CN" b="1" dirty="0"/>
-              <a:t>Queue</a:t>
-            </a:r>
-            <a:endParaRPr lang="en-US" b="1" dirty="0"/>
-          </a:p>
-        </p:txBody>
-      </p:sp>
-      <p:sp>
-        <p:nvSpPr>
-          <p:cNvPr id="26" name="Rectangle 25">
-            <a:extLst>
-              <a:ext uri="{FF2B5EF4-FFF2-40B4-BE49-F238E27FC236}">
-                <a16:creationId xmlns:a16="http://schemas.microsoft.com/office/drawing/2014/main" id="{EA72DB50-9DE1-E74C-BFDF-4BADE2C387C4}"/>
-              </a:ext>
-            </a:extLst>
-          </p:cNvPr>
-          <p:cNvSpPr/>
-          <p:nvPr/>
-        </p:nvSpPr>
-        <p:spPr>
-          <a:xfrm>
-            <a:off x="4508844" y="4889736"/>
-            <a:ext cx="2453335" cy="650933"/>
-          </a:xfrm>
-          <a:prstGeom prst="rect">
-            <a:avLst/>
-          </a:prstGeom>
-          <a:solidFill>
-            <a:schemeClr val="accent2"/>
-          </a:solidFill>
-        </p:spPr>
-        <p:style>
-          <a:lnRef idx="1">
-            <a:schemeClr val="accent1"/>
-          </a:lnRef>
-          <a:fillRef idx="2">
-            <a:schemeClr val="accent1"/>
-          </a:fillRef>
-          <a:effectRef idx="1">
-            <a:schemeClr val="accent1"/>
-          </a:effectRef>
-          <a:fontRef idx="minor">
-            <a:schemeClr val="dk1"/>
-          </a:fontRef>
-        </p:style>
-        <p:txBody>
-          <a:bodyPr rtlCol="0" anchor="ctr"/>
-          <a:lstStyle/>
-          <a:p>
-            <a:pPr algn="ctr"/>
-            <a:r>
-              <a:rPr lang="en-US" altLang="zh-CN" b="1" dirty="0"/>
-              <a:t>Tick</a:t>
-            </a:r>
-            <a:r>
-              <a:rPr lang="zh-CN" altLang="en-US" b="1" dirty="0"/>
-              <a:t> </a:t>
-            </a:r>
-            <a:r>
-              <a:rPr lang="en-US" altLang="zh-CN" b="1" dirty="0"/>
-              <a:t>Handler</a:t>
-            </a:r>
-            <a:endParaRPr lang="en-US" b="1" dirty="0"/>
-          </a:p>
-        </p:txBody>
-      </p:sp>
-      <p:sp>
-        <p:nvSpPr>
-          <p:cNvPr id="27" name="Right Arrow 26">
-            <a:extLst>
-              <a:ext uri="{FF2B5EF4-FFF2-40B4-BE49-F238E27FC236}">
-                <a16:creationId xmlns:a16="http://schemas.microsoft.com/office/drawing/2014/main" id="{FB27CEBF-3794-624D-9FAC-D384FCE63488}"/>
-              </a:ext>
-            </a:extLst>
-          </p:cNvPr>
-          <p:cNvSpPr/>
-          <p:nvPr/>
-        </p:nvSpPr>
-        <p:spPr>
-          <a:xfrm rot="16200000">
-            <a:off x="4869319" y="5854762"/>
-            <a:ext cx="805768" cy="202226"/>
-          </a:xfrm>
-          <a:prstGeom prst="rightArrow">
-            <a:avLst/>
-          </a:prstGeom>
-        </p:spPr>
-        <p:style>
-          <a:lnRef idx="2">
-            <a:schemeClr val="accent1">
-              <a:shade val="50000"/>
-            </a:schemeClr>
-          </a:lnRef>
-          <a:fillRef idx="1">
-            <a:schemeClr val="accent1"/>
-          </a:fillRef>
-          <a:effectRef idx="0">
-            <a:schemeClr val="accent1"/>
-          </a:effectRef>
-          <a:fontRef idx="minor">
-            <a:schemeClr val="lt1"/>
-          </a:fontRef>
-        </p:style>
-        <p:txBody>
-          <a:bodyPr rtlCol="0" anchor="ctr"/>
-          <a:lstStyle/>
-          <a:p>
-            <a:pPr algn="ctr"/>
-            <a:endParaRPr lang="en-US" b="1"/>
-          </a:p>
-        </p:txBody>
-      </p:sp>
-      <p:sp>
-        <p:nvSpPr>
-          <p:cNvPr id="28" name="Rectangle 27">
-            <a:extLst>
-              <a:ext uri="{FF2B5EF4-FFF2-40B4-BE49-F238E27FC236}">
-                <a16:creationId xmlns:a16="http://schemas.microsoft.com/office/drawing/2014/main" id="{EC25F5A6-A458-2D4D-A9B7-B365E328EDCB}"/>
-              </a:ext>
-            </a:extLst>
-          </p:cNvPr>
-          <p:cNvSpPr/>
-          <p:nvPr/>
-        </p:nvSpPr>
-        <p:spPr>
-          <a:xfrm>
-            <a:off x="5057949" y="4124641"/>
-            <a:ext cx="1904231" cy="650933"/>
-          </a:xfrm>
-          <a:prstGeom prst="rect">
-            <a:avLst/>
-          </a:prstGeom>
-          <a:solidFill>
-            <a:schemeClr val="accent2"/>
-          </a:solidFill>
-        </p:spPr>
-        <p:style>
-          <a:lnRef idx="1">
-            <a:schemeClr val="accent1"/>
-          </a:lnRef>
-          <a:fillRef idx="2">
-            <a:schemeClr val="accent1"/>
-          </a:fillRef>
-          <a:effectRef idx="1">
-            <a:schemeClr val="accent1"/>
-          </a:effectRef>
-          <a:fontRef idx="minor">
-            <a:schemeClr val="dk1"/>
-          </a:fontRef>
-        </p:style>
-        <p:txBody>
-          <a:bodyPr rtlCol="0" anchor="ctr"/>
-          <a:lstStyle/>
-          <a:p>
-            <a:pPr algn="ctr"/>
-            <a:r>
-              <a:rPr lang="en-US" altLang="zh-CN" b="1" dirty="0"/>
-              <a:t>CTA</a:t>
-            </a:r>
-            <a:r>
-              <a:rPr lang="zh-CN" altLang="en-US" b="1" dirty="0"/>
-              <a:t> </a:t>
-            </a:r>
-            <a:r>
-              <a:rPr lang="en-US" altLang="zh-CN" b="1" dirty="0"/>
-              <a:t>Handler</a:t>
-            </a:r>
-            <a:endParaRPr lang="en-US" b="1" dirty="0"/>
-          </a:p>
-        </p:txBody>
-      </p:sp>
-      <p:graphicFrame>
-        <p:nvGraphicFramePr>
-          <p:cNvPr id="15" name="Table 14">
-            <a:extLst>
-              <a:ext uri="{FF2B5EF4-FFF2-40B4-BE49-F238E27FC236}">
-                <a16:creationId xmlns:a16="http://schemas.microsoft.com/office/drawing/2014/main" id="{D2EC4A4D-D7BD-BD40-8392-CC96D3B83C24}"/>
-              </a:ext>
-            </a:extLst>
-          </p:cNvPr>
-          <p:cNvGraphicFramePr>
-            <a:graphicFrameLocks noGrp="1"/>
-          </p:cNvGraphicFramePr>
-          <p:nvPr>
-            <p:extLst>
-              <p:ext uri="{D42A27DB-BD31-4B8C-83A1-F6EECF244321}">
-                <p14:modId xmlns:p14="http://schemas.microsoft.com/office/powerpoint/2010/main" val="2875628473"/>
-              </p:ext>
-            </p:extLst>
-          </p:nvPr>
-        </p:nvGraphicFramePr>
-        <p:xfrm>
-          <a:off x="5074995" y="2481909"/>
-          <a:ext cx="1887186" cy="1463040"/>
-        </p:xfrm>
-        <a:graphic>
-          <a:graphicData uri="http://schemas.openxmlformats.org/drawingml/2006/table">
-            <a:tbl>
-              <a:tblPr firstRow="1" bandRow="1">
-                <a:tableStyleId>{5C22544A-7EE6-4342-B048-85BDC9FD1C3A}</a:tableStyleId>
-              </a:tblPr>
-              <a:tblGrid>
-                <a:gridCol w="943593">
-                  <a:extLst>
-                    <a:ext uri="{9D8B030D-6E8A-4147-A177-3AD203B41FA5}">
-                      <a16:colId xmlns:a16="http://schemas.microsoft.com/office/drawing/2014/main" val="1997404274"/>
-                    </a:ext>
-                  </a:extLst>
-                </a:gridCol>
-                <a:gridCol w="943593">
-                  <a:extLst>
-                    <a:ext uri="{9D8B030D-6E8A-4147-A177-3AD203B41FA5}">
-                      <a16:colId xmlns:a16="http://schemas.microsoft.com/office/drawing/2014/main" val="3624857573"/>
-                    </a:ext>
-                  </a:extLst>
-                </a:gridCol>
-              </a:tblGrid>
-              <a:tr h="327423">
-                <a:tc>
-                  <a:txBody>
-                    <a:bodyPr/>
-                    <a:lstStyle/>
-                    <a:p>
                       <a:r>
-                        <a:rPr lang="en-US" altLang="zh-CN" b="1" dirty="0">
+                        <a:rPr lang="en-US" altLang="zh-CN" sz="2000" b="0" dirty="0">
                           <a:solidFill>
                             <a:schemeClr val="tx1"/>
                           </a:solidFill>
                         </a:rPr>
-                        <a:t>SM1</a:t>
+                        <a:t>K1</a:t>
                       </a:r>
-                      <a:endParaRPr lang="en-US" b="1" dirty="0">
+                      <a:endParaRPr lang="en-US" sz="2000" b="0" dirty="0">
                         <a:solidFill>
                           <a:schemeClr val="tx1"/>
                         </a:solidFill>
@@ -8112,24 +5146,34 @@
                       <a:tailEnd type="none" w="med" len="med"/>
                     </a:lnB>
                     <a:solidFill>
-                      <a:schemeClr val="accent6"/>
+                      <a:schemeClr val="accent6">
+                        <a:lumMod val="40000"/>
+                        <a:lumOff val="60000"/>
+                      </a:schemeClr>
                     </a:solidFill>
                   </a:tcPr>
                 </a:tc>
+                <a:extLst>
+                  <a:ext uri="{0D108BD9-81ED-4DB2-BD59-A6C34878D82A}">
+                    <a16:rowId xmlns:a16="http://schemas.microsoft.com/office/drawing/2014/main" val="1825292350"/>
+                  </a:ext>
+                </a:extLst>
+              </a:tr>
+              <a:tr h="327423">
                 <a:tc>
                   <a:txBody>
                     <a:bodyPr/>
                     <a:lstStyle/>
                     <a:p>
                       <a:r>
-                        <a:rPr lang="en-US" altLang="zh-CN" b="1" dirty="0">
+                        <a:rPr lang="en-US" altLang="zh-CN" sz="2000" b="0" dirty="0">
                           <a:solidFill>
                             <a:schemeClr val="tx1"/>
                           </a:solidFill>
                         </a:rPr>
-                        <a:t>K1</a:t>
+                        <a:t>SM2</a:t>
                       </a:r>
-                      <a:endParaRPr lang="en-US" b="1" dirty="0">
+                      <a:endParaRPr lang="en-US" sz="2000" b="0" dirty="0">
                         <a:solidFill>
                           <a:schemeClr val="tx1"/>
                         </a:solidFill>
@@ -8174,31 +5218,27 @@
                       <a:tailEnd type="none" w="med" len="med"/>
                     </a:lnB>
                     <a:solidFill>
-                      <a:schemeClr val="accent6"/>
+                      <a:schemeClr val="accent6">
+                        <a:lumMod val="40000"/>
+                        <a:lumOff val="60000"/>
+                      </a:schemeClr>
                     </a:solidFill>
                   </a:tcPr>
                 </a:tc>
-                <a:extLst>
-                  <a:ext uri="{0D108BD9-81ED-4DB2-BD59-A6C34878D82A}">
-                    <a16:rowId xmlns:a16="http://schemas.microsoft.com/office/drawing/2014/main" val="1825292350"/>
-                  </a:ext>
-                </a:extLst>
-              </a:tr>
-              <a:tr h="327423">
                 <a:tc>
                   <a:txBody>
                     <a:bodyPr/>
                     <a:lstStyle/>
                     <a:p>
                       <a:r>
-                        <a:rPr lang="en-US" altLang="zh-CN" b="1" dirty="0">
+                        <a:rPr lang="en-US" altLang="zh-CN" sz="2000" b="0" dirty="0">
                           <a:solidFill>
                             <a:schemeClr val="tx1"/>
                           </a:solidFill>
                         </a:rPr>
-                        <a:t>SM2</a:t>
+                        <a:t>K2</a:t>
                       </a:r>
-                      <a:endParaRPr lang="en-US" b="1" dirty="0">
+                      <a:endParaRPr lang="en-US" sz="2000" b="0" dirty="0">
                         <a:solidFill>
                           <a:schemeClr val="tx1"/>
                         </a:solidFill>
@@ -8243,24 +5283,34 @@
                       <a:tailEnd type="none" w="med" len="med"/>
                     </a:lnB>
                     <a:solidFill>
-                      <a:schemeClr val="accent6"/>
+                      <a:schemeClr val="accent6">
+                        <a:lumMod val="40000"/>
+                        <a:lumOff val="60000"/>
+                      </a:schemeClr>
                     </a:solidFill>
                   </a:tcPr>
                 </a:tc>
+                <a:extLst>
+                  <a:ext uri="{0D108BD9-81ED-4DB2-BD59-A6C34878D82A}">
+                    <a16:rowId xmlns:a16="http://schemas.microsoft.com/office/drawing/2014/main" val="455900508"/>
+                  </a:ext>
+                </a:extLst>
+              </a:tr>
+              <a:tr h="327423">
                 <a:tc>
                   <a:txBody>
                     <a:bodyPr/>
                     <a:lstStyle/>
                     <a:p>
                       <a:r>
-                        <a:rPr lang="en-US" altLang="zh-CN" b="1" dirty="0">
+                        <a:rPr lang="en-US" altLang="zh-CN" sz="2000" b="0" dirty="0">
                           <a:solidFill>
                             <a:schemeClr val="tx1"/>
                           </a:solidFill>
                         </a:rPr>
-                        <a:t>K2</a:t>
+                        <a:t>…</a:t>
                       </a:r>
-                      <a:endParaRPr lang="en-US" b="1" dirty="0">
+                      <a:endParaRPr lang="en-US" sz="2000" b="0" dirty="0">
                         <a:solidFill>
                           <a:schemeClr val="tx1"/>
                         </a:solidFill>
@@ -8305,31 +5355,27 @@
                       <a:tailEnd type="none" w="med" len="med"/>
                     </a:lnB>
                     <a:solidFill>
-                      <a:schemeClr val="accent6"/>
+                      <a:schemeClr val="accent6">
+                        <a:lumMod val="40000"/>
+                        <a:lumOff val="60000"/>
+                      </a:schemeClr>
                     </a:solidFill>
                   </a:tcPr>
                 </a:tc>
-                <a:extLst>
-                  <a:ext uri="{0D108BD9-81ED-4DB2-BD59-A6C34878D82A}">
-                    <a16:rowId xmlns:a16="http://schemas.microsoft.com/office/drawing/2014/main" val="455900508"/>
-                  </a:ext>
-                </a:extLst>
-              </a:tr>
-              <a:tr h="327423">
                 <a:tc>
                   <a:txBody>
                     <a:bodyPr/>
                     <a:lstStyle/>
                     <a:p>
                       <a:r>
-                        <a:rPr lang="en-US" altLang="zh-CN" b="1" dirty="0">
+                        <a:rPr lang="en-US" altLang="zh-CN" sz="2000" b="0" dirty="0">
                           <a:solidFill>
                             <a:schemeClr val="tx1"/>
                           </a:solidFill>
                         </a:rPr>
                         <a:t>…</a:t>
                       </a:r>
-                      <a:endParaRPr lang="en-US" b="1" dirty="0">
+                      <a:endParaRPr lang="en-US" sz="2000" b="0" dirty="0">
                         <a:solidFill>
                           <a:schemeClr val="tx1"/>
                         </a:solidFill>
@@ -8374,24 +5420,34 @@
                       <a:tailEnd type="none" w="med" len="med"/>
                     </a:lnB>
                     <a:solidFill>
-                      <a:schemeClr val="accent6"/>
+                      <a:schemeClr val="accent6">
+                        <a:lumMod val="40000"/>
+                        <a:lumOff val="60000"/>
+                      </a:schemeClr>
                     </a:solidFill>
                   </a:tcPr>
                 </a:tc>
+                <a:extLst>
+                  <a:ext uri="{0D108BD9-81ED-4DB2-BD59-A6C34878D82A}">
+                    <a16:rowId xmlns:a16="http://schemas.microsoft.com/office/drawing/2014/main" val="3652586542"/>
+                  </a:ext>
+                </a:extLst>
+              </a:tr>
+              <a:tr h="327423">
                 <a:tc>
                   <a:txBody>
                     <a:bodyPr/>
                     <a:lstStyle/>
                     <a:p>
                       <a:r>
-                        <a:rPr lang="en-US" altLang="zh-CN" b="1" dirty="0">
+                        <a:rPr lang="en-US" altLang="zh-CN" sz="2000" b="0" dirty="0">
                           <a:solidFill>
                             <a:schemeClr val="tx1"/>
                           </a:solidFill>
                         </a:rPr>
-                        <a:t>…</a:t>
+                        <a:t>SM16</a:t>
                       </a:r>
-                      <a:endParaRPr lang="en-US" b="1" dirty="0">
+                      <a:endParaRPr lang="en-US" sz="2000" b="0" dirty="0">
                         <a:solidFill>
                           <a:schemeClr val="tx1"/>
                         </a:solidFill>
@@ -8436,31 +5492,19 @@
                       <a:tailEnd type="none" w="med" len="med"/>
                     </a:lnB>
                     <a:solidFill>
-                      <a:schemeClr val="accent6"/>
+                      <a:schemeClr val="accent6">
+                        <a:lumMod val="40000"/>
+                        <a:lumOff val="60000"/>
+                      </a:schemeClr>
                     </a:solidFill>
                   </a:tcPr>
                 </a:tc>
-                <a:extLst>
-                  <a:ext uri="{0D108BD9-81ED-4DB2-BD59-A6C34878D82A}">
-                    <a16:rowId xmlns:a16="http://schemas.microsoft.com/office/drawing/2014/main" val="3652586542"/>
-                  </a:ext>
-                </a:extLst>
-              </a:tr>
-              <a:tr h="327423">
                 <a:tc>
                   <a:txBody>
                     <a:bodyPr/>
                     <a:lstStyle/>
                     <a:p>
-                      <a:r>
-                        <a:rPr lang="en-US" altLang="zh-CN" b="1" dirty="0">
-                          <a:solidFill>
-                            <a:schemeClr val="tx1"/>
-                          </a:solidFill>
-                        </a:rPr>
-                        <a:t>SM16</a:t>
-                      </a:r>
-                      <a:endParaRPr lang="en-US" b="1" dirty="0">
+                      <a:endParaRPr lang="en-US" sz="2000" b="0" dirty="0">
                         <a:solidFill>
                           <a:schemeClr val="tx1"/>
                         </a:solidFill>
@@ -8505,61 +5549,10 @@
                       <a:tailEnd type="none" w="med" len="med"/>
                     </a:lnB>
                     <a:solidFill>
-                      <a:schemeClr val="accent6"/>
-                    </a:solidFill>
-                  </a:tcPr>
-                </a:tc>
-                <a:tc>
-                  <a:txBody>
-                    <a:bodyPr/>
-                    <a:lstStyle/>
-                    <a:p>
-                      <a:endParaRPr lang="en-US" b="1" dirty="0">
-                        <a:solidFill>
-                          <a:schemeClr val="tx1"/>
-                        </a:solidFill>
-                      </a:endParaRPr>
-                    </a:p>
-                  </a:txBody>
-                  <a:tcPr anchor="ctr">
-                    <a:lnL w="12700" cap="flat" cmpd="sng" algn="ctr">
-                      <a:solidFill>
-                        <a:schemeClr val="tx1"/>
-                      </a:solidFill>
-                      <a:prstDash val="solid"/>
-                      <a:round/>
-                      <a:headEnd type="none" w="med" len="med"/>
-                      <a:tailEnd type="none" w="med" len="med"/>
-                    </a:lnL>
-                    <a:lnR w="12700" cap="flat" cmpd="sng" algn="ctr">
-                      <a:solidFill>
-                        <a:schemeClr val="tx1"/>
-                      </a:solidFill>
-                      <a:prstDash val="solid"/>
-                      <a:round/>
-                      <a:headEnd type="none" w="med" len="med"/>
-                      <a:tailEnd type="none" w="med" len="med"/>
-                    </a:lnR>
-                    <a:lnT w="12700" cap="flat" cmpd="sng" algn="ctr">
-                      <a:solidFill>
-                        <a:schemeClr val="tx1"/>
-                      </a:solidFill>
-                      <a:prstDash val="solid"/>
-                      <a:round/>
-                      <a:headEnd type="none" w="med" len="med"/>
-                      <a:tailEnd type="none" w="med" len="med"/>
-                    </a:lnT>
-                    <a:lnB w="12700" cap="flat" cmpd="sng" algn="ctr">
-                      <a:solidFill>
-                        <a:schemeClr val="tx1"/>
-                      </a:solidFill>
-                      <a:prstDash val="solid"/>
-                      <a:round/>
-                      <a:headEnd type="none" w="med" len="med"/>
-                      <a:tailEnd type="none" w="med" len="med"/>
-                    </a:lnB>
-                    <a:solidFill>
-                      <a:schemeClr val="accent6"/>
+                      <a:schemeClr val="accent6">
+                        <a:lumMod val="40000"/>
+                        <a:lumOff val="60000"/>
+                      </a:schemeClr>
                     </a:solidFill>
                   </a:tcPr>
                 </a:tc>
@@ -8575,10 +5568,10 @@
       </p:graphicFrame>
       <p:sp>
         <p:nvSpPr>
-          <p:cNvPr id="30" name="TextBox 29">
-            <a:extLst>
-              <a:ext uri="{FF2B5EF4-FFF2-40B4-BE49-F238E27FC236}">
-                <a16:creationId xmlns:a16="http://schemas.microsoft.com/office/drawing/2014/main" id="{35CA3B78-4583-7247-B425-E9BB824E44C6}"/>
+          <p:cNvPr id="35" name="TextBox 34">
+            <a:extLst>
+              <a:ext uri="{FF2B5EF4-FFF2-40B4-BE49-F238E27FC236}">
+                <a16:creationId xmlns:a16="http://schemas.microsoft.com/office/drawing/2014/main" id="{81B7CA6A-6AB7-F645-8686-12643B665DA5}"/>
               </a:ext>
             </a:extLst>
           </p:cNvPr>
@@ -8587,8 +5580,8 @@
         </p:nvSpPr>
         <p:spPr>
           <a:xfrm>
-            <a:off x="5383433" y="2126662"/>
-            <a:ext cx="1680074" cy="375416"/>
+            <a:off x="2475573" y="5558838"/>
+            <a:ext cx="1680074" cy="400110"/>
           </a:xfrm>
           <a:prstGeom prst="rect">
             <a:avLst/>
@@ -8601,148 +5594,51 @@
           </a:bodyPr>
           <a:lstStyle/>
           <a:p>
-            <a:r>
-              <a:rPr lang="en-US" altLang="zh-CN" b="1" dirty="0"/>
-              <a:t>SM</a:t>
-            </a:r>
-            <a:r>
-              <a:rPr lang="zh-CN" altLang="en-US" b="1" dirty="0"/>
+            <a:pPr algn="ctr"/>
+            <a:r>
+              <a:rPr lang="en-US" altLang="zh-CN" sz="2000" dirty="0"/>
+              <a:t>Kernel</a:t>
+            </a:r>
+            <a:r>
+              <a:rPr lang="zh-CN" altLang="en-US" sz="2000" dirty="0"/>
               <a:t> </a:t>
             </a:r>
             <a:r>
-              <a:rPr lang="en-US" altLang="zh-CN" b="1" dirty="0"/>
-              <a:t>Map</a:t>
-            </a:r>
-            <a:r>
-              <a:rPr lang="zh-CN" altLang="en-US" b="1" dirty="0"/>
-              <a:t> </a:t>
-            </a:r>
-            <a:r>
-              <a:rPr lang="en-US" altLang="zh-CN" b="1" dirty="0"/>
-              <a:t>Table</a:t>
-            </a:r>
-            <a:endParaRPr lang="en-US" b="1" dirty="0"/>
-          </a:p>
-        </p:txBody>
-      </p:sp>
-      <p:sp>
-        <p:nvSpPr>
-          <p:cNvPr id="44" name="TextBox 43">
-            <a:extLst>
-              <a:ext uri="{FF2B5EF4-FFF2-40B4-BE49-F238E27FC236}">
-                <a16:creationId xmlns:a16="http://schemas.microsoft.com/office/drawing/2014/main" id="{6052C14C-AF21-8F48-957B-FF98C33BB01F}"/>
-              </a:ext>
-            </a:extLst>
-          </p:cNvPr>
-          <p:cNvSpPr txBox="1"/>
+              <a:rPr lang="en-US" altLang="zh-CN" sz="2000" dirty="0"/>
+              <a:t>Queue</a:t>
+            </a:r>
+            <a:endParaRPr lang="en-US" sz="2000" dirty="0"/>
+          </a:p>
+        </p:txBody>
+      </p:sp>
+      <p:sp>
+        <p:nvSpPr>
+          <p:cNvPr id="36" name="Down Arrow 35">
+            <a:extLst>
+              <a:ext uri="{FF2B5EF4-FFF2-40B4-BE49-F238E27FC236}">
+                <a16:creationId xmlns:a16="http://schemas.microsoft.com/office/drawing/2014/main" id="{33247F76-ACBC-E445-AF68-60F85EF870CB}"/>
+              </a:ext>
+            </a:extLst>
+          </p:cNvPr>
+          <p:cNvSpPr/>
           <p:nvPr/>
         </p:nvSpPr>
         <p:spPr>
-          <a:xfrm>
-            <a:off x="4065373" y="5955874"/>
-            <a:ext cx="1313369" cy="369332"/>
-          </a:xfrm>
-          <a:prstGeom prst="rect">
+          <a:xfrm rot="10800000">
+            <a:off x="6678651" y="4396999"/>
+            <a:ext cx="335269" cy="828189"/>
+          </a:xfrm>
+          <a:prstGeom prst="downArrow">
             <a:avLst/>
           </a:prstGeom>
-          <a:noFill/>
-        </p:spPr>
-        <p:txBody>
-          <a:bodyPr wrap="square" rtlCol="0">
-            <a:spAutoFit/>
-          </a:bodyPr>
-          <a:lstStyle/>
-          <a:p>
-            <a:r>
-              <a:rPr lang="en-US" altLang="zh-CN" b="1" dirty="0"/>
-              <a:t>Tick</a:t>
-            </a:r>
-            <a:r>
-              <a:rPr lang="zh-CN" altLang="en-US" b="1" dirty="0"/>
-              <a:t> </a:t>
-            </a:r>
-            <a:r>
-              <a:rPr lang="en-US" altLang="zh-CN" b="1" dirty="0"/>
-              <a:t>Signal</a:t>
-            </a:r>
-            <a:endParaRPr lang="en-US" b="1" dirty="0"/>
-          </a:p>
-        </p:txBody>
-      </p:sp>
-      <p:sp>
-        <p:nvSpPr>
-          <p:cNvPr id="49" name="TextBox 48">
-            <a:extLst>
-              <a:ext uri="{FF2B5EF4-FFF2-40B4-BE49-F238E27FC236}">
-                <a16:creationId xmlns:a16="http://schemas.microsoft.com/office/drawing/2014/main" id="{53C503B6-63A3-6540-AD1B-42CA0442540F}"/>
-              </a:ext>
-            </a:extLst>
-          </p:cNvPr>
-          <p:cNvSpPr txBox="1"/>
-          <p:nvPr/>
-        </p:nvSpPr>
-        <p:spPr>
-          <a:xfrm>
-            <a:off x="7735123" y="3729583"/>
-            <a:ext cx="1317456" cy="923330"/>
-          </a:xfrm>
-          <a:prstGeom prst="rect">
-            <a:avLst/>
-          </a:prstGeom>
-          <a:noFill/>
-        </p:spPr>
-        <p:txBody>
-          <a:bodyPr wrap="square" rtlCol="0">
-            <a:spAutoFit/>
-          </a:bodyPr>
-          <a:lstStyle/>
-          <a:p>
-            <a:r>
-              <a:rPr lang="en-US" b="1" dirty="0"/>
-              <a:t>CTA </a:t>
-            </a:r>
-            <a:r>
-              <a:rPr lang="en-US" altLang="zh-CN" b="1" dirty="0"/>
-              <a:t>Finish</a:t>
-            </a:r>
-            <a:r>
-              <a:rPr lang="en-US" b="1" dirty="0"/>
-              <a:t> </a:t>
-            </a:r>
-            <a:r>
-              <a:rPr lang="en-US" altLang="zh-CN" b="1" dirty="0"/>
-              <a:t>C</a:t>
-            </a:r>
-            <a:r>
-              <a:rPr lang="en-US" b="1" dirty="0"/>
-              <a:t>ommand</a:t>
-            </a:r>
-          </a:p>
-          <a:p>
-            <a:endParaRPr lang="en-US" b="1" dirty="0"/>
-          </a:p>
-        </p:txBody>
-      </p:sp>
-      <p:sp>
-        <p:nvSpPr>
-          <p:cNvPr id="51" name="Right Arrow 50">
-            <a:extLst>
-              <a:ext uri="{FF2B5EF4-FFF2-40B4-BE49-F238E27FC236}">
-                <a16:creationId xmlns:a16="http://schemas.microsoft.com/office/drawing/2014/main" id="{50726078-5553-1946-AC61-17B35EE687C8}"/>
-              </a:ext>
-            </a:extLst>
-          </p:cNvPr>
-          <p:cNvSpPr/>
-          <p:nvPr/>
-        </p:nvSpPr>
-        <p:spPr>
-          <a:xfrm rot="5400000">
-            <a:off x="3376374" y="3374130"/>
-            <a:ext cx="2757190" cy="249382"/>
-          </a:xfrm>
-          <a:prstGeom prst="rightArrow">
-            <a:avLst/>
-          </a:prstGeom>
+          <a:solidFill>
+            <a:srgbClr val="B0DDF2"/>
+          </a:solidFill>
+          <a:ln w="19050">
+            <a:solidFill>
+              <a:schemeClr val="tx1"/>
+            </a:solidFill>
+          </a:ln>
         </p:spPr>
         <p:style>
           <a:lnRef idx="2">
@@ -8765,16 +5661,16 @@
           <a:lstStyle/>
           <a:p>
             <a:pPr algn="ctr"/>
-            <a:endParaRPr lang="en-US" b="1"/>
-          </a:p>
-        </p:txBody>
-      </p:sp>
-      <p:sp>
-        <p:nvSpPr>
-          <p:cNvPr id="41" name="Bent-Up Arrow 40">
-            <a:extLst>
-              <a:ext uri="{FF2B5EF4-FFF2-40B4-BE49-F238E27FC236}">
-                <a16:creationId xmlns:a16="http://schemas.microsoft.com/office/drawing/2014/main" id="{24AB3D2F-09B1-DB4C-BF5E-71C9855ECB77}"/>
+            <a:endParaRPr lang="en-US" sz="2000"/>
+          </a:p>
+        </p:txBody>
+      </p:sp>
+      <p:sp>
+        <p:nvSpPr>
+          <p:cNvPr id="37" name="Rectangle 36">
+            <a:extLst>
+              <a:ext uri="{FF2B5EF4-FFF2-40B4-BE49-F238E27FC236}">
+                <a16:creationId xmlns:a16="http://schemas.microsoft.com/office/drawing/2014/main" id="{7B5B9BFF-3B6A-4743-9C7A-D43AC93E3D91}"/>
               </a:ext>
             </a:extLst>
           </p:cNvPr>
@@ -8782,17 +5678,151 @@
           <p:nvPr/>
         </p:nvSpPr>
         <p:spPr>
-          <a:xfrm rot="5400000">
-            <a:off x="4329095" y="2511805"/>
-            <a:ext cx="1107409" cy="337121"/>
-          </a:xfrm>
-          <a:prstGeom prst="bentUpArrow">
-            <a:avLst>
-              <a:gd name="adj1" fmla="val 31538"/>
-              <a:gd name="adj2" fmla="val 44415"/>
-              <a:gd name="adj3" fmla="val 25000"/>
-            </a:avLst>
+          <a:xfrm>
+            <a:off x="6294320" y="3541898"/>
+            <a:ext cx="1134261" cy="828190"/>
+          </a:xfrm>
+          <a:prstGeom prst="rect">
+            <a:avLst/>
           </a:prstGeom>
+          <a:solidFill>
+            <a:schemeClr val="accent2">
+              <a:lumMod val="60000"/>
+              <a:lumOff val="40000"/>
+            </a:schemeClr>
+          </a:solidFill>
+          <a:ln w="38100">
+            <a:solidFill>
+              <a:schemeClr val="tx1"/>
+            </a:solidFill>
+          </a:ln>
+        </p:spPr>
+        <p:style>
+          <a:lnRef idx="2">
+            <a:schemeClr val="accent2">
+              <a:shade val="50000"/>
+            </a:schemeClr>
+          </a:lnRef>
+          <a:fillRef idx="1">
+            <a:schemeClr val="accent2"/>
+          </a:fillRef>
+          <a:effectRef idx="0">
+            <a:schemeClr val="accent2"/>
+          </a:effectRef>
+          <a:fontRef idx="minor">
+            <a:schemeClr val="lt1"/>
+          </a:fontRef>
+        </p:style>
+        <p:txBody>
+          <a:bodyPr rtlCol="0" anchor="ctr"/>
+          <a:lstStyle/>
+          <a:p>
+            <a:pPr algn="ctr"/>
+            <a:r>
+              <a:rPr lang="en-US" altLang="zh-CN" sz="2000" dirty="0">
+                <a:solidFill>
+                  <a:schemeClr val="tx1"/>
+                </a:solidFill>
+              </a:rPr>
+              <a:t>CTA</a:t>
+            </a:r>
+            <a:r>
+              <a:rPr lang="zh-CN" altLang="en-US" sz="2000" dirty="0">
+                <a:solidFill>
+                  <a:schemeClr val="tx1"/>
+                </a:solidFill>
+              </a:rPr>
+              <a:t> </a:t>
+            </a:r>
+            <a:r>
+              <a:rPr lang="en-US" altLang="zh-CN" sz="2000" dirty="0">
+                <a:solidFill>
+                  <a:schemeClr val="tx1"/>
+                </a:solidFill>
+              </a:rPr>
+              <a:t>launcher</a:t>
+            </a:r>
+            <a:endParaRPr lang="en-US" sz="2000" dirty="0">
+              <a:solidFill>
+                <a:schemeClr val="tx1"/>
+              </a:solidFill>
+            </a:endParaRPr>
+          </a:p>
+        </p:txBody>
+      </p:sp>
+      <p:sp>
+        <p:nvSpPr>
+          <p:cNvPr id="38" name="TextBox 37">
+            <a:extLst>
+              <a:ext uri="{FF2B5EF4-FFF2-40B4-BE49-F238E27FC236}">
+                <a16:creationId xmlns:a16="http://schemas.microsoft.com/office/drawing/2014/main" id="{11E3558E-1077-DC41-A5AE-07E2BC4DD97D}"/>
+              </a:ext>
+            </a:extLst>
+          </p:cNvPr>
+          <p:cNvSpPr txBox="1"/>
+          <p:nvPr/>
+        </p:nvSpPr>
+        <p:spPr>
+          <a:xfrm>
+            <a:off x="4578412" y="4710856"/>
+            <a:ext cx="1680074" cy="400110"/>
+          </a:xfrm>
+          <a:prstGeom prst="rect">
+            <a:avLst/>
+          </a:prstGeom>
+          <a:noFill/>
+        </p:spPr>
+        <p:txBody>
+          <a:bodyPr wrap="square" rtlCol="0">
+            <a:spAutoFit/>
+          </a:bodyPr>
+          <a:lstStyle/>
+          <a:p>
+            <a:pPr algn="ctr"/>
+            <a:r>
+              <a:rPr lang="en-US" altLang="zh-CN" sz="2000" dirty="0"/>
+              <a:t>Launch</a:t>
+            </a:r>
+            <a:r>
+              <a:rPr lang="zh-CN" altLang="en-US" sz="2000" dirty="0"/>
+              <a:t> </a:t>
+            </a:r>
+            <a:r>
+              <a:rPr lang="en-US" altLang="zh-CN" sz="2000" dirty="0"/>
+              <a:t>Table</a:t>
+            </a:r>
+            <a:endParaRPr lang="en-US" sz="2000" dirty="0"/>
+          </a:p>
+        </p:txBody>
+      </p:sp>
+      <p:sp>
+        <p:nvSpPr>
+          <p:cNvPr id="39" name="Arrow: Left-Right 31">
+            <a:extLst>
+              <a:ext uri="{FF2B5EF4-FFF2-40B4-BE49-F238E27FC236}">
+                <a16:creationId xmlns:a16="http://schemas.microsoft.com/office/drawing/2014/main" id="{2B2E7BD8-DA02-F143-BC25-6ECD07985FEC}"/>
+              </a:ext>
+            </a:extLst>
+          </p:cNvPr>
+          <p:cNvSpPr/>
+          <p:nvPr/>
+        </p:nvSpPr>
+        <p:spPr>
+          <a:xfrm>
+            <a:off x="5696218" y="4153945"/>
+            <a:ext cx="598102" cy="256414"/>
+          </a:xfrm>
+          <a:prstGeom prst="leftRightArrow">
+            <a:avLst/>
+          </a:prstGeom>
+          <a:solidFill>
+            <a:srgbClr val="B0DDF2"/>
+          </a:solidFill>
+          <a:ln w="19050">
+            <a:solidFill>
+              <a:schemeClr val="tx1"/>
+            </a:solidFill>
+          </a:ln>
         </p:spPr>
         <p:style>
           <a:lnRef idx="2">
@@ -8815,7 +5845,288 @@
           <a:lstStyle/>
           <a:p>
             <a:pPr algn="ctr"/>
-            <a:endParaRPr lang="en-US"/>
+            <a:endParaRPr lang="en-US" sz="2000"/>
+          </a:p>
+        </p:txBody>
+      </p:sp>
+      <p:sp>
+        <p:nvSpPr>
+          <p:cNvPr id="42" name="TextBox 41">
+            <a:extLst>
+              <a:ext uri="{FF2B5EF4-FFF2-40B4-BE49-F238E27FC236}">
+                <a16:creationId xmlns:a16="http://schemas.microsoft.com/office/drawing/2014/main" id="{ED117A25-286D-F444-9CB8-239EC31CD49C}"/>
+              </a:ext>
+            </a:extLst>
+          </p:cNvPr>
+          <p:cNvSpPr txBox="1"/>
+          <p:nvPr/>
+        </p:nvSpPr>
+        <p:spPr>
+          <a:xfrm>
+            <a:off x="750369" y="2488335"/>
+            <a:ext cx="1317456" cy="400110"/>
+          </a:xfrm>
+          <a:prstGeom prst="rect">
+            <a:avLst/>
+          </a:prstGeom>
+          <a:noFill/>
+        </p:spPr>
+        <p:txBody>
+          <a:bodyPr wrap="square" rtlCol="0">
+            <a:spAutoFit/>
+          </a:bodyPr>
+          <a:lstStyle/>
+          <a:p>
+            <a:pPr algn="ctr"/>
+            <a:r>
+              <a:rPr lang="en-US" altLang="zh-CN" sz="2000" dirty="0"/>
+              <a:t>Tick</a:t>
+            </a:r>
+            <a:r>
+              <a:rPr lang="zh-CN" altLang="en-US" sz="2000" dirty="0"/>
+              <a:t> </a:t>
+            </a:r>
+            <a:r>
+              <a:rPr lang="en-US" altLang="zh-CN" sz="2000" dirty="0"/>
+              <a:t>signal</a:t>
+            </a:r>
+            <a:endParaRPr lang="en-US" sz="2000" dirty="0"/>
+          </a:p>
+        </p:txBody>
+      </p:sp>
+      <p:sp>
+        <p:nvSpPr>
+          <p:cNvPr id="43" name="Rectangle 42">
+            <a:extLst>
+              <a:ext uri="{FF2B5EF4-FFF2-40B4-BE49-F238E27FC236}">
+                <a16:creationId xmlns:a16="http://schemas.microsoft.com/office/drawing/2014/main" id="{04CD0469-CF3B-3540-9CCA-2907D2AC0526}"/>
+              </a:ext>
+            </a:extLst>
+          </p:cNvPr>
+          <p:cNvSpPr/>
+          <p:nvPr/>
+        </p:nvSpPr>
+        <p:spPr>
+          <a:xfrm>
+            <a:off x="4039463" y="2164523"/>
+            <a:ext cx="1134261" cy="586408"/>
+          </a:xfrm>
+          <a:prstGeom prst="rect">
+            <a:avLst/>
+          </a:prstGeom>
+          <a:solidFill>
+            <a:schemeClr val="accent2">
+              <a:lumMod val="60000"/>
+              <a:lumOff val="40000"/>
+            </a:schemeClr>
+          </a:solidFill>
+          <a:ln w="38100">
+            <a:solidFill>
+              <a:schemeClr val="tx1"/>
+            </a:solidFill>
+          </a:ln>
+        </p:spPr>
+        <p:style>
+          <a:lnRef idx="2">
+            <a:schemeClr val="accent2">
+              <a:shade val="50000"/>
+            </a:schemeClr>
+          </a:lnRef>
+          <a:fillRef idx="1">
+            <a:schemeClr val="accent2"/>
+          </a:fillRef>
+          <a:effectRef idx="0">
+            <a:schemeClr val="accent2"/>
+          </a:effectRef>
+          <a:fontRef idx="minor">
+            <a:schemeClr val="lt1"/>
+          </a:fontRef>
+        </p:style>
+        <p:txBody>
+          <a:bodyPr rtlCol="0" anchor="ctr"/>
+          <a:lstStyle/>
+          <a:p>
+            <a:pPr algn="ctr"/>
+            <a:r>
+              <a:rPr lang="en-US" altLang="zh-CN" sz="2000" dirty="0">
+                <a:solidFill>
+                  <a:schemeClr val="tx1"/>
+                </a:solidFill>
+              </a:rPr>
+              <a:t>Tick</a:t>
+            </a:r>
+            <a:r>
+              <a:rPr lang="zh-CN" altLang="en-US" sz="2000" dirty="0">
+                <a:solidFill>
+                  <a:schemeClr val="tx1"/>
+                </a:solidFill>
+              </a:rPr>
+              <a:t> </a:t>
+            </a:r>
+            <a:r>
+              <a:rPr lang="en-US" altLang="zh-CN" sz="2000" dirty="0">
+                <a:solidFill>
+                  <a:schemeClr val="tx1"/>
+                </a:solidFill>
+              </a:rPr>
+              <a:t>handler</a:t>
+            </a:r>
+            <a:endParaRPr lang="en-US" sz="2000" dirty="0">
+              <a:solidFill>
+                <a:schemeClr val="tx1"/>
+              </a:solidFill>
+            </a:endParaRPr>
+          </a:p>
+        </p:txBody>
+      </p:sp>
+      <p:cxnSp>
+        <p:nvCxnSpPr>
+          <p:cNvPr id="9" name="Elbow Connector 8">
+            <a:extLst>
+              <a:ext uri="{FF2B5EF4-FFF2-40B4-BE49-F238E27FC236}">
+                <a16:creationId xmlns:a16="http://schemas.microsoft.com/office/drawing/2014/main" id="{F78CCEA0-4BEC-C347-8AB0-56D78F2EC42C}"/>
+              </a:ext>
+            </a:extLst>
+          </p:cNvPr>
+          <p:cNvCxnSpPr>
+            <a:cxnSpLocks/>
+            <a:stCxn id="43" idx="3"/>
+            <a:endCxn id="37" idx="1"/>
+          </p:cNvCxnSpPr>
+          <p:nvPr/>
+        </p:nvCxnSpPr>
+        <p:spPr>
+          <a:xfrm>
+            <a:off x="5173724" y="2457727"/>
+            <a:ext cx="1120596" cy="1498266"/>
+          </a:xfrm>
+          <a:prstGeom prst="bentConnector3">
+            <a:avLst>
+              <a:gd name="adj1" fmla="val 70400"/>
+            </a:avLst>
+          </a:prstGeom>
+          <a:ln w="57150">
+            <a:solidFill>
+              <a:schemeClr val="tx1"/>
+            </a:solidFill>
+            <a:tailEnd type="triangle"/>
+          </a:ln>
+        </p:spPr>
+        <p:style>
+          <a:lnRef idx="1">
+            <a:schemeClr val="accent1"/>
+          </a:lnRef>
+          <a:fillRef idx="0">
+            <a:schemeClr val="accent1"/>
+          </a:fillRef>
+          <a:effectRef idx="0">
+            <a:schemeClr val="accent1"/>
+          </a:effectRef>
+          <a:fontRef idx="minor">
+            <a:schemeClr val="tx1"/>
+          </a:fontRef>
+        </p:style>
+      </p:cxnSp>
+      <p:sp>
+        <p:nvSpPr>
+          <p:cNvPr id="20" name="Left-Up Arrow 19">
+            <a:extLst>
+              <a:ext uri="{FF2B5EF4-FFF2-40B4-BE49-F238E27FC236}">
+                <a16:creationId xmlns:a16="http://schemas.microsoft.com/office/drawing/2014/main" id="{DDF96FA9-0E32-F84D-A031-C4213BCF35D9}"/>
+              </a:ext>
+            </a:extLst>
+          </p:cNvPr>
+          <p:cNvSpPr/>
+          <p:nvPr/>
+        </p:nvSpPr>
+        <p:spPr>
+          <a:xfrm rot="10800000">
+            <a:off x="6482476" y="2050442"/>
+            <a:ext cx="3474323" cy="1498267"/>
+          </a:xfrm>
+          <a:prstGeom prst="leftUpArrow">
+            <a:avLst>
+              <a:gd name="adj1" fmla="val 9742"/>
+              <a:gd name="adj2" fmla="val 10166"/>
+              <a:gd name="adj3" fmla="val 12286"/>
+            </a:avLst>
+          </a:prstGeom>
+          <a:solidFill>
+            <a:srgbClr val="B0DDF2"/>
+          </a:solidFill>
+          <a:ln w="19050">
+            <a:solidFill>
+              <a:schemeClr val="tx1"/>
+            </a:solidFill>
+          </a:ln>
+        </p:spPr>
+        <p:style>
+          <a:lnRef idx="2">
+            <a:schemeClr val="accent1">
+              <a:shade val="50000"/>
+            </a:schemeClr>
+          </a:lnRef>
+          <a:fillRef idx="1">
+            <a:schemeClr val="accent1"/>
+          </a:fillRef>
+          <a:effectRef idx="0">
+            <a:schemeClr val="accent1"/>
+          </a:effectRef>
+          <a:fontRef idx="minor">
+            <a:schemeClr val="lt1"/>
+          </a:fontRef>
+        </p:style>
+        <p:txBody>
+          <a:bodyPr rot="0" spcFirstLastPara="0" vertOverflow="overflow" horzOverflow="overflow" vert="horz" wrap="square" lIns="91440" tIns="45720" rIns="91440" bIns="45720" numCol="1" spcCol="0" rtlCol="0" fromWordArt="0" anchor="ctr" anchorCtr="0" forceAA="0" compatLnSpc="1">
+            <a:prstTxWarp prst="textNoShape">
+              <a:avLst/>
+            </a:prstTxWarp>
+            <a:noAutofit/>
+          </a:bodyPr>
+          <a:lstStyle/>
+          <a:p>
+            <a:pPr algn="ctr"/>
+            <a:endParaRPr lang="en-US" sz="2000"/>
+          </a:p>
+        </p:txBody>
+      </p:sp>
+      <p:sp>
+        <p:nvSpPr>
+          <p:cNvPr id="53" name="TextBox 52">
+            <a:extLst>
+              <a:ext uri="{FF2B5EF4-FFF2-40B4-BE49-F238E27FC236}">
+                <a16:creationId xmlns:a16="http://schemas.microsoft.com/office/drawing/2014/main" id="{5578E930-3D06-B341-93A9-3A9C5F64B747}"/>
+              </a:ext>
+            </a:extLst>
+          </p:cNvPr>
+          <p:cNvSpPr txBox="1"/>
+          <p:nvPr/>
+        </p:nvSpPr>
+        <p:spPr>
+          <a:xfrm>
+            <a:off x="8360834" y="1430322"/>
+            <a:ext cx="1317456" cy="707886"/>
+          </a:xfrm>
+          <a:prstGeom prst="rect">
+            <a:avLst/>
+          </a:prstGeom>
+          <a:noFill/>
+        </p:spPr>
+        <p:txBody>
+          <a:bodyPr wrap="square" rtlCol="0">
+            <a:spAutoFit/>
+          </a:bodyPr>
+          <a:lstStyle/>
+          <a:p>
+            <a:pPr algn="ctr"/>
+            <a:r>
+              <a:rPr lang="en-US" altLang="zh-CN" sz="2000" dirty="0"/>
+              <a:t>CTA</a:t>
+            </a:r>
+            <a:r>
+              <a:rPr lang="en-US" sz="2000" dirty="0"/>
+              <a:t> command</a:t>
+            </a:r>
           </a:p>
         </p:txBody>
       </p:sp>
@@ -8823,6 +6134,4037 @@
     <p:extLst>
       <p:ext uri="{BB962C8B-B14F-4D97-AF65-F5344CB8AC3E}">
         <p14:creationId xmlns:p14="http://schemas.microsoft.com/office/powerpoint/2010/main" val="17400386"/>
+      </p:ext>
+    </p:extLst>
+  </p:cSld>
+  <p:clrMapOvr>
+    <a:masterClrMapping/>
+  </p:clrMapOvr>
+</p:sld>
+</file>
+
+<file path=ppt/slides/slide2.xml><?xml version="1.0" encoding="utf-8"?>
+<p:sld xmlns:a="http://schemas.openxmlformats.org/drawingml/2006/main" xmlns:r="http://schemas.openxmlformats.org/officeDocument/2006/relationships" xmlns:p="http://schemas.openxmlformats.org/presentationml/2006/main">
+  <p:cSld>
+    <p:spTree>
+      <p:nvGrpSpPr>
+        <p:cNvPr id="1" name=""/>
+        <p:cNvGrpSpPr/>
+        <p:nvPr/>
+      </p:nvGrpSpPr>
+      <p:grpSpPr>
+        <a:xfrm>
+          <a:off x="0" y="0"/>
+          <a:ext cx="0" cy="0"/>
+          <a:chOff x="0" y="0"/>
+          <a:chExt cx="0" cy="0"/>
+        </a:xfrm>
+      </p:grpSpPr>
+      <p:sp>
+        <p:nvSpPr>
+          <p:cNvPr id="28" name="Rounded Rectangle 27">
+            <a:extLst>
+              <a:ext uri="{FF2B5EF4-FFF2-40B4-BE49-F238E27FC236}">
+                <a16:creationId xmlns:a16="http://schemas.microsoft.com/office/drawing/2014/main" id="{EC7321D9-3329-4E4C-967F-65E3827E0B2A}"/>
+              </a:ext>
+            </a:extLst>
+          </p:cNvPr>
+          <p:cNvSpPr/>
+          <p:nvPr/>
+        </p:nvSpPr>
+        <p:spPr>
+          <a:xfrm>
+            <a:off x="6368967" y="335644"/>
+            <a:ext cx="5663878" cy="1337839"/>
+          </a:xfrm>
+          <a:prstGeom prst="roundRect">
+            <a:avLst/>
+          </a:prstGeom>
+          <a:solidFill>
+            <a:srgbClr val="13D2FF"/>
+          </a:solidFill>
+          <a:ln w="19050">
+            <a:solidFill>
+              <a:schemeClr val="tx1"/>
+            </a:solidFill>
+          </a:ln>
+        </p:spPr>
+        <p:style>
+          <a:lnRef idx="2">
+            <a:schemeClr val="accent1">
+              <a:shade val="50000"/>
+            </a:schemeClr>
+          </a:lnRef>
+          <a:fillRef idx="1">
+            <a:schemeClr val="accent1"/>
+          </a:fillRef>
+          <a:effectRef idx="0">
+            <a:schemeClr val="accent1"/>
+          </a:effectRef>
+          <a:fontRef idx="minor">
+            <a:schemeClr val="lt1"/>
+          </a:fontRef>
+        </p:style>
+        <p:txBody>
+          <a:bodyPr rtlCol="0" anchor="t"/>
+          <a:lstStyle/>
+          <a:p>
+            <a:pPr algn="ctr"/>
+            <a:r>
+              <a:rPr lang="en-US" altLang="zh-CN" sz="2000" dirty="0">
+                <a:solidFill>
+                  <a:schemeClr val="tx1"/>
+                </a:solidFill>
+              </a:rPr>
+              <a:t>SM</a:t>
+            </a:r>
+            <a:r>
+              <a:rPr lang="zh-CN" altLang="en-US" sz="2000" dirty="0">
+                <a:solidFill>
+                  <a:schemeClr val="tx1"/>
+                </a:solidFill>
+              </a:rPr>
+              <a:t> </a:t>
+            </a:r>
+            <a:r>
+              <a:rPr lang="en-US" altLang="zh-CN" sz="2000" dirty="0">
+                <a:solidFill>
+                  <a:schemeClr val="tx1"/>
+                </a:solidFill>
+              </a:rPr>
+              <a:t>blob</a:t>
+            </a:r>
+            <a:endParaRPr lang="en-US" sz="2000" dirty="0">
+              <a:solidFill>
+                <a:schemeClr val="tx1"/>
+              </a:solidFill>
+            </a:endParaRPr>
+          </a:p>
+        </p:txBody>
+      </p:sp>
+      <p:sp>
+        <p:nvSpPr>
+          <p:cNvPr id="2" name="Rounded Rectangle 1">
+            <a:extLst>
+              <a:ext uri="{FF2B5EF4-FFF2-40B4-BE49-F238E27FC236}">
+                <a16:creationId xmlns:a16="http://schemas.microsoft.com/office/drawing/2014/main" id="{01B9FBCE-4435-4C4C-9E96-E0A73B8730F3}"/>
+              </a:ext>
+            </a:extLst>
+          </p:cNvPr>
+          <p:cNvSpPr/>
+          <p:nvPr/>
+        </p:nvSpPr>
+        <p:spPr>
+          <a:xfrm>
+            <a:off x="125047" y="712124"/>
+            <a:ext cx="1811747" cy="1337839"/>
+          </a:xfrm>
+          <a:prstGeom prst="roundRect">
+            <a:avLst/>
+          </a:prstGeom>
+          <a:solidFill>
+            <a:srgbClr val="13D2FF"/>
+          </a:solidFill>
+          <a:ln w="19050">
+            <a:solidFill>
+              <a:schemeClr val="tx1"/>
+            </a:solidFill>
+          </a:ln>
+        </p:spPr>
+        <p:style>
+          <a:lnRef idx="2">
+            <a:schemeClr val="accent1">
+              <a:shade val="50000"/>
+            </a:schemeClr>
+          </a:lnRef>
+          <a:fillRef idx="1">
+            <a:schemeClr val="accent1"/>
+          </a:fillRef>
+          <a:effectRef idx="0">
+            <a:schemeClr val="accent1"/>
+          </a:effectRef>
+          <a:fontRef idx="minor">
+            <a:schemeClr val="lt1"/>
+          </a:fontRef>
+        </p:style>
+        <p:txBody>
+          <a:bodyPr rtlCol="0" anchor="t"/>
+          <a:lstStyle/>
+          <a:p>
+            <a:pPr algn="ctr"/>
+            <a:r>
+              <a:rPr lang="en-US" sz="2000" dirty="0">
+                <a:solidFill>
+                  <a:schemeClr val="tx1"/>
+                </a:solidFill>
+              </a:rPr>
+              <a:t>Ariel</a:t>
+            </a:r>
+          </a:p>
+        </p:txBody>
+      </p:sp>
+      <p:sp>
+        <p:nvSpPr>
+          <p:cNvPr id="21" name="Rectangle 20">
+            <a:extLst>
+              <a:ext uri="{FF2B5EF4-FFF2-40B4-BE49-F238E27FC236}">
+                <a16:creationId xmlns:a16="http://schemas.microsoft.com/office/drawing/2014/main" id="{10865AD4-9091-43CE-8AAF-4464F486E31E}"/>
+              </a:ext>
+            </a:extLst>
+          </p:cNvPr>
+          <p:cNvSpPr/>
+          <p:nvPr/>
+        </p:nvSpPr>
+        <p:spPr>
+          <a:xfrm>
+            <a:off x="564059" y="1202640"/>
+            <a:ext cx="964096" cy="586408"/>
+          </a:xfrm>
+          <a:prstGeom prst="rect">
+            <a:avLst/>
+          </a:prstGeom>
+          <a:solidFill>
+            <a:schemeClr val="accent2">
+              <a:lumMod val="60000"/>
+              <a:lumOff val="40000"/>
+            </a:schemeClr>
+          </a:solidFill>
+          <a:ln w="38100">
+            <a:solidFill>
+              <a:schemeClr val="tx1"/>
+            </a:solidFill>
+          </a:ln>
+        </p:spPr>
+        <p:style>
+          <a:lnRef idx="2">
+            <a:schemeClr val="accent2">
+              <a:shade val="50000"/>
+            </a:schemeClr>
+          </a:lnRef>
+          <a:fillRef idx="1">
+            <a:schemeClr val="accent2"/>
+          </a:fillRef>
+          <a:effectRef idx="0">
+            <a:schemeClr val="accent2"/>
+          </a:effectRef>
+          <a:fontRef idx="minor">
+            <a:schemeClr val="lt1"/>
+          </a:fontRef>
+        </p:style>
+        <p:txBody>
+          <a:bodyPr rtlCol="0" anchor="ctr"/>
+          <a:lstStyle/>
+          <a:p>
+            <a:pPr algn="ctr"/>
+            <a:r>
+              <a:rPr lang="en-US" sz="2000" dirty="0">
+                <a:solidFill>
+                  <a:schemeClr val="tx1"/>
+                </a:solidFill>
+              </a:rPr>
+              <a:t>CPU</a:t>
+            </a:r>
+          </a:p>
+        </p:txBody>
+      </p:sp>
+      <p:sp>
+        <p:nvSpPr>
+          <p:cNvPr id="58" name="Arrow: Left-Right 31">
+            <a:extLst>
+              <a:ext uri="{FF2B5EF4-FFF2-40B4-BE49-F238E27FC236}">
+                <a16:creationId xmlns:a16="http://schemas.microsoft.com/office/drawing/2014/main" id="{50C7562A-7C61-9E42-BEF7-B2FBB7E9AC2B}"/>
+              </a:ext>
+            </a:extLst>
+          </p:cNvPr>
+          <p:cNvSpPr/>
+          <p:nvPr/>
+        </p:nvSpPr>
+        <p:spPr>
+          <a:xfrm>
+            <a:off x="1947181" y="1085682"/>
+            <a:ext cx="1261957" cy="258852"/>
+          </a:xfrm>
+          <a:prstGeom prst="leftRightArrow">
+            <a:avLst/>
+          </a:prstGeom>
+          <a:solidFill>
+            <a:srgbClr val="B0DDF2"/>
+          </a:solidFill>
+          <a:ln w="19050">
+            <a:solidFill>
+              <a:schemeClr val="tx1"/>
+            </a:solidFill>
+          </a:ln>
+        </p:spPr>
+        <p:style>
+          <a:lnRef idx="2">
+            <a:schemeClr val="accent1">
+              <a:shade val="50000"/>
+            </a:schemeClr>
+          </a:lnRef>
+          <a:fillRef idx="1">
+            <a:schemeClr val="accent1"/>
+          </a:fillRef>
+          <a:effectRef idx="0">
+            <a:schemeClr val="accent1"/>
+          </a:effectRef>
+          <a:fontRef idx="minor">
+            <a:schemeClr val="lt1"/>
+          </a:fontRef>
+        </p:style>
+        <p:txBody>
+          <a:bodyPr rtlCol="0" anchor="ctr"/>
+          <a:lstStyle/>
+          <a:p>
+            <a:pPr algn="ctr"/>
+            <a:endParaRPr lang="en-US" sz="2000"/>
+          </a:p>
+        </p:txBody>
+      </p:sp>
+      <p:sp>
+        <p:nvSpPr>
+          <p:cNvPr id="67" name="TextBox 66">
+            <a:extLst>
+              <a:ext uri="{FF2B5EF4-FFF2-40B4-BE49-F238E27FC236}">
+                <a16:creationId xmlns:a16="http://schemas.microsoft.com/office/drawing/2014/main" id="{89B5B1E2-7221-5C41-AFD8-79C42182E21B}"/>
+              </a:ext>
+            </a:extLst>
+          </p:cNvPr>
+          <p:cNvSpPr txBox="1"/>
+          <p:nvPr/>
+        </p:nvSpPr>
+        <p:spPr>
+          <a:xfrm>
+            <a:off x="1919431" y="1342076"/>
+            <a:ext cx="1317456" cy="707886"/>
+          </a:xfrm>
+          <a:prstGeom prst="rect">
+            <a:avLst/>
+          </a:prstGeom>
+          <a:noFill/>
+        </p:spPr>
+        <p:txBody>
+          <a:bodyPr wrap="square" rtlCol="0">
+            <a:spAutoFit/>
+          </a:bodyPr>
+          <a:lstStyle/>
+          <a:p>
+            <a:pPr algn="ctr"/>
+            <a:r>
+              <a:rPr lang="en-US" altLang="zh-CN" sz="2000" dirty="0"/>
+              <a:t>API</a:t>
+            </a:r>
+            <a:r>
+              <a:rPr lang="en-US" sz="2000" dirty="0"/>
+              <a:t> command</a:t>
+            </a:r>
+          </a:p>
+        </p:txBody>
+      </p:sp>
+      <p:sp>
+        <p:nvSpPr>
+          <p:cNvPr id="68" name="TextBox 67">
+            <a:extLst>
+              <a:ext uri="{FF2B5EF4-FFF2-40B4-BE49-F238E27FC236}">
+                <a16:creationId xmlns:a16="http://schemas.microsoft.com/office/drawing/2014/main" id="{B5AFA252-8E64-6341-BF3A-6362A3C2F889}"/>
+              </a:ext>
+            </a:extLst>
+          </p:cNvPr>
+          <p:cNvSpPr txBox="1"/>
+          <p:nvPr/>
+        </p:nvSpPr>
+        <p:spPr>
+          <a:xfrm>
+            <a:off x="4829973" y="1407858"/>
+            <a:ext cx="1374882" cy="1015663"/>
+          </a:xfrm>
+          <a:prstGeom prst="rect">
+            <a:avLst/>
+          </a:prstGeom>
+          <a:noFill/>
+        </p:spPr>
+        <p:txBody>
+          <a:bodyPr wrap="square" rtlCol="0">
+            <a:spAutoFit/>
+          </a:bodyPr>
+          <a:lstStyle/>
+          <a:p>
+            <a:pPr algn="ctr"/>
+            <a:r>
+              <a:rPr lang="en-US" sz="2000" dirty="0"/>
+              <a:t>CTA command</a:t>
+            </a:r>
+          </a:p>
+          <a:p>
+            <a:endParaRPr lang="en-US" sz="2000" dirty="0"/>
+          </a:p>
+        </p:txBody>
+      </p:sp>
+      <p:sp>
+        <p:nvSpPr>
+          <p:cNvPr id="71" name="Arrow: Left-Right 31">
+            <a:extLst>
+              <a:ext uri="{FF2B5EF4-FFF2-40B4-BE49-F238E27FC236}">
+                <a16:creationId xmlns:a16="http://schemas.microsoft.com/office/drawing/2014/main" id="{6C55F45A-E80B-6642-9666-37D0E47D4D26}"/>
+              </a:ext>
+            </a:extLst>
+          </p:cNvPr>
+          <p:cNvSpPr/>
+          <p:nvPr/>
+        </p:nvSpPr>
+        <p:spPr>
+          <a:xfrm>
+            <a:off x="4910481" y="1085682"/>
+            <a:ext cx="1210845" cy="303377"/>
+          </a:xfrm>
+          <a:prstGeom prst="leftRightArrow">
+            <a:avLst/>
+          </a:prstGeom>
+          <a:solidFill>
+            <a:srgbClr val="B0DDF2"/>
+          </a:solidFill>
+          <a:ln w="19050">
+            <a:solidFill>
+              <a:schemeClr val="tx1"/>
+            </a:solidFill>
+          </a:ln>
+        </p:spPr>
+        <p:style>
+          <a:lnRef idx="2">
+            <a:schemeClr val="accent1">
+              <a:shade val="50000"/>
+            </a:schemeClr>
+          </a:lnRef>
+          <a:fillRef idx="1">
+            <a:schemeClr val="accent1"/>
+          </a:fillRef>
+          <a:effectRef idx="0">
+            <a:schemeClr val="accent1"/>
+          </a:effectRef>
+          <a:fontRef idx="minor">
+            <a:schemeClr val="lt1"/>
+          </a:fontRef>
+        </p:style>
+        <p:txBody>
+          <a:bodyPr rtlCol="0" anchor="ctr"/>
+          <a:lstStyle/>
+          <a:p>
+            <a:pPr algn="ctr"/>
+            <a:endParaRPr lang="en-US" sz="2000"/>
+          </a:p>
+        </p:txBody>
+      </p:sp>
+      <p:sp>
+        <p:nvSpPr>
+          <p:cNvPr id="22" name="Rounded Rectangle 21">
+            <a:extLst>
+              <a:ext uri="{FF2B5EF4-FFF2-40B4-BE49-F238E27FC236}">
+                <a16:creationId xmlns:a16="http://schemas.microsoft.com/office/drawing/2014/main" id="{8FABE294-9C11-DB40-93A8-0C1C531F6012}"/>
+              </a:ext>
+            </a:extLst>
+          </p:cNvPr>
+          <p:cNvSpPr/>
+          <p:nvPr/>
+        </p:nvSpPr>
+        <p:spPr>
+          <a:xfrm>
+            <a:off x="3229498" y="712123"/>
+            <a:ext cx="1680983" cy="1337839"/>
+          </a:xfrm>
+          <a:prstGeom prst="roundRect">
+            <a:avLst/>
+          </a:prstGeom>
+          <a:solidFill>
+            <a:srgbClr val="13D2FF"/>
+          </a:solidFill>
+          <a:ln w="19050">
+            <a:solidFill>
+              <a:schemeClr val="tx1"/>
+            </a:solidFill>
+          </a:ln>
+        </p:spPr>
+        <p:style>
+          <a:lnRef idx="2">
+            <a:schemeClr val="accent1">
+              <a:shade val="50000"/>
+            </a:schemeClr>
+          </a:lnRef>
+          <a:fillRef idx="1">
+            <a:schemeClr val="accent1"/>
+          </a:fillRef>
+          <a:effectRef idx="0">
+            <a:schemeClr val="accent1"/>
+          </a:effectRef>
+          <a:fontRef idx="minor">
+            <a:schemeClr val="lt1"/>
+          </a:fontRef>
+        </p:style>
+        <p:txBody>
+          <a:bodyPr rtlCol="0" anchor="ctr"/>
+          <a:lstStyle/>
+          <a:p>
+            <a:pPr algn="ctr"/>
+            <a:r>
+              <a:rPr lang="en-US" sz="2000" dirty="0">
+                <a:solidFill>
+                  <a:schemeClr val="tx1"/>
+                </a:solidFill>
+              </a:rPr>
+              <a:t>GPUSched</a:t>
+            </a:r>
+          </a:p>
+        </p:txBody>
+      </p:sp>
+      <p:sp>
+        <p:nvSpPr>
+          <p:cNvPr id="23" name="Rounded Rectangle 22">
+            <a:extLst>
+              <a:ext uri="{FF2B5EF4-FFF2-40B4-BE49-F238E27FC236}">
+                <a16:creationId xmlns:a16="http://schemas.microsoft.com/office/drawing/2014/main" id="{99FCAE7D-AD1D-424A-8FA8-C0F8C0FF5492}"/>
+              </a:ext>
+            </a:extLst>
+          </p:cNvPr>
+          <p:cNvSpPr/>
+          <p:nvPr/>
+        </p:nvSpPr>
+        <p:spPr>
+          <a:xfrm>
+            <a:off x="6126985" y="825407"/>
+            <a:ext cx="5663878" cy="1337839"/>
+          </a:xfrm>
+          <a:prstGeom prst="roundRect">
+            <a:avLst/>
+          </a:prstGeom>
+          <a:solidFill>
+            <a:srgbClr val="13D2FF"/>
+          </a:solidFill>
+          <a:ln w="19050">
+            <a:solidFill>
+              <a:schemeClr val="tx1"/>
+            </a:solidFill>
+          </a:ln>
+        </p:spPr>
+        <p:style>
+          <a:lnRef idx="2">
+            <a:schemeClr val="accent1">
+              <a:shade val="50000"/>
+            </a:schemeClr>
+          </a:lnRef>
+          <a:fillRef idx="1">
+            <a:schemeClr val="accent1"/>
+          </a:fillRef>
+          <a:effectRef idx="0">
+            <a:schemeClr val="accent1"/>
+          </a:effectRef>
+          <a:fontRef idx="minor">
+            <a:schemeClr val="lt1"/>
+          </a:fontRef>
+        </p:style>
+        <p:txBody>
+          <a:bodyPr rtlCol="0" anchor="t"/>
+          <a:lstStyle/>
+          <a:p>
+            <a:pPr algn="ctr"/>
+            <a:r>
+              <a:rPr lang="en-US" altLang="zh-CN" sz="2000" dirty="0">
+                <a:solidFill>
+                  <a:schemeClr val="tx1"/>
+                </a:solidFill>
+              </a:rPr>
+              <a:t>SM</a:t>
+            </a:r>
+            <a:r>
+              <a:rPr lang="zh-CN" altLang="en-US" sz="2000" dirty="0">
+                <a:solidFill>
+                  <a:schemeClr val="tx1"/>
+                </a:solidFill>
+              </a:rPr>
+              <a:t> </a:t>
+            </a:r>
+            <a:r>
+              <a:rPr lang="en-US" altLang="zh-CN" sz="2000" dirty="0">
+                <a:solidFill>
+                  <a:schemeClr val="tx1"/>
+                </a:solidFill>
+              </a:rPr>
+              <a:t>blob</a:t>
+            </a:r>
+            <a:endParaRPr lang="en-US" sz="2000" dirty="0">
+              <a:solidFill>
+                <a:schemeClr val="tx1"/>
+              </a:solidFill>
+            </a:endParaRPr>
+          </a:p>
+        </p:txBody>
+      </p:sp>
+      <p:sp>
+        <p:nvSpPr>
+          <p:cNvPr id="24" name="Rectangle 23">
+            <a:extLst>
+              <a:ext uri="{FF2B5EF4-FFF2-40B4-BE49-F238E27FC236}">
+                <a16:creationId xmlns:a16="http://schemas.microsoft.com/office/drawing/2014/main" id="{DADD8424-00FC-884C-8585-C5B30DAFE135}"/>
+              </a:ext>
+            </a:extLst>
+          </p:cNvPr>
+          <p:cNvSpPr/>
+          <p:nvPr/>
+        </p:nvSpPr>
+        <p:spPr>
+          <a:xfrm>
+            <a:off x="6515238" y="1340467"/>
+            <a:ext cx="964096" cy="586408"/>
+          </a:xfrm>
+          <a:prstGeom prst="rect">
+            <a:avLst/>
+          </a:prstGeom>
+          <a:solidFill>
+            <a:schemeClr val="accent2">
+              <a:lumMod val="60000"/>
+              <a:lumOff val="40000"/>
+            </a:schemeClr>
+          </a:solidFill>
+          <a:ln w="19050">
+            <a:solidFill>
+              <a:schemeClr val="tx1"/>
+            </a:solidFill>
+          </a:ln>
+        </p:spPr>
+        <p:style>
+          <a:lnRef idx="2">
+            <a:schemeClr val="accent2">
+              <a:shade val="50000"/>
+            </a:schemeClr>
+          </a:lnRef>
+          <a:fillRef idx="1">
+            <a:schemeClr val="accent2"/>
+          </a:fillRef>
+          <a:effectRef idx="0">
+            <a:schemeClr val="accent2"/>
+          </a:effectRef>
+          <a:fontRef idx="minor">
+            <a:schemeClr val="lt1"/>
+          </a:fontRef>
+        </p:style>
+        <p:txBody>
+          <a:bodyPr rtlCol="0" anchor="ctr"/>
+          <a:lstStyle/>
+          <a:p>
+            <a:pPr algn="ctr"/>
+            <a:r>
+              <a:rPr lang="en-US" sz="2000" dirty="0">
+                <a:solidFill>
+                  <a:schemeClr val="tx1"/>
+                </a:solidFill>
+              </a:rPr>
+              <a:t>SM</a:t>
+            </a:r>
+          </a:p>
+        </p:txBody>
+      </p:sp>
+      <p:sp>
+        <p:nvSpPr>
+          <p:cNvPr id="25" name="Rectangle 24">
+            <a:extLst>
+              <a:ext uri="{FF2B5EF4-FFF2-40B4-BE49-F238E27FC236}">
+                <a16:creationId xmlns:a16="http://schemas.microsoft.com/office/drawing/2014/main" id="{4B81B752-9F51-8749-9D43-23BA7965100F}"/>
+              </a:ext>
+            </a:extLst>
+          </p:cNvPr>
+          <p:cNvSpPr/>
+          <p:nvPr/>
+        </p:nvSpPr>
+        <p:spPr>
+          <a:xfrm>
+            <a:off x="7763567" y="1340467"/>
+            <a:ext cx="964096" cy="586408"/>
+          </a:xfrm>
+          <a:prstGeom prst="rect">
+            <a:avLst/>
+          </a:prstGeom>
+          <a:solidFill>
+            <a:schemeClr val="accent2">
+              <a:lumMod val="60000"/>
+              <a:lumOff val="40000"/>
+            </a:schemeClr>
+          </a:solidFill>
+          <a:ln w="19050">
+            <a:solidFill>
+              <a:schemeClr val="tx1"/>
+            </a:solidFill>
+          </a:ln>
+        </p:spPr>
+        <p:style>
+          <a:lnRef idx="2">
+            <a:schemeClr val="accent2">
+              <a:shade val="50000"/>
+            </a:schemeClr>
+          </a:lnRef>
+          <a:fillRef idx="1">
+            <a:schemeClr val="accent2"/>
+          </a:fillRef>
+          <a:effectRef idx="0">
+            <a:schemeClr val="accent2"/>
+          </a:effectRef>
+          <a:fontRef idx="minor">
+            <a:schemeClr val="lt1"/>
+          </a:fontRef>
+        </p:style>
+        <p:txBody>
+          <a:bodyPr rtlCol="0" anchor="ctr"/>
+          <a:lstStyle/>
+          <a:p>
+            <a:pPr algn="ctr"/>
+            <a:r>
+              <a:rPr lang="en-US" sz="2000" dirty="0">
+                <a:solidFill>
+                  <a:schemeClr val="tx1"/>
+                </a:solidFill>
+              </a:rPr>
+              <a:t>SM</a:t>
+            </a:r>
+          </a:p>
+        </p:txBody>
+      </p:sp>
+      <p:sp>
+        <p:nvSpPr>
+          <p:cNvPr id="26" name="Rectangle 25">
+            <a:extLst>
+              <a:ext uri="{FF2B5EF4-FFF2-40B4-BE49-F238E27FC236}">
+                <a16:creationId xmlns:a16="http://schemas.microsoft.com/office/drawing/2014/main" id="{20FF6375-BA76-C94F-99CC-2FE64817AF43}"/>
+              </a:ext>
+            </a:extLst>
+          </p:cNvPr>
+          <p:cNvSpPr/>
+          <p:nvPr/>
+        </p:nvSpPr>
+        <p:spPr>
+          <a:xfrm>
+            <a:off x="10350513" y="1340467"/>
+            <a:ext cx="964096" cy="586408"/>
+          </a:xfrm>
+          <a:prstGeom prst="rect">
+            <a:avLst/>
+          </a:prstGeom>
+          <a:solidFill>
+            <a:schemeClr val="accent2">
+              <a:lumMod val="60000"/>
+              <a:lumOff val="40000"/>
+            </a:schemeClr>
+          </a:solidFill>
+          <a:ln w="19050">
+            <a:solidFill>
+              <a:schemeClr val="tx1"/>
+            </a:solidFill>
+          </a:ln>
+        </p:spPr>
+        <p:style>
+          <a:lnRef idx="2">
+            <a:schemeClr val="accent2">
+              <a:shade val="50000"/>
+            </a:schemeClr>
+          </a:lnRef>
+          <a:fillRef idx="1">
+            <a:schemeClr val="accent2"/>
+          </a:fillRef>
+          <a:effectRef idx="0">
+            <a:schemeClr val="accent2"/>
+          </a:effectRef>
+          <a:fontRef idx="minor">
+            <a:schemeClr val="lt1"/>
+          </a:fontRef>
+        </p:style>
+        <p:txBody>
+          <a:bodyPr rtlCol="0" anchor="ctr"/>
+          <a:lstStyle/>
+          <a:p>
+            <a:pPr algn="ctr"/>
+            <a:r>
+              <a:rPr lang="en-US" sz="2000" dirty="0">
+                <a:solidFill>
+                  <a:schemeClr val="tx1"/>
+                </a:solidFill>
+              </a:rPr>
+              <a:t>SM</a:t>
+            </a:r>
+          </a:p>
+        </p:txBody>
+      </p:sp>
+      <p:sp>
+        <p:nvSpPr>
+          <p:cNvPr id="27" name="TextBox 26">
+            <a:extLst>
+              <a:ext uri="{FF2B5EF4-FFF2-40B4-BE49-F238E27FC236}">
+                <a16:creationId xmlns:a16="http://schemas.microsoft.com/office/drawing/2014/main" id="{9B7E9EC4-8D89-5C48-B276-2999FEEB8CF9}"/>
+              </a:ext>
+            </a:extLst>
+          </p:cNvPr>
+          <p:cNvSpPr txBox="1"/>
+          <p:nvPr/>
+        </p:nvSpPr>
+        <p:spPr>
+          <a:xfrm>
+            <a:off x="9037176" y="1433616"/>
+            <a:ext cx="1018227" cy="400110"/>
+          </a:xfrm>
+          <a:prstGeom prst="rect">
+            <a:avLst/>
+          </a:prstGeom>
+          <a:noFill/>
+          <a:ln w="19050">
+            <a:noFill/>
+          </a:ln>
+        </p:spPr>
+        <p:txBody>
+          <a:bodyPr wrap="none" rtlCol="0">
+            <a:spAutoFit/>
+          </a:bodyPr>
+          <a:lstStyle/>
+          <a:p>
+            <a:r>
+              <a:rPr lang="en-US" sz="2000" dirty="0"/>
+              <a:t>…………..</a:t>
+            </a:r>
+          </a:p>
+        </p:txBody>
+      </p:sp>
+    </p:spTree>
+    <p:extLst>
+      <p:ext uri="{BB962C8B-B14F-4D97-AF65-F5344CB8AC3E}">
+        <p14:creationId xmlns:p14="http://schemas.microsoft.com/office/powerpoint/2010/main" val="2903233499"/>
+      </p:ext>
+    </p:extLst>
+  </p:cSld>
+  <p:clrMapOvr>
+    <a:masterClrMapping/>
+  </p:clrMapOvr>
+</p:sld>
+</file>
+
+<file path=ppt/slides/slide3.xml><?xml version="1.0" encoding="utf-8"?>
+<p:sld xmlns:a="http://schemas.openxmlformats.org/drawingml/2006/main" xmlns:r="http://schemas.openxmlformats.org/officeDocument/2006/relationships" xmlns:p="http://schemas.openxmlformats.org/presentationml/2006/main">
+  <p:cSld>
+    <p:spTree>
+      <p:nvGrpSpPr>
+        <p:cNvPr id="1" name=""/>
+        <p:cNvGrpSpPr/>
+        <p:nvPr/>
+      </p:nvGrpSpPr>
+      <p:grpSpPr>
+        <a:xfrm>
+          <a:off x="0" y="0"/>
+          <a:ext cx="0" cy="0"/>
+          <a:chOff x="0" y="0"/>
+          <a:chExt cx="0" cy="0"/>
+        </a:xfrm>
+      </p:grpSpPr>
+      <p:sp>
+        <p:nvSpPr>
+          <p:cNvPr id="28" name="Rounded Rectangle 27">
+            <a:extLst>
+              <a:ext uri="{FF2B5EF4-FFF2-40B4-BE49-F238E27FC236}">
+                <a16:creationId xmlns:a16="http://schemas.microsoft.com/office/drawing/2014/main" id="{EC7321D9-3329-4E4C-967F-65E3827E0B2A}"/>
+              </a:ext>
+            </a:extLst>
+          </p:cNvPr>
+          <p:cNvSpPr/>
+          <p:nvPr/>
+        </p:nvSpPr>
+        <p:spPr>
+          <a:xfrm>
+            <a:off x="6368967" y="335644"/>
+            <a:ext cx="5663878" cy="1337839"/>
+          </a:xfrm>
+          <a:prstGeom prst="roundRect">
+            <a:avLst/>
+          </a:prstGeom>
+          <a:solidFill>
+            <a:srgbClr val="13D2FF"/>
+          </a:solidFill>
+          <a:ln w="19050">
+            <a:solidFill>
+              <a:schemeClr val="tx1"/>
+            </a:solidFill>
+          </a:ln>
+        </p:spPr>
+        <p:style>
+          <a:lnRef idx="2">
+            <a:schemeClr val="accent1">
+              <a:shade val="50000"/>
+            </a:schemeClr>
+          </a:lnRef>
+          <a:fillRef idx="1">
+            <a:schemeClr val="accent1"/>
+          </a:fillRef>
+          <a:effectRef idx="0">
+            <a:schemeClr val="accent1"/>
+          </a:effectRef>
+          <a:fontRef idx="minor">
+            <a:schemeClr val="lt1"/>
+          </a:fontRef>
+        </p:style>
+        <p:txBody>
+          <a:bodyPr rtlCol="0" anchor="t"/>
+          <a:lstStyle/>
+          <a:p>
+            <a:pPr algn="ctr"/>
+            <a:r>
+              <a:rPr lang="en-US" altLang="zh-CN" sz="2000" dirty="0">
+                <a:solidFill>
+                  <a:schemeClr val="tx1"/>
+                </a:solidFill>
+              </a:rPr>
+              <a:t>SM</a:t>
+            </a:r>
+            <a:r>
+              <a:rPr lang="zh-CN" altLang="en-US" sz="2000" dirty="0">
+                <a:solidFill>
+                  <a:schemeClr val="tx1"/>
+                </a:solidFill>
+              </a:rPr>
+              <a:t> </a:t>
+            </a:r>
+            <a:r>
+              <a:rPr lang="en-US" altLang="zh-CN" sz="2000" dirty="0">
+                <a:solidFill>
+                  <a:schemeClr val="tx1"/>
+                </a:solidFill>
+              </a:rPr>
+              <a:t>blob</a:t>
+            </a:r>
+            <a:endParaRPr lang="en-US" sz="2000" dirty="0">
+              <a:solidFill>
+                <a:schemeClr val="tx1"/>
+              </a:solidFill>
+            </a:endParaRPr>
+          </a:p>
+        </p:txBody>
+      </p:sp>
+      <p:sp>
+        <p:nvSpPr>
+          <p:cNvPr id="2" name="Rounded Rectangle 1">
+            <a:extLst>
+              <a:ext uri="{FF2B5EF4-FFF2-40B4-BE49-F238E27FC236}">
+                <a16:creationId xmlns:a16="http://schemas.microsoft.com/office/drawing/2014/main" id="{01B9FBCE-4435-4C4C-9E96-E0A73B8730F3}"/>
+              </a:ext>
+            </a:extLst>
+          </p:cNvPr>
+          <p:cNvSpPr/>
+          <p:nvPr/>
+        </p:nvSpPr>
+        <p:spPr>
+          <a:xfrm>
+            <a:off x="125047" y="712124"/>
+            <a:ext cx="1811747" cy="1337839"/>
+          </a:xfrm>
+          <a:prstGeom prst="roundRect">
+            <a:avLst/>
+          </a:prstGeom>
+          <a:solidFill>
+            <a:srgbClr val="13D2FF"/>
+          </a:solidFill>
+          <a:ln w="19050">
+            <a:solidFill>
+              <a:schemeClr val="tx1"/>
+            </a:solidFill>
+          </a:ln>
+        </p:spPr>
+        <p:style>
+          <a:lnRef idx="2">
+            <a:schemeClr val="accent1">
+              <a:shade val="50000"/>
+            </a:schemeClr>
+          </a:lnRef>
+          <a:fillRef idx="1">
+            <a:schemeClr val="accent1"/>
+          </a:fillRef>
+          <a:effectRef idx="0">
+            <a:schemeClr val="accent1"/>
+          </a:effectRef>
+          <a:fontRef idx="minor">
+            <a:schemeClr val="lt1"/>
+          </a:fontRef>
+        </p:style>
+        <p:txBody>
+          <a:bodyPr rtlCol="0" anchor="t"/>
+          <a:lstStyle/>
+          <a:p>
+            <a:pPr algn="ctr"/>
+            <a:r>
+              <a:rPr lang="en-US" sz="2000" dirty="0">
+                <a:solidFill>
+                  <a:schemeClr val="tx1"/>
+                </a:solidFill>
+              </a:rPr>
+              <a:t>Ariel</a:t>
+            </a:r>
+          </a:p>
+        </p:txBody>
+      </p:sp>
+      <p:sp>
+        <p:nvSpPr>
+          <p:cNvPr id="21" name="Rectangle 20">
+            <a:extLst>
+              <a:ext uri="{FF2B5EF4-FFF2-40B4-BE49-F238E27FC236}">
+                <a16:creationId xmlns:a16="http://schemas.microsoft.com/office/drawing/2014/main" id="{10865AD4-9091-43CE-8AAF-4464F486E31E}"/>
+              </a:ext>
+            </a:extLst>
+          </p:cNvPr>
+          <p:cNvSpPr/>
+          <p:nvPr/>
+        </p:nvSpPr>
+        <p:spPr>
+          <a:xfrm>
+            <a:off x="564059" y="1202640"/>
+            <a:ext cx="964096" cy="586408"/>
+          </a:xfrm>
+          <a:prstGeom prst="rect">
+            <a:avLst/>
+          </a:prstGeom>
+          <a:solidFill>
+            <a:schemeClr val="accent2">
+              <a:lumMod val="60000"/>
+              <a:lumOff val="40000"/>
+            </a:schemeClr>
+          </a:solidFill>
+          <a:ln w="38100">
+            <a:solidFill>
+              <a:schemeClr val="tx1"/>
+            </a:solidFill>
+          </a:ln>
+        </p:spPr>
+        <p:style>
+          <a:lnRef idx="2">
+            <a:schemeClr val="accent2">
+              <a:shade val="50000"/>
+            </a:schemeClr>
+          </a:lnRef>
+          <a:fillRef idx="1">
+            <a:schemeClr val="accent2"/>
+          </a:fillRef>
+          <a:effectRef idx="0">
+            <a:schemeClr val="accent2"/>
+          </a:effectRef>
+          <a:fontRef idx="minor">
+            <a:schemeClr val="lt1"/>
+          </a:fontRef>
+        </p:style>
+        <p:txBody>
+          <a:bodyPr rtlCol="0" anchor="ctr"/>
+          <a:lstStyle/>
+          <a:p>
+            <a:pPr algn="ctr"/>
+            <a:r>
+              <a:rPr lang="en-US" sz="2000" dirty="0">
+                <a:solidFill>
+                  <a:schemeClr val="tx1"/>
+                </a:solidFill>
+              </a:rPr>
+              <a:t>CPU</a:t>
+            </a:r>
+          </a:p>
+        </p:txBody>
+      </p:sp>
+      <p:sp>
+        <p:nvSpPr>
+          <p:cNvPr id="58" name="Arrow: Left-Right 31">
+            <a:extLst>
+              <a:ext uri="{FF2B5EF4-FFF2-40B4-BE49-F238E27FC236}">
+                <a16:creationId xmlns:a16="http://schemas.microsoft.com/office/drawing/2014/main" id="{50C7562A-7C61-9E42-BEF7-B2FBB7E9AC2B}"/>
+              </a:ext>
+            </a:extLst>
+          </p:cNvPr>
+          <p:cNvSpPr/>
+          <p:nvPr/>
+        </p:nvSpPr>
+        <p:spPr>
+          <a:xfrm>
+            <a:off x="1947181" y="1085682"/>
+            <a:ext cx="1261957" cy="258852"/>
+          </a:xfrm>
+          <a:prstGeom prst="leftRightArrow">
+            <a:avLst/>
+          </a:prstGeom>
+          <a:solidFill>
+            <a:srgbClr val="B0DDF2"/>
+          </a:solidFill>
+          <a:ln w="19050">
+            <a:solidFill>
+              <a:schemeClr val="tx1"/>
+            </a:solidFill>
+          </a:ln>
+        </p:spPr>
+        <p:style>
+          <a:lnRef idx="2">
+            <a:schemeClr val="accent1">
+              <a:shade val="50000"/>
+            </a:schemeClr>
+          </a:lnRef>
+          <a:fillRef idx="1">
+            <a:schemeClr val="accent1"/>
+          </a:fillRef>
+          <a:effectRef idx="0">
+            <a:schemeClr val="accent1"/>
+          </a:effectRef>
+          <a:fontRef idx="minor">
+            <a:schemeClr val="lt1"/>
+          </a:fontRef>
+        </p:style>
+        <p:txBody>
+          <a:bodyPr rtlCol="0" anchor="ctr"/>
+          <a:lstStyle/>
+          <a:p>
+            <a:pPr algn="ctr"/>
+            <a:endParaRPr lang="en-US" sz="2000"/>
+          </a:p>
+        </p:txBody>
+      </p:sp>
+      <p:sp>
+        <p:nvSpPr>
+          <p:cNvPr id="67" name="TextBox 66">
+            <a:extLst>
+              <a:ext uri="{FF2B5EF4-FFF2-40B4-BE49-F238E27FC236}">
+                <a16:creationId xmlns:a16="http://schemas.microsoft.com/office/drawing/2014/main" id="{89B5B1E2-7221-5C41-AFD8-79C42182E21B}"/>
+              </a:ext>
+            </a:extLst>
+          </p:cNvPr>
+          <p:cNvSpPr txBox="1"/>
+          <p:nvPr/>
+        </p:nvSpPr>
+        <p:spPr>
+          <a:xfrm>
+            <a:off x="1919431" y="1342076"/>
+            <a:ext cx="1317456" cy="707886"/>
+          </a:xfrm>
+          <a:prstGeom prst="rect">
+            <a:avLst/>
+          </a:prstGeom>
+          <a:noFill/>
+        </p:spPr>
+        <p:txBody>
+          <a:bodyPr wrap="square" rtlCol="0">
+            <a:spAutoFit/>
+          </a:bodyPr>
+          <a:lstStyle/>
+          <a:p>
+            <a:pPr algn="ctr"/>
+            <a:r>
+              <a:rPr lang="en-US" altLang="zh-CN" sz="2000" dirty="0"/>
+              <a:t>API</a:t>
+            </a:r>
+            <a:r>
+              <a:rPr lang="en-US" sz="2000" dirty="0"/>
+              <a:t> command</a:t>
+            </a:r>
+          </a:p>
+        </p:txBody>
+      </p:sp>
+      <p:sp>
+        <p:nvSpPr>
+          <p:cNvPr id="68" name="TextBox 67">
+            <a:extLst>
+              <a:ext uri="{FF2B5EF4-FFF2-40B4-BE49-F238E27FC236}">
+                <a16:creationId xmlns:a16="http://schemas.microsoft.com/office/drawing/2014/main" id="{B5AFA252-8E64-6341-BF3A-6362A3C2F889}"/>
+              </a:ext>
+            </a:extLst>
+          </p:cNvPr>
+          <p:cNvSpPr txBox="1"/>
+          <p:nvPr/>
+        </p:nvSpPr>
+        <p:spPr>
+          <a:xfrm>
+            <a:off x="4829973" y="1407858"/>
+            <a:ext cx="1374882" cy="1015663"/>
+          </a:xfrm>
+          <a:prstGeom prst="rect">
+            <a:avLst/>
+          </a:prstGeom>
+          <a:noFill/>
+        </p:spPr>
+        <p:txBody>
+          <a:bodyPr wrap="square" rtlCol="0">
+            <a:spAutoFit/>
+          </a:bodyPr>
+          <a:lstStyle/>
+          <a:p>
+            <a:pPr algn="ctr"/>
+            <a:r>
+              <a:rPr lang="en-US" sz="2000" dirty="0"/>
+              <a:t>CTA command</a:t>
+            </a:r>
+          </a:p>
+          <a:p>
+            <a:endParaRPr lang="en-US" sz="2000" dirty="0"/>
+          </a:p>
+        </p:txBody>
+      </p:sp>
+      <p:sp>
+        <p:nvSpPr>
+          <p:cNvPr id="71" name="Arrow: Left-Right 31">
+            <a:extLst>
+              <a:ext uri="{FF2B5EF4-FFF2-40B4-BE49-F238E27FC236}">
+                <a16:creationId xmlns:a16="http://schemas.microsoft.com/office/drawing/2014/main" id="{6C55F45A-E80B-6642-9666-37D0E47D4D26}"/>
+              </a:ext>
+            </a:extLst>
+          </p:cNvPr>
+          <p:cNvSpPr/>
+          <p:nvPr/>
+        </p:nvSpPr>
+        <p:spPr>
+          <a:xfrm>
+            <a:off x="4910481" y="1085682"/>
+            <a:ext cx="1210845" cy="303377"/>
+          </a:xfrm>
+          <a:prstGeom prst="leftRightArrow">
+            <a:avLst/>
+          </a:prstGeom>
+          <a:solidFill>
+            <a:srgbClr val="B0DDF2"/>
+          </a:solidFill>
+          <a:ln w="19050">
+            <a:solidFill>
+              <a:schemeClr val="tx1"/>
+            </a:solidFill>
+          </a:ln>
+        </p:spPr>
+        <p:style>
+          <a:lnRef idx="2">
+            <a:schemeClr val="accent1">
+              <a:shade val="50000"/>
+            </a:schemeClr>
+          </a:lnRef>
+          <a:fillRef idx="1">
+            <a:schemeClr val="accent1"/>
+          </a:fillRef>
+          <a:effectRef idx="0">
+            <a:schemeClr val="accent1"/>
+          </a:effectRef>
+          <a:fontRef idx="minor">
+            <a:schemeClr val="lt1"/>
+          </a:fontRef>
+        </p:style>
+        <p:txBody>
+          <a:bodyPr rtlCol="0" anchor="ctr"/>
+          <a:lstStyle/>
+          <a:p>
+            <a:pPr algn="ctr"/>
+            <a:endParaRPr lang="en-US" sz="2000"/>
+          </a:p>
+        </p:txBody>
+      </p:sp>
+      <p:sp>
+        <p:nvSpPr>
+          <p:cNvPr id="22" name="Rounded Rectangle 21">
+            <a:extLst>
+              <a:ext uri="{FF2B5EF4-FFF2-40B4-BE49-F238E27FC236}">
+                <a16:creationId xmlns:a16="http://schemas.microsoft.com/office/drawing/2014/main" id="{8FABE294-9C11-DB40-93A8-0C1C531F6012}"/>
+              </a:ext>
+            </a:extLst>
+          </p:cNvPr>
+          <p:cNvSpPr/>
+          <p:nvPr/>
+        </p:nvSpPr>
+        <p:spPr>
+          <a:xfrm>
+            <a:off x="3229498" y="712123"/>
+            <a:ext cx="1680983" cy="1337839"/>
+          </a:xfrm>
+          <a:prstGeom prst="roundRect">
+            <a:avLst/>
+          </a:prstGeom>
+          <a:solidFill>
+            <a:srgbClr val="13D2FF"/>
+          </a:solidFill>
+          <a:ln w="19050">
+            <a:solidFill>
+              <a:schemeClr val="tx1"/>
+            </a:solidFill>
+          </a:ln>
+        </p:spPr>
+        <p:style>
+          <a:lnRef idx="2">
+            <a:schemeClr val="accent1">
+              <a:shade val="50000"/>
+            </a:schemeClr>
+          </a:lnRef>
+          <a:fillRef idx="1">
+            <a:schemeClr val="accent1"/>
+          </a:fillRef>
+          <a:effectRef idx="0">
+            <a:schemeClr val="accent1"/>
+          </a:effectRef>
+          <a:fontRef idx="minor">
+            <a:schemeClr val="lt1"/>
+          </a:fontRef>
+        </p:style>
+        <p:txBody>
+          <a:bodyPr rtlCol="0" anchor="ctr"/>
+          <a:lstStyle/>
+          <a:p>
+            <a:pPr algn="ctr"/>
+            <a:r>
+              <a:rPr lang="en-US" sz="2000" dirty="0">
+                <a:solidFill>
+                  <a:schemeClr val="tx1"/>
+                </a:solidFill>
+              </a:rPr>
+              <a:t>GPUSched</a:t>
+            </a:r>
+          </a:p>
+        </p:txBody>
+      </p:sp>
+      <p:sp>
+        <p:nvSpPr>
+          <p:cNvPr id="23" name="Rounded Rectangle 22">
+            <a:extLst>
+              <a:ext uri="{FF2B5EF4-FFF2-40B4-BE49-F238E27FC236}">
+                <a16:creationId xmlns:a16="http://schemas.microsoft.com/office/drawing/2014/main" id="{99FCAE7D-AD1D-424A-8FA8-C0F8C0FF5492}"/>
+              </a:ext>
+            </a:extLst>
+          </p:cNvPr>
+          <p:cNvSpPr/>
+          <p:nvPr/>
+        </p:nvSpPr>
+        <p:spPr>
+          <a:xfrm>
+            <a:off x="6126985" y="825407"/>
+            <a:ext cx="5663878" cy="1337839"/>
+          </a:xfrm>
+          <a:prstGeom prst="roundRect">
+            <a:avLst/>
+          </a:prstGeom>
+          <a:solidFill>
+            <a:srgbClr val="13D2FF"/>
+          </a:solidFill>
+          <a:ln w="19050">
+            <a:solidFill>
+              <a:schemeClr val="tx1"/>
+            </a:solidFill>
+          </a:ln>
+        </p:spPr>
+        <p:style>
+          <a:lnRef idx="2">
+            <a:schemeClr val="accent1">
+              <a:shade val="50000"/>
+            </a:schemeClr>
+          </a:lnRef>
+          <a:fillRef idx="1">
+            <a:schemeClr val="accent1"/>
+          </a:fillRef>
+          <a:effectRef idx="0">
+            <a:schemeClr val="accent1"/>
+          </a:effectRef>
+          <a:fontRef idx="minor">
+            <a:schemeClr val="lt1"/>
+          </a:fontRef>
+        </p:style>
+        <p:txBody>
+          <a:bodyPr rtlCol="0" anchor="t"/>
+          <a:lstStyle/>
+          <a:p>
+            <a:pPr algn="ctr"/>
+            <a:r>
+              <a:rPr lang="en-US" altLang="zh-CN" sz="2000" dirty="0">
+                <a:solidFill>
+                  <a:schemeClr val="tx1"/>
+                </a:solidFill>
+              </a:rPr>
+              <a:t>SM</a:t>
+            </a:r>
+            <a:r>
+              <a:rPr lang="zh-CN" altLang="en-US" sz="2000" dirty="0">
+                <a:solidFill>
+                  <a:schemeClr val="tx1"/>
+                </a:solidFill>
+              </a:rPr>
+              <a:t> </a:t>
+            </a:r>
+            <a:r>
+              <a:rPr lang="en-US" altLang="zh-CN" sz="2000" dirty="0">
+                <a:solidFill>
+                  <a:schemeClr val="tx1"/>
+                </a:solidFill>
+              </a:rPr>
+              <a:t>blob</a:t>
+            </a:r>
+            <a:endParaRPr lang="en-US" sz="2000" dirty="0">
+              <a:solidFill>
+                <a:schemeClr val="tx1"/>
+              </a:solidFill>
+            </a:endParaRPr>
+          </a:p>
+        </p:txBody>
+      </p:sp>
+      <p:sp>
+        <p:nvSpPr>
+          <p:cNvPr id="24" name="Rectangle 23">
+            <a:extLst>
+              <a:ext uri="{FF2B5EF4-FFF2-40B4-BE49-F238E27FC236}">
+                <a16:creationId xmlns:a16="http://schemas.microsoft.com/office/drawing/2014/main" id="{DADD8424-00FC-884C-8585-C5B30DAFE135}"/>
+              </a:ext>
+            </a:extLst>
+          </p:cNvPr>
+          <p:cNvSpPr/>
+          <p:nvPr/>
+        </p:nvSpPr>
+        <p:spPr>
+          <a:xfrm>
+            <a:off x="6477140" y="1340467"/>
+            <a:ext cx="964096" cy="586408"/>
+          </a:xfrm>
+          <a:prstGeom prst="rect">
+            <a:avLst/>
+          </a:prstGeom>
+          <a:solidFill>
+            <a:schemeClr val="accent2">
+              <a:lumMod val="60000"/>
+              <a:lumOff val="40000"/>
+            </a:schemeClr>
+          </a:solidFill>
+          <a:ln w="19050">
+            <a:solidFill>
+              <a:schemeClr val="tx1"/>
+            </a:solidFill>
+          </a:ln>
+        </p:spPr>
+        <p:style>
+          <a:lnRef idx="2">
+            <a:schemeClr val="accent2">
+              <a:shade val="50000"/>
+            </a:schemeClr>
+          </a:lnRef>
+          <a:fillRef idx="1">
+            <a:schemeClr val="accent2"/>
+          </a:fillRef>
+          <a:effectRef idx="0">
+            <a:schemeClr val="accent2"/>
+          </a:effectRef>
+          <a:fontRef idx="minor">
+            <a:schemeClr val="lt1"/>
+          </a:fontRef>
+        </p:style>
+        <p:txBody>
+          <a:bodyPr rtlCol="0" anchor="ctr"/>
+          <a:lstStyle/>
+          <a:p>
+            <a:pPr algn="ctr"/>
+            <a:r>
+              <a:rPr lang="en-US" sz="2000" dirty="0">
+                <a:solidFill>
+                  <a:schemeClr val="tx1"/>
+                </a:solidFill>
+              </a:rPr>
+              <a:t>SM</a:t>
+            </a:r>
+          </a:p>
+        </p:txBody>
+      </p:sp>
+      <p:sp>
+        <p:nvSpPr>
+          <p:cNvPr id="25" name="Rectangle 24">
+            <a:extLst>
+              <a:ext uri="{FF2B5EF4-FFF2-40B4-BE49-F238E27FC236}">
+                <a16:creationId xmlns:a16="http://schemas.microsoft.com/office/drawing/2014/main" id="{4B81B752-9F51-8749-9D43-23BA7965100F}"/>
+              </a:ext>
+            </a:extLst>
+          </p:cNvPr>
+          <p:cNvSpPr/>
+          <p:nvPr/>
+        </p:nvSpPr>
+        <p:spPr>
+          <a:xfrm>
+            <a:off x="7725469" y="1340467"/>
+            <a:ext cx="964096" cy="586408"/>
+          </a:xfrm>
+          <a:prstGeom prst="rect">
+            <a:avLst/>
+          </a:prstGeom>
+          <a:solidFill>
+            <a:schemeClr val="accent2">
+              <a:lumMod val="60000"/>
+              <a:lumOff val="40000"/>
+            </a:schemeClr>
+          </a:solidFill>
+          <a:ln w="19050">
+            <a:solidFill>
+              <a:schemeClr val="tx1"/>
+            </a:solidFill>
+          </a:ln>
+        </p:spPr>
+        <p:style>
+          <a:lnRef idx="2">
+            <a:schemeClr val="accent2">
+              <a:shade val="50000"/>
+            </a:schemeClr>
+          </a:lnRef>
+          <a:fillRef idx="1">
+            <a:schemeClr val="accent2"/>
+          </a:fillRef>
+          <a:effectRef idx="0">
+            <a:schemeClr val="accent2"/>
+          </a:effectRef>
+          <a:fontRef idx="minor">
+            <a:schemeClr val="lt1"/>
+          </a:fontRef>
+        </p:style>
+        <p:txBody>
+          <a:bodyPr rtlCol="0" anchor="ctr"/>
+          <a:lstStyle/>
+          <a:p>
+            <a:pPr algn="ctr"/>
+            <a:r>
+              <a:rPr lang="en-US" sz="2000" dirty="0">
+                <a:solidFill>
+                  <a:schemeClr val="tx1"/>
+                </a:solidFill>
+              </a:rPr>
+              <a:t>SM</a:t>
+            </a:r>
+          </a:p>
+        </p:txBody>
+      </p:sp>
+      <p:sp>
+        <p:nvSpPr>
+          <p:cNvPr id="26" name="Rectangle 25">
+            <a:extLst>
+              <a:ext uri="{FF2B5EF4-FFF2-40B4-BE49-F238E27FC236}">
+                <a16:creationId xmlns:a16="http://schemas.microsoft.com/office/drawing/2014/main" id="{20FF6375-BA76-C94F-99CC-2FE64817AF43}"/>
+              </a:ext>
+            </a:extLst>
+          </p:cNvPr>
+          <p:cNvSpPr/>
+          <p:nvPr/>
+        </p:nvSpPr>
+        <p:spPr>
+          <a:xfrm>
+            <a:off x="10261611" y="1340467"/>
+            <a:ext cx="964096" cy="586408"/>
+          </a:xfrm>
+          <a:prstGeom prst="rect">
+            <a:avLst/>
+          </a:prstGeom>
+          <a:solidFill>
+            <a:schemeClr val="accent2">
+              <a:lumMod val="60000"/>
+              <a:lumOff val="40000"/>
+            </a:schemeClr>
+          </a:solidFill>
+          <a:ln w="19050">
+            <a:solidFill>
+              <a:schemeClr val="tx1"/>
+            </a:solidFill>
+          </a:ln>
+        </p:spPr>
+        <p:style>
+          <a:lnRef idx="2">
+            <a:schemeClr val="accent2">
+              <a:shade val="50000"/>
+            </a:schemeClr>
+          </a:lnRef>
+          <a:fillRef idx="1">
+            <a:schemeClr val="accent2"/>
+          </a:fillRef>
+          <a:effectRef idx="0">
+            <a:schemeClr val="accent2"/>
+          </a:effectRef>
+          <a:fontRef idx="minor">
+            <a:schemeClr val="lt1"/>
+          </a:fontRef>
+        </p:style>
+        <p:txBody>
+          <a:bodyPr rtlCol="0" anchor="ctr"/>
+          <a:lstStyle/>
+          <a:p>
+            <a:pPr algn="ctr"/>
+            <a:r>
+              <a:rPr lang="en-US" sz="2000" dirty="0">
+                <a:solidFill>
+                  <a:schemeClr val="tx1"/>
+                </a:solidFill>
+              </a:rPr>
+              <a:t>SM</a:t>
+            </a:r>
+          </a:p>
+        </p:txBody>
+      </p:sp>
+      <p:sp>
+        <p:nvSpPr>
+          <p:cNvPr id="27" name="TextBox 26">
+            <a:extLst>
+              <a:ext uri="{FF2B5EF4-FFF2-40B4-BE49-F238E27FC236}">
+                <a16:creationId xmlns:a16="http://schemas.microsoft.com/office/drawing/2014/main" id="{9B7E9EC4-8D89-5C48-B276-2999FEEB8CF9}"/>
+              </a:ext>
+            </a:extLst>
+          </p:cNvPr>
+          <p:cNvSpPr txBox="1"/>
+          <p:nvPr/>
+        </p:nvSpPr>
+        <p:spPr>
+          <a:xfrm>
+            <a:off x="9037176" y="1433616"/>
+            <a:ext cx="1018227" cy="400110"/>
+          </a:xfrm>
+          <a:prstGeom prst="rect">
+            <a:avLst/>
+          </a:prstGeom>
+          <a:noFill/>
+          <a:ln w="19050">
+            <a:noFill/>
+          </a:ln>
+        </p:spPr>
+        <p:txBody>
+          <a:bodyPr wrap="none" rtlCol="0">
+            <a:spAutoFit/>
+          </a:bodyPr>
+          <a:lstStyle/>
+          <a:p>
+            <a:r>
+              <a:rPr lang="en-US" sz="2000" dirty="0"/>
+              <a:t>…………..</a:t>
+            </a:r>
+          </a:p>
+        </p:txBody>
+      </p:sp>
+      <p:sp>
+        <p:nvSpPr>
+          <p:cNvPr id="16" name="Rounded Rectangle 15">
+            <a:extLst>
+              <a:ext uri="{FF2B5EF4-FFF2-40B4-BE49-F238E27FC236}">
+                <a16:creationId xmlns:a16="http://schemas.microsoft.com/office/drawing/2014/main" id="{E77AA4E6-FC76-5249-BB2A-DFA3A5A9D628}"/>
+              </a:ext>
+            </a:extLst>
+          </p:cNvPr>
+          <p:cNvSpPr/>
+          <p:nvPr/>
+        </p:nvSpPr>
+        <p:spPr>
+          <a:xfrm>
+            <a:off x="135434" y="2163246"/>
+            <a:ext cx="3440625" cy="4580454"/>
+          </a:xfrm>
+          <a:prstGeom prst="roundRect">
+            <a:avLst>
+              <a:gd name="adj" fmla="val 7808"/>
+            </a:avLst>
+          </a:prstGeom>
+          <a:solidFill>
+            <a:srgbClr val="CBE5FF"/>
+          </a:solidFill>
+          <a:ln w="19050">
+            <a:solidFill>
+              <a:schemeClr val="tx1"/>
+            </a:solidFill>
+          </a:ln>
+        </p:spPr>
+        <p:style>
+          <a:lnRef idx="2">
+            <a:schemeClr val="accent1">
+              <a:shade val="50000"/>
+            </a:schemeClr>
+          </a:lnRef>
+          <a:fillRef idx="1">
+            <a:schemeClr val="accent1"/>
+          </a:fillRef>
+          <a:effectRef idx="0">
+            <a:schemeClr val="accent1"/>
+          </a:effectRef>
+          <a:fontRef idx="minor">
+            <a:schemeClr val="lt1"/>
+          </a:fontRef>
+        </p:style>
+        <p:txBody>
+          <a:bodyPr rtlCol="0" anchor="b"/>
+          <a:lstStyle/>
+          <a:p>
+            <a:pPr algn="ctr"/>
+            <a:r>
+              <a:rPr lang="en-US" altLang="zh-CN" sz="2000" dirty="0">
+                <a:solidFill>
+                  <a:schemeClr val="tx1"/>
+                </a:solidFill>
+              </a:rPr>
+              <a:t>CPU</a:t>
+            </a:r>
+            <a:r>
+              <a:rPr lang="zh-CN" altLang="en-US" sz="2000" dirty="0">
+                <a:solidFill>
+                  <a:schemeClr val="tx1"/>
+                </a:solidFill>
+              </a:rPr>
+              <a:t> </a:t>
+            </a:r>
+            <a:r>
+              <a:rPr lang="en-US" altLang="zh-CN" sz="2000" dirty="0">
+                <a:solidFill>
+                  <a:schemeClr val="tx1"/>
+                </a:solidFill>
+              </a:rPr>
+              <a:t>memory</a:t>
+            </a:r>
+            <a:endParaRPr lang="en-US" sz="2000" dirty="0">
+              <a:solidFill>
+                <a:schemeClr val="tx1"/>
+              </a:solidFill>
+            </a:endParaRPr>
+          </a:p>
+        </p:txBody>
+      </p:sp>
+      <p:sp>
+        <p:nvSpPr>
+          <p:cNvPr id="17" name="Rectangle 16">
+            <a:extLst>
+              <a:ext uri="{FF2B5EF4-FFF2-40B4-BE49-F238E27FC236}">
+                <a16:creationId xmlns:a16="http://schemas.microsoft.com/office/drawing/2014/main" id="{3BE6EC10-2D14-2647-A99E-54617D612586}"/>
+              </a:ext>
+            </a:extLst>
+          </p:cNvPr>
+          <p:cNvSpPr/>
+          <p:nvPr/>
+        </p:nvSpPr>
+        <p:spPr>
+          <a:xfrm>
+            <a:off x="561572" y="2400779"/>
+            <a:ext cx="964096" cy="586408"/>
+          </a:xfrm>
+          <a:prstGeom prst="rect">
+            <a:avLst/>
+          </a:prstGeom>
+          <a:solidFill>
+            <a:schemeClr val="accent6">
+              <a:lumMod val="40000"/>
+              <a:lumOff val="60000"/>
+            </a:schemeClr>
+          </a:solidFill>
+          <a:ln w="38100">
+            <a:solidFill>
+              <a:schemeClr val="tx1"/>
+            </a:solidFill>
+          </a:ln>
+        </p:spPr>
+        <p:style>
+          <a:lnRef idx="2">
+            <a:schemeClr val="accent2">
+              <a:shade val="50000"/>
+            </a:schemeClr>
+          </a:lnRef>
+          <a:fillRef idx="1">
+            <a:schemeClr val="accent2"/>
+          </a:fillRef>
+          <a:effectRef idx="0">
+            <a:schemeClr val="accent2"/>
+          </a:effectRef>
+          <a:fontRef idx="minor">
+            <a:schemeClr val="lt1"/>
+          </a:fontRef>
+        </p:style>
+        <p:txBody>
+          <a:bodyPr rtlCol="0" anchor="ctr"/>
+          <a:lstStyle/>
+          <a:p>
+            <a:pPr algn="ctr"/>
+            <a:r>
+              <a:rPr lang="en-US" altLang="zh-CN" sz="2000" dirty="0">
+                <a:solidFill>
+                  <a:schemeClr val="tx1"/>
+                </a:solidFill>
+              </a:rPr>
+              <a:t>L1</a:t>
+            </a:r>
+            <a:endParaRPr lang="en-US" sz="2000" dirty="0">
+              <a:solidFill>
+                <a:schemeClr val="tx1"/>
+              </a:solidFill>
+            </a:endParaRPr>
+          </a:p>
+        </p:txBody>
+      </p:sp>
+      <p:cxnSp>
+        <p:nvCxnSpPr>
+          <p:cNvPr id="4" name="Straight Arrow Connector 3">
+            <a:extLst>
+              <a:ext uri="{FF2B5EF4-FFF2-40B4-BE49-F238E27FC236}">
+                <a16:creationId xmlns:a16="http://schemas.microsoft.com/office/drawing/2014/main" id="{57BB18A2-745D-1C40-B9EC-70785D37C2B7}"/>
+              </a:ext>
+            </a:extLst>
+          </p:cNvPr>
+          <p:cNvCxnSpPr>
+            <a:stCxn id="21" idx="2"/>
+            <a:endCxn id="17" idx="0"/>
+          </p:cNvCxnSpPr>
+          <p:nvPr/>
+        </p:nvCxnSpPr>
+        <p:spPr>
+          <a:xfrm flipH="1">
+            <a:off x="1043620" y="1789048"/>
+            <a:ext cx="2487" cy="611731"/>
+          </a:xfrm>
+          <a:prstGeom prst="straightConnector1">
+            <a:avLst/>
+          </a:prstGeom>
+          <a:ln w="38100">
+            <a:solidFill>
+              <a:schemeClr val="tx1"/>
+            </a:solidFill>
+            <a:tailEnd type="triangle"/>
+          </a:ln>
+        </p:spPr>
+        <p:style>
+          <a:lnRef idx="1">
+            <a:schemeClr val="accent1"/>
+          </a:lnRef>
+          <a:fillRef idx="0">
+            <a:schemeClr val="accent1"/>
+          </a:fillRef>
+          <a:effectRef idx="0">
+            <a:schemeClr val="accent1"/>
+          </a:effectRef>
+          <a:fontRef idx="minor">
+            <a:schemeClr val="tx1"/>
+          </a:fontRef>
+        </p:style>
+      </p:cxnSp>
+      <p:sp>
+        <p:nvSpPr>
+          <p:cNvPr id="30" name="Rectangle 29">
+            <a:extLst>
+              <a:ext uri="{FF2B5EF4-FFF2-40B4-BE49-F238E27FC236}">
+                <a16:creationId xmlns:a16="http://schemas.microsoft.com/office/drawing/2014/main" id="{4670E7EE-D109-C849-BBDC-F1E72FEB1956}"/>
+              </a:ext>
+            </a:extLst>
+          </p:cNvPr>
+          <p:cNvSpPr/>
+          <p:nvPr/>
+        </p:nvSpPr>
+        <p:spPr>
+          <a:xfrm>
+            <a:off x="561572" y="3205218"/>
+            <a:ext cx="964096" cy="586408"/>
+          </a:xfrm>
+          <a:prstGeom prst="rect">
+            <a:avLst/>
+          </a:prstGeom>
+          <a:solidFill>
+            <a:schemeClr val="accent6">
+              <a:lumMod val="40000"/>
+              <a:lumOff val="60000"/>
+            </a:schemeClr>
+          </a:solidFill>
+          <a:ln w="38100">
+            <a:solidFill>
+              <a:schemeClr val="tx1"/>
+            </a:solidFill>
+          </a:ln>
+        </p:spPr>
+        <p:style>
+          <a:lnRef idx="2">
+            <a:schemeClr val="accent2">
+              <a:shade val="50000"/>
+            </a:schemeClr>
+          </a:lnRef>
+          <a:fillRef idx="1">
+            <a:schemeClr val="accent2"/>
+          </a:fillRef>
+          <a:effectRef idx="0">
+            <a:schemeClr val="accent2"/>
+          </a:effectRef>
+          <a:fontRef idx="minor">
+            <a:schemeClr val="lt1"/>
+          </a:fontRef>
+        </p:style>
+        <p:txBody>
+          <a:bodyPr rtlCol="0" anchor="ctr"/>
+          <a:lstStyle/>
+          <a:p>
+            <a:pPr algn="ctr"/>
+            <a:r>
+              <a:rPr lang="en-US" altLang="zh-CN" sz="2000" dirty="0">
+                <a:solidFill>
+                  <a:schemeClr val="tx1"/>
+                </a:solidFill>
+              </a:rPr>
+              <a:t>L2</a:t>
+            </a:r>
+            <a:endParaRPr lang="en-US" sz="2000" dirty="0">
+              <a:solidFill>
+                <a:schemeClr val="tx1"/>
+              </a:solidFill>
+            </a:endParaRPr>
+          </a:p>
+        </p:txBody>
+      </p:sp>
+      <p:cxnSp>
+        <p:nvCxnSpPr>
+          <p:cNvPr id="31" name="Straight Arrow Connector 30">
+            <a:extLst>
+              <a:ext uri="{FF2B5EF4-FFF2-40B4-BE49-F238E27FC236}">
+                <a16:creationId xmlns:a16="http://schemas.microsoft.com/office/drawing/2014/main" id="{113B6FF1-F1BF-9044-8835-C0761AED3AD4}"/>
+              </a:ext>
+            </a:extLst>
+          </p:cNvPr>
+          <p:cNvCxnSpPr>
+            <a:cxnSpLocks/>
+            <a:stCxn id="17" idx="2"/>
+            <a:endCxn id="30" idx="0"/>
+          </p:cNvCxnSpPr>
+          <p:nvPr/>
+        </p:nvCxnSpPr>
+        <p:spPr>
+          <a:xfrm>
+            <a:off x="1043620" y="2987187"/>
+            <a:ext cx="0" cy="218031"/>
+          </a:xfrm>
+          <a:prstGeom prst="straightConnector1">
+            <a:avLst/>
+          </a:prstGeom>
+          <a:ln w="38100">
+            <a:solidFill>
+              <a:schemeClr val="tx1"/>
+            </a:solidFill>
+            <a:tailEnd type="triangle"/>
+          </a:ln>
+        </p:spPr>
+        <p:style>
+          <a:lnRef idx="1">
+            <a:schemeClr val="accent1"/>
+          </a:lnRef>
+          <a:fillRef idx="0">
+            <a:schemeClr val="accent1"/>
+          </a:fillRef>
+          <a:effectRef idx="0">
+            <a:schemeClr val="accent1"/>
+          </a:effectRef>
+          <a:fontRef idx="minor">
+            <a:schemeClr val="tx1"/>
+          </a:fontRef>
+        </p:style>
+      </p:cxnSp>
+      <p:sp>
+        <p:nvSpPr>
+          <p:cNvPr id="32" name="Rectangle 31">
+            <a:extLst>
+              <a:ext uri="{FF2B5EF4-FFF2-40B4-BE49-F238E27FC236}">
+                <a16:creationId xmlns:a16="http://schemas.microsoft.com/office/drawing/2014/main" id="{FDAB6672-E7C3-2B4C-A7C5-E312CFDCBC6A}"/>
+              </a:ext>
+            </a:extLst>
+          </p:cNvPr>
+          <p:cNvSpPr/>
+          <p:nvPr/>
+        </p:nvSpPr>
+        <p:spPr>
+          <a:xfrm>
+            <a:off x="561572" y="4012297"/>
+            <a:ext cx="964096" cy="586408"/>
+          </a:xfrm>
+          <a:prstGeom prst="rect">
+            <a:avLst/>
+          </a:prstGeom>
+          <a:solidFill>
+            <a:schemeClr val="accent6">
+              <a:lumMod val="40000"/>
+              <a:lumOff val="60000"/>
+            </a:schemeClr>
+          </a:solidFill>
+          <a:ln w="38100">
+            <a:solidFill>
+              <a:schemeClr val="tx1"/>
+            </a:solidFill>
+          </a:ln>
+        </p:spPr>
+        <p:style>
+          <a:lnRef idx="2">
+            <a:schemeClr val="accent2">
+              <a:shade val="50000"/>
+            </a:schemeClr>
+          </a:lnRef>
+          <a:fillRef idx="1">
+            <a:schemeClr val="accent2"/>
+          </a:fillRef>
+          <a:effectRef idx="0">
+            <a:schemeClr val="accent2"/>
+          </a:effectRef>
+          <a:fontRef idx="minor">
+            <a:schemeClr val="lt1"/>
+          </a:fontRef>
+        </p:style>
+        <p:txBody>
+          <a:bodyPr rtlCol="0" anchor="ctr"/>
+          <a:lstStyle/>
+          <a:p>
+            <a:pPr algn="ctr"/>
+            <a:r>
+              <a:rPr lang="en-US" altLang="zh-CN" sz="2000" dirty="0">
+                <a:solidFill>
+                  <a:schemeClr val="tx1"/>
+                </a:solidFill>
+              </a:rPr>
+              <a:t>Router</a:t>
+            </a:r>
+            <a:endParaRPr lang="en-US" sz="2000" dirty="0">
+              <a:solidFill>
+                <a:schemeClr val="tx1"/>
+              </a:solidFill>
+            </a:endParaRPr>
+          </a:p>
+        </p:txBody>
+      </p:sp>
+      <p:cxnSp>
+        <p:nvCxnSpPr>
+          <p:cNvPr id="33" name="Straight Arrow Connector 32">
+            <a:extLst>
+              <a:ext uri="{FF2B5EF4-FFF2-40B4-BE49-F238E27FC236}">
+                <a16:creationId xmlns:a16="http://schemas.microsoft.com/office/drawing/2014/main" id="{EF879CF9-A45F-FF4F-B3DC-F55009355A88}"/>
+              </a:ext>
+            </a:extLst>
+          </p:cNvPr>
+          <p:cNvCxnSpPr>
+            <a:cxnSpLocks/>
+            <a:stCxn id="30" idx="2"/>
+            <a:endCxn id="32" idx="0"/>
+          </p:cNvCxnSpPr>
+          <p:nvPr/>
+        </p:nvCxnSpPr>
+        <p:spPr>
+          <a:xfrm>
+            <a:off x="1043620" y="3791626"/>
+            <a:ext cx="0" cy="220671"/>
+          </a:xfrm>
+          <a:prstGeom prst="straightConnector1">
+            <a:avLst/>
+          </a:prstGeom>
+          <a:ln w="38100">
+            <a:solidFill>
+              <a:schemeClr val="tx1"/>
+            </a:solidFill>
+            <a:tailEnd type="triangle"/>
+          </a:ln>
+        </p:spPr>
+        <p:style>
+          <a:lnRef idx="1">
+            <a:schemeClr val="accent1"/>
+          </a:lnRef>
+          <a:fillRef idx="0">
+            <a:schemeClr val="accent1"/>
+          </a:fillRef>
+          <a:effectRef idx="0">
+            <a:schemeClr val="accent1"/>
+          </a:effectRef>
+          <a:fontRef idx="minor">
+            <a:schemeClr val="tx1"/>
+          </a:fontRef>
+        </p:style>
+      </p:cxnSp>
+      <p:sp>
+        <p:nvSpPr>
+          <p:cNvPr id="34" name="Rectangle 33">
+            <a:extLst>
+              <a:ext uri="{FF2B5EF4-FFF2-40B4-BE49-F238E27FC236}">
+                <a16:creationId xmlns:a16="http://schemas.microsoft.com/office/drawing/2014/main" id="{A56D698A-DBDC-5F43-96C2-EB80DC05A2A4}"/>
+              </a:ext>
+            </a:extLst>
+          </p:cNvPr>
+          <p:cNvSpPr/>
+          <p:nvPr/>
+        </p:nvSpPr>
+        <p:spPr>
+          <a:xfrm>
+            <a:off x="561572" y="4819376"/>
+            <a:ext cx="964096" cy="586408"/>
+          </a:xfrm>
+          <a:prstGeom prst="rect">
+            <a:avLst/>
+          </a:prstGeom>
+          <a:solidFill>
+            <a:schemeClr val="accent6">
+              <a:lumMod val="40000"/>
+              <a:lumOff val="60000"/>
+            </a:schemeClr>
+          </a:solidFill>
+          <a:ln w="38100">
+            <a:solidFill>
+              <a:schemeClr val="tx1"/>
+            </a:solidFill>
+          </a:ln>
+        </p:spPr>
+        <p:style>
+          <a:lnRef idx="2">
+            <a:schemeClr val="accent2">
+              <a:shade val="50000"/>
+            </a:schemeClr>
+          </a:lnRef>
+          <a:fillRef idx="1">
+            <a:schemeClr val="accent2"/>
+          </a:fillRef>
+          <a:effectRef idx="0">
+            <a:schemeClr val="accent2"/>
+          </a:effectRef>
+          <a:fontRef idx="minor">
+            <a:schemeClr val="lt1"/>
+          </a:fontRef>
+        </p:style>
+        <p:txBody>
+          <a:bodyPr rtlCol="0" anchor="ctr"/>
+          <a:lstStyle/>
+          <a:p>
+            <a:pPr algn="ctr"/>
+            <a:r>
+              <a:rPr lang="en-US" altLang="zh-CN" sz="2000" dirty="0">
+                <a:solidFill>
+                  <a:schemeClr val="tx1"/>
+                </a:solidFill>
+              </a:rPr>
+              <a:t>DC</a:t>
+            </a:r>
+            <a:endParaRPr lang="en-US" sz="2000" dirty="0">
+              <a:solidFill>
+                <a:schemeClr val="tx1"/>
+              </a:solidFill>
+            </a:endParaRPr>
+          </a:p>
+        </p:txBody>
+      </p:sp>
+      <p:cxnSp>
+        <p:nvCxnSpPr>
+          <p:cNvPr id="35" name="Straight Arrow Connector 34">
+            <a:extLst>
+              <a:ext uri="{FF2B5EF4-FFF2-40B4-BE49-F238E27FC236}">
+                <a16:creationId xmlns:a16="http://schemas.microsoft.com/office/drawing/2014/main" id="{9A1C467C-DACC-534C-8BE6-5EEABF0153C3}"/>
+              </a:ext>
+            </a:extLst>
+          </p:cNvPr>
+          <p:cNvCxnSpPr>
+            <a:cxnSpLocks/>
+            <a:stCxn id="32" idx="2"/>
+            <a:endCxn id="34" idx="0"/>
+          </p:cNvCxnSpPr>
+          <p:nvPr/>
+        </p:nvCxnSpPr>
+        <p:spPr>
+          <a:xfrm>
+            <a:off x="1043620" y="4598705"/>
+            <a:ext cx="0" cy="220671"/>
+          </a:xfrm>
+          <a:prstGeom prst="straightConnector1">
+            <a:avLst/>
+          </a:prstGeom>
+          <a:ln w="38100">
+            <a:solidFill>
+              <a:schemeClr val="tx1"/>
+            </a:solidFill>
+            <a:tailEnd type="triangle"/>
+          </a:ln>
+        </p:spPr>
+        <p:style>
+          <a:lnRef idx="1">
+            <a:schemeClr val="accent1"/>
+          </a:lnRef>
+          <a:fillRef idx="0">
+            <a:schemeClr val="accent1"/>
+          </a:fillRef>
+          <a:effectRef idx="0">
+            <a:schemeClr val="accent1"/>
+          </a:effectRef>
+          <a:fontRef idx="minor">
+            <a:schemeClr val="tx1"/>
+          </a:fontRef>
+        </p:style>
+      </p:cxnSp>
+      <p:sp>
+        <p:nvSpPr>
+          <p:cNvPr id="36" name="Rectangle 35">
+            <a:extLst>
+              <a:ext uri="{FF2B5EF4-FFF2-40B4-BE49-F238E27FC236}">
+                <a16:creationId xmlns:a16="http://schemas.microsoft.com/office/drawing/2014/main" id="{4CF7FCFA-BAC6-4042-A8DC-6D960C0AB42E}"/>
+              </a:ext>
+            </a:extLst>
+          </p:cNvPr>
+          <p:cNvSpPr/>
+          <p:nvPr/>
+        </p:nvSpPr>
+        <p:spPr>
+          <a:xfrm>
+            <a:off x="561572" y="5626455"/>
+            <a:ext cx="964096" cy="586408"/>
+          </a:xfrm>
+          <a:prstGeom prst="rect">
+            <a:avLst/>
+          </a:prstGeom>
+          <a:solidFill>
+            <a:schemeClr val="accent6">
+              <a:lumMod val="40000"/>
+              <a:lumOff val="60000"/>
+            </a:schemeClr>
+          </a:solidFill>
+          <a:ln w="38100">
+            <a:solidFill>
+              <a:schemeClr val="tx1"/>
+            </a:solidFill>
+          </a:ln>
+        </p:spPr>
+        <p:style>
+          <a:lnRef idx="2">
+            <a:schemeClr val="accent2">
+              <a:shade val="50000"/>
+            </a:schemeClr>
+          </a:lnRef>
+          <a:fillRef idx="1">
+            <a:schemeClr val="accent2"/>
+          </a:fillRef>
+          <a:effectRef idx="0">
+            <a:schemeClr val="accent2"/>
+          </a:effectRef>
+          <a:fontRef idx="minor">
+            <a:schemeClr val="lt1"/>
+          </a:fontRef>
+        </p:style>
+        <p:txBody>
+          <a:bodyPr rtlCol="0" anchor="ctr"/>
+          <a:lstStyle/>
+          <a:p>
+            <a:pPr algn="ctr"/>
+            <a:r>
+              <a:rPr lang="en-US" altLang="zh-CN" sz="2000" dirty="0">
+                <a:solidFill>
+                  <a:schemeClr val="tx1"/>
+                </a:solidFill>
+              </a:rPr>
+              <a:t>MEM</a:t>
+            </a:r>
+            <a:endParaRPr lang="en-US" sz="2000" dirty="0">
+              <a:solidFill>
+                <a:schemeClr val="tx1"/>
+              </a:solidFill>
+            </a:endParaRPr>
+          </a:p>
+        </p:txBody>
+      </p:sp>
+      <p:cxnSp>
+        <p:nvCxnSpPr>
+          <p:cNvPr id="37" name="Straight Arrow Connector 36">
+            <a:extLst>
+              <a:ext uri="{FF2B5EF4-FFF2-40B4-BE49-F238E27FC236}">
+                <a16:creationId xmlns:a16="http://schemas.microsoft.com/office/drawing/2014/main" id="{D34784F7-B398-9D42-BB53-23E63CA1BD60}"/>
+              </a:ext>
+            </a:extLst>
+          </p:cNvPr>
+          <p:cNvCxnSpPr>
+            <a:cxnSpLocks/>
+            <a:stCxn id="34" idx="2"/>
+            <a:endCxn id="36" idx="0"/>
+          </p:cNvCxnSpPr>
+          <p:nvPr/>
+        </p:nvCxnSpPr>
+        <p:spPr>
+          <a:xfrm>
+            <a:off x="1043620" y="5405784"/>
+            <a:ext cx="0" cy="220671"/>
+          </a:xfrm>
+          <a:prstGeom prst="straightConnector1">
+            <a:avLst/>
+          </a:prstGeom>
+          <a:ln w="38100">
+            <a:solidFill>
+              <a:schemeClr val="tx1"/>
+            </a:solidFill>
+            <a:tailEnd type="triangle"/>
+          </a:ln>
+        </p:spPr>
+        <p:style>
+          <a:lnRef idx="1">
+            <a:schemeClr val="accent1"/>
+          </a:lnRef>
+          <a:fillRef idx="0">
+            <a:schemeClr val="accent1"/>
+          </a:fillRef>
+          <a:effectRef idx="0">
+            <a:schemeClr val="accent1"/>
+          </a:effectRef>
+          <a:fontRef idx="minor">
+            <a:schemeClr val="tx1"/>
+          </a:fontRef>
+        </p:style>
+      </p:cxnSp>
+      <p:sp>
+        <p:nvSpPr>
+          <p:cNvPr id="38" name="Rectangle 37">
+            <a:extLst>
+              <a:ext uri="{FF2B5EF4-FFF2-40B4-BE49-F238E27FC236}">
+                <a16:creationId xmlns:a16="http://schemas.microsoft.com/office/drawing/2014/main" id="{5AC9AD65-99E2-6A4B-986C-B03DEA1C94A0}"/>
+              </a:ext>
+            </a:extLst>
+          </p:cNvPr>
+          <p:cNvSpPr/>
+          <p:nvPr/>
+        </p:nvSpPr>
+        <p:spPr>
+          <a:xfrm>
+            <a:off x="2325568" y="2400779"/>
+            <a:ext cx="964096" cy="586408"/>
+          </a:xfrm>
+          <a:prstGeom prst="rect">
+            <a:avLst/>
+          </a:prstGeom>
+          <a:solidFill>
+            <a:schemeClr val="accent6">
+              <a:lumMod val="40000"/>
+              <a:lumOff val="60000"/>
+            </a:schemeClr>
+          </a:solidFill>
+          <a:ln w="38100">
+            <a:solidFill>
+              <a:schemeClr val="tx1"/>
+            </a:solidFill>
+          </a:ln>
+        </p:spPr>
+        <p:style>
+          <a:lnRef idx="2">
+            <a:schemeClr val="accent2">
+              <a:shade val="50000"/>
+            </a:schemeClr>
+          </a:lnRef>
+          <a:fillRef idx="1">
+            <a:schemeClr val="accent2"/>
+          </a:fillRef>
+          <a:effectRef idx="0">
+            <a:schemeClr val="accent2"/>
+          </a:effectRef>
+          <a:fontRef idx="minor">
+            <a:schemeClr val="lt1"/>
+          </a:fontRef>
+        </p:style>
+        <p:txBody>
+          <a:bodyPr rtlCol="0" anchor="ctr"/>
+          <a:lstStyle/>
+          <a:p>
+            <a:pPr algn="ctr"/>
+            <a:r>
+              <a:rPr lang="en-US" altLang="zh-CN" sz="2000" dirty="0">
+                <a:solidFill>
+                  <a:schemeClr val="tx1"/>
+                </a:solidFill>
+              </a:rPr>
+              <a:t>L1</a:t>
+            </a:r>
+            <a:r>
+              <a:rPr lang="zh-CN" altLang="en-US" sz="2000" dirty="0">
+                <a:solidFill>
+                  <a:schemeClr val="tx1"/>
+                </a:solidFill>
+              </a:rPr>
+              <a:t> </a:t>
+            </a:r>
+            <a:r>
+              <a:rPr lang="en-US" altLang="zh-CN" sz="2000" dirty="0">
+                <a:solidFill>
+                  <a:schemeClr val="tx1"/>
+                </a:solidFill>
+              </a:rPr>
+              <a:t>PCI</a:t>
+            </a:r>
+            <a:endParaRPr lang="en-US" sz="2000" dirty="0">
+              <a:solidFill>
+                <a:schemeClr val="tx1"/>
+              </a:solidFill>
+            </a:endParaRPr>
+          </a:p>
+        </p:txBody>
+      </p:sp>
+      <p:cxnSp>
+        <p:nvCxnSpPr>
+          <p:cNvPr id="39" name="Straight Arrow Connector 38">
+            <a:extLst>
+              <a:ext uri="{FF2B5EF4-FFF2-40B4-BE49-F238E27FC236}">
+                <a16:creationId xmlns:a16="http://schemas.microsoft.com/office/drawing/2014/main" id="{9670DAB5-45F9-224B-9C4E-BD58220209D9}"/>
+              </a:ext>
+            </a:extLst>
+          </p:cNvPr>
+          <p:cNvCxnSpPr>
+            <a:cxnSpLocks/>
+            <a:stCxn id="22" idx="2"/>
+            <a:endCxn id="38" idx="0"/>
+          </p:cNvCxnSpPr>
+          <p:nvPr/>
+        </p:nvCxnSpPr>
+        <p:spPr>
+          <a:xfrm flipH="1">
+            <a:off x="2807616" y="2049962"/>
+            <a:ext cx="1262374" cy="350817"/>
+          </a:xfrm>
+          <a:prstGeom prst="straightConnector1">
+            <a:avLst/>
+          </a:prstGeom>
+          <a:ln w="38100">
+            <a:solidFill>
+              <a:schemeClr val="tx1"/>
+            </a:solidFill>
+            <a:tailEnd type="triangle"/>
+          </a:ln>
+        </p:spPr>
+        <p:style>
+          <a:lnRef idx="1">
+            <a:schemeClr val="accent1"/>
+          </a:lnRef>
+          <a:fillRef idx="0">
+            <a:schemeClr val="accent1"/>
+          </a:fillRef>
+          <a:effectRef idx="0">
+            <a:schemeClr val="accent1"/>
+          </a:effectRef>
+          <a:fontRef idx="minor">
+            <a:schemeClr val="tx1"/>
+          </a:fontRef>
+        </p:style>
+      </p:cxnSp>
+      <p:sp>
+        <p:nvSpPr>
+          <p:cNvPr id="40" name="Rectangle 39">
+            <a:extLst>
+              <a:ext uri="{FF2B5EF4-FFF2-40B4-BE49-F238E27FC236}">
+                <a16:creationId xmlns:a16="http://schemas.microsoft.com/office/drawing/2014/main" id="{08147886-1469-9741-A11E-31D15B50A60F}"/>
+              </a:ext>
+            </a:extLst>
+          </p:cNvPr>
+          <p:cNvSpPr/>
+          <p:nvPr/>
+        </p:nvSpPr>
+        <p:spPr>
+          <a:xfrm>
+            <a:off x="2325568" y="3205218"/>
+            <a:ext cx="964096" cy="586408"/>
+          </a:xfrm>
+          <a:prstGeom prst="rect">
+            <a:avLst/>
+          </a:prstGeom>
+          <a:solidFill>
+            <a:schemeClr val="accent6">
+              <a:lumMod val="40000"/>
+              <a:lumOff val="60000"/>
+            </a:schemeClr>
+          </a:solidFill>
+          <a:ln w="38100">
+            <a:solidFill>
+              <a:schemeClr val="tx1"/>
+            </a:solidFill>
+          </a:ln>
+        </p:spPr>
+        <p:style>
+          <a:lnRef idx="2">
+            <a:schemeClr val="accent2">
+              <a:shade val="50000"/>
+            </a:schemeClr>
+          </a:lnRef>
+          <a:fillRef idx="1">
+            <a:schemeClr val="accent2"/>
+          </a:fillRef>
+          <a:effectRef idx="0">
+            <a:schemeClr val="accent2"/>
+          </a:effectRef>
+          <a:fontRef idx="minor">
+            <a:schemeClr val="lt1"/>
+          </a:fontRef>
+        </p:style>
+        <p:txBody>
+          <a:bodyPr rtlCol="0" anchor="ctr"/>
+          <a:lstStyle/>
+          <a:p>
+            <a:pPr algn="ctr"/>
+            <a:r>
+              <a:rPr lang="en-US" altLang="zh-CN" sz="2000" dirty="0">
+                <a:solidFill>
+                  <a:schemeClr val="tx1"/>
+                </a:solidFill>
+              </a:rPr>
+              <a:t>L2</a:t>
+            </a:r>
+            <a:r>
+              <a:rPr lang="zh-CN" altLang="en-US" sz="2000" dirty="0">
+                <a:solidFill>
+                  <a:schemeClr val="tx1"/>
+                </a:solidFill>
+              </a:rPr>
+              <a:t> </a:t>
+            </a:r>
+            <a:r>
+              <a:rPr lang="en-US" altLang="zh-CN" sz="2000" dirty="0">
+                <a:solidFill>
+                  <a:schemeClr val="tx1"/>
+                </a:solidFill>
+              </a:rPr>
+              <a:t>PCI</a:t>
+            </a:r>
+            <a:endParaRPr lang="en-US" sz="2000" dirty="0">
+              <a:solidFill>
+                <a:schemeClr val="tx1"/>
+              </a:solidFill>
+            </a:endParaRPr>
+          </a:p>
+        </p:txBody>
+      </p:sp>
+      <p:cxnSp>
+        <p:nvCxnSpPr>
+          <p:cNvPr id="41" name="Straight Arrow Connector 40">
+            <a:extLst>
+              <a:ext uri="{FF2B5EF4-FFF2-40B4-BE49-F238E27FC236}">
+                <a16:creationId xmlns:a16="http://schemas.microsoft.com/office/drawing/2014/main" id="{95776BB6-BD1E-DA45-B4E1-B3AD8C22A87C}"/>
+              </a:ext>
+            </a:extLst>
+          </p:cNvPr>
+          <p:cNvCxnSpPr>
+            <a:cxnSpLocks/>
+            <a:stCxn id="38" idx="2"/>
+            <a:endCxn id="40" idx="0"/>
+          </p:cNvCxnSpPr>
+          <p:nvPr/>
+        </p:nvCxnSpPr>
+        <p:spPr>
+          <a:xfrm>
+            <a:off x="2807616" y="2987187"/>
+            <a:ext cx="0" cy="218031"/>
+          </a:xfrm>
+          <a:prstGeom prst="straightConnector1">
+            <a:avLst/>
+          </a:prstGeom>
+          <a:ln w="38100">
+            <a:solidFill>
+              <a:schemeClr val="tx1"/>
+            </a:solidFill>
+            <a:tailEnd type="triangle"/>
+          </a:ln>
+        </p:spPr>
+        <p:style>
+          <a:lnRef idx="1">
+            <a:schemeClr val="accent1"/>
+          </a:lnRef>
+          <a:fillRef idx="0">
+            <a:schemeClr val="accent1"/>
+          </a:fillRef>
+          <a:effectRef idx="0">
+            <a:schemeClr val="accent1"/>
+          </a:effectRef>
+          <a:fontRef idx="minor">
+            <a:schemeClr val="tx1"/>
+          </a:fontRef>
+        </p:style>
+      </p:cxnSp>
+      <p:cxnSp>
+        <p:nvCxnSpPr>
+          <p:cNvPr id="42" name="Straight Arrow Connector 41">
+            <a:extLst>
+              <a:ext uri="{FF2B5EF4-FFF2-40B4-BE49-F238E27FC236}">
+                <a16:creationId xmlns:a16="http://schemas.microsoft.com/office/drawing/2014/main" id="{2F355D8D-67D4-B84C-ACCF-8C379B35395D}"/>
+              </a:ext>
+            </a:extLst>
+          </p:cNvPr>
+          <p:cNvCxnSpPr>
+            <a:cxnSpLocks/>
+            <a:stCxn id="40" idx="2"/>
+            <a:endCxn id="32" idx="3"/>
+          </p:cNvCxnSpPr>
+          <p:nvPr/>
+        </p:nvCxnSpPr>
+        <p:spPr>
+          <a:xfrm flipH="1">
+            <a:off x="1525668" y="3791626"/>
+            <a:ext cx="1281948" cy="513875"/>
+          </a:xfrm>
+          <a:prstGeom prst="straightConnector1">
+            <a:avLst/>
+          </a:prstGeom>
+          <a:ln w="38100">
+            <a:solidFill>
+              <a:schemeClr val="tx1"/>
+            </a:solidFill>
+            <a:tailEnd type="triangle"/>
+          </a:ln>
+        </p:spPr>
+        <p:style>
+          <a:lnRef idx="1">
+            <a:schemeClr val="accent1"/>
+          </a:lnRef>
+          <a:fillRef idx="0">
+            <a:schemeClr val="accent1"/>
+          </a:fillRef>
+          <a:effectRef idx="0">
+            <a:schemeClr val="accent1"/>
+          </a:effectRef>
+          <a:fontRef idx="minor">
+            <a:schemeClr val="tx1"/>
+          </a:fontRef>
+        </p:style>
+      </p:cxnSp>
+      <p:sp>
+        <p:nvSpPr>
+          <p:cNvPr id="46" name="Rounded Rectangle 45">
+            <a:extLst>
+              <a:ext uri="{FF2B5EF4-FFF2-40B4-BE49-F238E27FC236}">
+                <a16:creationId xmlns:a16="http://schemas.microsoft.com/office/drawing/2014/main" id="{8DCB0B15-FD55-324D-A245-57350BC2CD51}"/>
+              </a:ext>
+            </a:extLst>
+          </p:cNvPr>
+          <p:cNvSpPr/>
+          <p:nvPr/>
+        </p:nvSpPr>
+        <p:spPr>
+          <a:xfrm>
+            <a:off x="4569125" y="2281692"/>
+            <a:ext cx="7172381" cy="4524132"/>
+          </a:xfrm>
+          <a:prstGeom prst="roundRect">
+            <a:avLst>
+              <a:gd name="adj" fmla="val 5282"/>
+            </a:avLst>
+          </a:prstGeom>
+          <a:solidFill>
+            <a:srgbClr val="CBE5FF"/>
+          </a:solidFill>
+          <a:ln w="19050">
+            <a:solidFill>
+              <a:schemeClr val="tx1"/>
+            </a:solidFill>
+          </a:ln>
+        </p:spPr>
+        <p:style>
+          <a:lnRef idx="2">
+            <a:schemeClr val="accent1">
+              <a:shade val="50000"/>
+            </a:schemeClr>
+          </a:lnRef>
+          <a:fillRef idx="1">
+            <a:schemeClr val="accent1"/>
+          </a:fillRef>
+          <a:effectRef idx="0">
+            <a:schemeClr val="accent1"/>
+          </a:effectRef>
+          <a:fontRef idx="minor">
+            <a:schemeClr val="lt1"/>
+          </a:fontRef>
+        </p:style>
+        <p:txBody>
+          <a:bodyPr rtlCol="0" anchor="b"/>
+          <a:lstStyle/>
+          <a:p>
+            <a:pPr algn="ctr"/>
+            <a:r>
+              <a:rPr lang="en-US" altLang="zh-CN" sz="2000" dirty="0">
+                <a:solidFill>
+                  <a:schemeClr val="tx1"/>
+                </a:solidFill>
+              </a:rPr>
+              <a:t>GPU</a:t>
+            </a:r>
+            <a:r>
+              <a:rPr lang="zh-CN" altLang="en-US" sz="2000" dirty="0">
+                <a:solidFill>
+                  <a:schemeClr val="tx1"/>
+                </a:solidFill>
+              </a:rPr>
+              <a:t> </a:t>
+            </a:r>
+            <a:r>
+              <a:rPr lang="en-US" altLang="zh-CN" sz="2000" dirty="0">
+                <a:solidFill>
+                  <a:schemeClr val="tx1"/>
+                </a:solidFill>
+              </a:rPr>
+              <a:t>memory</a:t>
+            </a:r>
+            <a:endParaRPr lang="en-US" sz="2000" dirty="0">
+              <a:solidFill>
+                <a:schemeClr val="tx1"/>
+              </a:solidFill>
+            </a:endParaRPr>
+          </a:p>
+        </p:txBody>
+      </p:sp>
+      <p:sp>
+        <p:nvSpPr>
+          <p:cNvPr id="47" name="Rectangle 46">
+            <a:extLst>
+              <a:ext uri="{FF2B5EF4-FFF2-40B4-BE49-F238E27FC236}">
+                <a16:creationId xmlns:a16="http://schemas.microsoft.com/office/drawing/2014/main" id="{30B9ECF1-DCE4-874B-BAFF-054661ACFCAB}"/>
+              </a:ext>
+            </a:extLst>
+          </p:cNvPr>
+          <p:cNvSpPr/>
+          <p:nvPr/>
+        </p:nvSpPr>
+        <p:spPr>
+          <a:xfrm>
+            <a:off x="6471555" y="2507505"/>
+            <a:ext cx="964096" cy="586408"/>
+          </a:xfrm>
+          <a:prstGeom prst="rect">
+            <a:avLst/>
+          </a:prstGeom>
+          <a:solidFill>
+            <a:schemeClr val="accent6">
+              <a:lumMod val="40000"/>
+              <a:lumOff val="60000"/>
+            </a:schemeClr>
+          </a:solidFill>
+          <a:ln w="38100">
+            <a:solidFill>
+              <a:schemeClr val="tx1"/>
+            </a:solidFill>
+          </a:ln>
+        </p:spPr>
+        <p:style>
+          <a:lnRef idx="2">
+            <a:schemeClr val="accent2">
+              <a:shade val="50000"/>
+            </a:schemeClr>
+          </a:lnRef>
+          <a:fillRef idx="1">
+            <a:schemeClr val="accent2"/>
+          </a:fillRef>
+          <a:effectRef idx="0">
+            <a:schemeClr val="accent2"/>
+          </a:effectRef>
+          <a:fontRef idx="minor">
+            <a:schemeClr val="lt1"/>
+          </a:fontRef>
+        </p:style>
+        <p:txBody>
+          <a:bodyPr rtlCol="0" anchor="ctr"/>
+          <a:lstStyle/>
+          <a:p>
+            <a:pPr algn="ctr"/>
+            <a:r>
+              <a:rPr lang="en-US" altLang="zh-CN" sz="2000" dirty="0">
+                <a:solidFill>
+                  <a:schemeClr val="tx1"/>
+                </a:solidFill>
+              </a:rPr>
+              <a:t>L1</a:t>
+            </a:r>
+            <a:endParaRPr lang="en-US" sz="2000" dirty="0">
+              <a:solidFill>
+                <a:schemeClr val="tx1"/>
+              </a:solidFill>
+            </a:endParaRPr>
+          </a:p>
+        </p:txBody>
+      </p:sp>
+      <p:cxnSp>
+        <p:nvCxnSpPr>
+          <p:cNvPr id="48" name="Straight Arrow Connector 47">
+            <a:extLst>
+              <a:ext uri="{FF2B5EF4-FFF2-40B4-BE49-F238E27FC236}">
+                <a16:creationId xmlns:a16="http://schemas.microsoft.com/office/drawing/2014/main" id="{929BD960-F4B5-2E41-914D-7FA2A5C7EFF5}"/>
+              </a:ext>
+            </a:extLst>
+          </p:cNvPr>
+          <p:cNvCxnSpPr>
+            <a:cxnSpLocks/>
+            <a:stCxn id="24" idx="2"/>
+            <a:endCxn id="47" idx="0"/>
+          </p:cNvCxnSpPr>
+          <p:nvPr/>
+        </p:nvCxnSpPr>
+        <p:spPr>
+          <a:xfrm flipH="1">
+            <a:off x="6953603" y="1926875"/>
+            <a:ext cx="5585" cy="580630"/>
+          </a:xfrm>
+          <a:prstGeom prst="straightConnector1">
+            <a:avLst/>
+          </a:prstGeom>
+          <a:ln w="38100">
+            <a:solidFill>
+              <a:schemeClr val="tx1"/>
+            </a:solidFill>
+            <a:tailEnd type="triangle"/>
+          </a:ln>
+        </p:spPr>
+        <p:style>
+          <a:lnRef idx="1">
+            <a:schemeClr val="accent1"/>
+          </a:lnRef>
+          <a:fillRef idx="0">
+            <a:schemeClr val="accent1"/>
+          </a:fillRef>
+          <a:effectRef idx="0">
+            <a:schemeClr val="accent1"/>
+          </a:effectRef>
+          <a:fontRef idx="minor">
+            <a:schemeClr val="tx1"/>
+          </a:fontRef>
+        </p:style>
+      </p:cxnSp>
+      <p:sp>
+        <p:nvSpPr>
+          <p:cNvPr id="51" name="Rectangle 50">
+            <a:extLst>
+              <a:ext uri="{FF2B5EF4-FFF2-40B4-BE49-F238E27FC236}">
+                <a16:creationId xmlns:a16="http://schemas.microsoft.com/office/drawing/2014/main" id="{43791EC0-89C0-4140-86E0-A2FFC59B51A6}"/>
+              </a:ext>
+            </a:extLst>
+          </p:cNvPr>
+          <p:cNvSpPr/>
+          <p:nvPr/>
+        </p:nvSpPr>
+        <p:spPr>
+          <a:xfrm>
+            <a:off x="7731128" y="2507505"/>
+            <a:ext cx="964096" cy="586408"/>
+          </a:xfrm>
+          <a:prstGeom prst="rect">
+            <a:avLst/>
+          </a:prstGeom>
+          <a:solidFill>
+            <a:schemeClr val="accent6">
+              <a:lumMod val="40000"/>
+              <a:lumOff val="60000"/>
+            </a:schemeClr>
+          </a:solidFill>
+          <a:ln w="38100">
+            <a:solidFill>
+              <a:schemeClr val="tx1"/>
+            </a:solidFill>
+          </a:ln>
+        </p:spPr>
+        <p:style>
+          <a:lnRef idx="2">
+            <a:schemeClr val="accent2">
+              <a:shade val="50000"/>
+            </a:schemeClr>
+          </a:lnRef>
+          <a:fillRef idx="1">
+            <a:schemeClr val="accent2"/>
+          </a:fillRef>
+          <a:effectRef idx="0">
+            <a:schemeClr val="accent2"/>
+          </a:effectRef>
+          <a:fontRef idx="minor">
+            <a:schemeClr val="lt1"/>
+          </a:fontRef>
+        </p:style>
+        <p:txBody>
+          <a:bodyPr rtlCol="0" anchor="ctr"/>
+          <a:lstStyle/>
+          <a:p>
+            <a:pPr algn="ctr"/>
+            <a:r>
+              <a:rPr lang="en-US" altLang="zh-CN" sz="2000" dirty="0">
+                <a:solidFill>
+                  <a:schemeClr val="tx1"/>
+                </a:solidFill>
+              </a:rPr>
+              <a:t>L1</a:t>
+            </a:r>
+            <a:endParaRPr lang="en-US" sz="2000" dirty="0">
+              <a:solidFill>
+                <a:schemeClr val="tx1"/>
+              </a:solidFill>
+            </a:endParaRPr>
+          </a:p>
+        </p:txBody>
+      </p:sp>
+      <p:cxnSp>
+        <p:nvCxnSpPr>
+          <p:cNvPr id="52" name="Straight Arrow Connector 51">
+            <a:extLst>
+              <a:ext uri="{FF2B5EF4-FFF2-40B4-BE49-F238E27FC236}">
+                <a16:creationId xmlns:a16="http://schemas.microsoft.com/office/drawing/2014/main" id="{91C646CC-F195-174A-AE8B-87DBDA0F57DA}"/>
+              </a:ext>
+            </a:extLst>
+          </p:cNvPr>
+          <p:cNvCxnSpPr>
+            <a:cxnSpLocks/>
+            <a:stCxn id="25" idx="2"/>
+            <a:endCxn id="51" idx="0"/>
+          </p:cNvCxnSpPr>
+          <p:nvPr/>
+        </p:nvCxnSpPr>
+        <p:spPr>
+          <a:xfrm>
+            <a:off x="8207517" y="1926875"/>
+            <a:ext cx="5659" cy="580630"/>
+          </a:xfrm>
+          <a:prstGeom prst="straightConnector1">
+            <a:avLst/>
+          </a:prstGeom>
+          <a:ln w="38100">
+            <a:solidFill>
+              <a:schemeClr val="tx1"/>
+            </a:solidFill>
+            <a:tailEnd type="triangle"/>
+          </a:ln>
+        </p:spPr>
+        <p:style>
+          <a:lnRef idx="1">
+            <a:schemeClr val="accent1"/>
+          </a:lnRef>
+          <a:fillRef idx="0">
+            <a:schemeClr val="accent1"/>
+          </a:fillRef>
+          <a:effectRef idx="0">
+            <a:schemeClr val="accent1"/>
+          </a:effectRef>
+          <a:fontRef idx="minor">
+            <a:schemeClr val="tx1"/>
+          </a:fontRef>
+        </p:style>
+      </p:cxnSp>
+      <p:sp>
+        <p:nvSpPr>
+          <p:cNvPr id="54" name="Rectangle 53">
+            <a:extLst>
+              <a:ext uri="{FF2B5EF4-FFF2-40B4-BE49-F238E27FC236}">
+                <a16:creationId xmlns:a16="http://schemas.microsoft.com/office/drawing/2014/main" id="{CF3A2153-3B35-6641-8FF7-38D1E8100F8C}"/>
+              </a:ext>
+            </a:extLst>
+          </p:cNvPr>
+          <p:cNvSpPr/>
+          <p:nvPr/>
+        </p:nvSpPr>
+        <p:spPr>
+          <a:xfrm>
+            <a:off x="10258175" y="2507505"/>
+            <a:ext cx="964096" cy="586408"/>
+          </a:xfrm>
+          <a:prstGeom prst="rect">
+            <a:avLst/>
+          </a:prstGeom>
+          <a:solidFill>
+            <a:schemeClr val="accent6">
+              <a:lumMod val="40000"/>
+              <a:lumOff val="60000"/>
+            </a:schemeClr>
+          </a:solidFill>
+          <a:ln w="38100">
+            <a:solidFill>
+              <a:schemeClr val="tx1"/>
+            </a:solidFill>
+          </a:ln>
+        </p:spPr>
+        <p:style>
+          <a:lnRef idx="2">
+            <a:schemeClr val="accent2">
+              <a:shade val="50000"/>
+            </a:schemeClr>
+          </a:lnRef>
+          <a:fillRef idx="1">
+            <a:schemeClr val="accent2"/>
+          </a:fillRef>
+          <a:effectRef idx="0">
+            <a:schemeClr val="accent2"/>
+          </a:effectRef>
+          <a:fontRef idx="minor">
+            <a:schemeClr val="lt1"/>
+          </a:fontRef>
+        </p:style>
+        <p:txBody>
+          <a:bodyPr rtlCol="0" anchor="ctr"/>
+          <a:lstStyle/>
+          <a:p>
+            <a:pPr algn="ctr"/>
+            <a:r>
+              <a:rPr lang="en-US" altLang="zh-CN" sz="2000" dirty="0">
+                <a:solidFill>
+                  <a:schemeClr val="tx1"/>
+                </a:solidFill>
+              </a:rPr>
+              <a:t>L1</a:t>
+            </a:r>
+            <a:endParaRPr lang="en-US" sz="2000" dirty="0">
+              <a:solidFill>
+                <a:schemeClr val="tx1"/>
+              </a:solidFill>
+            </a:endParaRPr>
+          </a:p>
+        </p:txBody>
+      </p:sp>
+      <p:cxnSp>
+        <p:nvCxnSpPr>
+          <p:cNvPr id="55" name="Straight Arrow Connector 54">
+            <a:extLst>
+              <a:ext uri="{FF2B5EF4-FFF2-40B4-BE49-F238E27FC236}">
+                <a16:creationId xmlns:a16="http://schemas.microsoft.com/office/drawing/2014/main" id="{EFAAB84A-EADC-6042-9DE3-C3FF9A2317F9}"/>
+              </a:ext>
+            </a:extLst>
+          </p:cNvPr>
+          <p:cNvCxnSpPr>
+            <a:cxnSpLocks/>
+            <a:stCxn id="26" idx="2"/>
+            <a:endCxn id="54" idx="0"/>
+          </p:cNvCxnSpPr>
+          <p:nvPr/>
+        </p:nvCxnSpPr>
+        <p:spPr>
+          <a:xfrm flipH="1">
+            <a:off x="10740223" y="1926875"/>
+            <a:ext cx="3436" cy="580630"/>
+          </a:xfrm>
+          <a:prstGeom prst="straightConnector1">
+            <a:avLst/>
+          </a:prstGeom>
+          <a:ln w="38100">
+            <a:solidFill>
+              <a:schemeClr val="tx1"/>
+            </a:solidFill>
+            <a:tailEnd type="triangle"/>
+          </a:ln>
+        </p:spPr>
+        <p:style>
+          <a:lnRef idx="1">
+            <a:schemeClr val="accent1"/>
+          </a:lnRef>
+          <a:fillRef idx="0">
+            <a:schemeClr val="accent1"/>
+          </a:fillRef>
+          <a:effectRef idx="0">
+            <a:schemeClr val="accent1"/>
+          </a:effectRef>
+          <a:fontRef idx="minor">
+            <a:schemeClr val="tx1"/>
+          </a:fontRef>
+        </p:style>
+      </p:cxnSp>
+      <p:sp>
+        <p:nvSpPr>
+          <p:cNvPr id="57" name="Rectangle 56">
+            <a:extLst>
+              <a:ext uri="{FF2B5EF4-FFF2-40B4-BE49-F238E27FC236}">
+                <a16:creationId xmlns:a16="http://schemas.microsoft.com/office/drawing/2014/main" id="{E9E60456-B9D8-C34B-8E20-2DDEA0000643}"/>
+              </a:ext>
+            </a:extLst>
+          </p:cNvPr>
+          <p:cNvSpPr/>
+          <p:nvPr/>
+        </p:nvSpPr>
+        <p:spPr>
+          <a:xfrm>
+            <a:off x="6471555" y="3474634"/>
+            <a:ext cx="4750716" cy="586408"/>
+          </a:xfrm>
+          <a:prstGeom prst="rect">
+            <a:avLst/>
+          </a:prstGeom>
+          <a:solidFill>
+            <a:schemeClr val="accent6">
+              <a:lumMod val="40000"/>
+              <a:lumOff val="60000"/>
+            </a:schemeClr>
+          </a:solidFill>
+          <a:ln w="38100">
+            <a:solidFill>
+              <a:schemeClr val="tx1"/>
+            </a:solidFill>
+          </a:ln>
+        </p:spPr>
+        <p:style>
+          <a:lnRef idx="2">
+            <a:schemeClr val="accent2">
+              <a:shade val="50000"/>
+            </a:schemeClr>
+          </a:lnRef>
+          <a:fillRef idx="1">
+            <a:schemeClr val="accent2"/>
+          </a:fillRef>
+          <a:effectRef idx="0">
+            <a:schemeClr val="accent2"/>
+          </a:effectRef>
+          <a:fontRef idx="minor">
+            <a:schemeClr val="lt1"/>
+          </a:fontRef>
+        </p:style>
+        <p:txBody>
+          <a:bodyPr rtlCol="0" anchor="ctr"/>
+          <a:lstStyle/>
+          <a:p>
+            <a:pPr algn="ctr"/>
+            <a:r>
+              <a:rPr lang="en-US" altLang="zh-CN" sz="2000" dirty="0">
+                <a:solidFill>
+                  <a:schemeClr val="tx1"/>
+                </a:solidFill>
+              </a:rPr>
+              <a:t>Router</a:t>
+            </a:r>
+            <a:endParaRPr lang="en-US" sz="2000" dirty="0">
+              <a:solidFill>
+                <a:schemeClr val="tx1"/>
+              </a:solidFill>
+            </a:endParaRPr>
+          </a:p>
+        </p:txBody>
+      </p:sp>
+      <p:cxnSp>
+        <p:nvCxnSpPr>
+          <p:cNvPr id="59" name="Straight Arrow Connector 58">
+            <a:extLst>
+              <a:ext uri="{FF2B5EF4-FFF2-40B4-BE49-F238E27FC236}">
+                <a16:creationId xmlns:a16="http://schemas.microsoft.com/office/drawing/2014/main" id="{1D7821DE-637A-E546-B76C-6E0886AFB1F8}"/>
+              </a:ext>
+            </a:extLst>
+          </p:cNvPr>
+          <p:cNvCxnSpPr>
+            <a:cxnSpLocks/>
+            <a:stCxn id="47" idx="2"/>
+          </p:cNvCxnSpPr>
+          <p:nvPr/>
+        </p:nvCxnSpPr>
+        <p:spPr>
+          <a:xfrm>
+            <a:off x="6953603" y="3093913"/>
+            <a:ext cx="0" cy="404509"/>
+          </a:xfrm>
+          <a:prstGeom prst="straightConnector1">
+            <a:avLst/>
+          </a:prstGeom>
+          <a:ln w="38100">
+            <a:solidFill>
+              <a:schemeClr val="tx1"/>
+            </a:solidFill>
+            <a:tailEnd type="triangle"/>
+          </a:ln>
+        </p:spPr>
+        <p:style>
+          <a:lnRef idx="1">
+            <a:schemeClr val="accent1"/>
+          </a:lnRef>
+          <a:fillRef idx="0">
+            <a:schemeClr val="accent1"/>
+          </a:fillRef>
+          <a:effectRef idx="0">
+            <a:schemeClr val="accent1"/>
+          </a:effectRef>
+          <a:fontRef idx="minor">
+            <a:schemeClr val="tx1"/>
+          </a:fontRef>
+        </p:style>
+      </p:cxnSp>
+      <p:cxnSp>
+        <p:nvCxnSpPr>
+          <p:cNvPr id="61" name="Straight Arrow Connector 60">
+            <a:extLst>
+              <a:ext uri="{FF2B5EF4-FFF2-40B4-BE49-F238E27FC236}">
+                <a16:creationId xmlns:a16="http://schemas.microsoft.com/office/drawing/2014/main" id="{C030DCD9-605D-6A4B-BA45-1365AD34EEAE}"/>
+              </a:ext>
+            </a:extLst>
+          </p:cNvPr>
+          <p:cNvCxnSpPr>
+            <a:cxnSpLocks/>
+            <a:stCxn id="51" idx="2"/>
+          </p:cNvCxnSpPr>
+          <p:nvPr/>
+        </p:nvCxnSpPr>
+        <p:spPr>
+          <a:xfrm>
+            <a:off x="8213176" y="3093913"/>
+            <a:ext cx="0" cy="404509"/>
+          </a:xfrm>
+          <a:prstGeom prst="straightConnector1">
+            <a:avLst/>
+          </a:prstGeom>
+          <a:ln w="38100">
+            <a:solidFill>
+              <a:schemeClr val="tx1"/>
+            </a:solidFill>
+            <a:tailEnd type="triangle"/>
+          </a:ln>
+        </p:spPr>
+        <p:style>
+          <a:lnRef idx="1">
+            <a:schemeClr val="accent1"/>
+          </a:lnRef>
+          <a:fillRef idx="0">
+            <a:schemeClr val="accent1"/>
+          </a:fillRef>
+          <a:effectRef idx="0">
+            <a:schemeClr val="accent1"/>
+          </a:effectRef>
+          <a:fontRef idx="minor">
+            <a:schemeClr val="tx1"/>
+          </a:fontRef>
+        </p:style>
+      </p:cxnSp>
+      <p:cxnSp>
+        <p:nvCxnSpPr>
+          <p:cNvPr id="65" name="Straight Arrow Connector 64">
+            <a:extLst>
+              <a:ext uri="{FF2B5EF4-FFF2-40B4-BE49-F238E27FC236}">
+                <a16:creationId xmlns:a16="http://schemas.microsoft.com/office/drawing/2014/main" id="{C39063AD-448B-E64B-A1E5-029C6EFAB5A8}"/>
+              </a:ext>
+            </a:extLst>
+          </p:cNvPr>
+          <p:cNvCxnSpPr>
+            <a:cxnSpLocks/>
+            <a:stCxn id="54" idx="2"/>
+          </p:cNvCxnSpPr>
+          <p:nvPr/>
+        </p:nvCxnSpPr>
+        <p:spPr>
+          <a:xfrm>
+            <a:off x="10740223" y="3093913"/>
+            <a:ext cx="0" cy="385976"/>
+          </a:xfrm>
+          <a:prstGeom prst="straightConnector1">
+            <a:avLst/>
+          </a:prstGeom>
+          <a:ln w="38100">
+            <a:solidFill>
+              <a:schemeClr val="tx1"/>
+            </a:solidFill>
+            <a:tailEnd type="triangle"/>
+          </a:ln>
+        </p:spPr>
+        <p:style>
+          <a:lnRef idx="1">
+            <a:schemeClr val="accent1"/>
+          </a:lnRef>
+          <a:fillRef idx="0">
+            <a:schemeClr val="accent1"/>
+          </a:fillRef>
+          <a:effectRef idx="0">
+            <a:schemeClr val="accent1"/>
+          </a:effectRef>
+          <a:fontRef idx="minor">
+            <a:schemeClr val="tx1"/>
+          </a:fontRef>
+        </p:style>
+      </p:cxnSp>
+      <p:sp>
+        <p:nvSpPr>
+          <p:cNvPr id="69" name="Rectangle 68">
+            <a:extLst>
+              <a:ext uri="{FF2B5EF4-FFF2-40B4-BE49-F238E27FC236}">
+                <a16:creationId xmlns:a16="http://schemas.microsoft.com/office/drawing/2014/main" id="{FD32786F-44E6-FA4C-A8A9-A52603F46885}"/>
+              </a:ext>
+            </a:extLst>
+          </p:cNvPr>
+          <p:cNvSpPr/>
+          <p:nvPr/>
+        </p:nvSpPr>
+        <p:spPr>
+          <a:xfrm>
+            <a:off x="6623955" y="4474960"/>
+            <a:ext cx="964096" cy="586408"/>
+          </a:xfrm>
+          <a:prstGeom prst="rect">
+            <a:avLst/>
+          </a:prstGeom>
+          <a:solidFill>
+            <a:schemeClr val="accent6">
+              <a:lumMod val="40000"/>
+              <a:lumOff val="60000"/>
+            </a:schemeClr>
+          </a:solidFill>
+          <a:ln w="38100">
+            <a:solidFill>
+              <a:schemeClr val="tx1"/>
+            </a:solidFill>
+          </a:ln>
+        </p:spPr>
+        <p:style>
+          <a:lnRef idx="2">
+            <a:schemeClr val="accent2">
+              <a:shade val="50000"/>
+            </a:schemeClr>
+          </a:lnRef>
+          <a:fillRef idx="1">
+            <a:schemeClr val="accent2"/>
+          </a:fillRef>
+          <a:effectRef idx="0">
+            <a:schemeClr val="accent2"/>
+          </a:effectRef>
+          <a:fontRef idx="minor">
+            <a:schemeClr val="lt1"/>
+          </a:fontRef>
+        </p:style>
+        <p:txBody>
+          <a:bodyPr rtlCol="0" anchor="ctr"/>
+          <a:lstStyle/>
+          <a:p>
+            <a:pPr algn="ctr"/>
+            <a:r>
+              <a:rPr lang="en-US" altLang="zh-CN" sz="2000" dirty="0">
+                <a:solidFill>
+                  <a:schemeClr val="tx1"/>
+                </a:solidFill>
+              </a:rPr>
+              <a:t>L2</a:t>
+            </a:r>
+            <a:endParaRPr lang="en-US" sz="2000" dirty="0">
+              <a:solidFill>
+                <a:schemeClr val="tx1"/>
+              </a:solidFill>
+            </a:endParaRPr>
+          </a:p>
+        </p:txBody>
+      </p:sp>
+      <p:cxnSp>
+        <p:nvCxnSpPr>
+          <p:cNvPr id="70" name="Straight Arrow Connector 69">
+            <a:extLst>
+              <a:ext uri="{FF2B5EF4-FFF2-40B4-BE49-F238E27FC236}">
+                <a16:creationId xmlns:a16="http://schemas.microsoft.com/office/drawing/2014/main" id="{5AEA8B2C-2857-CA40-9523-D9D0CB1EB4E1}"/>
+              </a:ext>
+            </a:extLst>
+          </p:cNvPr>
+          <p:cNvCxnSpPr>
+            <a:cxnSpLocks/>
+          </p:cNvCxnSpPr>
+          <p:nvPr/>
+        </p:nvCxnSpPr>
+        <p:spPr>
+          <a:xfrm>
+            <a:off x="7106003" y="4084830"/>
+            <a:ext cx="0" cy="385570"/>
+          </a:xfrm>
+          <a:prstGeom prst="straightConnector1">
+            <a:avLst/>
+          </a:prstGeom>
+          <a:ln w="38100">
+            <a:solidFill>
+              <a:schemeClr val="tx1"/>
+            </a:solidFill>
+            <a:tailEnd type="triangle"/>
+          </a:ln>
+        </p:spPr>
+        <p:style>
+          <a:lnRef idx="1">
+            <a:schemeClr val="accent1"/>
+          </a:lnRef>
+          <a:fillRef idx="0">
+            <a:schemeClr val="accent1"/>
+          </a:fillRef>
+          <a:effectRef idx="0">
+            <a:schemeClr val="accent1"/>
+          </a:effectRef>
+          <a:fontRef idx="minor">
+            <a:schemeClr val="tx1"/>
+          </a:fontRef>
+        </p:style>
+      </p:cxnSp>
+      <p:sp>
+        <p:nvSpPr>
+          <p:cNvPr id="72" name="Rectangle 71">
+            <a:extLst>
+              <a:ext uri="{FF2B5EF4-FFF2-40B4-BE49-F238E27FC236}">
+                <a16:creationId xmlns:a16="http://schemas.microsoft.com/office/drawing/2014/main" id="{B2B4296E-DC5C-6F44-A8C8-19DC9542BF97}"/>
+              </a:ext>
+            </a:extLst>
+          </p:cNvPr>
+          <p:cNvSpPr/>
+          <p:nvPr/>
+        </p:nvSpPr>
+        <p:spPr>
+          <a:xfrm>
+            <a:off x="8070099" y="4474960"/>
+            <a:ext cx="964096" cy="586408"/>
+          </a:xfrm>
+          <a:prstGeom prst="rect">
+            <a:avLst/>
+          </a:prstGeom>
+          <a:solidFill>
+            <a:schemeClr val="accent6">
+              <a:lumMod val="40000"/>
+              <a:lumOff val="60000"/>
+            </a:schemeClr>
+          </a:solidFill>
+          <a:ln w="38100">
+            <a:solidFill>
+              <a:schemeClr val="tx1"/>
+            </a:solidFill>
+          </a:ln>
+        </p:spPr>
+        <p:style>
+          <a:lnRef idx="2">
+            <a:schemeClr val="accent2">
+              <a:shade val="50000"/>
+            </a:schemeClr>
+          </a:lnRef>
+          <a:fillRef idx="1">
+            <a:schemeClr val="accent2"/>
+          </a:fillRef>
+          <a:effectRef idx="0">
+            <a:schemeClr val="accent2"/>
+          </a:effectRef>
+          <a:fontRef idx="minor">
+            <a:schemeClr val="lt1"/>
+          </a:fontRef>
+        </p:style>
+        <p:txBody>
+          <a:bodyPr rtlCol="0" anchor="ctr"/>
+          <a:lstStyle/>
+          <a:p>
+            <a:pPr algn="ctr"/>
+            <a:r>
+              <a:rPr lang="en-US" altLang="zh-CN" sz="2000" dirty="0">
+                <a:solidFill>
+                  <a:schemeClr val="tx1"/>
+                </a:solidFill>
+              </a:rPr>
+              <a:t>L2</a:t>
+            </a:r>
+            <a:endParaRPr lang="en-US" sz="2000" dirty="0">
+              <a:solidFill>
+                <a:schemeClr val="tx1"/>
+              </a:solidFill>
+            </a:endParaRPr>
+          </a:p>
+        </p:txBody>
+      </p:sp>
+      <p:cxnSp>
+        <p:nvCxnSpPr>
+          <p:cNvPr id="73" name="Straight Arrow Connector 72">
+            <a:extLst>
+              <a:ext uri="{FF2B5EF4-FFF2-40B4-BE49-F238E27FC236}">
+                <a16:creationId xmlns:a16="http://schemas.microsoft.com/office/drawing/2014/main" id="{00939558-866C-0C44-9CE7-BF711D1883B5}"/>
+              </a:ext>
+            </a:extLst>
+          </p:cNvPr>
+          <p:cNvCxnSpPr>
+            <a:cxnSpLocks/>
+          </p:cNvCxnSpPr>
+          <p:nvPr/>
+        </p:nvCxnSpPr>
+        <p:spPr>
+          <a:xfrm>
+            <a:off x="8552147" y="4084830"/>
+            <a:ext cx="0" cy="385570"/>
+          </a:xfrm>
+          <a:prstGeom prst="straightConnector1">
+            <a:avLst/>
+          </a:prstGeom>
+          <a:ln w="38100">
+            <a:solidFill>
+              <a:schemeClr val="tx1"/>
+            </a:solidFill>
+            <a:tailEnd type="triangle"/>
+          </a:ln>
+        </p:spPr>
+        <p:style>
+          <a:lnRef idx="1">
+            <a:schemeClr val="accent1"/>
+          </a:lnRef>
+          <a:fillRef idx="0">
+            <a:schemeClr val="accent1"/>
+          </a:fillRef>
+          <a:effectRef idx="0">
+            <a:schemeClr val="accent1"/>
+          </a:effectRef>
+          <a:fontRef idx="minor">
+            <a:schemeClr val="tx1"/>
+          </a:fontRef>
+        </p:style>
+      </p:cxnSp>
+      <p:sp>
+        <p:nvSpPr>
+          <p:cNvPr id="74" name="Rectangle 73">
+            <a:extLst>
+              <a:ext uri="{FF2B5EF4-FFF2-40B4-BE49-F238E27FC236}">
+                <a16:creationId xmlns:a16="http://schemas.microsoft.com/office/drawing/2014/main" id="{7FC020AC-4213-8A4F-873D-845F2F64224F}"/>
+              </a:ext>
+            </a:extLst>
+          </p:cNvPr>
+          <p:cNvSpPr/>
+          <p:nvPr/>
+        </p:nvSpPr>
+        <p:spPr>
+          <a:xfrm>
+            <a:off x="9937221" y="4474960"/>
+            <a:ext cx="964096" cy="586408"/>
+          </a:xfrm>
+          <a:prstGeom prst="rect">
+            <a:avLst/>
+          </a:prstGeom>
+          <a:solidFill>
+            <a:schemeClr val="accent6">
+              <a:lumMod val="40000"/>
+              <a:lumOff val="60000"/>
+            </a:schemeClr>
+          </a:solidFill>
+          <a:ln w="38100">
+            <a:solidFill>
+              <a:schemeClr val="tx1"/>
+            </a:solidFill>
+          </a:ln>
+        </p:spPr>
+        <p:style>
+          <a:lnRef idx="2">
+            <a:schemeClr val="accent2">
+              <a:shade val="50000"/>
+            </a:schemeClr>
+          </a:lnRef>
+          <a:fillRef idx="1">
+            <a:schemeClr val="accent2"/>
+          </a:fillRef>
+          <a:effectRef idx="0">
+            <a:schemeClr val="accent2"/>
+          </a:effectRef>
+          <a:fontRef idx="minor">
+            <a:schemeClr val="lt1"/>
+          </a:fontRef>
+        </p:style>
+        <p:txBody>
+          <a:bodyPr rtlCol="0" anchor="ctr"/>
+          <a:lstStyle/>
+          <a:p>
+            <a:pPr algn="ctr"/>
+            <a:r>
+              <a:rPr lang="en-US" altLang="zh-CN" sz="2000" dirty="0">
+                <a:solidFill>
+                  <a:schemeClr val="tx1"/>
+                </a:solidFill>
+              </a:rPr>
+              <a:t>L2</a:t>
+            </a:r>
+            <a:endParaRPr lang="en-US" sz="2000" dirty="0">
+              <a:solidFill>
+                <a:schemeClr val="tx1"/>
+              </a:solidFill>
+            </a:endParaRPr>
+          </a:p>
+        </p:txBody>
+      </p:sp>
+      <p:cxnSp>
+        <p:nvCxnSpPr>
+          <p:cNvPr id="75" name="Straight Arrow Connector 74">
+            <a:extLst>
+              <a:ext uri="{FF2B5EF4-FFF2-40B4-BE49-F238E27FC236}">
+                <a16:creationId xmlns:a16="http://schemas.microsoft.com/office/drawing/2014/main" id="{69093D08-9A73-8748-890F-D127DE5739D4}"/>
+              </a:ext>
+            </a:extLst>
+          </p:cNvPr>
+          <p:cNvCxnSpPr>
+            <a:cxnSpLocks/>
+          </p:cNvCxnSpPr>
+          <p:nvPr/>
+        </p:nvCxnSpPr>
+        <p:spPr>
+          <a:xfrm>
+            <a:off x="10419269" y="4084830"/>
+            <a:ext cx="0" cy="385570"/>
+          </a:xfrm>
+          <a:prstGeom prst="straightConnector1">
+            <a:avLst/>
+          </a:prstGeom>
+          <a:ln w="38100">
+            <a:solidFill>
+              <a:schemeClr val="tx1"/>
+            </a:solidFill>
+            <a:tailEnd type="triangle"/>
+          </a:ln>
+        </p:spPr>
+        <p:style>
+          <a:lnRef idx="1">
+            <a:schemeClr val="accent1"/>
+          </a:lnRef>
+          <a:fillRef idx="0">
+            <a:schemeClr val="accent1"/>
+          </a:fillRef>
+          <a:effectRef idx="0">
+            <a:schemeClr val="accent1"/>
+          </a:effectRef>
+          <a:fontRef idx="minor">
+            <a:schemeClr val="tx1"/>
+          </a:fontRef>
+        </p:style>
+      </p:cxnSp>
+      <p:sp>
+        <p:nvSpPr>
+          <p:cNvPr id="76" name="Rectangle 75">
+            <a:extLst>
+              <a:ext uri="{FF2B5EF4-FFF2-40B4-BE49-F238E27FC236}">
+                <a16:creationId xmlns:a16="http://schemas.microsoft.com/office/drawing/2014/main" id="{D3840F30-4C48-AB4D-8675-3FDA2FC71470}"/>
+              </a:ext>
+            </a:extLst>
+          </p:cNvPr>
+          <p:cNvSpPr/>
+          <p:nvPr/>
+        </p:nvSpPr>
+        <p:spPr>
+          <a:xfrm>
+            <a:off x="6624972" y="5475286"/>
+            <a:ext cx="964096" cy="586408"/>
+          </a:xfrm>
+          <a:prstGeom prst="rect">
+            <a:avLst/>
+          </a:prstGeom>
+          <a:solidFill>
+            <a:schemeClr val="accent6">
+              <a:lumMod val="40000"/>
+              <a:lumOff val="60000"/>
+            </a:schemeClr>
+          </a:solidFill>
+          <a:ln w="38100">
+            <a:solidFill>
+              <a:schemeClr val="tx1"/>
+            </a:solidFill>
+          </a:ln>
+        </p:spPr>
+        <p:style>
+          <a:lnRef idx="2">
+            <a:schemeClr val="accent2">
+              <a:shade val="50000"/>
+            </a:schemeClr>
+          </a:lnRef>
+          <a:fillRef idx="1">
+            <a:schemeClr val="accent2"/>
+          </a:fillRef>
+          <a:effectRef idx="0">
+            <a:schemeClr val="accent2"/>
+          </a:effectRef>
+          <a:fontRef idx="minor">
+            <a:schemeClr val="lt1"/>
+          </a:fontRef>
+        </p:style>
+        <p:txBody>
+          <a:bodyPr rtlCol="0" anchor="ctr"/>
+          <a:lstStyle/>
+          <a:p>
+            <a:pPr algn="ctr"/>
+            <a:r>
+              <a:rPr lang="en-US" altLang="zh-CN" sz="2000" dirty="0">
+                <a:solidFill>
+                  <a:schemeClr val="tx1"/>
+                </a:solidFill>
+              </a:rPr>
+              <a:t>MEM</a:t>
+            </a:r>
+            <a:endParaRPr lang="en-US" sz="2000" dirty="0">
+              <a:solidFill>
+                <a:schemeClr val="tx1"/>
+              </a:solidFill>
+            </a:endParaRPr>
+          </a:p>
+        </p:txBody>
+      </p:sp>
+      <p:cxnSp>
+        <p:nvCxnSpPr>
+          <p:cNvPr id="77" name="Straight Arrow Connector 76">
+            <a:extLst>
+              <a:ext uri="{FF2B5EF4-FFF2-40B4-BE49-F238E27FC236}">
+                <a16:creationId xmlns:a16="http://schemas.microsoft.com/office/drawing/2014/main" id="{D0DC7C3F-8E47-6049-967C-27DB14AD4BEB}"/>
+              </a:ext>
+            </a:extLst>
+          </p:cNvPr>
+          <p:cNvCxnSpPr>
+            <a:cxnSpLocks/>
+          </p:cNvCxnSpPr>
+          <p:nvPr/>
+        </p:nvCxnSpPr>
+        <p:spPr>
+          <a:xfrm>
+            <a:off x="7107020" y="5085156"/>
+            <a:ext cx="0" cy="385570"/>
+          </a:xfrm>
+          <a:prstGeom prst="straightConnector1">
+            <a:avLst/>
+          </a:prstGeom>
+          <a:ln w="38100">
+            <a:solidFill>
+              <a:schemeClr val="tx1"/>
+            </a:solidFill>
+            <a:tailEnd type="triangle"/>
+          </a:ln>
+        </p:spPr>
+        <p:style>
+          <a:lnRef idx="1">
+            <a:schemeClr val="accent1"/>
+          </a:lnRef>
+          <a:fillRef idx="0">
+            <a:schemeClr val="accent1"/>
+          </a:fillRef>
+          <a:effectRef idx="0">
+            <a:schemeClr val="accent1"/>
+          </a:effectRef>
+          <a:fontRef idx="minor">
+            <a:schemeClr val="tx1"/>
+          </a:fontRef>
+        </p:style>
+      </p:cxnSp>
+      <p:sp>
+        <p:nvSpPr>
+          <p:cNvPr id="78" name="Rectangle 77">
+            <a:extLst>
+              <a:ext uri="{FF2B5EF4-FFF2-40B4-BE49-F238E27FC236}">
+                <a16:creationId xmlns:a16="http://schemas.microsoft.com/office/drawing/2014/main" id="{A5FD929E-262A-464B-9DD7-731C826E8963}"/>
+              </a:ext>
+            </a:extLst>
+          </p:cNvPr>
+          <p:cNvSpPr/>
+          <p:nvPr/>
+        </p:nvSpPr>
+        <p:spPr>
+          <a:xfrm>
+            <a:off x="8071116" y="5475286"/>
+            <a:ext cx="964096" cy="586408"/>
+          </a:xfrm>
+          <a:prstGeom prst="rect">
+            <a:avLst/>
+          </a:prstGeom>
+          <a:solidFill>
+            <a:schemeClr val="accent6">
+              <a:lumMod val="40000"/>
+              <a:lumOff val="60000"/>
+            </a:schemeClr>
+          </a:solidFill>
+          <a:ln w="38100">
+            <a:solidFill>
+              <a:schemeClr val="tx1"/>
+            </a:solidFill>
+          </a:ln>
+        </p:spPr>
+        <p:style>
+          <a:lnRef idx="2">
+            <a:schemeClr val="accent2">
+              <a:shade val="50000"/>
+            </a:schemeClr>
+          </a:lnRef>
+          <a:fillRef idx="1">
+            <a:schemeClr val="accent2"/>
+          </a:fillRef>
+          <a:effectRef idx="0">
+            <a:schemeClr val="accent2"/>
+          </a:effectRef>
+          <a:fontRef idx="minor">
+            <a:schemeClr val="lt1"/>
+          </a:fontRef>
+        </p:style>
+        <p:txBody>
+          <a:bodyPr rtlCol="0" anchor="ctr"/>
+          <a:lstStyle/>
+          <a:p>
+            <a:pPr algn="ctr"/>
+            <a:r>
+              <a:rPr lang="en-US" altLang="zh-CN" sz="2000" dirty="0">
+                <a:solidFill>
+                  <a:schemeClr val="tx1"/>
+                </a:solidFill>
+              </a:rPr>
+              <a:t>MEM</a:t>
+            </a:r>
+            <a:endParaRPr lang="en-US" sz="2000" dirty="0">
+              <a:solidFill>
+                <a:schemeClr val="tx1"/>
+              </a:solidFill>
+            </a:endParaRPr>
+          </a:p>
+        </p:txBody>
+      </p:sp>
+      <p:cxnSp>
+        <p:nvCxnSpPr>
+          <p:cNvPr id="79" name="Straight Arrow Connector 78">
+            <a:extLst>
+              <a:ext uri="{FF2B5EF4-FFF2-40B4-BE49-F238E27FC236}">
+                <a16:creationId xmlns:a16="http://schemas.microsoft.com/office/drawing/2014/main" id="{387DCD93-B227-F44A-AEE7-9B0A898FF291}"/>
+              </a:ext>
+            </a:extLst>
+          </p:cNvPr>
+          <p:cNvCxnSpPr>
+            <a:cxnSpLocks/>
+          </p:cNvCxnSpPr>
+          <p:nvPr/>
+        </p:nvCxnSpPr>
+        <p:spPr>
+          <a:xfrm>
+            <a:off x="8553164" y="5085156"/>
+            <a:ext cx="0" cy="385570"/>
+          </a:xfrm>
+          <a:prstGeom prst="straightConnector1">
+            <a:avLst/>
+          </a:prstGeom>
+          <a:ln w="38100">
+            <a:solidFill>
+              <a:schemeClr val="tx1"/>
+            </a:solidFill>
+            <a:tailEnd type="triangle"/>
+          </a:ln>
+        </p:spPr>
+        <p:style>
+          <a:lnRef idx="1">
+            <a:schemeClr val="accent1"/>
+          </a:lnRef>
+          <a:fillRef idx="0">
+            <a:schemeClr val="accent1"/>
+          </a:fillRef>
+          <a:effectRef idx="0">
+            <a:schemeClr val="accent1"/>
+          </a:effectRef>
+          <a:fontRef idx="minor">
+            <a:schemeClr val="tx1"/>
+          </a:fontRef>
+        </p:style>
+      </p:cxnSp>
+      <p:sp>
+        <p:nvSpPr>
+          <p:cNvPr id="80" name="Rectangle 79">
+            <a:extLst>
+              <a:ext uri="{FF2B5EF4-FFF2-40B4-BE49-F238E27FC236}">
+                <a16:creationId xmlns:a16="http://schemas.microsoft.com/office/drawing/2014/main" id="{F56F1D93-5389-4C4F-9AE1-B46F19EBEE0F}"/>
+              </a:ext>
+            </a:extLst>
+          </p:cNvPr>
+          <p:cNvSpPr/>
+          <p:nvPr/>
+        </p:nvSpPr>
+        <p:spPr>
+          <a:xfrm>
+            <a:off x="9936428" y="5475286"/>
+            <a:ext cx="964096" cy="586408"/>
+          </a:xfrm>
+          <a:prstGeom prst="rect">
+            <a:avLst/>
+          </a:prstGeom>
+          <a:solidFill>
+            <a:schemeClr val="accent6">
+              <a:lumMod val="40000"/>
+              <a:lumOff val="60000"/>
+            </a:schemeClr>
+          </a:solidFill>
+          <a:ln w="38100">
+            <a:solidFill>
+              <a:schemeClr val="tx1"/>
+            </a:solidFill>
+          </a:ln>
+        </p:spPr>
+        <p:style>
+          <a:lnRef idx="2">
+            <a:schemeClr val="accent2">
+              <a:shade val="50000"/>
+            </a:schemeClr>
+          </a:lnRef>
+          <a:fillRef idx="1">
+            <a:schemeClr val="accent2"/>
+          </a:fillRef>
+          <a:effectRef idx="0">
+            <a:schemeClr val="accent2"/>
+          </a:effectRef>
+          <a:fontRef idx="minor">
+            <a:schemeClr val="lt1"/>
+          </a:fontRef>
+        </p:style>
+        <p:txBody>
+          <a:bodyPr rtlCol="0" anchor="ctr"/>
+          <a:lstStyle/>
+          <a:p>
+            <a:pPr algn="ctr"/>
+            <a:r>
+              <a:rPr lang="en-US" altLang="zh-CN" sz="2000" dirty="0">
+                <a:solidFill>
+                  <a:schemeClr val="tx1"/>
+                </a:solidFill>
+              </a:rPr>
+              <a:t>MEM</a:t>
+            </a:r>
+            <a:endParaRPr lang="en-US" sz="2000" dirty="0">
+              <a:solidFill>
+                <a:schemeClr val="tx1"/>
+              </a:solidFill>
+            </a:endParaRPr>
+          </a:p>
+        </p:txBody>
+      </p:sp>
+      <p:cxnSp>
+        <p:nvCxnSpPr>
+          <p:cNvPr id="81" name="Straight Arrow Connector 80">
+            <a:extLst>
+              <a:ext uri="{FF2B5EF4-FFF2-40B4-BE49-F238E27FC236}">
+                <a16:creationId xmlns:a16="http://schemas.microsoft.com/office/drawing/2014/main" id="{D5A618C1-00CB-614D-A575-0D998A957594}"/>
+              </a:ext>
+            </a:extLst>
+          </p:cNvPr>
+          <p:cNvCxnSpPr>
+            <a:cxnSpLocks/>
+          </p:cNvCxnSpPr>
+          <p:nvPr/>
+        </p:nvCxnSpPr>
+        <p:spPr>
+          <a:xfrm>
+            <a:off x="10418476" y="5085156"/>
+            <a:ext cx="0" cy="385570"/>
+          </a:xfrm>
+          <a:prstGeom prst="straightConnector1">
+            <a:avLst/>
+          </a:prstGeom>
+          <a:ln w="38100">
+            <a:solidFill>
+              <a:schemeClr val="tx1"/>
+            </a:solidFill>
+            <a:tailEnd type="triangle"/>
+          </a:ln>
+        </p:spPr>
+        <p:style>
+          <a:lnRef idx="1">
+            <a:schemeClr val="accent1"/>
+          </a:lnRef>
+          <a:fillRef idx="0">
+            <a:schemeClr val="accent1"/>
+          </a:fillRef>
+          <a:effectRef idx="0">
+            <a:schemeClr val="accent1"/>
+          </a:effectRef>
+          <a:fontRef idx="minor">
+            <a:schemeClr val="tx1"/>
+          </a:fontRef>
+        </p:style>
+      </p:cxnSp>
+      <p:sp>
+        <p:nvSpPr>
+          <p:cNvPr id="82" name="Rectangle 81">
+            <a:extLst>
+              <a:ext uri="{FF2B5EF4-FFF2-40B4-BE49-F238E27FC236}">
+                <a16:creationId xmlns:a16="http://schemas.microsoft.com/office/drawing/2014/main" id="{0B9B8D6E-A624-6447-898B-DCAC112C774D}"/>
+              </a:ext>
+            </a:extLst>
+          </p:cNvPr>
+          <p:cNvSpPr/>
+          <p:nvPr/>
+        </p:nvSpPr>
+        <p:spPr>
+          <a:xfrm>
+            <a:off x="4942303" y="2501319"/>
+            <a:ext cx="964096" cy="586408"/>
+          </a:xfrm>
+          <a:prstGeom prst="rect">
+            <a:avLst/>
+          </a:prstGeom>
+          <a:solidFill>
+            <a:schemeClr val="accent6">
+              <a:lumMod val="40000"/>
+              <a:lumOff val="60000"/>
+            </a:schemeClr>
+          </a:solidFill>
+          <a:ln w="38100">
+            <a:solidFill>
+              <a:schemeClr val="tx1"/>
+            </a:solidFill>
+          </a:ln>
+        </p:spPr>
+        <p:style>
+          <a:lnRef idx="2">
+            <a:schemeClr val="accent2">
+              <a:shade val="50000"/>
+            </a:schemeClr>
+          </a:lnRef>
+          <a:fillRef idx="1">
+            <a:schemeClr val="accent2"/>
+          </a:fillRef>
+          <a:effectRef idx="0">
+            <a:schemeClr val="accent2"/>
+          </a:effectRef>
+          <a:fontRef idx="minor">
+            <a:schemeClr val="lt1"/>
+          </a:fontRef>
+        </p:style>
+        <p:txBody>
+          <a:bodyPr rtlCol="0" anchor="ctr"/>
+          <a:lstStyle/>
+          <a:p>
+            <a:pPr algn="ctr"/>
+            <a:r>
+              <a:rPr lang="en-US" altLang="zh-CN" sz="2000" dirty="0">
+                <a:solidFill>
+                  <a:schemeClr val="tx1"/>
+                </a:solidFill>
+              </a:rPr>
+              <a:t>L1</a:t>
+            </a:r>
+            <a:endParaRPr lang="en-US" sz="2000" dirty="0">
+              <a:solidFill>
+                <a:schemeClr val="tx1"/>
+              </a:solidFill>
+            </a:endParaRPr>
+          </a:p>
+        </p:txBody>
+      </p:sp>
+      <p:cxnSp>
+        <p:nvCxnSpPr>
+          <p:cNvPr id="83" name="Straight Arrow Connector 82">
+            <a:extLst>
+              <a:ext uri="{FF2B5EF4-FFF2-40B4-BE49-F238E27FC236}">
+                <a16:creationId xmlns:a16="http://schemas.microsoft.com/office/drawing/2014/main" id="{4C23E6D4-DFFE-B24D-AAFF-BC1F08373B5B}"/>
+              </a:ext>
+            </a:extLst>
+          </p:cNvPr>
+          <p:cNvCxnSpPr>
+            <a:cxnSpLocks/>
+            <a:stCxn id="22" idx="2"/>
+            <a:endCxn id="82" idx="0"/>
+          </p:cNvCxnSpPr>
+          <p:nvPr/>
+        </p:nvCxnSpPr>
+        <p:spPr>
+          <a:xfrm>
+            <a:off x="4069990" y="2049962"/>
+            <a:ext cx="1354361" cy="451357"/>
+          </a:xfrm>
+          <a:prstGeom prst="straightConnector1">
+            <a:avLst/>
+          </a:prstGeom>
+          <a:ln w="38100">
+            <a:solidFill>
+              <a:schemeClr val="tx1"/>
+            </a:solidFill>
+            <a:tailEnd type="triangle"/>
+          </a:ln>
+        </p:spPr>
+        <p:style>
+          <a:lnRef idx="1">
+            <a:schemeClr val="accent1"/>
+          </a:lnRef>
+          <a:fillRef idx="0">
+            <a:schemeClr val="accent1"/>
+          </a:fillRef>
+          <a:effectRef idx="0">
+            <a:schemeClr val="accent1"/>
+          </a:effectRef>
+          <a:fontRef idx="minor">
+            <a:schemeClr val="tx1"/>
+          </a:fontRef>
+        </p:style>
+      </p:cxnSp>
+      <p:cxnSp>
+        <p:nvCxnSpPr>
+          <p:cNvPr id="84" name="Straight Arrow Connector 83">
+            <a:extLst>
+              <a:ext uri="{FF2B5EF4-FFF2-40B4-BE49-F238E27FC236}">
+                <a16:creationId xmlns:a16="http://schemas.microsoft.com/office/drawing/2014/main" id="{5D00F872-4FE1-864C-9C81-1D731F186C01}"/>
+              </a:ext>
+            </a:extLst>
+          </p:cNvPr>
+          <p:cNvCxnSpPr>
+            <a:cxnSpLocks/>
+            <a:stCxn id="82" idx="2"/>
+          </p:cNvCxnSpPr>
+          <p:nvPr/>
+        </p:nvCxnSpPr>
+        <p:spPr>
+          <a:xfrm>
+            <a:off x="5424351" y="3087727"/>
+            <a:ext cx="1047204" cy="703899"/>
+          </a:xfrm>
+          <a:prstGeom prst="straightConnector1">
+            <a:avLst/>
+          </a:prstGeom>
+          <a:ln w="38100">
+            <a:solidFill>
+              <a:schemeClr val="tx1"/>
+            </a:solidFill>
+            <a:tailEnd type="triangle"/>
+          </a:ln>
+        </p:spPr>
+        <p:style>
+          <a:lnRef idx="1">
+            <a:schemeClr val="accent1"/>
+          </a:lnRef>
+          <a:fillRef idx="0">
+            <a:schemeClr val="accent1"/>
+          </a:fillRef>
+          <a:effectRef idx="0">
+            <a:schemeClr val="accent1"/>
+          </a:effectRef>
+          <a:fontRef idx="minor">
+            <a:schemeClr val="tx1"/>
+          </a:fontRef>
+        </p:style>
+      </p:cxnSp>
+    </p:spTree>
+    <p:extLst>
+      <p:ext uri="{BB962C8B-B14F-4D97-AF65-F5344CB8AC3E}">
+        <p14:creationId xmlns:p14="http://schemas.microsoft.com/office/powerpoint/2010/main" val="2778670764"/>
       </p:ext>
     </p:extLst>
   </p:cSld>

--- a/figures/scheduler.pptx
+++ b/figures/scheduler.pptx
@@ -5,12 +5,13 @@
     <p:sldMasterId id="2147483648" r:id="rId1"/>
   </p:sldMasterIdLst>
   <p:notesMasterIdLst>
-    <p:notesMasterId r:id="rId5"/>
+    <p:notesMasterId r:id="rId6"/>
   </p:notesMasterIdLst>
   <p:sldIdLst>
-    <p:sldId id="274" r:id="rId2"/>
-    <p:sldId id="275" r:id="rId3"/>
-    <p:sldId id="276" r:id="rId4"/>
+    <p:sldId id="277" r:id="rId2"/>
+    <p:sldId id="274" r:id="rId3"/>
+    <p:sldId id="275" r:id="rId4"/>
+    <p:sldId id="276" r:id="rId5"/>
   </p:sldIdLst>
   <p:sldSz cx="12192000" cy="6858000"/>
   <p:notesSz cx="6858000" cy="9144000"/>
@@ -540,7 +541,7 @@
     </p:spTree>
     <p:extLst>
       <p:ext uri="{BB962C8B-B14F-4D97-AF65-F5344CB8AC3E}">
-        <p14:creationId xmlns:p14="http://schemas.microsoft.com/office/powerpoint/2010/main" val="2200397219"/>
+        <p14:creationId xmlns:p14="http://schemas.microsoft.com/office/powerpoint/2010/main" val="90767322"/>
       </p:ext>
     </p:extLst>
   </p:cSld>
@@ -624,7 +625,7 @@
     </p:spTree>
     <p:extLst>
       <p:ext uri="{BB962C8B-B14F-4D97-AF65-F5344CB8AC3E}">
-        <p14:creationId xmlns:p14="http://schemas.microsoft.com/office/powerpoint/2010/main" val="479701260"/>
+        <p14:creationId xmlns:p14="http://schemas.microsoft.com/office/powerpoint/2010/main" val="2200397219"/>
       </p:ext>
     </p:extLst>
   </p:cSld>
@@ -700,6 +701,90 @@
             <a:fld id="{CF9C09DD-ED21-49A7-9D25-661CD23D2B5E}" type="slidenum">
               <a:rPr lang="en-US" smtClean="0"/>
               <a:t>3</a:t>
+            </a:fld>
+            <a:endParaRPr lang="en-US"/>
+          </a:p>
+        </p:txBody>
+      </p:sp>
+    </p:spTree>
+    <p:extLst>
+      <p:ext uri="{BB962C8B-B14F-4D97-AF65-F5344CB8AC3E}">
+        <p14:creationId xmlns:p14="http://schemas.microsoft.com/office/powerpoint/2010/main" val="479701260"/>
+      </p:ext>
+    </p:extLst>
+  </p:cSld>
+  <p:clrMapOvr>
+    <a:masterClrMapping/>
+  </p:clrMapOvr>
+</p:notes>
+</file>
+
+<file path=ppt/notesSlides/notesSlide4.xml><?xml version="1.0" encoding="utf-8"?>
+<p:notes xmlns:a="http://schemas.openxmlformats.org/drawingml/2006/main" xmlns:r="http://schemas.openxmlformats.org/officeDocument/2006/relationships" xmlns:p="http://schemas.openxmlformats.org/presentationml/2006/main">
+  <p:cSld>
+    <p:spTree>
+      <p:nvGrpSpPr>
+        <p:cNvPr id="1" name=""/>
+        <p:cNvGrpSpPr/>
+        <p:nvPr/>
+      </p:nvGrpSpPr>
+      <p:grpSpPr>
+        <a:xfrm>
+          <a:off x="0" y="0"/>
+          <a:ext cx="0" cy="0"/>
+          <a:chOff x="0" y="0"/>
+          <a:chExt cx="0" cy="0"/>
+        </a:xfrm>
+      </p:grpSpPr>
+      <p:sp>
+        <p:nvSpPr>
+          <p:cNvPr id="2" name="Slide Image Placeholder 1"/>
+          <p:cNvSpPr>
+            <a:spLocks noGrp="1" noRot="1" noChangeAspect="1"/>
+          </p:cNvSpPr>
+          <p:nvPr>
+            <p:ph type="sldImg"/>
+          </p:nvPr>
+        </p:nvSpPr>
+        <p:spPr/>
+      </p:sp>
+      <p:sp>
+        <p:nvSpPr>
+          <p:cNvPr id="3" name="Notes Placeholder 2"/>
+          <p:cNvSpPr>
+            <a:spLocks noGrp="1"/>
+          </p:cNvSpPr>
+          <p:nvPr>
+            <p:ph type="body" idx="1"/>
+          </p:nvPr>
+        </p:nvSpPr>
+        <p:spPr/>
+        <p:txBody>
+          <a:bodyPr/>
+          <a:lstStyle/>
+          <a:p>
+            <a:endParaRPr lang="en-US" dirty="0"/>
+          </a:p>
+        </p:txBody>
+      </p:sp>
+      <p:sp>
+        <p:nvSpPr>
+          <p:cNvPr id="4" name="Slide Number Placeholder 3"/>
+          <p:cNvSpPr>
+            <a:spLocks noGrp="1"/>
+          </p:cNvSpPr>
+          <p:nvPr>
+            <p:ph type="sldNum" sz="quarter" idx="5"/>
+          </p:nvPr>
+        </p:nvSpPr>
+        <p:spPr/>
+        <p:txBody>
+          <a:bodyPr/>
+          <a:lstStyle/>
+          <a:p>
+            <a:fld id="{CF9C09DD-ED21-49A7-9D25-661CD23D2B5E}" type="slidenum">
+              <a:rPr lang="en-US" smtClean="0"/>
+              <a:t>4</a:t>
             </a:fld>
             <a:endParaRPr lang="en-US"/>
           </a:p>
@@ -3916,6 +4001,1694 @@
 </file>
 
 <file path=ppt/slides/slide1.xml><?xml version="1.0" encoding="utf-8"?>
+<p:sld xmlns:a="http://schemas.openxmlformats.org/drawingml/2006/main" xmlns:r="http://schemas.openxmlformats.org/officeDocument/2006/relationships" xmlns:p="http://schemas.openxmlformats.org/presentationml/2006/main">
+  <p:cSld>
+    <p:spTree>
+      <p:nvGrpSpPr>
+        <p:cNvPr id="1" name=""/>
+        <p:cNvGrpSpPr/>
+        <p:nvPr/>
+      </p:nvGrpSpPr>
+      <p:grpSpPr>
+        <a:xfrm>
+          <a:off x="0" y="0"/>
+          <a:ext cx="0" cy="0"/>
+          <a:chOff x="0" y="0"/>
+          <a:chExt cx="0" cy="0"/>
+        </a:xfrm>
+      </p:grpSpPr>
+      <p:sp>
+        <p:nvSpPr>
+          <p:cNvPr id="28" name="Rounded Rectangle 27">
+            <a:extLst>
+              <a:ext uri="{FF2B5EF4-FFF2-40B4-BE49-F238E27FC236}">
+                <a16:creationId xmlns:a16="http://schemas.microsoft.com/office/drawing/2014/main" id="{EC7321D9-3329-4E4C-967F-65E3827E0B2A}"/>
+              </a:ext>
+            </a:extLst>
+          </p:cNvPr>
+          <p:cNvSpPr/>
+          <p:nvPr/>
+        </p:nvSpPr>
+        <p:spPr>
+          <a:xfrm>
+            <a:off x="9754950" y="463981"/>
+            <a:ext cx="1680983" cy="1337839"/>
+          </a:xfrm>
+          <a:prstGeom prst="roundRect">
+            <a:avLst/>
+          </a:prstGeom>
+          <a:solidFill>
+            <a:srgbClr val="13D2FF"/>
+          </a:solidFill>
+          <a:ln w="19050">
+            <a:solidFill>
+              <a:schemeClr val="tx1"/>
+            </a:solidFill>
+          </a:ln>
+        </p:spPr>
+        <p:style>
+          <a:lnRef idx="2">
+            <a:schemeClr val="accent1">
+              <a:shade val="50000"/>
+            </a:schemeClr>
+          </a:lnRef>
+          <a:fillRef idx="1">
+            <a:schemeClr val="accent1"/>
+          </a:fillRef>
+          <a:effectRef idx="0">
+            <a:schemeClr val="accent1"/>
+          </a:effectRef>
+          <a:fontRef idx="minor">
+            <a:schemeClr val="lt1"/>
+          </a:fontRef>
+        </p:style>
+        <p:txBody>
+          <a:bodyPr rtlCol="0" anchor="t"/>
+          <a:lstStyle/>
+          <a:p>
+            <a:pPr algn="ctr"/>
+            <a:r>
+              <a:rPr lang="en-US" altLang="zh-CN" sz="2000" dirty="0">
+                <a:solidFill>
+                  <a:schemeClr val="tx1"/>
+                </a:solidFill>
+              </a:rPr>
+              <a:t>SM</a:t>
+            </a:r>
+            <a:r>
+              <a:rPr lang="zh-CN" altLang="en-US" sz="2000" dirty="0">
+                <a:solidFill>
+                  <a:schemeClr val="tx1"/>
+                </a:solidFill>
+              </a:rPr>
+              <a:t> </a:t>
+            </a:r>
+            <a:r>
+              <a:rPr lang="en-US" altLang="zh-CN" sz="2000" dirty="0">
+                <a:solidFill>
+                  <a:schemeClr val="tx1"/>
+                </a:solidFill>
+              </a:rPr>
+              <a:t>blob</a:t>
+            </a:r>
+            <a:endParaRPr lang="en-US" sz="2000" dirty="0">
+              <a:solidFill>
+                <a:schemeClr val="tx1"/>
+              </a:solidFill>
+            </a:endParaRPr>
+          </a:p>
+        </p:txBody>
+      </p:sp>
+      <p:sp>
+        <p:nvSpPr>
+          <p:cNvPr id="2" name="Rounded Rectangle 1">
+            <a:extLst>
+              <a:ext uri="{FF2B5EF4-FFF2-40B4-BE49-F238E27FC236}">
+                <a16:creationId xmlns:a16="http://schemas.microsoft.com/office/drawing/2014/main" id="{01B9FBCE-4435-4C4C-9E96-E0A73B8730F3}"/>
+              </a:ext>
+            </a:extLst>
+          </p:cNvPr>
+          <p:cNvSpPr/>
+          <p:nvPr/>
+        </p:nvSpPr>
+        <p:spPr>
+          <a:xfrm>
+            <a:off x="3511030" y="840461"/>
+            <a:ext cx="1811747" cy="1337839"/>
+          </a:xfrm>
+          <a:prstGeom prst="roundRect">
+            <a:avLst/>
+          </a:prstGeom>
+          <a:solidFill>
+            <a:srgbClr val="13D2FF"/>
+          </a:solidFill>
+          <a:ln w="19050">
+            <a:solidFill>
+              <a:schemeClr val="tx1"/>
+            </a:solidFill>
+          </a:ln>
+        </p:spPr>
+        <p:style>
+          <a:lnRef idx="2">
+            <a:schemeClr val="accent1">
+              <a:shade val="50000"/>
+            </a:schemeClr>
+          </a:lnRef>
+          <a:fillRef idx="1">
+            <a:schemeClr val="accent1"/>
+          </a:fillRef>
+          <a:effectRef idx="0">
+            <a:schemeClr val="accent1"/>
+          </a:effectRef>
+          <a:fontRef idx="minor">
+            <a:schemeClr val="lt1"/>
+          </a:fontRef>
+        </p:style>
+        <p:txBody>
+          <a:bodyPr rtlCol="0" anchor="t"/>
+          <a:lstStyle/>
+          <a:p>
+            <a:pPr algn="ctr"/>
+            <a:r>
+              <a:rPr lang="en-US" sz="2000" dirty="0">
+                <a:solidFill>
+                  <a:schemeClr val="tx1"/>
+                </a:solidFill>
+              </a:rPr>
+              <a:t>Ariel</a:t>
+            </a:r>
+          </a:p>
+        </p:txBody>
+      </p:sp>
+      <p:sp>
+        <p:nvSpPr>
+          <p:cNvPr id="21" name="Rectangle 20">
+            <a:extLst>
+              <a:ext uri="{FF2B5EF4-FFF2-40B4-BE49-F238E27FC236}">
+                <a16:creationId xmlns:a16="http://schemas.microsoft.com/office/drawing/2014/main" id="{10865AD4-9091-43CE-8AAF-4464F486E31E}"/>
+              </a:ext>
+            </a:extLst>
+          </p:cNvPr>
+          <p:cNvSpPr/>
+          <p:nvPr/>
+        </p:nvSpPr>
+        <p:spPr>
+          <a:xfrm>
+            <a:off x="3950042" y="1330977"/>
+            <a:ext cx="964096" cy="586408"/>
+          </a:xfrm>
+          <a:prstGeom prst="rect">
+            <a:avLst/>
+          </a:prstGeom>
+          <a:solidFill>
+            <a:schemeClr val="accent2">
+              <a:lumMod val="60000"/>
+              <a:lumOff val="40000"/>
+            </a:schemeClr>
+          </a:solidFill>
+          <a:ln w="38100">
+            <a:solidFill>
+              <a:schemeClr val="tx1"/>
+            </a:solidFill>
+          </a:ln>
+        </p:spPr>
+        <p:style>
+          <a:lnRef idx="2">
+            <a:schemeClr val="accent2">
+              <a:shade val="50000"/>
+            </a:schemeClr>
+          </a:lnRef>
+          <a:fillRef idx="1">
+            <a:schemeClr val="accent2"/>
+          </a:fillRef>
+          <a:effectRef idx="0">
+            <a:schemeClr val="accent2"/>
+          </a:effectRef>
+          <a:fontRef idx="minor">
+            <a:schemeClr val="lt1"/>
+          </a:fontRef>
+        </p:style>
+        <p:txBody>
+          <a:bodyPr rtlCol="0" anchor="ctr"/>
+          <a:lstStyle/>
+          <a:p>
+            <a:pPr algn="ctr"/>
+            <a:r>
+              <a:rPr lang="en-US" sz="2000" dirty="0">
+                <a:solidFill>
+                  <a:schemeClr val="tx1"/>
+                </a:solidFill>
+              </a:rPr>
+              <a:t>CPU</a:t>
+            </a:r>
+          </a:p>
+        </p:txBody>
+      </p:sp>
+      <p:sp>
+        <p:nvSpPr>
+          <p:cNvPr id="58" name="Arrow: Left-Right 31">
+            <a:extLst>
+              <a:ext uri="{FF2B5EF4-FFF2-40B4-BE49-F238E27FC236}">
+                <a16:creationId xmlns:a16="http://schemas.microsoft.com/office/drawing/2014/main" id="{50C7562A-7C61-9E42-BEF7-B2FBB7E9AC2B}"/>
+              </a:ext>
+            </a:extLst>
+          </p:cNvPr>
+          <p:cNvSpPr/>
+          <p:nvPr/>
+        </p:nvSpPr>
+        <p:spPr>
+          <a:xfrm>
+            <a:off x="5333164" y="1214019"/>
+            <a:ext cx="1261957" cy="258852"/>
+          </a:xfrm>
+          <a:prstGeom prst="leftRightArrow">
+            <a:avLst/>
+          </a:prstGeom>
+          <a:solidFill>
+            <a:srgbClr val="B0DDF2"/>
+          </a:solidFill>
+          <a:ln w="19050">
+            <a:solidFill>
+              <a:schemeClr val="tx1"/>
+            </a:solidFill>
+          </a:ln>
+        </p:spPr>
+        <p:style>
+          <a:lnRef idx="2">
+            <a:schemeClr val="accent1">
+              <a:shade val="50000"/>
+            </a:schemeClr>
+          </a:lnRef>
+          <a:fillRef idx="1">
+            <a:schemeClr val="accent1"/>
+          </a:fillRef>
+          <a:effectRef idx="0">
+            <a:schemeClr val="accent1"/>
+          </a:effectRef>
+          <a:fontRef idx="minor">
+            <a:schemeClr val="lt1"/>
+          </a:fontRef>
+        </p:style>
+        <p:txBody>
+          <a:bodyPr rtlCol="0" anchor="ctr"/>
+          <a:lstStyle/>
+          <a:p>
+            <a:pPr algn="ctr"/>
+            <a:endParaRPr lang="en-US" sz="2000"/>
+          </a:p>
+        </p:txBody>
+      </p:sp>
+      <p:sp>
+        <p:nvSpPr>
+          <p:cNvPr id="67" name="TextBox 66">
+            <a:extLst>
+              <a:ext uri="{FF2B5EF4-FFF2-40B4-BE49-F238E27FC236}">
+                <a16:creationId xmlns:a16="http://schemas.microsoft.com/office/drawing/2014/main" id="{89B5B1E2-7221-5C41-AFD8-79C42182E21B}"/>
+              </a:ext>
+            </a:extLst>
+          </p:cNvPr>
+          <p:cNvSpPr txBox="1"/>
+          <p:nvPr/>
+        </p:nvSpPr>
+        <p:spPr>
+          <a:xfrm>
+            <a:off x="5305414" y="1470413"/>
+            <a:ext cx="1317456" cy="707886"/>
+          </a:xfrm>
+          <a:prstGeom prst="rect">
+            <a:avLst/>
+          </a:prstGeom>
+          <a:noFill/>
+        </p:spPr>
+        <p:txBody>
+          <a:bodyPr wrap="square" rtlCol="0">
+            <a:spAutoFit/>
+          </a:bodyPr>
+          <a:lstStyle/>
+          <a:p>
+            <a:pPr algn="ctr"/>
+            <a:r>
+              <a:rPr lang="en-US" altLang="zh-CN" sz="2000" dirty="0"/>
+              <a:t>API</a:t>
+            </a:r>
+            <a:r>
+              <a:rPr lang="en-US" sz="2000" dirty="0"/>
+              <a:t> command</a:t>
+            </a:r>
+          </a:p>
+        </p:txBody>
+      </p:sp>
+      <p:sp>
+        <p:nvSpPr>
+          <p:cNvPr id="68" name="TextBox 67">
+            <a:extLst>
+              <a:ext uri="{FF2B5EF4-FFF2-40B4-BE49-F238E27FC236}">
+                <a16:creationId xmlns:a16="http://schemas.microsoft.com/office/drawing/2014/main" id="{B5AFA252-8E64-6341-BF3A-6362A3C2F889}"/>
+              </a:ext>
+            </a:extLst>
+          </p:cNvPr>
+          <p:cNvSpPr txBox="1"/>
+          <p:nvPr/>
+        </p:nvSpPr>
+        <p:spPr>
+          <a:xfrm>
+            <a:off x="8215956" y="1536195"/>
+            <a:ext cx="1374882" cy="1015663"/>
+          </a:xfrm>
+          <a:prstGeom prst="rect">
+            <a:avLst/>
+          </a:prstGeom>
+          <a:noFill/>
+        </p:spPr>
+        <p:txBody>
+          <a:bodyPr wrap="square" rtlCol="0">
+            <a:spAutoFit/>
+          </a:bodyPr>
+          <a:lstStyle/>
+          <a:p>
+            <a:pPr algn="ctr"/>
+            <a:r>
+              <a:rPr lang="en-US" sz="2000" dirty="0"/>
+              <a:t>CTA command</a:t>
+            </a:r>
+          </a:p>
+          <a:p>
+            <a:endParaRPr lang="en-US" sz="2000" dirty="0"/>
+          </a:p>
+        </p:txBody>
+      </p:sp>
+      <p:sp>
+        <p:nvSpPr>
+          <p:cNvPr id="71" name="Arrow: Left-Right 31">
+            <a:extLst>
+              <a:ext uri="{FF2B5EF4-FFF2-40B4-BE49-F238E27FC236}">
+                <a16:creationId xmlns:a16="http://schemas.microsoft.com/office/drawing/2014/main" id="{6C55F45A-E80B-6642-9666-37D0E47D4D26}"/>
+              </a:ext>
+            </a:extLst>
+          </p:cNvPr>
+          <p:cNvSpPr/>
+          <p:nvPr/>
+        </p:nvSpPr>
+        <p:spPr>
+          <a:xfrm>
+            <a:off x="8296464" y="1214019"/>
+            <a:ext cx="1210845" cy="303377"/>
+          </a:xfrm>
+          <a:prstGeom prst="leftRightArrow">
+            <a:avLst/>
+          </a:prstGeom>
+          <a:solidFill>
+            <a:srgbClr val="B0DDF2"/>
+          </a:solidFill>
+          <a:ln w="19050">
+            <a:solidFill>
+              <a:schemeClr val="tx1"/>
+            </a:solidFill>
+          </a:ln>
+        </p:spPr>
+        <p:style>
+          <a:lnRef idx="2">
+            <a:schemeClr val="accent1">
+              <a:shade val="50000"/>
+            </a:schemeClr>
+          </a:lnRef>
+          <a:fillRef idx="1">
+            <a:schemeClr val="accent1"/>
+          </a:fillRef>
+          <a:effectRef idx="0">
+            <a:schemeClr val="accent1"/>
+          </a:effectRef>
+          <a:fontRef idx="minor">
+            <a:schemeClr val="lt1"/>
+          </a:fontRef>
+        </p:style>
+        <p:txBody>
+          <a:bodyPr rtlCol="0" anchor="ctr"/>
+          <a:lstStyle/>
+          <a:p>
+            <a:pPr algn="ctr"/>
+            <a:endParaRPr lang="en-US" sz="2000"/>
+          </a:p>
+        </p:txBody>
+      </p:sp>
+      <p:sp>
+        <p:nvSpPr>
+          <p:cNvPr id="22" name="Rounded Rectangle 21">
+            <a:extLst>
+              <a:ext uri="{FF2B5EF4-FFF2-40B4-BE49-F238E27FC236}">
+                <a16:creationId xmlns:a16="http://schemas.microsoft.com/office/drawing/2014/main" id="{8FABE294-9C11-DB40-93A8-0C1C531F6012}"/>
+              </a:ext>
+            </a:extLst>
+          </p:cNvPr>
+          <p:cNvSpPr/>
+          <p:nvPr/>
+        </p:nvSpPr>
+        <p:spPr>
+          <a:xfrm>
+            <a:off x="6615481" y="840460"/>
+            <a:ext cx="1680983" cy="1337839"/>
+          </a:xfrm>
+          <a:prstGeom prst="roundRect">
+            <a:avLst/>
+          </a:prstGeom>
+          <a:solidFill>
+            <a:srgbClr val="13D2FF"/>
+          </a:solidFill>
+          <a:ln w="19050">
+            <a:solidFill>
+              <a:schemeClr val="tx1"/>
+            </a:solidFill>
+          </a:ln>
+        </p:spPr>
+        <p:style>
+          <a:lnRef idx="2">
+            <a:schemeClr val="accent1">
+              <a:shade val="50000"/>
+            </a:schemeClr>
+          </a:lnRef>
+          <a:fillRef idx="1">
+            <a:schemeClr val="accent1"/>
+          </a:fillRef>
+          <a:effectRef idx="0">
+            <a:schemeClr val="accent1"/>
+          </a:effectRef>
+          <a:fontRef idx="minor">
+            <a:schemeClr val="lt1"/>
+          </a:fontRef>
+        </p:style>
+        <p:txBody>
+          <a:bodyPr rtlCol="0" anchor="ctr"/>
+          <a:lstStyle/>
+          <a:p>
+            <a:pPr algn="ctr"/>
+            <a:r>
+              <a:rPr lang="en-US" sz="2000" dirty="0">
+                <a:solidFill>
+                  <a:schemeClr val="tx1"/>
+                </a:solidFill>
+              </a:rPr>
+              <a:t>GPUSched</a:t>
+            </a:r>
+          </a:p>
+        </p:txBody>
+      </p:sp>
+      <p:sp>
+        <p:nvSpPr>
+          <p:cNvPr id="23" name="Rounded Rectangle 22">
+            <a:extLst>
+              <a:ext uri="{FF2B5EF4-FFF2-40B4-BE49-F238E27FC236}">
+                <a16:creationId xmlns:a16="http://schemas.microsoft.com/office/drawing/2014/main" id="{99FCAE7D-AD1D-424A-8FA8-C0F8C0FF5492}"/>
+              </a:ext>
+            </a:extLst>
+          </p:cNvPr>
+          <p:cNvSpPr/>
+          <p:nvPr/>
+        </p:nvSpPr>
+        <p:spPr>
+          <a:xfrm>
+            <a:off x="9512968" y="953744"/>
+            <a:ext cx="1680983" cy="1337839"/>
+          </a:xfrm>
+          <a:prstGeom prst="roundRect">
+            <a:avLst/>
+          </a:prstGeom>
+          <a:solidFill>
+            <a:srgbClr val="13D2FF"/>
+          </a:solidFill>
+          <a:ln w="19050">
+            <a:solidFill>
+              <a:schemeClr val="tx1"/>
+            </a:solidFill>
+          </a:ln>
+        </p:spPr>
+        <p:style>
+          <a:lnRef idx="2">
+            <a:schemeClr val="accent1">
+              <a:shade val="50000"/>
+            </a:schemeClr>
+          </a:lnRef>
+          <a:fillRef idx="1">
+            <a:schemeClr val="accent1"/>
+          </a:fillRef>
+          <a:effectRef idx="0">
+            <a:schemeClr val="accent1"/>
+          </a:effectRef>
+          <a:fontRef idx="minor">
+            <a:schemeClr val="lt1"/>
+          </a:fontRef>
+        </p:style>
+        <p:txBody>
+          <a:bodyPr rtlCol="0" anchor="t"/>
+          <a:lstStyle/>
+          <a:p>
+            <a:pPr algn="ctr"/>
+            <a:r>
+              <a:rPr lang="en-US" altLang="zh-CN" sz="2000" dirty="0">
+                <a:solidFill>
+                  <a:schemeClr val="tx1"/>
+                </a:solidFill>
+              </a:rPr>
+              <a:t>SM</a:t>
+            </a:r>
+            <a:r>
+              <a:rPr lang="zh-CN" altLang="en-US" sz="2000" dirty="0">
+                <a:solidFill>
+                  <a:schemeClr val="tx1"/>
+                </a:solidFill>
+              </a:rPr>
+              <a:t> </a:t>
+            </a:r>
+            <a:r>
+              <a:rPr lang="en-US" altLang="zh-CN" sz="2000" dirty="0">
+                <a:solidFill>
+                  <a:schemeClr val="tx1"/>
+                </a:solidFill>
+              </a:rPr>
+              <a:t>blob</a:t>
+            </a:r>
+            <a:endParaRPr lang="en-US" sz="2000" dirty="0">
+              <a:solidFill>
+                <a:schemeClr val="tx1"/>
+              </a:solidFill>
+            </a:endParaRPr>
+          </a:p>
+        </p:txBody>
+      </p:sp>
+      <p:sp>
+        <p:nvSpPr>
+          <p:cNvPr id="15" name="Rounded Rectangle 14">
+            <a:extLst>
+              <a:ext uri="{FF2B5EF4-FFF2-40B4-BE49-F238E27FC236}">
+                <a16:creationId xmlns:a16="http://schemas.microsoft.com/office/drawing/2014/main" id="{3354DF32-9700-754E-B106-0561C1EB56BC}"/>
+              </a:ext>
+            </a:extLst>
+          </p:cNvPr>
+          <p:cNvSpPr/>
+          <p:nvPr/>
+        </p:nvSpPr>
+        <p:spPr>
+          <a:xfrm>
+            <a:off x="399470" y="840460"/>
+            <a:ext cx="1811747" cy="1337839"/>
+          </a:xfrm>
+          <a:prstGeom prst="roundRect">
+            <a:avLst/>
+          </a:prstGeom>
+          <a:solidFill>
+            <a:srgbClr val="13D2FF"/>
+          </a:solidFill>
+          <a:ln w="19050">
+            <a:solidFill>
+              <a:schemeClr val="tx1"/>
+            </a:solidFill>
+          </a:ln>
+        </p:spPr>
+        <p:style>
+          <a:lnRef idx="2">
+            <a:schemeClr val="accent1">
+              <a:shade val="50000"/>
+            </a:schemeClr>
+          </a:lnRef>
+          <a:fillRef idx="1">
+            <a:schemeClr val="accent1"/>
+          </a:fillRef>
+          <a:effectRef idx="0">
+            <a:schemeClr val="accent1"/>
+          </a:effectRef>
+          <a:fontRef idx="minor">
+            <a:schemeClr val="lt1"/>
+          </a:fontRef>
+        </p:style>
+        <p:txBody>
+          <a:bodyPr rtlCol="0" anchor="t"/>
+          <a:lstStyle/>
+          <a:p>
+            <a:pPr algn="ctr"/>
+            <a:r>
+              <a:rPr lang="en-US" altLang="zh-CN" sz="2000" dirty="0">
+                <a:solidFill>
+                  <a:schemeClr val="tx1"/>
+                </a:solidFill>
+              </a:rPr>
+              <a:t>PIN</a:t>
+            </a:r>
+            <a:r>
+              <a:rPr lang="zh-CN" altLang="en-US" sz="2000" dirty="0">
+                <a:solidFill>
+                  <a:schemeClr val="tx1"/>
+                </a:solidFill>
+              </a:rPr>
+              <a:t> </a:t>
+            </a:r>
+            <a:r>
+              <a:rPr lang="en-US" altLang="zh-CN" sz="2000" dirty="0">
+                <a:solidFill>
+                  <a:schemeClr val="tx1"/>
+                </a:solidFill>
+              </a:rPr>
+              <a:t>trace</a:t>
+            </a:r>
+            <a:r>
+              <a:rPr lang="zh-CN" altLang="en-US" sz="2000" dirty="0">
+                <a:solidFill>
+                  <a:schemeClr val="tx1"/>
+                </a:solidFill>
+              </a:rPr>
+              <a:t> </a:t>
+            </a:r>
+            <a:r>
+              <a:rPr lang="en-US" altLang="zh-CN" sz="2000" dirty="0">
+                <a:solidFill>
+                  <a:schemeClr val="tx1"/>
+                </a:solidFill>
+              </a:rPr>
+              <a:t>Lib</a:t>
+            </a:r>
+            <a:endParaRPr lang="en-US" sz="2000" dirty="0">
+              <a:solidFill>
+                <a:schemeClr val="tx1"/>
+              </a:solidFill>
+            </a:endParaRPr>
+          </a:p>
+        </p:txBody>
+      </p:sp>
+      <p:sp>
+        <p:nvSpPr>
+          <p:cNvPr id="16" name="Rectangle 15">
+            <a:extLst>
+              <a:ext uri="{FF2B5EF4-FFF2-40B4-BE49-F238E27FC236}">
+                <a16:creationId xmlns:a16="http://schemas.microsoft.com/office/drawing/2014/main" id="{8CF5D9C0-8543-E04B-9570-C3CA3542A3E8}"/>
+              </a:ext>
+            </a:extLst>
+          </p:cNvPr>
+          <p:cNvSpPr/>
+          <p:nvPr/>
+        </p:nvSpPr>
+        <p:spPr>
+          <a:xfrm>
+            <a:off x="809717" y="1460167"/>
+            <a:ext cx="964096" cy="586408"/>
+          </a:xfrm>
+          <a:prstGeom prst="rect">
+            <a:avLst/>
+          </a:prstGeom>
+          <a:solidFill>
+            <a:schemeClr val="accent2">
+              <a:lumMod val="60000"/>
+              <a:lumOff val="40000"/>
+            </a:schemeClr>
+          </a:solidFill>
+          <a:ln w="38100">
+            <a:solidFill>
+              <a:schemeClr val="tx1"/>
+            </a:solidFill>
+          </a:ln>
+        </p:spPr>
+        <p:style>
+          <a:lnRef idx="2">
+            <a:schemeClr val="accent2">
+              <a:shade val="50000"/>
+            </a:schemeClr>
+          </a:lnRef>
+          <a:fillRef idx="1">
+            <a:schemeClr val="accent2"/>
+          </a:fillRef>
+          <a:effectRef idx="0">
+            <a:schemeClr val="accent2"/>
+          </a:effectRef>
+          <a:fontRef idx="minor">
+            <a:schemeClr val="lt1"/>
+          </a:fontRef>
+        </p:style>
+        <p:txBody>
+          <a:bodyPr rtlCol="0" anchor="ctr"/>
+          <a:lstStyle/>
+          <a:p>
+            <a:pPr algn="ctr"/>
+            <a:r>
+              <a:rPr lang="en-US" altLang="zh-CN" sz="2000" dirty="0">
+                <a:solidFill>
+                  <a:schemeClr val="tx1"/>
+                </a:solidFill>
+              </a:rPr>
+              <a:t>App</a:t>
+            </a:r>
+            <a:endParaRPr lang="en-US" sz="2000" dirty="0">
+              <a:solidFill>
+                <a:schemeClr val="tx1"/>
+              </a:solidFill>
+            </a:endParaRPr>
+          </a:p>
+        </p:txBody>
+      </p:sp>
+      <p:sp>
+        <p:nvSpPr>
+          <p:cNvPr id="17" name="Rounded Rectangle 16">
+            <a:extLst>
+              <a:ext uri="{FF2B5EF4-FFF2-40B4-BE49-F238E27FC236}">
+                <a16:creationId xmlns:a16="http://schemas.microsoft.com/office/drawing/2014/main" id="{B1E18E69-D67D-0B4A-AB51-233750BA34B7}"/>
+              </a:ext>
+            </a:extLst>
+          </p:cNvPr>
+          <p:cNvSpPr/>
+          <p:nvPr/>
+        </p:nvSpPr>
+        <p:spPr>
+          <a:xfrm>
+            <a:off x="3950043" y="3657600"/>
+            <a:ext cx="2875446" cy="1479300"/>
+          </a:xfrm>
+          <a:prstGeom prst="roundRect">
+            <a:avLst>
+              <a:gd name="adj" fmla="val 7808"/>
+            </a:avLst>
+          </a:prstGeom>
+          <a:solidFill>
+            <a:srgbClr val="CBE5FF"/>
+          </a:solidFill>
+          <a:ln w="19050">
+            <a:solidFill>
+              <a:schemeClr val="tx1"/>
+            </a:solidFill>
+          </a:ln>
+        </p:spPr>
+        <p:style>
+          <a:lnRef idx="2">
+            <a:schemeClr val="accent1">
+              <a:shade val="50000"/>
+            </a:schemeClr>
+          </a:lnRef>
+          <a:fillRef idx="1">
+            <a:schemeClr val="accent1"/>
+          </a:fillRef>
+          <a:effectRef idx="0">
+            <a:schemeClr val="accent1"/>
+          </a:effectRef>
+          <a:fontRef idx="minor">
+            <a:schemeClr val="lt1"/>
+          </a:fontRef>
+        </p:style>
+        <p:txBody>
+          <a:bodyPr rtlCol="0" anchor="ctr"/>
+          <a:lstStyle/>
+          <a:p>
+            <a:pPr algn="ctr"/>
+            <a:r>
+              <a:rPr lang="en-US" altLang="zh-CN" sz="2000" dirty="0">
+                <a:solidFill>
+                  <a:schemeClr val="tx1"/>
+                </a:solidFill>
+              </a:rPr>
+              <a:t>CPU</a:t>
+            </a:r>
+            <a:r>
+              <a:rPr lang="zh-CN" altLang="en-US" sz="2000" dirty="0">
+                <a:solidFill>
+                  <a:schemeClr val="tx1"/>
+                </a:solidFill>
+              </a:rPr>
+              <a:t> </a:t>
+            </a:r>
+            <a:r>
+              <a:rPr lang="en-US" altLang="zh-CN" sz="2000" dirty="0">
+                <a:solidFill>
+                  <a:schemeClr val="tx1"/>
+                </a:solidFill>
+              </a:rPr>
+              <a:t>memory</a:t>
+            </a:r>
+            <a:endParaRPr lang="en-US" sz="2000" dirty="0">
+              <a:solidFill>
+                <a:schemeClr val="tx1"/>
+              </a:solidFill>
+            </a:endParaRPr>
+          </a:p>
+        </p:txBody>
+      </p:sp>
+      <p:sp>
+        <p:nvSpPr>
+          <p:cNvPr id="18" name="Rounded Rectangle 17">
+            <a:extLst>
+              <a:ext uri="{FF2B5EF4-FFF2-40B4-BE49-F238E27FC236}">
+                <a16:creationId xmlns:a16="http://schemas.microsoft.com/office/drawing/2014/main" id="{4414A960-CFE1-A34E-A2BF-2BD3AC1ADF42}"/>
+              </a:ext>
+            </a:extLst>
+          </p:cNvPr>
+          <p:cNvSpPr/>
+          <p:nvPr/>
+        </p:nvSpPr>
+        <p:spPr>
+          <a:xfrm>
+            <a:off x="7455971" y="3657600"/>
+            <a:ext cx="3324323" cy="1544968"/>
+          </a:xfrm>
+          <a:prstGeom prst="roundRect">
+            <a:avLst>
+              <a:gd name="adj" fmla="val 7808"/>
+            </a:avLst>
+          </a:prstGeom>
+          <a:solidFill>
+            <a:srgbClr val="CBE5FF"/>
+          </a:solidFill>
+          <a:ln w="19050">
+            <a:solidFill>
+              <a:schemeClr val="tx1"/>
+            </a:solidFill>
+          </a:ln>
+        </p:spPr>
+        <p:style>
+          <a:lnRef idx="2">
+            <a:schemeClr val="accent1">
+              <a:shade val="50000"/>
+            </a:schemeClr>
+          </a:lnRef>
+          <a:fillRef idx="1">
+            <a:schemeClr val="accent1"/>
+          </a:fillRef>
+          <a:effectRef idx="0">
+            <a:schemeClr val="accent1"/>
+          </a:effectRef>
+          <a:fontRef idx="minor">
+            <a:schemeClr val="lt1"/>
+          </a:fontRef>
+        </p:style>
+        <p:txBody>
+          <a:bodyPr rtlCol="0" anchor="ctr"/>
+          <a:lstStyle/>
+          <a:p>
+            <a:pPr algn="ctr"/>
+            <a:r>
+              <a:rPr lang="en-US" altLang="zh-CN" sz="2000" dirty="0">
+                <a:solidFill>
+                  <a:schemeClr val="tx1"/>
+                </a:solidFill>
+              </a:rPr>
+              <a:t>GPU</a:t>
+            </a:r>
+            <a:r>
+              <a:rPr lang="zh-CN" altLang="en-US" sz="2000" dirty="0">
+                <a:solidFill>
+                  <a:schemeClr val="tx1"/>
+                </a:solidFill>
+              </a:rPr>
+              <a:t> </a:t>
+            </a:r>
+            <a:r>
+              <a:rPr lang="en-US" altLang="zh-CN" sz="2000" dirty="0">
+                <a:solidFill>
+                  <a:schemeClr val="tx1"/>
+                </a:solidFill>
+              </a:rPr>
+              <a:t>memory</a:t>
+            </a:r>
+            <a:endParaRPr lang="en-US" sz="2000" dirty="0">
+              <a:solidFill>
+                <a:schemeClr val="tx1"/>
+              </a:solidFill>
+            </a:endParaRPr>
+          </a:p>
+        </p:txBody>
+      </p:sp>
+      <p:sp>
+        <p:nvSpPr>
+          <p:cNvPr id="20" name="Arrow: Left-Right 31">
+            <a:extLst>
+              <a:ext uri="{FF2B5EF4-FFF2-40B4-BE49-F238E27FC236}">
+                <a16:creationId xmlns:a16="http://schemas.microsoft.com/office/drawing/2014/main" id="{90D01C4A-63EE-0E4E-A9E1-3D2B938853A5}"/>
+              </a:ext>
+            </a:extLst>
+          </p:cNvPr>
+          <p:cNvSpPr/>
+          <p:nvPr/>
+        </p:nvSpPr>
+        <p:spPr>
+          <a:xfrm>
+            <a:off x="2228713" y="1132900"/>
+            <a:ext cx="1261957" cy="258852"/>
+          </a:xfrm>
+          <a:prstGeom prst="leftRightArrow">
+            <a:avLst/>
+          </a:prstGeom>
+          <a:solidFill>
+            <a:srgbClr val="B0DDF2"/>
+          </a:solidFill>
+          <a:ln w="19050">
+            <a:solidFill>
+              <a:schemeClr val="tx1"/>
+            </a:solidFill>
+          </a:ln>
+        </p:spPr>
+        <p:style>
+          <a:lnRef idx="2">
+            <a:schemeClr val="accent1">
+              <a:shade val="50000"/>
+            </a:schemeClr>
+          </a:lnRef>
+          <a:fillRef idx="1">
+            <a:schemeClr val="accent1"/>
+          </a:fillRef>
+          <a:effectRef idx="0">
+            <a:schemeClr val="accent1"/>
+          </a:effectRef>
+          <a:fontRef idx="minor">
+            <a:schemeClr val="lt1"/>
+          </a:fontRef>
+        </p:style>
+        <p:txBody>
+          <a:bodyPr rtlCol="0" anchor="ctr"/>
+          <a:lstStyle/>
+          <a:p>
+            <a:pPr algn="ctr"/>
+            <a:endParaRPr lang="en-US" sz="2000"/>
+          </a:p>
+        </p:txBody>
+      </p:sp>
+      <p:sp>
+        <p:nvSpPr>
+          <p:cNvPr id="29" name="TextBox 28">
+            <a:extLst>
+              <a:ext uri="{FF2B5EF4-FFF2-40B4-BE49-F238E27FC236}">
+                <a16:creationId xmlns:a16="http://schemas.microsoft.com/office/drawing/2014/main" id="{E851C819-306C-B147-BC00-6074C2D8E1D5}"/>
+              </a:ext>
+            </a:extLst>
+          </p:cNvPr>
+          <p:cNvSpPr txBox="1"/>
+          <p:nvPr/>
+        </p:nvSpPr>
+        <p:spPr>
+          <a:xfrm>
+            <a:off x="2216876" y="486517"/>
+            <a:ext cx="1317456" cy="707886"/>
+          </a:xfrm>
+          <a:prstGeom prst="rect">
+            <a:avLst/>
+          </a:prstGeom>
+          <a:noFill/>
+        </p:spPr>
+        <p:txBody>
+          <a:bodyPr wrap="square" rtlCol="0">
+            <a:spAutoFit/>
+          </a:bodyPr>
+          <a:lstStyle/>
+          <a:p>
+            <a:pPr algn="ctr"/>
+            <a:r>
+              <a:rPr lang="en-US" altLang="zh-CN" sz="2000" dirty="0"/>
+              <a:t>API</a:t>
+            </a:r>
+            <a:r>
+              <a:rPr lang="en-US" sz="2000" dirty="0"/>
+              <a:t> command</a:t>
+            </a:r>
+          </a:p>
+        </p:txBody>
+      </p:sp>
+      <p:cxnSp>
+        <p:nvCxnSpPr>
+          <p:cNvPr id="30" name="Straight Arrow Connector 29">
+            <a:extLst>
+              <a:ext uri="{FF2B5EF4-FFF2-40B4-BE49-F238E27FC236}">
+                <a16:creationId xmlns:a16="http://schemas.microsoft.com/office/drawing/2014/main" id="{67BD0AD6-FD70-B14C-8654-BB1FC6186172}"/>
+              </a:ext>
+            </a:extLst>
+          </p:cNvPr>
+          <p:cNvCxnSpPr>
+            <a:cxnSpLocks/>
+          </p:cNvCxnSpPr>
+          <p:nvPr/>
+        </p:nvCxnSpPr>
+        <p:spPr>
+          <a:xfrm>
+            <a:off x="2211217" y="1753076"/>
+            <a:ext cx="1323115" cy="0"/>
+          </a:xfrm>
+          <a:prstGeom prst="straightConnector1">
+            <a:avLst/>
+          </a:prstGeom>
+          <a:ln w="38100">
+            <a:solidFill>
+              <a:schemeClr val="tx1"/>
+            </a:solidFill>
+            <a:headEnd type="triangle" w="med" len="med"/>
+            <a:tailEnd type="triangle" w="med" len="med"/>
+          </a:ln>
+        </p:spPr>
+        <p:style>
+          <a:lnRef idx="1">
+            <a:schemeClr val="accent1"/>
+          </a:lnRef>
+          <a:fillRef idx="0">
+            <a:schemeClr val="accent1"/>
+          </a:fillRef>
+          <a:effectRef idx="0">
+            <a:schemeClr val="accent1"/>
+          </a:effectRef>
+          <a:fontRef idx="minor">
+            <a:schemeClr val="tx1"/>
+          </a:fontRef>
+        </p:style>
+      </p:cxnSp>
+      <p:sp>
+        <p:nvSpPr>
+          <p:cNvPr id="31" name="TextBox 30">
+            <a:extLst>
+              <a:ext uri="{FF2B5EF4-FFF2-40B4-BE49-F238E27FC236}">
+                <a16:creationId xmlns:a16="http://schemas.microsoft.com/office/drawing/2014/main" id="{659D5434-8CC1-BC4E-B325-6DF67C8EDEAC}"/>
+              </a:ext>
+            </a:extLst>
+          </p:cNvPr>
+          <p:cNvSpPr txBox="1"/>
+          <p:nvPr/>
+        </p:nvSpPr>
+        <p:spPr>
+          <a:xfrm>
+            <a:off x="2173214" y="1905829"/>
+            <a:ext cx="1317456" cy="400110"/>
+          </a:xfrm>
+          <a:prstGeom prst="rect">
+            <a:avLst/>
+          </a:prstGeom>
+          <a:noFill/>
+        </p:spPr>
+        <p:txBody>
+          <a:bodyPr wrap="square" rtlCol="0">
+            <a:spAutoFit/>
+          </a:bodyPr>
+          <a:lstStyle/>
+          <a:p>
+            <a:pPr algn="ctr"/>
+            <a:r>
+              <a:rPr lang="en-US" altLang="zh-CN" sz="2000" dirty="0"/>
+              <a:t>4KiB</a:t>
+            </a:r>
+            <a:r>
+              <a:rPr lang="zh-CN" altLang="en-US" sz="2000" dirty="0"/>
+              <a:t> </a:t>
+            </a:r>
+            <a:r>
+              <a:rPr lang="en-US" altLang="zh-CN" sz="2000" dirty="0"/>
+              <a:t>size</a:t>
+            </a:r>
+            <a:endParaRPr lang="en-US" sz="2000" dirty="0"/>
+          </a:p>
+        </p:txBody>
+      </p:sp>
+      <p:cxnSp>
+        <p:nvCxnSpPr>
+          <p:cNvPr id="32" name="Straight Arrow Connector 31">
+            <a:extLst>
+              <a:ext uri="{FF2B5EF4-FFF2-40B4-BE49-F238E27FC236}">
+                <a16:creationId xmlns:a16="http://schemas.microsoft.com/office/drawing/2014/main" id="{3DD59588-80F4-284C-B1EB-A646C1EB6ADB}"/>
+              </a:ext>
+            </a:extLst>
+          </p:cNvPr>
+          <p:cNvCxnSpPr>
+            <a:cxnSpLocks/>
+            <a:stCxn id="21" idx="2"/>
+          </p:cNvCxnSpPr>
+          <p:nvPr/>
+        </p:nvCxnSpPr>
+        <p:spPr>
+          <a:xfrm>
+            <a:off x="4432090" y="1917385"/>
+            <a:ext cx="1098038" cy="1740214"/>
+          </a:xfrm>
+          <a:prstGeom prst="straightConnector1">
+            <a:avLst/>
+          </a:prstGeom>
+          <a:ln w="38100">
+            <a:solidFill>
+              <a:schemeClr val="tx1"/>
+            </a:solidFill>
+            <a:headEnd type="triangle" w="med" len="med"/>
+            <a:tailEnd type="triangle" w="med" len="med"/>
+          </a:ln>
+        </p:spPr>
+        <p:style>
+          <a:lnRef idx="1">
+            <a:schemeClr val="accent1"/>
+          </a:lnRef>
+          <a:fillRef idx="0">
+            <a:schemeClr val="accent1"/>
+          </a:fillRef>
+          <a:effectRef idx="0">
+            <a:schemeClr val="accent1"/>
+          </a:effectRef>
+          <a:fontRef idx="minor">
+            <a:schemeClr val="tx1"/>
+          </a:fontRef>
+        </p:style>
+      </p:cxnSp>
+      <p:cxnSp>
+        <p:nvCxnSpPr>
+          <p:cNvPr id="33" name="Straight Arrow Connector 32">
+            <a:extLst>
+              <a:ext uri="{FF2B5EF4-FFF2-40B4-BE49-F238E27FC236}">
+                <a16:creationId xmlns:a16="http://schemas.microsoft.com/office/drawing/2014/main" id="{37DD49D4-80E7-D74F-B1D3-A64EFE7D419F}"/>
+              </a:ext>
+            </a:extLst>
+          </p:cNvPr>
+          <p:cNvCxnSpPr>
+            <a:cxnSpLocks/>
+            <a:stCxn id="22" idx="2"/>
+          </p:cNvCxnSpPr>
+          <p:nvPr/>
+        </p:nvCxnSpPr>
+        <p:spPr>
+          <a:xfrm flipH="1">
+            <a:off x="5535787" y="2178299"/>
+            <a:ext cx="1920186" cy="1479300"/>
+          </a:xfrm>
+          <a:prstGeom prst="straightConnector1">
+            <a:avLst/>
+          </a:prstGeom>
+          <a:ln w="38100">
+            <a:solidFill>
+              <a:schemeClr val="tx1"/>
+            </a:solidFill>
+            <a:headEnd type="triangle" w="med" len="med"/>
+            <a:tailEnd type="triangle" w="med" len="med"/>
+          </a:ln>
+        </p:spPr>
+        <p:style>
+          <a:lnRef idx="1">
+            <a:schemeClr val="accent1"/>
+          </a:lnRef>
+          <a:fillRef idx="0">
+            <a:schemeClr val="accent1"/>
+          </a:fillRef>
+          <a:effectRef idx="0">
+            <a:schemeClr val="accent1"/>
+          </a:effectRef>
+          <a:fontRef idx="minor">
+            <a:schemeClr val="tx1"/>
+          </a:fontRef>
+        </p:style>
+      </p:cxnSp>
+      <p:cxnSp>
+        <p:nvCxnSpPr>
+          <p:cNvPr id="35" name="Straight Arrow Connector 34">
+            <a:extLst>
+              <a:ext uri="{FF2B5EF4-FFF2-40B4-BE49-F238E27FC236}">
+                <a16:creationId xmlns:a16="http://schemas.microsoft.com/office/drawing/2014/main" id="{3C79CF14-F190-D54B-96F3-4EA7AE150A35}"/>
+              </a:ext>
+            </a:extLst>
+          </p:cNvPr>
+          <p:cNvCxnSpPr>
+            <a:cxnSpLocks/>
+            <a:stCxn id="22" idx="2"/>
+            <a:endCxn id="18" idx="0"/>
+          </p:cNvCxnSpPr>
+          <p:nvPr/>
+        </p:nvCxnSpPr>
+        <p:spPr>
+          <a:xfrm>
+            <a:off x="7455973" y="2178299"/>
+            <a:ext cx="1662160" cy="1479301"/>
+          </a:xfrm>
+          <a:prstGeom prst="straightConnector1">
+            <a:avLst/>
+          </a:prstGeom>
+          <a:ln w="38100">
+            <a:solidFill>
+              <a:schemeClr val="tx1"/>
+            </a:solidFill>
+            <a:headEnd type="triangle" w="med" len="med"/>
+            <a:tailEnd type="triangle" w="med" len="med"/>
+          </a:ln>
+        </p:spPr>
+        <p:style>
+          <a:lnRef idx="1">
+            <a:schemeClr val="accent1"/>
+          </a:lnRef>
+          <a:fillRef idx="0">
+            <a:schemeClr val="accent1"/>
+          </a:fillRef>
+          <a:effectRef idx="0">
+            <a:schemeClr val="accent1"/>
+          </a:effectRef>
+          <a:fontRef idx="minor">
+            <a:schemeClr val="tx1"/>
+          </a:fontRef>
+        </p:style>
+      </p:cxnSp>
+      <p:cxnSp>
+        <p:nvCxnSpPr>
+          <p:cNvPr id="38" name="Straight Arrow Connector 37">
+            <a:extLst>
+              <a:ext uri="{FF2B5EF4-FFF2-40B4-BE49-F238E27FC236}">
+                <a16:creationId xmlns:a16="http://schemas.microsoft.com/office/drawing/2014/main" id="{372A9C89-F0E4-1C4C-853E-50C63918CC28}"/>
+              </a:ext>
+            </a:extLst>
+          </p:cNvPr>
+          <p:cNvCxnSpPr>
+            <a:cxnSpLocks/>
+            <a:stCxn id="23" idx="2"/>
+            <a:endCxn id="18" idx="0"/>
+          </p:cNvCxnSpPr>
+          <p:nvPr/>
+        </p:nvCxnSpPr>
+        <p:spPr>
+          <a:xfrm flipH="1">
+            <a:off x="9118133" y="2291583"/>
+            <a:ext cx="1235327" cy="1366017"/>
+          </a:xfrm>
+          <a:prstGeom prst="straightConnector1">
+            <a:avLst/>
+          </a:prstGeom>
+          <a:ln w="38100">
+            <a:solidFill>
+              <a:schemeClr val="tx1"/>
+            </a:solidFill>
+            <a:headEnd type="triangle" w="med" len="med"/>
+            <a:tailEnd type="triangle" w="med" len="med"/>
+          </a:ln>
+        </p:spPr>
+        <p:style>
+          <a:lnRef idx="1">
+            <a:schemeClr val="accent1"/>
+          </a:lnRef>
+          <a:fillRef idx="0">
+            <a:schemeClr val="accent1"/>
+          </a:fillRef>
+          <a:effectRef idx="0">
+            <a:schemeClr val="accent1"/>
+          </a:effectRef>
+          <a:fontRef idx="minor">
+            <a:schemeClr val="tx1"/>
+          </a:fontRef>
+        </p:style>
+      </p:cxnSp>
+      <p:sp>
+        <p:nvSpPr>
+          <p:cNvPr id="41" name="TextBox 40">
+            <a:extLst>
+              <a:ext uri="{FF2B5EF4-FFF2-40B4-BE49-F238E27FC236}">
+                <a16:creationId xmlns:a16="http://schemas.microsoft.com/office/drawing/2014/main" id="{07A88E29-6215-1E4D-82F3-D23C45CE6EA5}"/>
+              </a:ext>
+            </a:extLst>
+          </p:cNvPr>
+          <p:cNvSpPr txBox="1"/>
+          <p:nvPr/>
+        </p:nvSpPr>
+        <p:spPr>
+          <a:xfrm>
+            <a:off x="3316458" y="2598450"/>
+            <a:ext cx="1575534" cy="400110"/>
+          </a:xfrm>
+          <a:prstGeom prst="rect">
+            <a:avLst/>
+          </a:prstGeom>
+          <a:noFill/>
+        </p:spPr>
+        <p:txBody>
+          <a:bodyPr wrap="square" rtlCol="0">
+            <a:spAutoFit/>
+          </a:bodyPr>
+          <a:lstStyle/>
+          <a:p>
+            <a:pPr algn="ctr"/>
+            <a:r>
+              <a:rPr lang="en-US" altLang="zh-CN" sz="2000" dirty="0"/>
+              <a:t>memcpy</a:t>
+            </a:r>
+            <a:r>
+              <a:rPr lang="zh-CN" altLang="en-US" sz="2000" dirty="0"/>
+              <a:t> </a:t>
+            </a:r>
+            <a:r>
+              <a:rPr lang="en-US" altLang="zh-CN" sz="2000" dirty="0"/>
+              <a:t>size</a:t>
+            </a:r>
+            <a:endParaRPr lang="en-US" sz="2000" dirty="0"/>
+          </a:p>
+        </p:txBody>
+      </p:sp>
+      <p:sp>
+        <p:nvSpPr>
+          <p:cNvPr id="42" name="TextBox 41">
+            <a:extLst>
+              <a:ext uri="{FF2B5EF4-FFF2-40B4-BE49-F238E27FC236}">
+                <a16:creationId xmlns:a16="http://schemas.microsoft.com/office/drawing/2014/main" id="{B9FA384F-1782-3048-9628-DC74A97ECACB}"/>
+              </a:ext>
+            </a:extLst>
+          </p:cNvPr>
+          <p:cNvSpPr txBox="1"/>
+          <p:nvPr/>
+        </p:nvSpPr>
+        <p:spPr>
+          <a:xfrm>
+            <a:off x="4954405" y="2398395"/>
+            <a:ext cx="1575534" cy="400110"/>
+          </a:xfrm>
+          <a:prstGeom prst="rect">
+            <a:avLst/>
+          </a:prstGeom>
+          <a:noFill/>
+        </p:spPr>
+        <p:txBody>
+          <a:bodyPr wrap="square" rtlCol="0">
+            <a:spAutoFit/>
+          </a:bodyPr>
+          <a:lstStyle/>
+          <a:p>
+            <a:pPr algn="ctr"/>
+            <a:r>
+              <a:rPr lang="en-US" altLang="zh-CN" sz="2000" dirty="0"/>
+              <a:t>memcpy</a:t>
+            </a:r>
+            <a:r>
+              <a:rPr lang="zh-CN" altLang="en-US" sz="2000" dirty="0"/>
+              <a:t> </a:t>
+            </a:r>
+            <a:r>
+              <a:rPr lang="en-US" altLang="zh-CN" sz="2000" dirty="0"/>
+              <a:t>size</a:t>
+            </a:r>
+            <a:endParaRPr lang="en-US" sz="2000" dirty="0"/>
+          </a:p>
+        </p:txBody>
+      </p:sp>
+      <p:sp>
+        <p:nvSpPr>
+          <p:cNvPr id="43" name="Arrow: Left-Right 31">
+            <a:extLst>
+              <a:ext uri="{FF2B5EF4-FFF2-40B4-BE49-F238E27FC236}">
+                <a16:creationId xmlns:a16="http://schemas.microsoft.com/office/drawing/2014/main" id="{CAC7EEE1-8823-2448-AFAF-B50C756DE707}"/>
+              </a:ext>
+            </a:extLst>
+          </p:cNvPr>
+          <p:cNvSpPr/>
+          <p:nvPr/>
+        </p:nvSpPr>
+        <p:spPr>
+          <a:xfrm>
+            <a:off x="1685814" y="3994398"/>
+            <a:ext cx="1261957" cy="258852"/>
+          </a:xfrm>
+          <a:prstGeom prst="leftRightArrow">
+            <a:avLst/>
+          </a:prstGeom>
+          <a:solidFill>
+            <a:srgbClr val="B0DDF2"/>
+          </a:solidFill>
+          <a:ln w="19050">
+            <a:solidFill>
+              <a:schemeClr val="tx1"/>
+            </a:solidFill>
+          </a:ln>
+        </p:spPr>
+        <p:style>
+          <a:lnRef idx="2">
+            <a:schemeClr val="accent1">
+              <a:shade val="50000"/>
+            </a:schemeClr>
+          </a:lnRef>
+          <a:fillRef idx="1">
+            <a:schemeClr val="accent1"/>
+          </a:fillRef>
+          <a:effectRef idx="0">
+            <a:schemeClr val="accent1"/>
+          </a:effectRef>
+          <a:fontRef idx="minor">
+            <a:schemeClr val="lt1"/>
+          </a:fontRef>
+        </p:style>
+        <p:txBody>
+          <a:bodyPr rtlCol="0" anchor="ctr"/>
+          <a:lstStyle/>
+          <a:p>
+            <a:pPr algn="ctr"/>
+            <a:endParaRPr lang="en-US" sz="2000"/>
+          </a:p>
+        </p:txBody>
+      </p:sp>
+      <p:sp>
+        <p:nvSpPr>
+          <p:cNvPr id="44" name="TextBox 43">
+            <a:extLst>
+              <a:ext uri="{FF2B5EF4-FFF2-40B4-BE49-F238E27FC236}">
+                <a16:creationId xmlns:a16="http://schemas.microsoft.com/office/drawing/2014/main" id="{88957FFD-9289-884B-8BFA-50055A34B9AC}"/>
+              </a:ext>
+            </a:extLst>
+          </p:cNvPr>
+          <p:cNvSpPr txBox="1"/>
+          <p:nvPr/>
+        </p:nvSpPr>
+        <p:spPr>
+          <a:xfrm>
+            <a:off x="437628" y="3923769"/>
+            <a:ext cx="1317456" cy="400110"/>
+          </a:xfrm>
+          <a:prstGeom prst="rect">
+            <a:avLst/>
+          </a:prstGeom>
+          <a:noFill/>
+        </p:spPr>
+        <p:txBody>
+          <a:bodyPr wrap="square" rtlCol="0">
+            <a:spAutoFit/>
+          </a:bodyPr>
+          <a:lstStyle/>
+          <a:p>
+            <a:pPr algn="ctr"/>
+            <a:r>
+              <a:rPr lang="en-US" sz="2000" dirty="0"/>
+              <a:t>command</a:t>
+            </a:r>
+          </a:p>
+        </p:txBody>
+      </p:sp>
+      <p:sp>
+        <p:nvSpPr>
+          <p:cNvPr id="45" name="TextBox 44">
+            <a:extLst>
+              <a:ext uri="{FF2B5EF4-FFF2-40B4-BE49-F238E27FC236}">
+                <a16:creationId xmlns:a16="http://schemas.microsoft.com/office/drawing/2014/main" id="{34F65E0F-15BD-DB45-B588-C221CF6734A6}"/>
+              </a:ext>
+            </a:extLst>
+          </p:cNvPr>
+          <p:cNvSpPr txBox="1"/>
+          <p:nvPr/>
+        </p:nvSpPr>
+        <p:spPr>
+          <a:xfrm>
+            <a:off x="492669" y="4357653"/>
+            <a:ext cx="1317456" cy="400110"/>
+          </a:xfrm>
+          <a:prstGeom prst="rect">
+            <a:avLst/>
+          </a:prstGeom>
+          <a:noFill/>
+        </p:spPr>
+        <p:txBody>
+          <a:bodyPr wrap="square" rtlCol="0">
+            <a:spAutoFit/>
+          </a:bodyPr>
+          <a:lstStyle/>
+          <a:p>
+            <a:pPr algn="ctr"/>
+            <a:r>
+              <a:rPr lang="en-US" altLang="zh-CN" sz="2000" dirty="0"/>
+              <a:t>data</a:t>
+            </a:r>
+            <a:endParaRPr lang="en-US" sz="2000" dirty="0"/>
+          </a:p>
+        </p:txBody>
+      </p:sp>
+      <p:cxnSp>
+        <p:nvCxnSpPr>
+          <p:cNvPr id="46" name="Straight Arrow Connector 45">
+            <a:extLst>
+              <a:ext uri="{FF2B5EF4-FFF2-40B4-BE49-F238E27FC236}">
+                <a16:creationId xmlns:a16="http://schemas.microsoft.com/office/drawing/2014/main" id="{1C451A55-5756-D94E-898D-20BF00AC9739}"/>
+              </a:ext>
+            </a:extLst>
+          </p:cNvPr>
+          <p:cNvCxnSpPr>
+            <a:cxnSpLocks/>
+          </p:cNvCxnSpPr>
+          <p:nvPr/>
+        </p:nvCxnSpPr>
+        <p:spPr>
+          <a:xfrm>
+            <a:off x="1685814" y="4557708"/>
+            <a:ext cx="1323115" cy="0"/>
+          </a:xfrm>
+          <a:prstGeom prst="straightConnector1">
+            <a:avLst/>
+          </a:prstGeom>
+          <a:ln w="38100">
+            <a:solidFill>
+              <a:schemeClr val="tx1"/>
+            </a:solidFill>
+            <a:headEnd type="triangle" w="med" len="med"/>
+            <a:tailEnd type="triangle" w="med" len="med"/>
+          </a:ln>
+        </p:spPr>
+        <p:style>
+          <a:lnRef idx="1">
+            <a:schemeClr val="accent1"/>
+          </a:lnRef>
+          <a:fillRef idx="0">
+            <a:schemeClr val="accent1"/>
+          </a:fillRef>
+          <a:effectRef idx="0">
+            <a:schemeClr val="accent1"/>
+          </a:effectRef>
+          <a:fontRef idx="minor">
+            <a:schemeClr val="tx1"/>
+          </a:fontRef>
+        </p:style>
+      </p:cxnSp>
+      <p:sp>
+        <p:nvSpPr>
+          <p:cNvPr id="47" name="Rectangle 46">
+            <a:extLst>
+              <a:ext uri="{FF2B5EF4-FFF2-40B4-BE49-F238E27FC236}">
+                <a16:creationId xmlns:a16="http://schemas.microsoft.com/office/drawing/2014/main" id="{B2ECB57E-43C4-924D-A5CB-2A0A8B1E5FC7}"/>
+              </a:ext>
+            </a:extLst>
+          </p:cNvPr>
+          <p:cNvSpPr/>
+          <p:nvPr/>
+        </p:nvSpPr>
+        <p:spPr>
+          <a:xfrm>
+            <a:off x="441012" y="3657599"/>
+            <a:ext cx="2875446" cy="1337839"/>
+          </a:xfrm>
+          <a:prstGeom prst="rect">
+            <a:avLst/>
+          </a:prstGeom>
+          <a:noFill/>
+          <a:ln w="38100">
+            <a:solidFill>
+              <a:schemeClr val="tx1"/>
+            </a:solidFill>
+          </a:ln>
+        </p:spPr>
+        <p:style>
+          <a:lnRef idx="2">
+            <a:schemeClr val="accent2">
+              <a:shade val="50000"/>
+            </a:schemeClr>
+          </a:lnRef>
+          <a:fillRef idx="1">
+            <a:schemeClr val="accent2"/>
+          </a:fillRef>
+          <a:effectRef idx="0">
+            <a:schemeClr val="accent2"/>
+          </a:effectRef>
+          <a:fontRef idx="minor">
+            <a:schemeClr val="lt1"/>
+          </a:fontRef>
+        </p:style>
+        <p:txBody>
+          <a:bodyPr rtlCol="0" anchor="ctr"/>
+          <a:lstStyle/>
+          <a:p>
+            <a:pPr algn="ctr"/>
+            <a:endParaRPr lang="en-US" sz="2000" dirty="0">
+              <a:solidFill>
+                <a:schemeClr val="tx1"/>
+              </a:solidFill>
+            </a:endParaRPr>
+          </a:p>
+        </p:txBody>
+      </p:sp>
+      <p:sp>
+        <p:nvSpPr>
+          <p:cNvPr id="48" name="TextBox 47">
+            <a:extLst>
+              <a:ext uri="{FF2B5EF4-FFF2-40B4-BE49-F238E27FC236}">
+                <a16:creationId xmlns:a16="http://schemas.microsoft.com/office/drawing/2014/main" id="{4497F381-D576-8C45-BB1A-E479F5538B27}"/>
+              </a:ext>
+            </a:extLst>
+          </p:cNvPr>
+          <p:cNvSpPr txBox="1"/>
+          <p:nvPr/>
+        </p:nvSpPr>
+        <p:spPr>
+          <a:xfrm>
+            <a:off x="6852370" y="2967703"/>
+            <a:ext cx="1575534" cy="400110"/>
+          </a:xfrm>
+          <a:prstGeom prst="rect">
+            <a:avLst/>
+          </a:prstGeom>
+          <a:noFill/>
+        </p:spPr>
+        <p:txBody>
+          <a:bodyPr wrap="square" rtlCol="0">
+            <a:spAutoFit/>
+          </a:bodyPr>
+          <a:lstStyle/>
+          <a:p>
+            <a:pPr algn="ctr"/>
+            <a:r>
+              <a:rPr lang="en-US" altLang="zh-CN" sz="2000" dirty="0"/>
+              <a:t>partition</a:t>
+            </a:r>
+            <a:r>
+              <a:rPr lang="zh-CN" altLang="en-US" sz="2000" dirty="0"/>
+              <a:t> </a:t>
+            </a:r>
+            <a:r>
+              <a:rPr lang="en-US" altLang="zh-CN" sz="2000" dirty="0"/>
+              <a:t>size</a:t>
+            </a:r>
+            <a:endParaRPr lang="en-US" sz="2000" dirty="0"/>
+          </a:p>
+        </p:txBody>
+      </p:sp>
+      <p:sp>
+        <p:nvSpPr>
+          <p:cNvPr id="49" name="TextBox 48">
+            <a:extLst>
+              <a:ext uri="{FF2B5EF4-FFF2-40B4-BE49-F238E27FC236}">
+                <a16:creationId xmlns:a16="http://schemas.microsoft.com/office/drawing/2014/main" id="{E5002A88-CB37-784C-BDBE-6B5CDC102FE9}"/>
+              </a:ext>
+            </a:extLst>
+          </p:cNvPr>
+          <p:cNvSpPr txBox="1"/>
+          <p:nvPr/>
+        </p:nvSpPr>
+        <p:spPr>
+          <a:xfrm>
+            <a:off x="9721170" y="2879795"/>
+            <a:ext cx="1680982" cy="400110"/>
+          </a:xfrm>
+          <a:prstGeom prst="rect">
+            <a:avLst/>
+          </a:prstGeom>
+          <a:noFill/>
+        </p:spPr>
+        <p:txBody>
+          <a:bodyPr wrap="square" rtlCol="0">
+            <a:spAutoFit/>
+          </a:bodyPr>
+          <a:lstStyle/>
+          <a:p>
+            <a:pPr algn="ctr"/>
+            <a:r>
+              <a:rPr lang="en-US" altLang="zh-CN" sz="2000" dirty="0"/>
+              <a:t>cache</a:t>
+            </a:r>
+            <a:r>
+              <a:rPr lang="zh-CN" altLang="en-US" sz="2000" dirty="0"/>
+              <a:t> </a:t>
+            </a:r>
+            <a:r>
+              <a:rPr lang="en-US" altLang="zh-CN" sz="2000" dirty="0"/>
+              <a:t>line</a:t>
+            </a:r>
+            <a:r>
+              <a:rPr lang="zh-CN" altLang="en-US" sz="2000" dirty="0"/>
+              <a:t> </a:t>
+            </a:r>
+            <a:r>
+              <a:rPr lang="en-US" altLang="zh-CN" sz="2000" dirty="0"/>
+              <a:t>size</a:t>
+            </a:r>
+            <a:endParaRPr lang="en-US" sz="2000" dirty="0"/>
+          </a:p>
+        </p:txBody>
+      </p:sp>
+    </p:spTree>
+    <p:extLst>
+      <p:ext uri="{BB962C8B-B14F-4D97-AF65-F5344CB8AC3E}">
+        <p14:creationId xmlns:p14="http://schemas.microsoft.com/office/powerpoint/2010/main" val="915969271"/>
+      </p:ext>
+    </p:extLst>
+  </p:cSld>
+  <p:clrMapOvr>
+    <a:masterClrMapping/>
+  </p:clrMapOvr>
+</p:sld>
+</file>
+
+<file path=ppt/slides/slide2.xml><?xml version="1.0" encoding="utf-8"?>
 <p:sld xmlns:a="http://schemas.openxmlformats.org/drawingml/2006/main" xmlns:r="http://schemas.openxmlformats.org/officeDocument/2006/relationships" xmlns:p="http://schemas.openxmlformats.org/presentationml/2006/main">
   <p:cSld>
     <p:spTree>
@@ -6143,7 +7916,7 @@
 </p:sld>
 </file>
 
-<file path=ppt/slides/slide2.xml><?xml version="1.0" encoding="utf-8"?>
+<file path=ppt/slides/slide3.xml><?xml version="1.0" encoding="utf-8"?>
 <p:sld xmlns:a="http://schemas.openxmlformats.org/drawingml/2006/main" xmlns:r="http://schemas.openxmlformats.org/officeDocument/2006/relationships" xmlns:p="http://schemas.openxmlformats.org/presentationml/2006/main">
   <p:cSld>
     <p:spTree>
@@ -6940,7 +8713,7 @@
 </p:sld>
 </file>
 
-<file path=ppt/slides/slide3.xml><?xml version="1.0" encoding="utf-8"?>
+<file path=ppt/slides/slide4.xml><?xml version="1.0" encoding="utf-8"?>
 <p:sld xmlns:a="http://schemas.openxmlformats.org/drawingml/2006/main" xmlns:r="http://schemas.openxmlformats.org/officeDocument/2006/relationships" xmlns:p="http://schemas.openxmlformats.org/presentationml/2006/main">
   <p:cSld>
     <p:spTree>

--- a/figures/scheduler.pptx
+++ b/figures/scheduler.pptx
@@ -8,9 +8,9 @@
     <p:notesMasterId r:id="rId6"/>
   </p:notesMasterIdLst>
   <p:sldIdLst>
-    <p:sldId id="277" r:id="rId2"/>
-    <p:sldId id="274" r:id="rId3"/>
-    <p:sldId id="275" r:id="rId4"/>
+    <p:sldId id="275" r:id="rId2"/>
+    <p:sldId id="277" r:id="rId3"/>
+    <p:sldId id="274" r:id="rId4"/>
     <p:sldId id="276" r:id="rId5"/>
   </p:sldIdLst>
   <p:sldSz cx="12192000" cy="6858000"/>
@@ -200,7 +200,7 @@
           <a:p>
             <a:fld id="{9D8D1EA7-5FBA-43A7-969F-33446051D9B1}" type="datetimeFigureOut">
               <a:rPr lang="en-US" smtClean="0"/>
-              <a:t>5/15/20</a:t>
+              <a:t>5/16/20</a:t>
             </a:fld>
             <a:endParaRPr lang="en-US"/>
           </a:p>
@@ -541,7 +541,7 @@
     </p:spTree>
     <p:extLst>
       <p:ext uri="{BB962C8B-B14F-4D97-AF65-F5344CB8AC3E}">
-        <p14:creationId xmlns:p14="http://schemas.microsoft.com/office/powerpoint/2010/main" val="90767322"/>
+        <p14:creationId xmlns:p14="http://schemas.microsoft.com/office/powerpoint/2010/main" val="479701260"/>
       </p:ext>
     </p:extLst>
   </p:cSld>
@@ -625,7 +625,7 @@
     </p:spTree>
     <p:extLst>
       <p:ext uri="{BB962C8B-B14F-4D97-AF65-F5344CB8AC3E}">
-        <p14:creationId xmlns:p14="http://schemas.microsoft.com/office/powerpoint/2010/main" val="2200397219"/>
+        <p14:creationId xmlns:p14="http://schemas.microsoft.com/office/powerpoint/2010/main" val="90767322"/>
       </p:ext>
     </p:extLst>
   </p:cSld>
@@ -709,7 +709,7 @@
     </p:spTree>
     <p:extLst>
       <p:ext uri="{BB962C8B-B14F-4D97-AF65-F5344CB8AC3E}">
-        <p14:creationId xmlns:p14="http://schemas.microsoft.com/office/powerpoint/2010/main" val="479701260"/>
+        <p14:creationId xmlns:p14="http://schemas.microsoft.com/office/powerpoint/2010/main" val="2200397219"/>
       </p:ext>
     </p:extLst>
   </p:cSld>
@@ -950,7 +950,7 @@
           <a:p>
             <a:fld id="{99B48964-E526-4DA8-9D44-D80007F26EA1}" type="datetimeFigureOut">
               <a:rPr lang="en-US" smtClean="0"/>
-              <a:t>5/15/20</a:t>
+              <a:t>5/16/20</a:t>
             </a:fld>
             <a:endParaRPr lang="en-US"/>
           </a:p>
@@ -1148,7 +1148,7 @@
           <a:p>
             <a:fld id="{99B48964-E526-4DA8-9D44-D80007F26EA1}" type="datetimeFigureOut">
               <a:rPr lang="en-US" smtClean="0"/>
-              <a:t>5/15/20</a:t>
+              <a:t>5/16/20</a:t>
             </a:fld>
             <a:endParaRPr lang="en-US"/>
           </a:p>
@@ -1356,7 +1356,7 @@
           <a:p>
             <a:fld id="{99B48964-E526-4DA8-9D44-D80007F26EA1}" type="datetimeFigureOut">
               <a:rPr lang="en-US" smtClean="0"/>
-              <a:t>5/15/20</a:t>
+              <a:t>5/16/20</a:t>
             </a:fld>
             <a:endParaRPr lang="en-US"/>
           </a:p>
@@ -1554,7 +1554,7 @@
           <a:p>
             <a:fld id="{99B48964-E526-4DA8-9D44-D80007F26EA1}" type="datetimeFigureOut">
               <a:rPr lang="en-US" smtClean="0"/>
-              <a:t>5/15/20</a:t>
+              <a:t>5/16/20</a:t>
             </a:fld>
             <a:endParaRPr lang="en-US"/>
           </a:p>
@@ -1829,7 +1829,7 @@
           <a:p>
             <a:fld id="{99B48964-E526-4DA8-9D44-D80007F26EA1}" type="datetimeFigureOut">
               <a:rPr lang="en-US" smtClean="0"/>
-              <a:t>5/15/20</a:t>
+              <a:t>5/16/20</a:t>
             </a:fld>
             <a:endParaRPr lang="en-US"/>
           </a:p>
@@ -2094,7 +2094,7 @@
           <a:p>
             <a:fld id="{99B48964-E526-4DA8-9D44-D80007F26EA1}" type="datetimeFigureOut">
               <a:rPr lang="en-US" smtClean="0"/>
-              <a:t>5/15/20</a:t>
+              <a:t>5/16/20</a:t>
             </a:fld>
             <a:endParaRPr lang="en-US"/>
           </a:p>
@@ -2506,7 +2506,7 @@
           <a:p>
             <a:fld id="{99B48964-E526-4DA8-9D44-D80007F26EA1}" type="datetimeFigureOut">
               <a:rPr lang="en-US" smtClean="0"/>
-              <a:t>5/15/20</a:t>
+              <a:t>5/16/20</a:t>
             </a:fld>
             <a:endParaRPr lang="en-US"/>
           </a:p>
@@ -2647,7 +2647,7 @@
           <a:p>
             <a:fld id="{99B48964-E526-4DA8-9D44-D80007F26EA1}" type="datetimeFigureOut">
               <a:rPr lang="en-US" smtClean="0"/>
-              <a:t>5/15/20</a:t>
+              <a:t>5/16/20</a:t>
             </a:fld>
             <a:endParaRPr lang="en-US"/>
           </a:p>
@@ -2760,7 +2760,7 @@
           <a:p>
             <a:fld id="{99B48964-E526-4DA8-9D44-D80007F26EA1}" type="datetimeFigureOut">
               <a:rPr lang="en-US" smtClean="0"/>
-              <a:t>5/15/20</a:t>
+              <a:t>5/16/20</a:t>
             </a:fld>
             <a:endParaRPr lang="en-US"/>
           </a:p>
@@ -3071,7 +3071,7 @@
           <a:p>
             <a:fld id="{99B48964-E526-4DA8-9D44-D80007F26EA1}" type="datetimeFigureOut">
               <a:rPr lang="en-US" smtClean="0"/>
-              <a:t>5/15/20</a:t>
+              <a:t>5/16/20</a:t>
             </a:fld>
             <a:endParaRPr lang="en-US"/>
           </a:p>
@@ -3359,7 +3359,7 @@
           <a:p>
             <a:fld id="{99B48964-E526-4DA8-9D44-D80007F26EA1}" type="datetimeFigureOut">
               <a:rPr lang="en-US" smtClean="0"/>
-              <a:t>5/15/20</a:t>
+              <a:t>5/16/20</a:t>
             </a:fld>
             <a:endParaRPr lang="en-US"/>
           </a:p>
@@ -3600,7 +3600,7 @@
           <a:p>
             <a:fld id="{99B48964-E526-4DA8-9D44-D80007F26EA1}" type="datetimeFigureOut">
               <a:rPr lang="en-US" smtClean="0"/>
-              <a:t>5/15/20</a:t>
+              <a:t>5/16/20</a:t>
             </a:fld>
             <a:endParaRPr lang="en-US"/>
           </a:p>
@@ -4031,8 +4031,8 @@
         </p:nvSpPr>
         <p:spPr>
           <a:xfrm>
-            <a:off x="9754950" y="463981"/>
-            <a:ext cx="1680983" cy="1337839"/>
+            <a:off x="6368967" y="335644"/>
+            <a:ext cx="5663878" cy="1337839"/>
           </a:xfrm>
           <a:prstGeom prst="roundRect">
             <a:avLst/>
@@ -4089,7 +4089,7 @@
                   <a:schemeClr val="tx1"/>
                 </a:solidFill>
               </a:rPr>
-              <a:t>blob</a:t>
+              <a:t>Group</a:t>
             </a:r>
             <a:endParaRPr lang="en-US" sz="2000" dirty="0">
               <a:solidFill>
@@ -4113,7 +4113,7 @@
         </p:nvSpPr>
         <p:spPr>
           <a:xfrm>
-            <a:off x="3511030" y="840461"/>
+            <a:off x="125047" y="712124"/>
             <a:ext cx="1811747" cy="1337839"/>
           </a:xfrm>
           <a:prstGeom prst="roundRect">
@@ -4174,7 +4174,7 @@
         </p:nvSpPr>
         <p:spPr>
           <a:xfrm>
-            <a:off x="3950042" y="1330977"/>
+            <a:off x="564059" y="1202640"/>
             <a:ext cx="964096" cy="586408"/>
           </a:xfrm>
           <a:prstGeom prst="rect">
@@ -4238,7 +4238,7 @@
         </p:nvSpPr>
         <p:spPr>
           <a:xfrm>
-            <a:off x="5333164" y="1214019"/>
+            <a:off x="1947181" y="1085682"/>
             <a:ext cx="1261957" cy="258852"/>
           </a:xfrm>
           <a:prstGeom prst="leftRightArrow">
@@ -4292,7 +4292,7 @@
         </p:nvSpPr>
         <p:spPr>
           <a:xfrm>
-            <a:off x="5305414" y="1470413"/>
+            <a:off x="1919431" y="1342076"/>
             <a:ext cx="1317456" cy="707886"/>
           </a:xfrm>
           <a:prstGeom prst="rect">
@@ -4332,7 +4332,7 @@
         </p:nvSpPr>
         <p:spPr>
           <a:xfrm>
-            <a:off x="8215956" y="1536195"/>
+            <a:off x="4829973" y="1407858"/>
             <a:ext cx="1374882" cy="1015663"/>
           </a:xfrm>
           <a:prstGeom prst="rect">
@@ -4371,7 +4371,7 @@
         </p:nvSpPr>
         <p:spPr>
           <a:xfrm>
-            <a:off x="8296464" y="1214019"/>
+            <a:off x="4910481" y="1085682"/>
             <a:ext cx="1210845" cy="303377"/>
           </a:xfrm>
           <a:prstGeom prst="leftRightArrow">
@@ -4425,7 +4425,7 @@
         </p:nvSpPr>
         <p:spPr>
           <a:xfrm>
-            <a:off x="6615481" y="840460"/>
+            <a:off x="3229498" y="712123"/>
             <a:ext cx="1680983" cy="1337839"/>
           </a:xfrm>
           <a:prstGeom prst="roundRect">
@@ -4462,13 +4462,18 @@
           <a:p>
             <a:pPr algn="ctr"/>
             <a:r>
-              <a:rPr lang="en-US" sz="2000" dirty="0">
+              <a:rPr lang="en-US" altLang="zh-CN" sz="2000" dirty="0">
                 <a:solidFill>
                   <a:schemeClr val="tx1"/>
                 </a:solidFill>
               </a:rPr>
               <a:t>GPUSched</a:t>
             </a:r>
+            <a:endParaRPr lang="en-US" sz="2000" dirty="0">
+              <a:solidFill>
+                <a:schemeClr val="tx1"/>
+              </a:solidFill>
+            </a:endParaRPr>
           </a:p>
         </p:txBody>
       </p:sp>
@@ -4486,8 +4491,8 @@
         </p:nvSpPr>
         <p:spPr>
           <a:xfrm>
-            <a:off x="9512968" y="953744"/>
-            <a:ext cx="1680983" cy="1337839"/>
+            <a:off x="6126985" y="825407"/>
+            <a:ext cx="5663878" cy="1337839"/>
           </a:xfrm>
           <a:prstGeom prst="roundRect">
             <a:avLst/>
@@ -4544,7 +4549,7 @@
                   <a:schemeClr val="tx1"/>
                 </a:solidFill>
               </a:rPr>
-              <a:t>blob</a:t>
+              <a:t>Group</a:t>
             </a:r>
             <a:endParaRPr lang="en-US" sz="2000" dirty="0">
               <a:solidFill>
@@ -4556,10 +4561,10 @@
       </p:sp>
       <p:sp>
         <p:nvSpPr>
-          <p:cNvPr id="15" name="Rounded Rectangle 14">
-            <a:extLst>
-              <a:ext uri="{FF2B5EF4-FFF2-40B4-BE49-F238E27FC236}">
-                <a16:creationId xmlns:a16="http://schemas.microsoft.com/office/drawing/2014/main" id="{3354DF32-9700-754E-B106-0561C1EB56BC}"/>
+          <p:cNvPr id="24" name="Rectangle 23">
+            <a:extLst>
+              <a:ext uri="{FF2B5EF4-FFF2-40B4-BE49-F238E27FC236}">
+                <a16:creationId xmlns:a16="http://schemas.microsoft.com/office/drawing/2014/main" id="{DADD8424-00FC-884C-8585-C5B30DAFE135}"/>
               </a:ext>
             </a:extLst>
           </p:cNvPr>
@@ -4568,105 +4573,7 @@
         </p:nvSpPr>
         <p:spPr>
           <a:xfrm>
-            <a:off x="399470" y="840460"/>
-            <a:ext cx="1811747" cy="1337839"/>
-          </a:xfrm>
-          <a:prstGeom prst="roundRect">
-            <a:avLst/>
-          </a:prstGeom>
-          <a:solidFill>
-            <a:srgbClr val="13D2FF"/>
-          </a:solidFill>
-          <a:ln w="19050">
-            <a:solidFill>
-              <a:schemeClr val="tx1"/>
-            </a:solidFill>
-          </a:ln>
-        </p:spPr>
-        <p:style>
-          <a:lnRef idx="2">
-            <a:schemeClr val="accent1">
-              <a:shade val="50000"/>
-            </a:schemeClr>
-          </a:lnRef>
-          <a:fillRef idx="1">
-            <a:schemeClr val="accent1"/>
-          </a:fillRef>
-          <a:effectRef idx="0">
-            <a:schemeClr val="accent1"/>
-          </a:effectRef>
-          <a:fontRef idx="minor">
-            <a:schemeClr val="lt1"/>
-          </a:fontRef>
-        </p:style>
-        <p:txBody>
-          <a:bodyPr rtlCol="0" anchor="t"/>
-          <a:lstStyle/>
-          <a:p>
-            <a:pPr algn="ctr"/>
-            <a:r>
-              <a:rPr lang="en-US" altLang="zh-CN" sz="2000" dirty="0">
-                <a:solidFill>
-                  <a:schemeClr val="tx1"/>
-                </a:solidFill>
-              </a:rPr>
-              <a:t>PIN</a:t>
-            </a:r>
-            <a:r>
-              <a:rPr lang="zh-CN" altLang="en-US" sz="2000" dirty="0">
-                <a:solidFill>
-                  <a:schemeClr val="tx1"/>
-                </a:solidFill>
-              </a:rPr>
-              <a:t> </a:t>
-            </a:r>
-            <a:r>
-              <a:rPr lang="en-US" altLang="zh-CN" sz="2000" dirty="0">
-                <a:solidFill>
-                  <a:schemeClr val="tx1"/>
-                </a:solidFill>
-              </a:rPr>
-              <a:t>trace</a:t>
-            </a:r>
-            <a:r>
-              <a:rPr lang="zh-CN" altLang="en-US" sz="2000" dirty="0">
-                <a:solidFill>
-                  <a:schemeClr val="tx1"/>
-                </a:solidFill>
-              </a:rPr>
-              <a:t> </a:t>
-            </a:r>
-            <a:r>
-              <a:rPr lang="en-US" altLang="zh-CN" sz="2000" dirty="0">
-                <a:solidFill>
-                  <a:schemeClr val="tx1"/>
-                </a:solidFill>
-              </a:rPr>
-              <a:t>Lib</a:t>
-            </a:r>
-            <a:endParaRPr lang="en-US" sz="2000" dirty="0">
-              <a:solidFill>
-                <a:schemeClr val="tx1"/>
-              </a:solidFill>
-            </a:endParaRPr>
-          </a:p>
-        </p:txBody>
-      </p:sp>
-      <p:sp>
-        <p:nvSpPr>
-          <p:cNvPr id="16" name="Rectangle 15">
-            <a:extLst>
-              <a:ext uri="{FF2B5EF4-FFF2-40B4-BE49-F238E27FC236}">
-                <a16:creationId xmlns:a16="http://schemas.microsoft.com/office/drawing/2014/main" id="{8CF5D9C0-8543-E04B-9570-C3CA3542A3E8}"/>
-              </a:ext>
-            </a:extLst>
-          </p:cNvPr>
-          <p:cNvSpPr/>
-          <p:nvPr/>
-        </p:nvSpPr>
-        <p:spPr>
-          <a:xfrm>
-            <a:off x="809717" y="1460167"/>
+            <a:off x="6515238" y="1340467"/>
             <a:ext cx="964096" cy="586408"/>
           </a:xfrm>
           <a:prstGeom prst="rect">
@@ -4706,27 +4613,22 @@
           <a:p>
             <a:pPr algn="ctr"/>
             <a:r>
-              <a:rPr lang="en-US" altLang="zh-CN" sz="2000" dirty="0">
+              <a:rPr lang="en-US" sz="2000" dirty="0">
                 <a:solidFill>
                   <a:schemeClr val="tx1"/>
                 </a:solidFill>
               </a:rPr>
-              <a:t>App</a:t>
-            </a:r>
-            <a:endParaRPr lang="en-US" sz="2000" dirty="0">
-              <a:solidFill>
-                <a:schemeClr val="tx1"/>
-              </a:solidFill>
-            </a:endParaRPr>
-          </a:p>
-        </p:txBody>
-      </p:sp>
-      <p:sp>
-        <p:nvSpPr>
-          <p:cNvPr id="17" name="Rounded Rectangle 16">
-            <a:extLst>
-              <a:ext uri="{FF2B5EF4-FFF2-40B4-BE49-F238E27FC236}">
-                <a16:creationId xmlns:a16="http://schemas.microsoft.com/office/drawing/2014/main" id="{B1E18E69-D67D-0B4A-AB51-233750BA34B7}"/>
+              <a:t>SM</a:t>
+            </a:r>
+          </a:p>
+        </p:txBody>
+      </p:sp>
+      <p:sp>
+        <p:nvSpPr>
+          <p:cNvPr id="25" name="Rectangle 24">
+            <a:extLst>
+              <a:ext uri="{FF2B5EF4-FFF2-40B4-BE49-F238E27FC236}">
+                <a16:creationId xmlns:a16="http://schemas.microsoft.com/office/drawing/2014/main" id="{4B81B752-9F51-8749-9D43-23BA7965100F}"/>
               </a:ext>
             </a:extLst>
           </p:cNvPr>
@@ -4735,813 +4637,18 @@
         </p:nvSpPr>
         <p:spPr>
           <a:xfrm>
-            <a:off x="3950043" y="3657600"/>
-            <a:ext cx="2875446" cy="1479300"/>
-          </a:xfrm>
-          <a:prstGeom prst="roundRect">
-            <a:avLst>
-              <a:gd name="adj" fmla="val 7808"/>
-            </a:avLst>
-          </a:prstGeom>
-          <a:solidFill>
-            <a:srgbClr val="CBE5FF"/>
-          </a:solidFill>
-          <a:ln w="19050">
-            <a:solidFill>
-              <a:schemeClr val="tx1"/>
-            </a:solidFill>
-          </a:ln>
-        </p:spPr>
-        <p:style>
-          <a:lnRef idx="2">
-            <a:schemeClr val="accent1">
-              <a:shade val="50000"/>
-            </a:schemeClr>
-          </a:lnRef>
-          <a:fillRef idx="1">
-            <a:schemeClr val="accent1"/>
-          </a:fillRef>
-          <a:effectRef idx="0">
-            <a:schemeClr val="accent1"/>
-          </a:effectRef>
-          <a:fontRef idx="minor">
-            <a:schemeClr val="lt1"/>
-          </a:fontRef>
-        </p:style>
-        <p:txBody>
-          <a:bodyPr rtlCol="0" anchor="ctr"/>
-          <a:lstStyle/>
-          <a:p>
-            <a:pPr algn="ctr"/>
-            <a:r>
-              <a:rPr lang="en-US" altLang="zh-CN" sz="2000" dirty="0">
-                <a:solidFill>
-                  <a:schemeClr val="tx1"/>
-                </a:solidFill>
-              </a:rPr>
-              <a:t>CPU</a:t>
-            </a:r>
-            <a:r>
-              <a:rPr lang="zh-CN" altLang="en-US" sz="2000" dirty="0">
-                <a:solidFill>
-                  <a:schemeClr val="tx1"/>
-                </a:solidFill>
-              </a:rPr>
-              <a:t> </a:t>
-            </a:r>
-            <a:r>
-              <a:rPr lang="en-US" altLang="zh-CN" sz="2000" dirty="0">
-                <a:solidFill>
-                  <a:schemeClr val="tx1"/>
-                </a:solidFill>
-              </a:rPr>
-              <a:t>memory</a:t>
-            </a:r>
-            <a:endParaRPr lang="en-US" sz="2000" dirty="0">
-              <a:solidFill>
-                <a:schemeClr val="tx1"/>
-              </a:solidFill>
-            </a:endParaRPr>
-          </a:p>
-        </p:txBody>
-      </p:sp>
-      <p:sp>
-        <p:nvSpPr>
-          <p:cNvPr id="18" name="Rounded Rectangle 17">
-            <a:extLst>
-              <a:ext uri="{FF2B5EF4-FFF2-40B4-BE49-F238E27FC236}">
-                <a16:creationId xmlns:a16="http://schemas.microsoft.com/office/drawing/2014/main" id="{4414A960-CFE1-A34E-A2BF-2BD3AC1ADF42}"/>
-              </a:ext>
-            </a:extLst>
-          </p:cNvPr>
-          <p:cNvSpPr/>
-          <p:nvPr/>
-        </p:nvSpPr>
-        <p:spPr>
-          <a:xfrm>
-            <a:off x="7455971" y="3657600"/>
-            <a:ext cx="3324323" cy="1544968"/>
-          </a:xfrm>
-          <a:prstGeom prst="roundRect">
-            <a:avLst>
-              <a:gd name="adj" fmla="val 7808"/>
-            </a:avLst>
-          </a:prstGeom>
-          <a:solidFill>
-            <a:srgbClr val="CBE5FF"/>
-          </a:solidFill>
-          <a:ln w="19050">
-            <a:solidFill>
-              <a:schemeClr val="tx1"/>
-            </a:solidFill>
-          </a:ln>
-        </p:spPr>
-        <p:style>
-          <a:lnRef idx="2">
-            <a:schemeClr val="accent1">
-              <a:shade val="50000"/>
-            </a:schemeClr>
-          </a:lnRef>
-          <a:fillRef idx="1">
-            <a:schemeClr val="accent1"/>
-          </a:fillRef>
-          <a:effectRef idx="0">
-            <a:schemeClr val="accent1"/>
-          </a:effectRef>
-          <a:fontRef idx="minor">
-            <a:schemeClr val="lt1"/>
-          </a:fontRef>
-        </p:style>
-        <p:txBody>
-          <a:bodyPr rtlCol="0" anchor="ctr"/>
-          <a:lstStyle/>
-          <a:p>
-            <a:pPr algn="ctr"/>
-            <a:r>
-              <a:rPr lang="en-US" altLang="zh-CN" sz="2000" dirty="0">
-                <a:solidFill>
-                  <a:schemeClr val="tx1"/>
-                </a:solidFill>
-              </a:rPr>
-              <a:t>GPU</a:t>
-            </a:r>
-            <a:r>
-              <a:rPr lang="zh-CN" altLang="en-US" sz="2000" dirty="0">
-                <a:solidFill>
-                  <a:schemeClr val="tx1"/>
-                </a:solidFill>
-              </a:rPr>
-              <a:t> </a:t>
-            </a:r>
-            <a:r>
-              <a:rPr lang="en-US" altLang="zh-CN" sz="2000" dirty="0">
-                <a:solidFill>
-                  <a:schemeClr val="tx1"/>
-                </a:solidFill>
-              </a:rPr>
-              <a:t>memory</a:t>
-            </a:r>
-            <a:endParaRPr lang="en-US" sz="2000" dirty="0">
-              <a:solidFill>
-                <a:schemeClr val="tx1"/>
-              </a:solidFill>
-            </a:endParaRPr>
-          </a:p>
-        </p:txBody>
-      </p:sp>
-      <p:sp>
-        <p:nvSpPr>
-          <p:cNvPr id="20" name="Arrow: Left-Right 31">
-            <a:extLst>
-              <a:ext uri="{FF2B5EF4-FFF2-40B4-BE49-F238E27FC236}">
-                <a16:creationId xmlns:a16="http://schemas.microsoft.com/office/drawing/2014/main" id="{90D01C4A-63EE-0E4E-A9E1-3D2B938853A5}"/>
-              </a:ext>
-            </a:extLst>
-          </p:cNvPr>
-          <p:cNvSpPr/>
-          <p:nvPr/>
-        </p:nvSpPr>
-        <p:spPr>
-          <a:xfrm>
-            <a:off x="2228713" y="1132900"/>
-            <a:ext cx="1261957" cy="258852"/>
-          </a:xfrm>
-          <a:prstGeom prst="leftRightArrow">
+            <a:off x="7763567" y="1340467"/>
+            <a:ext cx="964096" cy="586408"/>
+          </a:xfrm>
+          <a:prstGeom prst="rect">
             <a:avLst/>
           </a:prstGeom>
           <a:solidFill>
-            <a:srgbClr val="B0DDF2"/>
+            <a:schemeClr val="accent2">
+              <a:lumMod val="60000"/>
+              <a:lumOff val="40000"/>
+            </a:schemeClr>
           </a:solidFill>
-          <a:ln w="19050">
-            <a:solidFill>
-              <a:schemeClr val="tx1"/>
-            </a:solidFill>
-          </a:ln>
-        </p:spPr>
-        <p:style>
-          <a:lnRef idx="2">
-            <a:schemeClr val="accent1">
-              <a:shade val="50000"/>
-            </a:schemeClr>
-          </a:lnRef>
-          <a:fillRef idx="1">
-            <a:schemeClr val="accent1"/>
-          </a:fillRef>
-          <a:effectRef idx="0">
-            <a:schemeClr val="accent1"/>
-          </a:effectRef>
-          <a:fontRef idx="minor">
-            <a:schemeClr val="lt1"/>
-          </a:fontRef>
-        </p:style>
-        <p:txBody>
-          <a:bodyPr rtlCol="0" anchor="ctr"/>
-          <a:lstStyle/>
-          <a:p>
-            <a:pPr algn="ctr"/>
-            <a:endParaRPr lang="en-US" sz="2000"/>
-          </a:p>
-        </p:txBody>
-      </p:sp>
-      <p:sp>
-        <p:nvSpPr>
-          <p:cNvPr id="29" name="TextBox 28">
-            <a:extLst>
-              <a:ext uri="{FF2B5EF4-FFF2-40B4-BE49-F238E27FC236}">
-                <a16:creationId xmlns:a16="http://schemas.microsoft.com/office/drawing/2014/main" id="{E851C819-306C-B147-BC00-6074C2D8E1D5}"/>
-              </a:ext>
-            </a:extLst>
-          </p:cNvPr>
-          <p:cNvSpPr txBox="1"/>
-          <p:nvPr/>
-        </p:nvSpPr>
-        <p:spPr>
-          <a:xfrm>
-            <a:off x="2216876" y="486517"/>
-            <a:ext cx="1317456" cy="707886"/>
-          </a:xfrm>
-          <a:prstGeom prst="rect">
-            <a:avLst/>
-          </a:prstGeom>
-          <a:noFill/>
-        </p:spPr>
-        <p:txBody>
-          <a:bodyPr wrap="square" rtlCol="0">
-            <a:spAutoFit/>
-          </a:bodyPr>
-          <a:lstStyle/>
-          <a:p>
-            <a:pPr algn="ctr"/>
-            <a:r>
-              <a:rPr lang="en-US" altLang="zh-CN" sz="2000" dirty="0"/>
-              <a:t>API</a:t>
-            </a:r>
-            <a:r>
-              <a:rPr lang="en-US" sz="2000" dirty="0"/>
-              <a:t> command</a:t>
-            </a:r>
-          </a:p>
-        </p:txBody>
-      </p:sp>
-      <p:cxnSp>
-        <p:nvCxnSpPr>
-          <p:cNvPr id="30" name="Straight Arrow Connector 29">
-            <a:extLst>
-              <a:ext uri="{FF2B5EF4-FFF2-40B4-BE49-F238E27FC236}">
-                <a16:creationId xmlns:a16="http://schemas.microsoft.com/office/drawing/2014/main" id="{67BD0AD6-FD70-B14C-8654-BB1FC6186172}"/>
-              </a:ext>
-            </a:extLst>
-          </p:cNvPr>
-          <p:cNvCxnSpPr>
-            <a:cxnSpLocks/>
-          </p:cNvCxnSpPr>
-          <p:nvPr/>
-        </p:nvCxnSpPr>
-        <p:spPr>
-          <a:xfrm>
-            <a:off x="2211217" y="1753076"/>
-            <a:ext cx="1323115" cy="0"/>
-          </a:xfrm>
-          <a:prstGeom prst="straightConnector1">
-            <a:avLst/>
-          </a:prstGeom>
-          <a:ln w="38100">
-            <a:solidFill>
-              <a:schemeClr val="tx1"/>
-            </a:solidFill>
-            <a:headEnd type="triangle" w="med" len="med"/>
-            <a:tailEnd type="triangle" w="med" len="med"/>
-          </a:ln>
-        </p:spPr>
-        <p:style>
-          <a:lnRef idx="1">
-            <a:schemeClr val="accent1"/>
-          </a:lnRef>
-          <a:fillRef idx="0">
-            <a:schemeClr val="accent1"/>
-          </a:fillRef>
-          <a:effectRef idx="0">
-            <a:schemeClr val="accent1"/>
-          </a:effectRef>
-          <a:fontRef idx="minor">
-            <a:schemeClr val="tx1"/>
-          </a:fontRef>
-        </p:style>
-      </p:cxnSp>
-      <p:sp>
-        <p:nvSpPr>
-          <p:cNvPr id="31" name="TextBox 30">
-            <a:extLst>
-              <a:ext uri="{FF2B5EF4-FFF2-40B4-BE49-F238E27FC236}">
-                <a16:creationId xmlns:a16="http://schemas.microsoft.com/office/drawing/2014/main" id="{659D5434-8CC1-BC4E-B325-6DF67C8EDEAC}"/>
-              </a:ext>
-            </a:extLst>
-          </p:cNvPr>
-          <p:cNvSpPr txBox="1"/>
-          <p:nvPr/>
-        </p:nvSpPr>
-        <p:spPr>
-          <a:xfrm>
-            <a:off x="2173214" y="1905829"/>
-            <a:ext cx="1317456" cy="400110"/>
-          </a:xfrm>
-          <a:prstGeom prst="rect">
-            <a:avLst/>
-          </a:prstGeom>
-          <a:noFill/>
-        </p:spPr>
-        <p:txBody>
-          <a:bodyPr wrap="square" rtlCol="0">
-            <a:spAutoFit/>
-          </a:bodyPr>
-          <a:lstStyle/>
-          <a:p>
-            <a:pPr algn="ctr"/>
-            <a:r>
-              <a:rPr lang="en-US" altLang="zh-CN" sz="2000" dirty="0"/>
-              <a:t>4KiB</a:t>
-            </a:r>
-            <a:r>
-              <a:rPr lang="zh-CN" altLang="en-US" sz="2000" dirty="0"/>
-              <a:t> </a:t>
-            </a:r>
-            <a:r>
-              <a:rPr lang="en-US" altLang="zh-CN" sz="2000" dirty="0"/>
-              <a:t>size</a:t>
-            </a:r>
-            <a:endParaRPr lang="en-US" sz="2000" dirty="0"/>
-          </a:p>
-        </p:txBody>
-      </p:sp>
-      <p:cxnSp>
-        <p:nvCxnSpPr>
-          <p:cNvPr id="32" name="Straight Arrow Connector 31">
-            <a:extLst>
-              <a:ext uri="{FF2B5EF4-FFF2-40B4-BE49-F238E27FC236}">
-                <a16:creationId xmlns:a16="http://schemas.microsoft.com/office/drawing/2014/main" id="{3DD59588-80F4-284C-B1EB-A646C1EB6ADB}"/>
-              </a:ext>
-            </a:extLst>
-          </p:cNvPr>
-          <p:cNvCxnSpPr>
-            <a:cxnSpLocks/>
-            <a:stCxn id="21" idx="2"/>
-          </p:cNvCxnSpPr>
-          <p:nvPr/>
-        </p:nvCxnSpPr>
-        <p:spPr>
-          <a:xfrm>
-            <a:off x="4432090" y="1917385"/>
-            <a:ext cx="1098038" cy="1740214"/>
-          </a:xfrm>
-          <a:prstGeom prst="straightConnector1">
-            <a:avLst/>
-          </a:prstGeom>
-          <a:ln w="38100">
-            <a:solidFill>
-              <a:schemeClr val="tx1"/>
-            </a:solidFill>
-            <a:headEnd type="triangle" w="med" len="med"/>
-            <a:tailEnd type="triangle" w="med" len="med"/>
-          </a:ln>
-        </p:spPr>
-        <p:style>
-          <a:lnRef idx="1">
-            <a:schemeClr val="accent1"/>
-          </a:lnRef>
-          <a:fillRef idx="0">
-            <a:schemeClr val="accent1"/>
-          </a:fillRef>
-          <a:effectRef idx="0">
-            <a:schemeClr val="accent1"/>
-          </a:effectRef>
-          <a:fontRef idx="minor">
-            <a:schemeClr val="tx1"/>
-          </a:fontRef>
-        </p:style>
-      </p:cxnSp>
-      <p:cxnSp>
-        <p:nvCxnSpPr>
-          <p:cNvPr id="33" name="Straight Arrow Connector 32">
-            <a:extLst>
-              <a:ext uri="{FF2B5EF4-FFF2-40B4-BE49-F238E27FC236}">
-                <a16:creationId xmlns:a16="http://schemas.microsoft.com/office/drawing/2014/main" id="{37DD49D4-80E7-D74F-B1D3-A64EFE7D419F}"/>
-              </a:ext>
-            </a:extLst>
-          </p:cNvPr>
-          <p:cNvCxnSpPr>
-            <a:cxnSpLocks/>
-            <a:stCxn id="22" idx="2"/>
-          </p:cNvCxnSpPr>
-          <p:nvPr/>
-        </p:nvCxnSpPr>
-        <p:spPr>
-          <a:xfrm flipH="1">
-            <a:off x="5535787" y="2178299"/>
-            <a:ext cx="1920186" cy="1479300"/>
-          </a:xfrm>
-          <a:prstGeom prst="straightConnector1">
-            <a:avLst/>
-          </a:prstGeom>
-          <a:ln w="38100">
-            <a:solidFill>
-              <a:schemeClr val="tx1"/>
-            </a:solidFill>
-            <a:headEnd type="triangle" w="med" len="med"/>
-            <a:tailEnd type="triangle" w="med" len="med"/>
-          </a:ln>
-        </p:spPr>
-        <p:style>
-          <a:lnRef idx="1">
-            <a:schemeClr val="accent1"/>
-          </a:lnRef>
-          <a:fillRef idx="0">
-            <a:schemeClr val="accent1"/>
-          </a:fillRef>
-          <a:effectRef idx="0">
-            <a:schemeClr val="accent1"/>
-          </a:effectRef>
-          <a:fontRef idx="minor">
-            <a:schemeClr val="tx1"/>
-          </a:fontRef>
-        </p:style>
-      </p:cxnSp>
-      <p:cxnSp>
-        <p:nvCxnSpPr>
-          <p:cNvPr id="35" name="Straight Arrow Connector 34">
-            <a:extLst>
-              <a:ext uri="{FF2B5EF4-FFF2-40B4-BE49-F238E27FC236}">
-                <a16:creationId xmlns:a16="http://schemas.microsoft.com/office/drawing/2014/main" id="{3C79CF14-F190-D54B-96F3-4EA7AE150A35}"/>
-              </a:ext>
-            </a:extLst>
-          </p:cNvPr>
-          <p:cNvCxnSpPr>
-            <a:cxnSpLocks/>
-            <a:stCxn id="22" idx="2"/>
-            <a:endCxn id="18" idx="0"/>
-          </p:cNvCxnSpPr>
-          <p:nvPr/>
-        </p:nvCxnSpPr>
-        <p:spPr>
-          <a:xfrm>
-            <a:off x="7455973" y="2178299"/>
-            <a:ext cx="1662160" cy="1479301"/>
-          </a:xfrm>
-          <a:prstGeom prst="straightConnector1">
-            <a:avLst/>
-          </a:prstGeom>
-          <a:ln w="38100">
-            <a:solidFill>
-              <a:schemeClr val="tx1"/>
-            </a:solidFill>
-            <a:headEnd type="triangle" w="med" len="med"/>
-            <a:tailEnd type="triangle" w="med" len="med"/>
-          </a:ln>
-        </p:spPr>
-        <p:style>
-          <a:lnRef idx="1">
-            <a:schemeClr val="accent1"/>
-          </a:lnRef>
-          <a:fillRef idx="0">
-            <a:schemeClr val="accent1"/>
-          </a:fillRef>
-          <a:effectRef idx="0">
-            <a:schemeClr val="accent1"/>
-          </a:effectRef>
-          <a:fontRef idx="minor">
-            <a:schemeClr val="tx1"/>
-          </a:fontRef>
-        </p:style>
-      </p:cxnSp>
-      <p:cxnSp>
-        <p:nvCxnSpPr>
-          <p:cNvPr id="38" name="Straight Arrow Connector 37">
-            <a:extLst>
-              <a:ext uri="{FF2B5EF4-FFF2-40B4-BE49-F238E27FC236}">
-                <a16:creationId xmlns:a16="http://schemas.microsoft.com/office/drawing/2014/main" id="{372A9C89-F0E4-1C4C-853E-50C63918CC28}"/>
-              </a:ext>
-            </a:extLst>
-          </p:cNvPr>
-          <p:cNvCxnSpPr>
-            <a:cxnSpLocks/>
-            <a:stCxn id="23" idx="2"/>
-            <a:endCxn id="18" idx="0"/>
-          </p:cNvCxnSpPr>
-          <p:nvPr/>
-        </p:nvCxnSpPr>
-        <p:spPr>
-          <a:xfrm flipH="1">
-            <a:off x="9118133" y="2291583"/>
-            <a:ext cx="1235327" cy="1366017"/>
-          </a:xfrm>
-          <a:prstGeom prst="straightConnector1">
-            <a:avLst/>
-          </a:prstGeom>
-          <a:ln w="38100">
-            <a:solidFill>
-              <a:schemeClr val="tx1"/>
-            </a:solidFill>
-            <a:headEnd type="triangle" w="med" len="med"/>
-            <a:tailEnd type="triangle" w="med" len="med"/>
-          </a:ln>
-        </p:spPr>
-        <p:style>
-          <a:lnRef idx="1">
-            <a:schemeClr val="accent1"/>
-          </a:lnRef>
-          <a:fillRef idx="0">
-            <a:schemeClr val="accent1"/>
-          </a:fillRef>
-          <a:effectRef idx="0">
-            <a:schemeClr val="accent1"/>
-          </a:effectRef>
-          <a:fontRef idx="minor">
-            <a:schemeClr val="tx1"/>
-          </a:fontRef>
-        </p:style>
-      </p:cxnSp>
-      <p:sp>
-        <p:nvSpPr>
-          <p:cNvPr id="41" name="TextBox 40">
-            <a:extLst>
-              <a:ext uri="{FF2B5EF4-FFF2-40B4-BE49-F238E27FC236}">
-                <a16:creationId xmlns:a16="http://schemas.microsoft.com/office/drawing/2014/main" id="{07A88E29-6215-1E4D-82F3-D23C45CE6EA5}"/>
-              </a:ext>
-            </a:extLst>
-          </p:cNvPr>
-          <p:cNvSpPr txBox="1"/>
-          <p:nvPr/>
-        </p:nvSpPr>
-        <p:spPr>
-          <a:xfrm>
-            <a:off x="3316458" y="2598450"/>
-            <a:ext cx="1575534" cy="400110"/>
-          </a:xfrm>
-          <a:prstGeom prst="rect">
-            <a:avLst/>
-          </a:prstGeom>
-          <a:noFill/>
-        </p:spPr>
-        <p:txBody>
-          <a:bodyPr wrap="square" rtlCol="0">
-            <a:spAutoFit/>
-          </a:bodyPr>
-          <a:lstStyle/>
-          <a:p>
-            <a:pPr algn="ctr"/>
-            <a:r>
-              <a:rPr lang="en-US" altLang="zh-CN" sz="2000" dirty="0"/>
-              <a:t>memcpy</a:t>
-            </a:r>
-            <a:r>
-              <a:rPr lang="zh-CN" altLang="en-US" sz="2000" dirty="0"/>
-              <a:t> </a:t>
-            </a:r>
-            <a:r>
-              <a:rPr lang="en-US" altLang="zh-CN" sz="2000" dirty="0"/>
-              <a:t>size</a:t>
-            </a:r>
-            <a:endParaRPr lang="en-US" sz="2000" dirty="0"/>
-          </a:p>
-        </p:txBody>
-      </p:sp>
-      <p:sp>
-        <p:nvSpPr>
-          <p:cNvPr id="42" name="TextBox 41">
-            <a:extLst>
-              <a:ext uri="{FF2B5EF4-FFF2-40B4-BE49-F238E27FC236}">
-                <a16:creationId xmlns:a16="http://schemas.microsoft.com/office/drawing/2014/main" id="{B9FA384F-1782-3048-9628-DC74A97ECACB}"/>
-              </a:ext>
-            </a:extLst>
-          </p:cNvPr>
-          <p:cNvSpPr txBox="1"/>
-          <p:nvPr/>
-        </p:nvSpPr>
-        <p:spPr>
-          <a:xfrm>
-            <a:off x="4954405" y="2398395"/>
-            <a:ext cx="1575534" cy="400110"/>
-          </a:xfrm>
-          <a:prstGeom prst="rect">
-            <a:avLst/>
-          </a:prstGeom>
-          <a:noFill/>
-        </p:spPr>
-        <p:txBody>
-          <a:bodyPr wrap="square" rtlCol="0">
-            <a:spAutoFit/>
-          </a:bodyPr>
-          <a:lstStyle/>
-          <a:p>
-            <a:pPr algn="ctr"/>
-            <a:r>
-              <a:rPr lang="en-US" altLang="zh-CN" sz="2000" dirty="0"/>
-              <a:t>memcpy</a:t>
-            </a:r>
-            <a:r>
-              <a:rPr lang="zh-CN" altLang="en-US" sz="2000" dirty="0"/>
-              <a:t> </a:t>
-            </a:r>
-            <a:r>
-              <a:rPr lang="en-US" altLang="zh-CN" sz="2000" dirty="0"/>
-              <a:t>size</a:t>
-            </a:r>
-            <a:endParaRPr lang="en-US" sz="2000" dirty="0"/>
-          </a:p>
-        </p:txBody>
-      </p:sp>
-      <p:sp>
-        <p:nvSpPr>
-          <p:cNvPr id="43" name="Arrow: Left-Right 31">
-            <a:extLst>
-              <a:ext uri="{FF2B5EF4-FFF2-40B4-BE49-F238E27FC236}">
-                <a16:creationId xmlns:a16="http://schemas.microsoft.com/office/drawing/2014/main" id="{CAC7EEE1-8823-2448-AFAF-B50C756DE707}"/>
-              </a:ext>
-            </a:extLst>
-          </p:cNvPr>
-          <p:cNvSpPr/>
-          <p:nvPr/>
-        </p:nvSpPr>
-        <p:spPr>
-          <a:xfrm>
-            <a:off x="1685814" y="3994398"/>
-            <a:ext cx="1261957" cy="258852"/>
-          </a:xfrm>
-          <a:prstGeom prst="leftRightArrow">
-            <a:avLst/>
-          </a:prstGeom>
-          <a:solidFill>
-            <a:srgbClr val="B0DDF2"/>
-          </a:solidFill>
-          <a:ln w="19050">
-            <a:solidFill>
-              <a:schemeClr val="tx1"/>
-            </a:solidFill>
-          </a:ln>
-        </p:spPr>
-        <p:style>
-          <a:lnRef idx="2">
-            <a:schemeClr val="accent1">
-              <a:shade val="50000"/>
-            </a:schemeClr>
-          </a:lnRef>
-          <a:fillRef idx="1">
-            <a:schemeClr val="accent1"/>
-          </a:fillRef>
-          <a:effectRef idx="0">
-            <a:schemeClr val="accent1"/>
-          </a:effectRef>
-          <a:fontRef idx="minor">
-            <a:schemeClr val="lt1"/>
-          </a:fontRef>
-        </p:style>
-        <p:txBody>
-          <a:bodyPr rtlCol="0" anchor="ctr"/>
-          <a:lstStyle/>
-          <a:p>
-            <a:pPr algn="ctr"/>
-            <a:endParaRPr lang="en-US" sz="2000"/>
-          </a:p>
-        </p:txBody>
-      </p:sp>
-      <p:sp>
-        <p:nvSpPr>
-          <p:cNvPr id="44" name="TextBox 43">
-            <a:extLst>
-              <a:ext uri="{FF2B5EF4-FFF2-40B4-BE49-F238E27FC236}">
-                <a16:creationId xmlns:a16="http://schemas.microsoft.com/office/drawing/2014/main" id="{88957FFD-9289-884B-8BFA-50055A34B9AC}"/>
-              </a:ext>
-            </a:extLst>
-          </p:cNvPr>
-          <p:cNvSpPr txBox="1"/>
-          <p:nvPr/>
-        </p:nvSpPr>
-        <p:spPr>
-          <a:xfrm>
-            <a:off x="437628" y="3923769"/>
-            <a:ext cx="1317456" cy="400110"/>
-          </a:xfrm>
-          <a:prstGeom prst="rect">
-            <a:avLst/>
-          </a:prstGeom>
-          <a:noFill/>
-        </p:spPr>
-        <p:txBody>
-          <a:bodyPr wrap="square" rtlCol="0">
-            <a:spAutoFit/>
-          </a:bodyPr>
-          <a:lstStyle/>
-          <a:p>
-            <a:pPr algn="ctr"/>
-            <a:r>
-              <a:rPr lang="en-US" sz="2000" dirty="0"/>
-              <a:t>command</a:t>
-            </a:r>
-          </a:p>
-        </p:txBody>
-      </p:sp>
-      <p:sp>
-        <p:nvSpPr>
-          <p:cNvPr id="45" name="TextBox 44">
-            <a:extLst>
-              <a:ext uri="{FF2B5EF4-FFF2-40B4-BE49-F238E27FC236}">
-                <a16:creationId xmlns:a16="http://schemas.microsoft.com/office/drawing/2014/main" id="{34F65E0F-15BD-DB45-B588-C221CF6734A6}"/>
-              </a:ext>
-            </a:extLst>
-          </p:cNvPr>
-          <p:cNvSpPr txBox="1"/>
-          <p:nvPr/>
-        </p:nvSpPr>
-        <p:spPr>
-          <a:xfrm>
-            <a:off x="492669" y="4357653"/>
-            <a:ext cx="1317456" cy="400110"/>
-          </a:xfrm>
-          <a:prstGeom prst="rect">
-            <a:avLst/>
-          </a:prstGeom>
-          <a:noFill/>
-        </p:spPr>
-        <p:txBody>
-          <a:bodyPr wrap="square" rtlCol="0">
-            <a:spAutoFit/>
-          </a:bodyPr>
-          <a:lstStyle/>
-          <a:p>
-            <a:pPr algn="ctr"/>
-            <a:r>
-              <a:rPr lang="en-US" altLang="zh-CN" sz="2000" dirty="0"/>
-              <a:t>data</a:t>
-            </a:r>
-            <a:endParaRPr lang="en-US" sz="2000" dirty="0"/>
-          </a:p>
-        </p:txBody>
-      </p:sp>
-      <p:cxnSp>
-        <p:nvCxnSpPr>
-          <p:cNvPr id="46" name="Straight Arrow Connector 45">
-            <a:extLst>
-              <a:ext uri="{FF2B5EF4-FFF2-40B4-BE49-F238E27FC236}">
-                <a16:creationId xmlns:a16="http://schemas.microsoft.com/office/drawing/2014/main" id="{1C451A55-5756-D94E-898D-20BF00AC9739}"/>
-              </a:ext>
-            </a:extLst>
-          </p:cNvPr>
-          <p:cNvCxnSpPr>
-            <a:cxnSpLocks/>
-          </p:cNvCxnSpPr>
-          <p:nvPr/>
-        </p:nvCxnSpPr>
-        <p:spPr>
-          <a:xfrm>
-            <a:off x="1685814" y="4557708"/>
-            <a:ext cx="1323115" cy="0"/>
-          </a:xfrm>
-          <a:prstGeom prst="straightConnector1">
-            <a:avLst/>
-          </a:prstGeom>
-          <a:ln w="38100">
-            <a:solidFill>
-              <a:schemeClr val="tx1"/>
-            </a:solidFill>
-            <a:headEnd type="triangle" w="med" len="med"/>
-            <a:tailEnd type="triangle" w="med" len="med"/>
-          </a:ln>
-        </p:spPr>
-        <p:style>
-          <a:lnRef idx="1">
-            <a:schemeClr val="accent1"/>
-          </a:lnRef>
-          <a:fillRef idx="0">
-            <a:schemeClr val="accent1"/>
-          </a:fillRef>
-          <a:effectRef idx="0">
-            <a:schemeClr val="accent1"/>
-          </a:effectRef>
-          <a:fontRef idx="minor">
-            <a:schemeClr val="tx1"/>
-          </a:fontRef>
-        </p:style>
-      </p:cxnSp>
-      <p:sp>
-        <p:nvSpPr>
-          <p:cNvPr id="47" name="Rectangle 46">
-            <a:extLst>
-              <a:ext uri="{FF2B5EF4-FFF2-40B4-BE49-F238E27FC236}">
-                <a16:creationId xmlns:a16="http://schemas.microsoft.com/office/drawing/2014/main" id="{B2ECB57E-43C4-924D-A5CB-2A0A8B1E5FC7}"/>
-              </a:ext>
-            </a:extLst>
-          </p:cNvPr>
-          <p:cNvSpPr/>
-          <p:nvPr/>
-        </p:nvSpPr>
-        <p:spPr>
-          <a:xfrm>
-            <a:off x="441012" y="3657599"/>
-            <a:ext cx="2875446" cy="1337839"/>
-          </a:xfrm>
-          <a:prstGeom prst="rect">
-            <a:avLst/>
-          </a:prstGeom>
-          <a:noFill/>
           <a:ln w="38100">
             <a:solidFill>
               <a:schemeClr val="tx1"/>
@@ -5569,6 +4676,1701 @@
           <a:lstStyle/>
           <a:p>
             <a:pPr algn="ctr"/>
+            <a:r>
+              <a:rPr lang="en-US" sz="2000" dirty="0">
+                <a:solidFill>
+                  <a:schemeClr val="tx1"/>
+                </a:solidFill>
+              </a:rPr>
+              <a:t>SM</a:t>
+            </a:r>
+          </a:p>
+        </p:txBody>
+      </p:sp>
+      <p:sp>
+        <p:nvSpPr>
+          <p:cNvPr id="26" name="Rectangle 25">
+            <a:extLst>
+              <a:ext uri="{FF2B5EF4-FFF2-40B4-BE49-F238E27FC236}">
+                <a16:creationId xmlns:a16="http://schemas.microsoft.com/office/drawing/2014/main" id="{20FF6375-BA76-C94F-99CC-2FE64817AF43}"/>
+              </a:ext>
+            </a:extLst>
+          </p:cNvPr>
+          <p:cNvSpPr/>
+          <p:nvPr/>
+        </p:nvSpPr>
+        <p:spPr>
+          <a:xfrm>
+            <a:off x="10350513" y="1340467"/>
+            <a:ext cx="964096" cy="586408"/>
+          </a:xfrm>
+          <a:prstGeom prst="rect">
+            <a:avLst/>
+          </a:prstGeom>
+          <a:solidFill>
+            <a:schemeClr val="accent2">
+              <a:lumMod val="60000"/>
+              <a:lumOff val="40000"/>
+            </a:schemeClr>
+          </a:solidFill>
+          <a:ln w="38100">
+            <a:solidFill>
+              <a:schemeClr val="tx1"/>
+            </a:solidFill>
+          </a:ln>
+        </p:spPr>
+        <p:style>
+          <a:lnRef idx="2">
+            <a:schemeClr val="accent2">
+              <a:shade val="50000"/>
+            </a:schemeClr>
+          </a:lnRef>
+          <a:fillRef idx="1">
+            <a:schemeClr val="accent2"/>
+          </a:fillRef>
+          <a:effectRef idx="0">
+            <a:schemeClr val="accent2"/>
+          </a:effectRef>
+          <a:fontRef idx="minor">
+            <a:schemeClr val="lt1"/>
+          </a:fontRef>
+        </p:style>
+        <p:txBody>
+          <a:bodyPr rtlCol="0" anchor="ctr"/>
+          <a:lstStyle/>
+          <a:p>
+            <a:pPr algn="ctr"/>
+            <a:r>
+              <a:rPr lang="en-US" sz="2000" dirty="0">
+                <a:solidFill>
+                  <a:schemeClr val="tx1"/>
+                </a:solidFill>
+              </a:rPr>
+              <a:t>SM</a:t>
+            </a:r>
+          </a:p>
+        </p:txBody>
+      </p:sp>
+      <p:sp>
+        <p:nvSpPr>
+          <p:cNvPr id="27" name="TextBox 26">
+            <a:extLst>
+              <a:ext uri="{FF2B5EF4-FFF2-40B4-BE49-F238E27FC236}">
+                <a16:creationId xmlns:a16="http://schemas.microsoft.com/office/drawing/2014/main" id="{9B7E9EC4-8D89-5C48-B276-2999FEEB8CF9}"/>
+              </a:ext>
+            </a:extLst>
+          </p:cNvPr>
+          <p:cNvSpPr txBox="1"/>
+          <p:nvPr/>
+        </p:nvSpPr>
+        <p:spPr>
+          <a:xfrm>
+            <a:off x="9037176" y="1433616"/>
+            <a:ext cx="1018227" cy="400110"/>
+          </a:xfrm>
+          <a:prstGeom prst="rect">
+            <a:avLst/>
+          </a:prstGeom>
+          <a:noFill/>
+          <a:ln w="19050">
+            <a:noFill/>
+          </a:ln>
+        </p:spPr>
+        <p:txBody>
+          <a:bodyPr wrap="none" rtlCol="0">
+            <a:spAutoFit/>
+          </a:bodyPr>
+          <a:lstStyle/>
+          <a:p>
+            <a:r>
+              <a:rPr lang="en-US" sz="2000" dirty="0"/>
+              <a:t>…………..</a:t>
+            </a:r>
+          </a:p>
+        </p:txBody>
+      </p:sp>
+    </p:spTree>
+    <p:extLst>
+      <p:ext uri="{BB962C8B-B14F-4D97-AF65-F5344CB8AC3E}">
+        <p14:creationId xmlns:p14="http://schemas.microsoft.com/office/powerpoint/2010/main" val="2903233499"/>
+      </p:ext>
+    </p:extLst>
+  </p:cSld>
+  <p:clrMapOvr>
+    <a:masterClrMapping/>
+  </p:clrMapOvr>
+</p:sld>
+</file>
+
+<file path=ppt/slides/slide2.xml><?xml version="1.0" encoding="utf-8"?>
+<p:sld xmlns:a="http://schemas.openxmlformats.org/drawingml/2006/main" xmlns:r="http://schemas.openxmlformats.org/officeDocument/2006/relationships" xmlns:p="http://schemas.openxmlformats.org/presentationml/2006/main">
+  <p:cSld>
+    <p:spTree>
+      <p:nvGrpSpPr>
+        <p:cNvPr id="1" name=""/>
+        <p:cNvGrpSpPr/>
+        <p:nvPr/>
+      </p:nvGrpSpPr>
+      <p:grpSpPr>
+        <a:xfrm>
+          <a:off x="0" y="0"/>
+          <a:ext cx="0" cy="0"/>
+          <a:chOff x="0" y="0"/>
+          <a:chExt cx="0" cy="0"/>
+        </a:xfrm>
+      </p:grpSpPr>
+      <p:sp>
+        <p:nvSpPr>
+          <p:cNvPr id="28" name="Rounded Rectangle 27">
+            <a:extLst>
+              <a:ext uri="{FF2B5EF4-FFF2-40B4-BE49-F238E27FC236}">
+                <a16:creationId xmlns:a16="http://schemas.microsoft.com/office/drawing/2014/main" id="{EC7321D9-3329-4E4C-967F-65E3827E0B2A}"/>
+              </a:ext>
+            </a:extLst>
+          </p:cNvPr>
+          <p:cNvSpPr/>
+          <p:nvPr/>
+        </p:nvSpPr>
+        <p:spPr>
+          <a:xfrm>
+            <a:off x="9754950" y="463981"/>
+            <a:ext cx="1680983" cy="1337839"/>
+          </a:xfrm>
+          <a:prstGeom prst="roundRect">
+            <a:avLst/>
+          </a:prstGeom>
+          <a:solidFill>
+            <a:srgbClr val="13D2FF"/>
+          </a:solidFill>
+          <a:ln w="19050">
+            <a:solidFill>
+              <a:schemeClr val="tx1"/>
+            </a:solidFill>
+          </a:ln>
+        </p:spPr>
+        <p:style>
+          <a:lnRef idx="2">
+            <a:schemeClr val="accent1">
+              <a:shade val="50000"/>
+            </a:schemeClr>
+          </a:lnRef>
+          <a:fillRef idx="1">
+            <a:schemeClr val="accent1"/>
+          </a:fillRef>
+          <a:effectRef idx="0">
+            <a:schemeClr val="accent1"/>
+          </a:effectRef>
+          <a:fontRef idx="minor">
+            <a:schemeClr val="lt1"/>
+          </a:fontRef>
+        </p:style>
+        <p:txBody>
+          <a:bodyPr rtlCol="0" anchor="t"/>
+          <a:lstStyle/>
+          <a:p>
+            <a:pPr algn="ctr"/>
+            <a:r>
+              <a:rPr lang="en-US" altLang="zh-CN" sz="2000" dirty="0">
+                <a:solidFill>
+                  <a:schemeClr val="tx1"/>
+                </a:solidFill>
+              </a:rPr>
+              <a:t>SM</a:t>
+            </a:r>
+            <a:r>
+              <a:rPr lang="zh-CN" altLang="en-US" sz="2000" dirty="0">
+                <a:solidFill>
+                  <a:schemeClr val="tx1"/>
+                </a:solidFill>
+              </a:rPr>
+              <a:t> </a:t>
+            </a:r>
+            <a:r>
+              <a:rPr lang="en-US" altLang="zh-CN" sz="2000" dirty="0">
+                <a:solidFill>
+                  <a:schemeClr val="tx1"/>
+                </a:solidFill>
+              </a:rPr>
+              <a:t>Group</a:t>
+            </a:r>
+            <a:endParaRPr lang="en-US" sz="2000" dirty="0">
+              <a:solidFill>
+                <a:schemeClr val="tx1"/>
+              </a:solidFill>
+            </a:endParaRPr>
+          </a:p>
+        </p:txBody>
+      </p:sp>
+      <p:sp>
+        <p:nvSpPr>
+          <p:cNvPr id="2" name="Rounded Rectangle 1">
+            <a:extLst>
+              <a:ext uri="{FF2B5EF4-FFF2-40B4-BE49-F238E27FC236}">
+                <a16:creationId xmlns:a16="http://schemas.microsoft.com/office/drawing/2014/main" id="{01B9FBCE-4435-4C4C-9E96-E0A73B8730F3}"/>
+              </a:ext>
+            </a:extLst>
+          </p:cNvPr>
+          <p:cNvSpPr/>
+          <p:nvPr/>
+        </p:nvSpPr>
+        <p:spPr>
+          <a:xfrm>
+            <a:off x="3511030" y="840461"/>
+            <a:ext cx="1811747" cy="1337839"/>
+          </a:xfrm>
+          <a:prstGeom prst="roundRect">
+            <a:avLst/>
+          </a:prstGeom>
+          <a:solidFill>
+            <a:srgbClr val="13D2FF"/>
+          </a:solidFill>
+          <a:ln w="19050">
+            <a:solidFill>
+              <a:schemeClr val="tx1"/>
+            </a:solidFill>
+          </a:ln>
+        </p:spPr>
+        <p:style>
+          <a:lnRef idx="2">
+            <a:schemeClr val="accent1">
+              <a:shade val="50000"/>
+            </a:schemeClr>
+          </a:lnRef>
+          <a:fillRef idx="1">
+            <a:schemeClr val="accent1"/>
+          </a:fillRef>
+          <a:effectRef idx="0">
+            <a:schemeClr val="accent1"/>
+          </a:effectRef>
+          <a:fontRef idx="minor">
+            <a:schemeClr val="lt1"/>
+          </a:fontRef>
+        </p:style>
+        <p:txBody>
+          <a:bodyPr rtlCol="0" anchor="t"/>
+          <a:lstStyle/>
+          <a:p>
+            <a:pPr algn="ctr"/>
+            <a:r>
+              <a:rPr lang="en-US" sz="2000" dirty="0">
+                <a:solidFill>
+                  <a:schemeClr val="tx1"/>
+                </a:solidFill>
+              </a:rPr>
+              <a:t>Ariel</a:t>
+            </a:r>
+          </a:p>
+        </p:txBody>
+      </p:sp>
+      <p:sp>
+        <p:nvSpPr>
+          <p:cNvPr id="21" name="Rectangle 20">
+            <a:extLst>
+              <a:ext uri="{FF2B5EF4-FFF2-40B4-BE49-F238E27FC236}">
+                <a16:creationId xmlns:a16="http://schemas.microsoft.com/office/drawing/2014/main" id="{10865AD4-9091-43CE-8AAF-4464F486E31E}"/>
+              </a:ext>
+            </a:extLst>
+          </p:cNvPr>
+          <p:cNvSpPr/>
+          <p:nvPr/>
+        </p:nvSpPr>
+        <p:spPr>
+          <a:xfrm>
+            <a:off x="3950042" y="1330977"/>
+            <a:ext cx="964096" cy="586408"/>
+          </a:xfrm>
+          <a:prstGeom prst="rect">
+            <a:avLst/>
+          </a:prstGeom>
+          <a:solidFill>
+            <a:schemeClr val="accent2">
+              <a:lumMod val="60000"/>
+              <a:lumOff val="40000"/>
+            </a:schemeClr>
+          </a:solidFill>
+          <a:ln w="38100">
+            <a:solidFill>
+              <a:schemeClr val="tx1"/>
+            </a:solidFill>
+          </a:ln>
+        </p:spPr>
+        <p:style>
+          <a:lnRef idx="2">
+            <a:schemeClr val="accent2">
+              <a:shade val="50000"/>
+            </a:schemeClr>
+          </a:lnRef>
+          <a:fillRef idx="1">
+            <a:schemeClr val="accent2"/>
+          </a:fillRef>
+          <a:effectRef idx="0">
+            <a:schemeClr val="accent2"/>
+          </a:effectRef>
+          <a:fontRef idx="minor">
+            <a:schemeClr val="lt1"/>
+          </a:fontRef>
+        </p:style>
+        <p:txBody>
+          <a:bodyPr rtlCol="0" anchor="ctr"/>
+          <a:lstStyle/>
+          <a:p>
+            <a:pPr algn="ctr"/>
+            <a:r>
+              <a:rPr lang="en-US" sz="2000" dirty="0">
+                <a:solidFill>
+                  <a:schemeClr val="tx1"/>
+                </a:solidFill>
+              </a:rPr>
+              <a:t>CPU</a:t>
+            </a:r>
+          </a:p>
+        </p:txBody>
+      </p:sp>
+      <p:sp>
+        <p:nvSpPr>
+          <p:cNvPr id="58" name="Arrow: Left-Right 31">
+            <a:extLst>
+              <a:ext uri="{FF2B5EF4-FFF2-40B4-BE49-F238E27FC236}">
+                <a16:creationId xmlns:a16="http://schemas.microsoft.com/office/drawing/2014/main" id="{50C7562A-7C61-9E42-BEF7-B2FBB7E9AC2B}"/>
+              </a:ext>
+            </a:extLst>
+          </p:cNvPr>
+          <p:cNvSpPr/>
+          <p:nvPr/>
+        </p:nvSpPr>
+        <p:spPr>
+          <a:xfrm>
+            <a:off x="5333164" y="1214019"/>
+            <a:ext cx="1261957" cy="258852"/>
+          </a:xfrm>
+          <a:prstGeom prst="leftRightArrow">
+            <a:avLst/>
+          </a:prstGeom>
+          <a:solidFill>
+            <a:srgbClr val="B0DDF2"/>
+          </a:solidFill>
+          <a:ln w="19050">
+            <a:solidFill>
+              <a:schemeClr val="tx1"/>
+            </a:solidFill>
+          </a:ln>
+        </p:spPr>
+        <p:style>
+          <a:lnRef idx="2">
+            <a:schemeClr val="accent1">
+              <a:shade val="50000"/>
+            </a:schemeClr>
+          </a:lnRef>
+          <a:fillRef idx="1">
+            <a:schemeClr val="accent1"/>
+          </a:fillRef>
+          <a:effectRef idx="0">
+            <a:schemeClr val="accent1"/>
+          </a:effectRef>
+          <a:fontRef idx="minor">
+            <a:schemeClr val="lt1"/>
+          </a:fontRef>
+        </p:style>
+        <p:txBody>
+          <a:bodyPr rtlCol="0" anchor="ctr"/>
+          <a:lstStyle/>
+          <a:p>
+            <a:pPr algn="ctr"/>
+            <a:endParaRPr lang="en-US" sz="2000"/>
+          </a:p>
+        </p:txBody>
+      </p:sp>
+      <p:sp>
+        <p:nvSpPr>
+          <p:cNvPr id="67" name="TextBox 66">
+            <a:extLst>
+              <a:ext uri="{FF2B5EF4-FFF2-40B4-BE49-F238E27FC236}">
+                <a16:creationId xmlns:a16="http://schemas.microsoft.com/office/drawing/2014/main" id="{89B5B1E2-7221-5C41-AFD8-79C42182E21B}"/>
+              </a:ext>
+            </a:extLst>
+          </p:cNvPr>
+          <p:cNvSpPr txBox="1"/>
+          <p:nvPr/>
+        </p:nvSpPr>
+        <p:spPr>
+          <a:xfrm>
+            <a:off x="5305414" y="1470413"/>
+            <a:ext cx="1317456" cy="707886"/>
+          </a:xfrm>
+          <a:prstGeom prst="rect">
+            <a:avLst/>
+          </a:prstGeom>
+          <a:noFill/>
+        </p:spPr>
+        <p:txBody>
+          <a:bodyPr wrap="square" rtlCol="0">
+            <a:spAutoFit/>
+          </a:bodyPr>
+          <a:lstStyle/>
+          <a:p>
+            <a:pPr algn="ctr"/>
+            <a:r>
+              <a:rPr lang="en-US" altLang="zh-CN" sz="2000" dirty="0"/>
+              <a:t>API</a:t>
+            </a:r>
+            <a:r>
+              <a:rPr lang="en-US" sz="2000" dirty="0"/>
+              <a:t> command</a:t>
+            </a:r>
+          </a:p>
+        </p:txBody>
+      </p:sp>
+      <p:sp>
+        <p:nvSpPr>
+          <p:cNvPr id="68" name="TextBox 67">
+            <a:extLst>
+              <a:ext uri="{FF2B5EF4-FFF2-40B4-BE49-F238E27FC236}">
+                <a16:creationId xmlns:a16="http://schemas.microsoft.com/office/drawing/2014/main" id="{B5AFA252-8E64-6341-BF3A-6362A3C2F889}"/>
+              </a:ext>
+            </a:extLst>
+          </p:cNvPr>
+          <p:cNvSpPr txBox="1"/>
+          <p:nvPr/>
+        </p:nvSpPr>
+        <p:spPr>
+          <a:xfrm>
+            <a:off x="8215956" y="1536195"/>
+            <a:ext cx="1374882" cy="1015663"/>
+          </a:xfrm>
+          <a:prstGeom prst="rect">
+            <a:avLst/>
+          </a:prstGeom>
+          <a:noFill/>
+        </p:spPr>
+        <p:txBody>
+          <a:bodyPr wrap="square" rtlCol="0">
+            <a:spAutoFit/>
+          </a:bodyPr>
+          <a:lstStyle/>
+          <a:p>
+            <a:pPr algn="ctr"/>
+            <a:r>
+              <a:rPr lang="en-US" sz="2000" dirty="0"/>
+              <a:t>CTA command</a:t>
+            </a:r>
+          </a:p>
+          <a:p>
+            <a:endParaRPr lang="en-US" sz="2000" dirty="0"/>
+          </a:p>
+        </p:txBody>
+      </p:sp>
+      <p:sp>
+        <p:nvSpPr>
+          <p:cNvPr id="71" name="Arrow: Left-Right 31">
+            <a:extLst>
+              <a:ext uri="{FF2B5EF4-FFF2-40B4-BE49-F238E27FC236}">
+                <a16:creationId xmlns:a16="http://schemas.microsoft.com/office/drawing/2014/main" id="{6C55F45A-E80B-6642-9666-37D0E47D4D26}"/>
+              </a:ext>
+            </a:extLst>
+          </p:cNvPr>
+          <p:cNvSpPr/>
+          <p:nvPr/>
+        </p:nvSpPr>
+        <p:spPr>
+          <a:xfrm>
+            <a:off x="8296464" y="1214019"/>
+            <a:ext cx="1210845" cy="303377"/>
+          </a:xfrm>
+          <a:prstGeom prst="leftRightArrow">
+            <a:avLst/>
+          </a:prstGeom>
+          <a:solidFill>
+            <a:srgbClr val="B0DDF2"/>
+          </a:solidFill>
+          <a:ln w="19050">
+            <a:solidFill>
+              <a:schemeClr val="tx1"/>
+            </a:solidFill>
+          </a:ln>
+        </p:spPr>
+        <p:style>
+          <a:lnRef idx="2">
+            <a:schemeClr val="accent1">
+              <a:shade val="50000"/>
+            </a:schemeClr>
+          </a:lnRef>
+          <a:fillRef idx="1">
+            <a:schemeClr val="accent1"/>
+          </a:fillRef>
+          <a:effectRef idx="0">
+            <a:schemeClr val="accent1"/>
+          </a:effectRef>
+          <a:fontRef idx="minor">
+            <a:schemeClr val="lt1"/>
+          </a:fontRef>
+        </p:style>
+        <p:txBody>
+          <a:bodyPr rtlCol="0" anchor="ctr"/>
+          <a:lstStyle/>
+          <a:p>
+            <a:pPr algn="ctr"/>
+            <a:endParaRPr lang="en-US" sz="2000"/>
+          </a:p>
+        </p:txBody>
+      </p:sp>
+      <p:sp>
+        <p:nvSpPr>
+          <p:cNvPr id="22" name="Rounded Rectangle 21">
+            <a:extLst>
+              <a:ext uri="{FF2B5EF4-FFF2-40B4-BE49-F238E27FC236}">
+                <a16:creationId xmlns:a16="http://schemas.microsoft.com/office/drawing/2014/main" id="{8FABE294-9C11-DB40-93A8-0C1C531F6012}"/>
+              </a:ext>
+            </a:extLst>
+          </p:cNvPr>
+          <p:cNvSpPr/>
+          <p:nvPr/>
+        </p:nvSpPr>
+        <p:spPr>
+          <a:xfrm>
+            <a:off x="6615481" y="840460"/>
+            <a:ext cx="1680983" cy="1337839"/>
+          </a:xfrm>
+          <a:prstGeom prst="roundRect">
+            <a:avLst/>
+          </a:prstGeom>
+          <a:solidFill>
+            <a:srgbClr val="13D2FF"/>
+          </a:solidFill>
+          <a:ln w="19050">
+            <a:solidFill>
+              <a:schemeClr val="tx1"/>
+            </a:solidFill>
+          </a:ln>
+        </p:spPr>
+        <p:style>
+          <a:lnRef idx="2">
+            <a:schemeClr val="accent1">
+              <a:shade val="50000"/>
+            </a:schemeClr>
+          </a:lnRef>
+          <a:fillRef idx="1">
+            <a:schemeClr val="accent1"/>
+          </a:fillRef>
+          <a:effectRef idx="0">
+            <a:schemeClr val="accent1"/>
+          </a:effectRef>
+          <a:fontRef idx="minor">
+            <a:schemeClr val="lt1"/>
+          </a:fontRef>
+        </p:style>
+        <p:txBody>
+          <a:bodyPr rtlCol="0" anchor="ctr"/>
+          <a:lstStyle/>
+          <a:p>
+            <a:pPr algn="ctr"/>
+            <a:r>
+              <a:rPr lang="en-US" sz="2000" dirty="0">
+                <a:solidFill>
+                  <a:schemeClr val="tx1"/>
+                </a:solidFill>
+              </a:rPr>
+              <a:t>GPUSched</a:t>
+            </a:r>
+          </a:p>
+        </p:txBody>
+      </p:sp>
+      <p:sp>
+        <p:nvSpPr>
+          <p:cNvPr id="23" name="Rounded Rectangle 22">
+            <a:extLst>
+              <a:ext uri="{FF2B5EF4-FFF2-40B4-BE49-F238E27FC236}">
+                <a16:creationId xmlns:a16="http://schemas.microsoft.com/office/drawing/2014/main" id="{99FCAE7D-AD1D-424A-8FA8-C0F8C0FF5492}"/>
+              </a:ext>
+            </a:extLst>
+          </p:cNvPr>
+          <p:cNvSpPr/>
+          <p:nvPr/>
+        </p:nvSpPr>
+        <p:spPr>
+          <a:xfrm>
+            <a:off x="9512968" y="953744"/>
+            <a:ext cx="1680983" cy="1337839"/>
+          </a:xfrm>
+          <a:prstGeom prst="roundRect">
+            <a:avLst/>
+          </a:prstGeom>
+          <a:solidFill>
+            <a:srgbClr val="13D2FF"/>
+          </a:solidFill>
+          <a:ln w="19050">
+            <a:solidFill>
+              <a:schemeClr val="tx1"/>
+            </a:solidFill>
+          </a:ln>
+        </p:spPr>
+        <p:style>
+          <a:lnRef idx="2">
+            <a:schemeClr val="accent1">
+              <a:shade val="50000"/>
+            </a:schemeClr>
+          </a:lnRef>
+          <a:fillRef idx="1">
+            <a:schemeClr val="accent1"/>
+          </a:fillRef>
+          <a:effectRef idx="0">
+            <a:schemeClr val="accent1"/>
+          </a:effectRef>
+          <a:fontRef idx="minor">
+            <a:schemeClr val="lt1"/>
+          </a:fontRef>
+        </p:style>
+        <p:txBody>
+          <a:bodyPr rtlCol="0" anchor="t"/>
+          <a:lstStyle/>
+          <a:p>
+            <a:pPr algn="ctr"/>
+            <a:r>
+              <a:rPr lang="en-US" altLang="zh-CN" sz="2000" dirty="0">
+                <a:solidFill>
+                  <a:schemeClr val="tx1"/>
+                </a:solidFill>
+              </a:rPr>
+              <a:t>SM</a:t>
+            </a:r>
+            <a:r>
+              <a:rPr lang="zh-CN" altLang="en-US" sz="2000" dirty="0">
+                <a:solidFill>
+                  <a:schemeClr val="tx1"/>
+                </a:solidFill>
+              </a:rPr>
+              <a:t> </a:t>
+            </a:r>
+            <a:r>
+              <a:rPr lang="en-US" altLang="zh-CN" sz="2000" dirty="0">
+                <a:solidFill>
+                  <a:schemeClr val="tx1"/>
+                </a:solidFill>
+              </a:rPr>
+              <a:t>Group</a:t>
+            </a:r>
+            <a:endParaRPr lang="en-US" sz="2000" dirty="0">
+              <a:solidFill>
+                <a:schemeClr val="tx1"/>
+              </a:solidFill>
+            </a:endParaRPr>
+          </a:p>
+        </p:txBody>
+      </p:sp>
+      <p:sp>
+        <p:nvSpPr>
+          <p:cNvPr id="15" name="Rounded Rectangle 14">
+            <a:extLst>
+              <a:ext uri="{FF2B5EF4-FFF2-40B4-BE49-F238E27FC236}">
+                <a16:creationId xmlns:a16="http://schemas.microsoft.com/office/drawing/2014/main" id="{3354DF32-9700-754E-B106-0561C1EB56BC}"/>
+              </a:ext>
+            </a:extLst>
+          </p:cNvPr>
+          <p:cNvSpPr/>
+          <p:nvPr/>
+        </p:nvSpPr>
+        <p:spPr>
+          <a:xfrm>
+            <a:off x="399470" y="840460"/>
+            <a:ext cx="1811747" cy="1337839"/>
+          </a:xfrm>
+          <a:prstGeom prst="roundRect">
+            <a:avLst/>
+          </a:prstGeom>
+          <a:solidFill>
+            <a:srgbClr val="13D2FF"/>
+          </a:solidFill>
+          <a:ln w="19050">
+            <a:solidFill>
+              <a:schemeClr val="tx1"/>
+            </a:solidFill>
+          </a:ln>
+        </p:spPr>
+        <p:style>
+          <a:lnRef idx="2">
+            <a:schemeClr val="accent1">
+              <a:shade val="50000"/>
+            </a:schemeClr>
+          </a:lnRef>
+          <a:fillRef idx="1">
+            <a:schemeClr val="accent1"/>
+          </a:fillRef>
+          <a:effectRef idx="0">
+            <a:schemeClr val="accent1"/>
+          </a:effectRef>
+          <a:fontRef idx="minor">
+            <a:schemeClr val="lt1"/>
+          </a:fontRef>
+        </p:style>
+        <p:txBody>
+          <a:bodyPr rtlCol="0" anchor="t"/>
+          <a:lstStyle/>
+          <a:p>
+            <a:pPr algn="ctr"/>
+            <a:r>
+              <a:rPr lang="en-US" altLang="zh-CN" sz="2000" dirty="0">
+                <a:solidFill>
+                  <a:schemeClr val="tx1"/>
+                </a:solidFill>
+              </a:rPr>
+              <a:t>PIN</a:t>
+            </a:r>
+            <a:r>
+              <a:rPr lang="zh-CN" altLang="en-US" sz="2000" dirty="0">
+                <a:solidFill>
+                  <a:schemeClr val="tx1"/>
+                </a:solidFill>
+              </a:rPr>
+              <a:t> </a:t>
+            </a:r>
+            <a:r>
+              <a:rPr lang="en-US" altLang="zh-CN" sz="2000" dirty="0">
+                <a:solidFill>
+                  <a:schemeClr val="tx1"/>
+                </a:solidFill>
+              </a:rPr>
+              <a:t>trace</a:t>
+            </a:r>
+            <a:r>
+              <a:rPr lang="zh-CN" altLang="en-US" sz="2000" dirty="0">
+                <a:solidFill>
+                  <a:schemeClr val="tx1"/>
+                </a:solidFill>
+              </a:rPr>
+              <a:t> </a:t>
+            </a:r>
+            <a:r>
+              <a:rPr lang="en-US" altLang="zh-CN" sz="2000" dirty="0">
+                <a:solidFill>
+                  <a:schemeClr val="tx1"/>
+                </a:solidFill>
+              </a:rPr>
+              <a:t>Lib</a:t>
+            </a:r>
+            <a:endParaRPr lang="en-US" sz="2000" dirty="0">
+              <a:solidFill>
+                <a:schemeClr val="tx1"/>
+              </a:solidFill>
+            </a:endParaRPr>
+          </a:p>
+        </p:txBody>
+      </p:sp>
+      <p:sp>
+        <p:nvSpPr>
+          <p:cNvPr id="16" name="Rectangle 15">
+            <a:extLst>
+              <a:ext uri="{FF2B5EF4-FFF2-40B4-BE49-F238E27FC236}">
+                <a16:creationId xmlns:a16="http://schemas.microsoft.com/office/drawing/2014/main" id="{8CF5D9C0-8543-E04B-9570-C3CA3542A3E8}"/>
+              </a:ext>
+            </a:extLst>
+          </p:cNvPr>
+          <p:cNvSpPr/>
+          <p:nvPr/>
+        </p:nvSpPr>
+        <p:spPr>
+          <a:xfrm>
+            <a:off x="809717" y="1460167"/>
+            <a:ext cx="964096" cy="586408"/>
+          </a:xfrm>
+          <a:prstGeom prst="rect">
+            <a:avLst/>
+          </a:prstGeom>
+          <a:solidFill>
+            <a:schemeClr val="accent2">
+              <a:lumMod val="60000"/>
+              <a:lumOff val="40000"/>
+            </a:schemeClr>
+          </a:solidFill>
+          <a:ln w="38100">
+            <a:solidFill>
+              <a:schemeClr val="tx1"/>
+            </a:solidFill>
+          </a:ln>
+        </p:spPr>
+        <p:style>
+          <a:lnRef idx="2">
+            <a:schemeClr val="accent2">
+              <a:shade val="50000"/>
+            </a:schemeClr>
+          </a:lnRef>
+          <a:fillRef idx="1">
+            <a:schemeClr val="accent2"/>
+          </a:fillRef>
+          <a:effectRef idx="0">
+            <a:schemeClr val="accent2"/>
+          </a:effectRef>
+          <a:fontRef idx="minor">
+            <a:schemeClr val="lt1"/>
+          </a:fontRef>
+        </p:style>
+        <p:txBody>
+          <a:bodyPr rtlCol="0" anchor="ctr"/>
+          <a:lstStyle/>
+          <a:p>
+            <a:pPr algn="ctr"/>
+            <a:r>
+              <a:rPr lang="en-US" altLang="zh-CN" sz="2000" dirty="0">
+                <a:solidFill>
+                  <a:schemeClr val="tx1"/>
+                </a:solidFill>
+              </a:rPr>
+              <a:t>App</a:t>
+            </a:r>
+            <a:endParaRPr lang="en-US" sz="2000" dirty="0">
+              <a:solidFill>
+                <a:schemeClr val="tx1"/>
+              </a:solidFill>
+            </a:endParaRPr>
+          </a:p>
+        </p:txBody>
+      </p:sp>
+      <p:sp>
+        <p:nvSpPr>
+          <p:cNvPr id="17" name="Rounded Rectangle 16">
+            <a:extLst>
+              <a:ext uri="{FF2B5EF4-FFF2-40B4-BE49-F238E27FC236}">
+                <a16:creationId xmlns:a16="http://schemas.microsoft.com/office/drawing/2014/main" id="{B1E18E69-D67D-0B4A-AB51-233750BA34B7}"/>
+              </a:ext>
+            </a:extLst>
+          </p:cNvPr>
+          <p:cNvSpPr/>
+          <p:nvPr/>
+        </p:nvSpPr>
+        <p:spPr>
+          <a:xfrm>
+            <a:off x="3950043" y="3657600"/>
+            <a:ext cx="2875446" cy="1479300"/>
+          </a:xfrm>
+          <a:prstGeom prst="roundRect">
+            <a:avLst>
+              <a:gd name="adj" fmla="val 7808"/>
+            </a:avLst>
+          </a:prstGeom>
+          <a:solidFill>
+            <a:srgbClr val="CBE5FF"/>
+          </a:solidFill>
+          <a:ln w="19050">
+            <a:solidFill>
+              <a:schemeClr val="tx1"/>
+            </a:solidFill>
+          </a:ln>
+        </p:spPr>
+        <p:style>
+          <a:lnRef idx="2">
+            <a:schemeClr val="accent1">
+              <a:shade val="50000"/>
+            </a:schemeClr>
+          </a:lnRef>
+          <a:fillRef idx="1">
+            <a:schemeClr val="accent1"/>
+          </a:fillRef>
+          <a:effectRef idx="0">
+            <a:schemeClr val="accent1"/>
+          </a:effectRef>
+          <a:fontRef idx="minor">
+            <a:schemeClr val="lt1"/>
+          </a:fontRef>
+        </p:style>
+        <p:txBody>
+          <a:bodyPr rtlCol="0" anchor="ctr"/>
+          <a:lstStyle/>
+          <a:p>
+            <a:pPr algn="ctr"/>
+            <a:r>
+              <a:rPr lang="en-US" altLang="zh-CN" sz="2000" dirty="0">
+                <a:solidFill>
+                  <a:schemeClr val="tx1"/>
+                </a:solidFill>
+              </a:rPr>
+              <a:t>CPU</a:t>
+            </a:r>
+            <a:r>
+              <a:rPr lang="zh-CN" altLang="en-US" sz="2000" dirty="0">
+                <a:solidFill>
+                  <a:schemeClr val="tx1"/>
+                </a:solidFill>
+              </a:rPr>
+              <a:t> </a:t>
+            </a:r>
+            <a:r>
+              <a:rPr lang="en-US" altLang="zh-CN" sz="2000" dirty="0">
+                <a:solidFill>
+                  <a:schemeClr val="tx1"/>
+                </a:solidFill>
+              </a:rPr>
+              <a:t>memory</a:t>
+            </a:r>
+            <a:endParaRPr lang="en-US" sz="2000" dirty="0">
+              <a:solidFill>
+                <a:schemeClr val="tx1"/>
+              </a:solidFill>
+            </a:endParaRPr>
+          </a:p>
+        </p:txBody>
+      </p:sp>
+      <p:sp>
+        <p:nvSpPr>
+          <p:cNvPr id="18" name="Rounded Rectangle 17">
+            <a:extLst>
+              <a:ext uri="{FF2B5EF4-FFF2-40B4-BE49-F238E27FC236}">
+                <a16:creationId xmlns:a16="http://schemas.microsoft.com/office/drawing/2014/main" id="{4414A960-CFE1-A34E-A2BF-2BD3AC1ADF42}"/>
+              </a:ext>
+            </a:extLst>
+          </p:cNvPr>
+          <p:cNvSpPr/>
+          <p:nvPr/>
+        </p:nvSpPr>
+        <p:spPr>
+          <a:xfrm>
+            <a:off x="7455971" y="3657600"/>
+            <a:ext cx="3324323" cy="1544968"/>
+          </a:xfrm>
+          <a:prstGeom prst="roundRect">
+            <a:avLst>
+              <a:gd name="adj" fmla="val 7808"/>
+            </a:avLst>
+          </a:prstGeom>
+          <a:solidFill>
+            <a:srgbClr val="CBE5FF"/>
+          </a:solidFill>
+          <a:ln w="19050">
+            <a:solidFill>
+              <a:schemeClr val="tx1"/>
+            </a:solidFill>
+          </a:ln>
+        </p:spPr>
+        <p:style>
+          <a:lnRef idx="2">
+            <a:schemeClr val="accent1">
+              <a:shade val="50000"/>
+            </a:schemeClr>
+          </a:lnRef>
+          <a:fillRef idx="1">
+            <a:schemeClr val="accent1"/>
+          </a:fillRef>
+          <a:effectRef idx="0">
+            <a:schemeClr val="accent1"/>
+          </a:effectRef>
+          <a:fontRef idx="minor">
+            <a:schemeClr val="lt1"/>
+          </a:fontRef>
+        </p:style>
+        <p:txBody>
+          <a:bodyPr rtlCol="0" anchor="ctr"/>
+          <a:lstStyle/>
+          <a:p>
+            <a:pPr algn="ctr"/>
+            <a:r>
+              <a:rPr lang="en-US" altLang="zh-CN" sz="2000" dirty="0">
+                <a:solidFill>
+                  <a:schemeClr val="tx1"/>
+                </a:solidFill>
+              </a:rPr>
+              <a:t>GPU</a:t>
+            </a:r>
+            <a:r>
+              <a:rPr lang="zh-CN" altLang="en-US" sz="2000" dirty="0">
+                <a:solidFill>
+                  <a:schemeClr val="tx1"/>
+                </a:solidFill>
+              </a:rPr>
+              <a:t> </a:t>
+            </a:r>
+            <a:r>
+              <a:rPr lang="en-US" altLang="zh-CN" sz="2000" dirty="0">
+                <a:solidFill>
+                  <a:schemeClr val="tx1"/>
+                </a:solidFill>
+              </a:rPr>
+              <a:t>memory</a:t>
+            </a:r>
+            <a:endParaRPr lang="en-US" sz="2000" dirty="0">
+              <a:solidFill>
+                <a:schemeClr val="tx1"/>
+              </a:solidFill>
+            </a:endParaRPr>
+          </a:p>
+        </p:txBody>
+      </p:sp>
+      <p:sp>
+        <p:nvSpPr>
+          <p:cNvPr id="20" name="Arrow: Left-Right 31">
+            <a:extLst>
+              <a:ext uri="{FF2B5EF4-FFF2-40B4-BE49-F238E27FC236}">
+                <a16:creationId xmlns:a16="http://schemas.microsoft.com/office/drawing/2014/main" id="{90D01C4A-63EE-0E4E-A9E1-3D2B938853A5}"/>
+              </a:ext>
+            </a:extLst>
+          </p:cNvPr>
+          <p:cNvSpPr/>
+          <p:nvPr/>
+        </p:nvSpPr>
+        <p:spPr>
+          <a:xfrm>
+            <a:off x="2228713" y="1132900"/>
+            <a:ext cx="1261957" cy="258852"/>
+          </a:xfrm>
+          <a:prstGeom prst="leftRightArrow">
+            <a:avLst/>
+          </a:prstGeom>
+          <a:solidFill>
+            <a:srgbClr val="B0DDF2"/>
+          </a:solidFill>
+          <a:ln w="19050">
+            <a:solidFill>
+              <a:schemeClr val="tx1"/>
+            </a:solidFill>
+          </a:ln>
+        </p:spPr>
+        <p:style>
+          <a:lnRef idx="2">
+            <a:schemeClr val="accent1">
+              <a:shade val="50000"/>
+            </a:schemeClr>
+          </a:lnRef>
+          <a:fillRef idx="1">
+            <a:schemeClr val="accent1"/>
+          </a:fillRef>
+          <a:effectRef idx="0">
+            <a:schemeClr val="accent1"/>
+          </a:effectRef>
+          <a:fontRef idx="minor">
+            <a:schemeClr val="lt1"/>
+          </a:fontRef>
+        </p:style>
+        <p:txBody>
+          <a:bodyPr rtlCol="0" anchor="ctr"/>
+          <a:lstStyle/>
+          <a:p>
+            <a:pPr algn="ctr"/>
+            <a:endParaRPr lang="en-US" sz="2000"/>
+          </a:p>
+        </p:txBody>
+      </p:sp>
+      <p:sp>
+        <p:nvSpPr>
+          <p:cNvPr id="29" name="TextBox 28">
+            <a:extLst>
+              <a:ext uri="{FF2B5EF4-FFF2-40B4-BE49-F238E27FC236}">
+                <a16:creationId xmlns:a16="http://schemas.microsoft.com/office/drawing/2014/main" id="{E851C819-306C-B147-BC00-6074C2D8E1D5}"/>
+              </a:ext>
+            </a:extLst>
+          </p:cNvPr>
+          <p:cNvSpPr txBox="1"/>
+          <p:nvPr/>
+        </p:nvSpPr>
+        <p:spPr>
+          <a:xfrm>
+            <a:off x="2216876" y="486517"/>
+            <a:ext cx="1317456" cy="707886"/>
+          </a:xfrm>
+          <a:prstGeom prst="rect">
+            <a:avLst/>
+          </a:prstGeom>
+          <a:noFill/>
+        </p:spPr>
+        <p:txBody>
+          <a:bodyPr wrap="square" rtlCol="0">
+            <a:spAutoFit/>
+          </a:bodyPr>
+          <a:lstStyle/>
+          <a:p>
+            <a:pPr algn="ctr"/>
+            <a:r>
+              <a:rPr lang="en-US" altLang="zh-CN" sz="2000" dirty="0"/>
+              <a:t>API</a:t>
+            </a:r>
+            <a:r>
+              <a:rPr lang="en-US" sz="2000" dirty="0"/>
+              <a:t> command</a:t>
+            </a:r>
+          </a:p>
+        </p:txBody>
+      </p:sp>
+      <p:cxnSp>
+        <p:nvCxnSpPr>
+          <p:cNvPr id="30" name="Straight Arrow Connector 29">
+            <a:extLst>
+              <a:ext uri="{FF2B5EF4-FFF2-40B4-BE49-F238E27FC236}">
+                <a16:creationId xmlns:a16="http://schemas.microsoft.com/office/drawing/2014/main" id="{67BD0AD6-FD70-B14C-8654-BB1FC6186172}"/>
+              </a:ext>
+            </a:extLst>
+          </p:cNvPr>
+          <p:cNvCxnSpPr>
+            <a:cxnSpLocks/>
+          </p:cNvCxnSpPr>
+          <p:nvPr/>
+        </p:nvCxnSpPr>
+        <p:spPr>
+          <a:xfrm>
+            <a:off x="2211217" y="1753076"/>
+            <a:ext cx="1323115" cy="0"/>
+          </a:xfrm>
+          <a:prstGeom prst="straightConnector1">
+            <a:avLst/>
+          </a:prstGeom>
+          <a:ln w="38100">
+            <a:solidFill>
+              <a:schemeClr val="tx1"/>
+            </a:solidFill>
+            <a:headEnd type="triangle" w="med" len="med"/>
+            <a:tailEnd type="triangle" w="med" len="med"/>
+          </a:ln>
+        </p:spPr>
+        <p:style>
+          <a:lnRef idx="1">
+            <a:schemeClr val="accent1"/>
+          </a:lnRef>
+          <a:fillRef idx="0">
+            <a:schemeClr val="accent1"/>
+          </a:fillRef>
+          <a:effectRef idx="0">
+            <a:schemeClr val="accent1"/>
+          </a:effectRef>
+          <a:fontRef idx="minor">
+            <a:schemeClr val="tx1"/>
+          </a:fontRef>
+        </p:style>
+      </p:cxnSp>
+      <p:sp>
+        <p:nvSpPr>
+          <p:cNvPr id="31" name="TextBox 30">
+            <a:extLst>
+              <a:ext uri="{FF2B5EF4-FFF2-40B4-BE49-F238E27FC236}">
+                <a16:creationId xmlns:a16="http://schemas.microsoft.com/office/drawing/2014/main" id="{659D5434-8CC1-BC4E-B325-6DF67C8EDEAC}"/>
+              </a:ext>
+            </a:extLst>
+          </p:cNvPr>
+          <p:cNvSpPr txBox="1"/>
+          <p:nvPr/>
+        </p:nvSpPr>
+        <p:spPr>
+          <a:xfrm>
+            <a:off x="2173214" y="1905829"/>
+            <a:ext cx="1317456" cy="400110"/>
+          </a:xfrm>
+          <a:prstGeom prst="rect">
+            <a:avLst/>
+          </a:prstGeom>
+          <a:noFill/>
+        </p:spPr>
+        <p:txBody>
+          <a:bodyPr wrap="square" rtlCol="0">
+            <a:spAutoFit/>
+          </a:bodyPr>
+          <a:lstStyle/>
+          <a:p>
+            <a:pPr algn="ctr"/>
+            <a:r>
+              <a:rPr lang="en-US" altLang="zh-CN" sz="2000" dirty="0"/>
+              <a:t>4KiB</a:t>
+            </a:r>
+            <a:r>
+              <a:rPr lang="zh-CN" altLang="en-US" sz="2000" dirty="0"/>
+              <a:t> </a:t>
+            </a:r>
+            <a:r>
+              <a:rPr lang="en-US" altLang="zh-CN" sz="2000" dirty="0"/>
+              <a:t>size</a:t>
+            </a:r>
+            <a:endParaRPr lang="en-US" sz="2000" dirty="0"/>
+          </a:p>
+        </p:txBody>
+      </p:sp>
+      <p:cxnSp>
+        <p:nvCxnSpPr>
+          <p:cNvPr id="32" name="Straight Arrow Connector 31">
+            <a:extLst>
+              <a:ext uri="{FF2B5EF4-FFF2-40B4-BE49-F238E27FC236}">
+                <a16:creationId xmlns:a16="http://schemas.microsoft.com/office/drawing/2014/main" id="{3DD59588-80F4-284C-B1EB-A646C1EB6ADB}"/>
+              </a:ext>
+            </a:extLst>
+          </p:cNvPr>
+          <p:cNvCxnSpPr>
+            <a:cxnSpLocks/>
+            <a:stCxn id="21" idx="2"/>
+          </p:cNvCxnSpPr>
+          <p:nvPr/>
+        </p:nvCxnSpPr>
+        <p:spPr>
+          <a:xfrm>
+            <a:off x="4432090" y="1917385"/>
+            <a:ext cx="1098038" cy="1740214"/>
+          </a:xfrm>
+          <a:prstGeom prst="straightConnector1">
+            <a:avLst/>
+          </a:prstGeom>
+          <a:ln w="38100">
+            <a:solidFill>
+              <a:schemeClr val="tx1"/>
+            </a:solidFill>
+            <a:headEnd type="triangle" w="med" len="med"/>
+            <a:tailEnd type="triangle" w="med" len="med"/>
+          </a:ln>
+        </p:spPr>
+        <p:style>
+          <a:lnRef idx="1">
+            <a:schemeClr val="accent1"/>
+          </a:lnRef>
+          <a:fillRef idx="0">
+            <a:schemeClr val="accent1"/>
+          </a:fillRef>
+          <a:effectRef idx="0">
+            <a:schemeClr val="accent1"/>
+          </a:effectRef>
+          <a:fontRef idx="minor">
+            <a:schemeClr val="tx1"/>
+          </a:fontRef>
+        </p:style>
+      </p:cxnSp>
+      <p:cxnSp>
+        <p:nvCxnSpPr>
+          <p:cNvPr id="33" name="Straight Arrow Connector 32">
+            <a:extLst>
+              <a:ext uri="{FF2B5EF4-FFF2-40B4-BE49-F238E27FC236}">
+                <a16:creationId xmlns:a16="http://schemas.microsoft.com/office/drawing/2014/main" id="{37DD49D4-80E7-D74F-B1D3-A64EFE7D419F}"/>
+              </a:ext>
+            </a:extLst>
+          </p:cNvPr>
+          <p:cNvCxnSpPr>
+            <a:cxnSpLocks/>
+            <a:stCxn id="22" idx="2"/>
+          </p:cNvCxnSpPr>
+          <p:nvPr/>
+        </p:nvCxnSpPr>
+        <p:spPr>
+          <a:xfrm flipH="1">
+            <a:off x="5535787" y="2178299"/>
+            <a:ext cx="1920186" cy="1479300"/>
+          </a:xfrm>
+          <a:prstGeom prst="straightConnector1">
+            <a:avLst/>
+          </a:prstGeom>
+          <a:ln w="38100">
+            <a:solidFill>
+              <a:schemeClr val="tx1"/>
+            </a:solidFill>
+            <a:headEnd type="triangle" w="med" len="med"/>
+            <a:tailEnd type="triangle" w="med" len="med"/>
+          </a:ln>
+        </p:spPr>
+        <p:style>
+          <a:lnRef idx="1">
+            <a:schemeClr val="accent1"/>
+          </a:lnRef>
+          <a:fillRef idx="0">
+            <a:schemeClr val="accent1"/>
+          </a:fillRef>
+          <a:effectRef idx="0">
+            <a:schemeClr val="accent1"/>
+          </a:effectRef>
+          <a:fontRef idx="minor">
+            <a:schemeClr val="tx1"/>
+          </a:fontRef>
+        </p:style>
+      </p:cxnSp>
+      <p:cxnSp>
+        <p:nvCxnSpPr>
+          <p:cNvPr id="35" name="Straight Arrow Connector 34">
+            <a:extLst>
+              <a:ext uri="{FF2B5EF4-FFF2-40B4-BE49-F238E27FC236}">
+                <a16:creationId xmlns:a16="http://schemas.microsoft.com/office/drawing/2014/main" id="{3C79CF14-F190-D54B-96F3-4EA7AE150A35}"/>
+              </a:ext>
+            </a:extLst>
+          </p:cNvPr>
+          <p:cNvCxnSpPr>
+            <a:cxnSpLocks/>
+            <a:stCxn id="22" idx="2"/>
+            <a:endCxn id="18" idx="0"/>
+          </p:cNvCxnSpPr>
+          <p:nvPr/>
+        </p:nvCxnSpPr>
+        <p:spPr>
+          <a:xfrm>
+            <a:off x="7455973" y="2178299"/>
+            <a:ext cx="1662160" cy="1479301"/>
+          </a:xfrm>
+          <a:prstGeom prst="straightConnector1">
+            <a:avLst/>
+          </a:prstGeom>
+          <a:ln w="38100">
+            <a:solidFill>
+              <a:schemeClr val="tx1"/>
+            </a:solidFill>
+            <a:headEnd type="triangle" w="med" len="med"/>
+            <a:tailEnd type="triangle" w="med" len="med"/>
+          </a:ln>
+        </p:spPr>
+        <p:style>
+          <a:lnRef idx="1">
+            <a:schemeClr val="accent1"/>
+          </a:lnRef>
+          <a:fillRef idx="0">
+            <a:schemeClr val="accent1"/>
+          </a:fillRef>
+          <a:effectRef idx="0">
+            <a:schemeClr val="accent1"/>
+          </a:effectRef>
+          <a:fontRef idx="minor">
+            <a:schemeClr val="tx1"/>
+          </a:fontRef>
+        </p:style>
+      </p:cxnSp>
+      <p:cxnSp>
+        <p:nvCxnSpPr>
+          <p:cNvPr id="38" name="Straight Arrow Connector 37">
+            <a:extLst>
+              <a:ext uri="{FF2B5EF4-FFF2-40B4-BE49-F238E27FC236}">
+                <a16:creationId xmlns:a16="http://schemas.microsoft.com/office/drawing/2014/main" id="{372A9C89-F0E4-1C4C-853E-50C63918CC28}"/>
+              </a:ext>
+            </a:extLst>
+          </p:cNvPr>
+          <p:cNvCxnSpPr>
+            <a:cxnSpLocks/>
+            <a:stCxn id="23" idx="2"/>
+            <a:endCxn id="18" idx="0"/>
+          </p:cNvCxnSpPr>
+          <p:nvPr/>
+        </p:nvCxnSpPr>
+        <p:spPr>
+          <a:xfrm flipH="1">
+            <a:off x="9118133" y="2291583"/>
+            <a:ext cx="1235327" cy="1366017"/>
+          </a:xfrm>
+          <a:prstGeom prst="straightConnector1">
+            <a:avLst/>
+          </a:prstGeom>
+          <a:ln w="38100">
+            <a:solidFill>
+              <a:schemeClr val="tx1"/>
+            </a:solidFill>
+            <a:headEnd type="triangle" w="med" len="med"/>
+            <a:tailEnd type="triangle" w="med" len="med"/>
+          </a:ln>
+        </p:spPr>
+        <p:style>
+          <a:lnRef idx="1">
+            <a:schemeClr val="accent1"/>
+          </a:lnRef>
+          <a:fillRef idx="0">
+            <a:schemeClr val="accent1"/>
+          </a:fillRef>
+          <a:effectRef idx="0">
+            <a:schemeClr val="accent1"/>
+          </a:effectRef>
+          <a:fontRef idx="minor">
+            <a:schemeClr val="tx1"/>
+          </a:fontRef>
+        </p:style>
+      </p:cxnSp>
+      <p:sp>
+        <p:nvSpPr>
+          <p:cNvPr id="41" name="TextBox 40">
+            <a:extLst>
+              <a:ext uri="{FF2B5EF4-FFF2-40B4-BE49-F238E27FC236}">
+                <a16:creationId xmlns:a16="http://schemas.microsoft.com/office/drawing/2014/main" id="{07A88E29-6215-1E4D-82F3-D23C45CE6EA5}"/>
+              </a:ext>
+            </a:extLst>
+          </p:cNvPr>
+          <p:cNvSpPr txBox="1"/>
+          <p:nvPr/>
+        </p:nvSpPr>
+        <p:spPr>
+          <a:xfrm>
+            <a:off x="3316458" y="2598450"/>
+            <a:ext cx="1575534" cy="400110"/>
+          </a:xfrm>
+          <a:prstGeom prst="rect">
+            <a:avLst/>
+          </a:prstGeom>
+          <a:noFill/>
+        </p:spPr>
+        <p:txBody>
+          <a:bodyPr wrap="square" rtlCol="0">
+            <a:spAutoFit/>
+          </a:bodyPr>
+          <a:lstStyle/>
+          <a:p>
+            <a:pPr algn="ctr"/>
+            <a:r>
+              <a:rPr lang="en-US" altLang="zh-CN" sz="2000" dirty="0"/>
+              <a:t>memcpy</a:t>
+            </a:r>
+            <a:r>
+              <a:rPr lang="zh-CN" altLang="en-US" sz="2000" dirty="0"/>
+              <a:t> </a:t>
+            </a:r>
+            <a:r>
+              <a:rPr lang="en-US" altLang="zh-CN" sz="2000" dirty="0"/>
+              <a:t>size</a:t>
+            </a:r>
+            <a:endParaRPr lang="en-US" sz="2000" dirty="0"/>
+          </a:p>
+        </p:txBody>
+      </p:sp>
+      <p:sp>
+        <p:nvSpPr>
+          <p:cNvPr id="42" name="TextBox 41">
+            <a:extLst>
+              <a:ext uri="{FF2B5EF4-FFF2-40B4-BE49-F238E27FC236}">
+                <a16:creationId xmlns:a16="http://schemas.microsoft.com/office/drawing/2014/main" id="{B9FA384F-1782-3048-9628-DC74A97ECACB}"/>
+              </a:ext>
+            </a:extLst>
+          </p:cNvPr>
+          <p:cNvSpPr txBox="1"/>
+          <p:nvPr/>
+        </p:nvSpPr>
+        <p:spPr>
+          <a:xfrm>
+            <a:off x="4954405" y="2398395"/>
+            <a:ext cx="1575534" cy="400110"/>
+          </a:xfrm>
+          <a:prstGeom prst="rect">
+            <a:avLst/>
+          </a:prstGeom>
+          <a:noFill/>
+        </p:spPr>
+        <p:txBody>
+          <a:bodyPr wrap="square" rtlCol="0">
+            <a:spAutoFit/>
+          </a:bodyPr>
+          <a:lstStyle/>
+          <a:p>
+            <a:pPr algn="ctr"/>
+            <a:r>
+              <a:rPr lang="en-US" altLang="zh-CN" sz="2000" dirty="0"/>
+              <a:t>memcpy</a:t>
+            </a:r>
+            <a:r>
+              <a:rPr lang="zh-CN" altLang="en-US" sz="2000" dirty="0"/>
+              <a:t> </a:t>
+            </a:r>
+            <a:r>
+              <a:rPr lang="en-US" altLang="zh-CN" sz="2000" dirty="0"/>
+              <a:t>size</a:t>
+            </a:r>
+            <a:endParaRPr lang="en-US" sz="2000" dirty="0"/>
+          </a:p>
+        </p:txBody>
+      </p:sp>
+      <p:sp>
+        <p:nvSpPr>
+          <p:cNvPr id="43" name="Arrow: Left-Right 31">
+            <a:extLst>
+              <a:ext uri="{FF2B5EF4-FFF2-40B4-BE49-F238E27FC236}">
+                <a16:creationId xmlns:a16="http://schemas.microsoft.com/office/drawing/2014/main" id="{CAC7EEE1-8823-2448-AFAF-B50C756DE707}"/>
+              </a:ext>
+            </a:extLst>
+          </p:cNvPr>
+          <p:cNvSpPr/>
+          <p:nvPr/>
+        </p:nvSpPr>
+        <p:spPr>
+          <a:xfrm>
+            <a:off x="1685814" y="3994398"/>
+            <a:ext cx="1261957" cy="258852"/>
+          </a:xfrm>
+          <a:prstGeom prst="leftRightArrow">
+            <a:avLst/>
+          </a:prstGeom>
+          <a:solidFill>
+            <a:srgbClr val="B0DDF2"/>
+          </a:solidFill>
+          <a:ln w="19050">
+            <a:solidFill>
+              <a:schemeClr val="tx1"/>
+            </a:solidFill>
+          </a:ln>
+        </p:spPr>
+        <p:style>
+          <a:lnRef idx="2">
+            <a:schemeClr val="accent1">
+              <a:shade val="50000"/>
+            </a:schemeClr>
+          </a:lnRef>
+          <a:fillRef idx="1">
+            <a:schemeClr val="accent1"/>
+          </a:fillRef>
+          <a:effectRef idx="0">
+            <a:schemeClr val="accent1"/>
+          </a:effectRef>
+          <a:fontRef idx="minor">
+            <a:schemeClr val="lt1"/>
+          </a:fontRef>
+        </p:style>
+        <p:txBody>
+          <a:bodyPr rtlCol="0" anchor="ctr"/>
+          <a:lstStyle/>
+          <a:p>
+            <a:pPr algn="ctr"/>
+            <a:endParaRPr lang="en-US" sz="2000"/>
+          </a:p>
+        </p:txBody>
+      </p:sp>
+      <p:sp>
+        <p:nvSpPr>
+          <p:cNvPr id="44" name="TextBox 43">
+            <a:extLst>
+              <a:ext uri="{FF2B5EF4-FFF2-40B4-BE49-F238E27FC236}">
+                <a16:creationId xmlns:a16="http://schemas.microsoft.com/office/drawing/2014/main" id="{88957FFD-9289-884B-8BFA-50055A34B9AC}"/>
+              </a:ext>
+            </a:extLst>
+          </p:cNvPr>
+          <p:cNvSpPr txBox="1"/>
+          <p:nvPr/>
+        </p:nvSpPr>
+        <p:spPr>
+          <a:xfrm>
+            <a:off x="437628" y="3923769"/>
+            <a:ext cx="1317456" cy="400110"/>
+          </a:xfrm>
+          <a:prstGeom prst="rect">
+            <a:avLst/>
+          </a:prstGeom>
+          <a:noFill/>
+        </p:spPr>
+        <p:txBody>
+          <a:bodyPr wrap="square" rtlCol="0">
+            <a:spAutoFit/>
+          </a:bodyPr>
+          <a:lstStyle/>
+          <a:p>
+            <a:pPr algn="ctr"/>
+            <a:r>
+              <a:rPr lang="en-US" sz="2000" dirty="0"/>
+              <a:t>command</a:t>
+            </a:r>
+          </a:p>
+        </p:txBody>
+      </p:sp>
+      <p:sp>
+        <p:nvSpPr>
+          <p:cNvPr id="45" name="TextBox 44">
+            <a:extLst>
+              <a:ext uri="{FF2B5EF4-FFF2-40B4-BE49-F238E27FC236}">
+                <a16:creationId xmlns:a16="http://schemas.microsoft.com/office/drawing/2014/main" id="{34F65E0F-15BD-DB45-B588-C221CF6734A6}"/>
+              </a:ext>
+            </a:extLst>
+          </p:cNvPr>
+          <p:cNvSpPr txBox="1"/>
+          <p:nvPr/>
+        </p:nvSpPr>
+        <p:spPr>
+          <a:xfrm>
+            <a:off x="492669" y="4357653"/>
+            <a:ext cx="1317456" cy="400110"/>
+          </a:xfrm>
+          <a:prstGeom prst="rect">
+            <a:avLst/>
+          </a:prstGeom>
+          <a:noFill/>
+        </p:spPr>
+        <p:txBody>
+          <a:bodyPr wrap="square" rtlCol="0">
+            <a:spAutoFit/>
+          </a:bodyPr>
+          <a:lstStyle/>
+          <a:p>
+            <a:pPr algn="ctr"/>
+            <a:r>
+              <a:rPr lang="en-US" altLang="zh-CN" sz="2000" dirty="0"/>
+              <a:t>data</a:t>
+            </a:r>
+            <a:endParaRPr lang="en-US" sz="2000" dirty="0"/>
+          </a:p>
+        </p:txBody>
+      </p:sp>
+      <p:cxnSp>
+        <p:nvCxnSpPr>
+          <p:cNvPr id="46" name="Straight Arrow Connector 45">
+            <a:extLst>
+              <a:ext uri="{FF2B5EF4-FFF2-40B4-BE49-F238E27FC236}">
+                <a16:creationId xmlns:a16="http://schemas.microsoft.com/office/drawing/2014/main" id="{1C451A55-5756-D94E-898D-20BF00AC9739}"/>
+              </a:ext>
+            </a:extLst>
+          </p:cNvPr>
+          <p:cNvCxnSpPr>
+            <a:cxnSpLocks/>
+          </p:cNvCxnSpPr>
+          <p:nvPr/>
+        </p:nvCxnSpPr>
+        <p:spPr>
+          <a:xfrm>
+            <a:off x="1685814" y="4557708"/>
+            <a:ext cx="1323115" cy="0"/>
+          </a:xfrm>
+          <a:prstGeom prst="straightConnector1">
+            <a:avLst/>
+          </a:prstGeom>
+          <a:ln w="38100">
+            <a:solidFill>
+              <a:schemeClr val="tx1"/>
+            </a:solidFill>
+            <a:headEnd type="triangle" w="med" len="med"/>
+            <a:tailEnd type="triangle" w="med" len="med"/>
+          </a:ln>
+        </p:spPr>
+        <p:style>
+          <a:lnRef idx="1">
+            <a:schemeClr val="accent1"/>
+          </a:lnRef>
+          <a:fillRef idx="0">
+            <a:schemeClr val="accent1"/>
+          </a:fillRef>
+          <a:effectRef idx="0">
+            <a:schemeClr val="accent1"/>
+          </a:effectRef>
+          <a:fontRef idx="minor">
+            <a:schemeClr val="tx1"/>
+          </a:fontRef>
+        </p:style>
+      </p:cxnSp>
+      <p:sp>
+        <p:nvSpPr>
+          <p:cNvPr id="47" name="Rectangle 46">
+            <a:extLst>
+              <a:ext uri="{FF2B5EF4-FFF2-40B4-BE49-F238E27FC236}">
+                <a16:creationId xmlns:a16="http://schemas.microsoft.com/office/drawing/2014/main" id="{B2ECB57E-43C4-924D-A5CB-2A0A8B1E5FC7}"/>
+              </a:ext>
+            </a:extLst>
+          </p:cNvPr>
+          <p:cNvSpPr/>
+          <p:nvPr/>
+        </p:nvSpPr>
+        <p:spPr>
+          <a:xfrm>
+            <a:off x="441012" y="3657599"/>
+            <a:ext cx="2875446" cy="1337839"/>
+          </a:xfrm>
+          <a:prstGeom prst="rect">
+            <a:avLst/>
+          </a:prstGeom>
+          <a:noFill/>
+          <a:ln w="38100">
+            <a:solidFill>
+              <a:schemeClr val="tx1"/>
+            </a:solidFill>
+          </a:ln>
+        </p:spPr>
+        <p:style>
+          <a:lnRef idx="2">
+            <a:schemeClr val="accent2">
+              <a:shade val="50000"/>
+            </a:schemeClr>
+          </a:lnRef>
+          <a:fillRef idx="1">
+            <a:schemeClr val="accent2"/>
+          </a:fillRef>
+          <a:effectRef idx="0">
+            <a:schemeClr val="accent2"/>
+          </a:effectRef>
+          <a:fontRef idx="minor">
+            <a:schemeClr val="lt1"/>
+          </a:fontRef>
+        </p:style>
+        <p:txBody>
+          <a:bodyPr rtlCol="0" anchor="ctr"/>
+          <a:lstStyle/>
+          <a:p>
+            <a:pPr algn="ctr"/>
             <a:endParaRPr lang="en-US" sz="2000" dirty="0">
               <a:solidFill>
                 <a:schemeClr val="tx1"/>
@@ -5688,7 +6490,7 @@
 </p:sld>
 </file>
 
-<file path=ppt/slides/slide2.xml><?xml version="1.0" encoding="utf-8"?>
+<file path=ppt/slides/slide3.xml><?xml version="1.0" encoding="utf-8"?>
 <p:sld xmlns:a="http://schemas.openxmlformats.org/drawingml/2006/main" xmlns:r="http://schemas.openxmlformats.org/officeDocument/2006/relationships" xmlns:p="http://schemas.openxmlformats.org/presentationml/2006/main">
   <p:cSld>
     <p:spTree>
@@ -6764,7 +7566,7 @@
           <p:nvPr>
             <p:extLst>
               <p:ext uri="{D42A27DB-BD31-4B8C-83A1-F6EECF244321}">
-                <p14:modId xmlns:p14="http://schemas.microsoft.com/office/powerpoint/2010/main" val="3678230429"/>
+                <p14:modId xmlns:p14="http://schemas.microsoft.com/office/powerpoint/2010/main" val="4053525438"/>
               </p:ext>
             </p:extLst>
           </p:nvPr>
@@ -7218,7 +8020,23 @@
                             <a:schemeClr val="tx1"/>
                           </a:solidFill>
                         </a:rPr>
-                        <a:t>SM16</a:t>
+                        <a:t>SM</a:t>
+                      </a:r>
+                      <a:r>
+                        <a:rPr lang="zh-CN" altLang="en-US" sz="2000" b="0" dirty="0">
+                          <a:solidFill>
+                            <a:schemeClr val="tx1"/>
+                          </a:solidFill>
+                        </a:rPr>
+                        <a:t> </a:t>
+                      </a:r>
+                      <a:r>
+                        <a:rPr lang="en-US" altLang="zh-CN" sz="2000" b="0" dirty="0">
+                          <a:solidFill>
+                            <a:schemeClr val="tx1"/>
+                          </a:solidFill>
+                        </a:rPr>
+                        <a:t>84</a:t>
                       </a:r>
                       <a:endParaRPr lang="en-US" sz="2000" b="0" dirty="0">
                         <a:solidFill>
@@ -7916,803 +8734,6 @@
 </p:sld>
 </file>
 
-<file path=ppt/slides/slide3.xml><?xml version="1.0" encoding="utf-8"?>
-<p:sld xmlns:a="http://schemas.openxmlformats.org/drawingml/2006/main" xmlns:r="http://schemas.openxmlformats.org/officeDocument/2006/relationships" xmlns:p="http://schemas.openxmlformats.org/presentationml/2006/main">
-  <p:cSld>
-    <p:spTree>
-      <p:nvGrpSpPr>
-        <p:cNvPr id="1" name=""/>
-        <p:cNvGrpSpPr/>
-        <p:nvPr/>
-      </p:nvGrpSpPr>
-      <p:grpSpPr>
-        <a:xfrm>
-          <a:off x="0" y="0"/>
-          <a:ext cx="0" cy="0"/>
-          <a:chOff x="0" y="0"/>
-          <a:chExt cx="0" cy="0"/>
-        </a:xfrm>
-      </p:grpSpPr>
-      <p:sp>
-        <p:nvSpPr>
-          <p:cNvPr id="28" name="Rounded Rectangle 27">
-            <a:extLst>
-              <a:ext uri="{FF2B5EF4-FFF2-40B4-BE49-F238E27FC236}">
-                <a16:creationId xmlns:a16="http://schemas.microsoft.com/office/drawing/2014/main" id="{EC7321D9-3329-4E4C-967F-65E3827E0B2A}"/>
-              </a:ext>
-            </a:extLst>
-          </p:cNvPr>
-          <p:cNvSpPr/>
-          <p:nvPr/>
-        </p:nvSpPr>
-        <p:spPr>
-          <a:xfrm>
-            <a:off x="6368967" y="335644"/>
-            <a:ext cx="5663878" cy="1337839"/>
-          </a:xfrm>
-          <a:prstGeom prst="roundRect">
-            <a:avLst/>
-          </a:prstGeom>
-          <a:solidFill>
-            <a:srgbClr val="13D2FF"/>
-          </a:solidFill>
-          <a:ln w="19050">
-            <a:solidFill>
-              <a:schemeClr val="tx1"/>
-            </a:solidFill>
-          </a:ln>
-        </p:spPr>
-        <p:style>
-          <a:lnRef idx="2">
-            <a:schemeClr val="accent1">
-              <a:shade val="50000"/>
-            </a:schemeClr>
-          </a:lnRef>
-          <a:fillRef idx="1">
-            <a:schemeClr val="accent1"/>
-          </a:fillRef>
-          <a:effectRef idx="0">
-            <a:schemeClr val="accent1"/>
-          </a:effectRef>
-          <a:fontRef idx="minor">
-            <a:schemeClr val="lt1"/>
-          </a:fontRef>
-        </p:style>
-        <p:txBody>
-          <a:bodyPr rtlCol="0" anchor="t"/>
-          <a:lstStyle/>
-          <a:p>
-            <a:pPr algn="ctr"/>
-            <a:r>
-              <a:rPr lang="en-US" altLang="zh-CN" sz="2000" dirty="0">
-                <a:solidFill>
-                  <a:schemeClr val="tx1"/>
-                </a:solidFill>
-              </a:rPr>
-              <a:t>SM</a:t>
-            </a:r>
-            <a:r>
-              <a:rPr lang="zh-CN" altLang="en-US" sz="2000" dirty="0">
-                <a:solidFill>
-                  <a:schemeClr val="tx1"/>
-                </a:solidFill>
-              </a:rPr>
-              <a:t> </a:t>
-            </a:r>
-            <a:r>
-              <a:rPr lang="en-US" altLang="zh-CN" sz="2000" dirty="0">
-                <a:solidFill>
-                  <a:schemeClr val="tx1"/>
-                </a:solidFill>
-              </a:rPr>
-              <a:t>blob</a:t>
-            </a:r>
-            <a:endParaRPr lang="en-US" sz="2000" dirty="0">
-              <a:solidFill>
-                <a:schemeClr val="tx1"/>
-              </a:solidFill>
-            </a:endParaRPr>
-          </a:p>
-        </p:txBody>
-      </p:sp>
-      <p:sp>
-        <p:nvSpPr>
-          <p:cNvPr id="2" name="Rounded Rectangle 1">
-            <a:extLst>
-              <a:ext uri="{FF2B5EF4-FFF2-40B4-BE49-F238E27FC236}">
-                <a16:creationId xmlns:a16="http://schemas.microsoft.com/office/drawing/2014/main" id="{01B9FBCE-4435-4C4C-9E96-E0A73B8730F3}"/>
-              </a:ext>
-            </a:extLst>
-          </p:cNvPr>
-          <p:cNvSpPr/>
-          <p:nvPr/>
-        </p:nvSpPr>
-        <p:spPr>
-          <a:xfrm>
-            <a:off x="125047" y="712124"/>
-            <a:ext cx="1811747" cy="1337839"/>
-          </a:xfrm>
-          <a:prstGeom prst="roundRect">
-            <a:avLst/>
-          </a:prstGeom>
-          <a:solidFill>
-            <a:srgbClr val="13D2FF"/>
-          </a:solidFill>
-          <a:ln w="19050">
-            <a:solidFill>
-              <a:schemeClr val="tx1"/>
-            </a:solidFill>
-          </a:ln>
-        </p:spPr>
-        <p:style>
-          <a:lnRef idx="2">
-            <a:schemeClr val="accent1">
-              <a:shade val="50000"/>
-            </a:schemeClr>
-          </a:lnRef>
-          <a:fillRef idx="1">
-            <a:schemeClr val="accent1"/>
-          </a:fillRef>
-          <a:effectRef idx="0">
-            <a:schemeClr val="accent1"/>
-          </a:effectRef>
-          <a:fontRef idx="minor">
-            <a:schemeClr val="lt1"/>
-          </a:fontRef>
-        </p:style>
-        <p:txBody>
-          <a:bodyPr rtlCol="0" anchor="t"/>
-          <a:lstStyle/>
-          <a:p>
-            <a:pPr algn="ctr"/>
-            <a:r>
-              <a:rPr lang="en-US" sz="2000" dirty="0">
-                <a:solidFill>
-                  <a:schemeClr val="tx1"/>
-                </a:solidFill>
-              </a:rPr>
-              <a:t>Ariel</a:t>
-            </a:r>
-          </a:p>
-        </p:txBody>
-      </p:sp>
-      <p:sp>
-        <p:nvSpPr>
-          <p:cNvPr id="21" name="Rectangle 20">
-            <a:extLst>
-              <a:ext uri="{FF2B5EF4-FFF2-40B4-BE49-F238E27FC236}">
-                <a16:creationId xmlns:a16="http://schemas.microsoft.com/office/drawing/2014/main" id="{10865AD4-9091-43CE-8AAF-4464F486E31E}"/>
-              </a:ext>
-            </a:extLst>
-          </p:cNvPr>
-          <p:cNvSpPr/>
-          <p:nvPr/>
-        </p:nvSpPr>
-        <p:spPr>
-          <a:xfrm>
-            <a:off x="564059" y="1202640"/>
-            <a:ext cx="964096" cy="586408"/>
-          </a:xfrm>
-          <a:prstGeom prst="rect">
-            <a:avLst/>
-          </a:prstGeom>
-          <a:solidFill>
-            <a:schemeClr val="accent2">
-              <a:lumMod val="60000"/>
-              <a:lumOff val="40000"/>
-            </a:schemeClr>
-          </a:solidFill>
-          <a:ln w="38100">
-            <a:solidFill>
-              <a:schemeClr val="tx1"/>
-            </a:solidFill>
-          </a:ln>
-        </p:spPr>
-        <p:style>
-          <a:lnRef idx="2">
-            <a:schemeClr val="accent2">
-              <a:shade val="50000"/>
-            </a:schemeClr>
-          </a:lnRef>
-          <a:fillRef idx="1">
-            <a:schemeClr val="accent2"/>
-          </a:fillRef>
-          <a:effectRef idx="0">
-            <a:schemeClr val="accent2"/>
-          </a:effectRef>
-          <a:fontRef idx="minor">
-            <a:schemeClr val="lt1"/>
-          </a:fontRef>
-        </p:style>
-        <p:txBody>
-          <a:bodyPr rtlCol="0" anchor="ctr"/>
-          <a:lstStyle/>
-          <a:p>
-            <a:pPr algn="ctr"/>
-            <a:r>
-              <a:rPr lang="en-US" sz="2000" dirty="0">
-                <a:solidFill>
-                  <a:schemeClr val="tx1"/>
-                </a:solidFill>
-              </a:rPr>
-              <a:t>CPU</a:t>
-            </a:r>
-          </a:p>
-        </p:txBody>
-      </p:sp>
-      <p:sp>
-        <p:nvSpPr>
-          <p:cNvPr id="58" name="Arrow: Left-Right 31">
-            <a:extLst>
-              <a:ext uri="{FF2B5EF4-FFF2-40B4-BE49-F238E27FC236}">
-                <a16:creationId xmlns:a16="http://schemas.microsoft.com/office/drawing/2014/main" id="{50C7562A-7C61-9E42-BEF7-B2FBB7E9AC2B}"/>
-              </a:ext>
-            </a:extLst>
-          </p:cNvPr>
-          <p:cNvSpPr/>
-          <p:nvPr/>
-        </p:nvSpPr>
-        <p:spPr>
-          <a:xfrm>
-            <a:off x="1947181" y="1085682"/>
-            <a:ext cx="1261957" cy="258852"/>
-          </a:xfrm>
-          <a:prstGeom prst="leftRightArrow">
-            <a:avLst/>
-          </a:prstGeom>
-          <a:solidFill>
-            <a:srgbClr val="B0DDF2"/>
-          </a:solidFill>
-          <a:ln w="19050">
-            <a:solidFill>
-              <a:schemeClr val="tx1"/>
-            </a:solidFill>
-          </a:ln>
-        </p:spPr>
-        <p:style>
-          <a:lnRef idx="2">
-            <a:schemeClr val="accent1">
-              <a:shade val="50000"/>
-            </a:schemeClr>
-          </a:lnRef>
-          <a:fillRef idx="1">
-            <a:schemeClr val="accent1"/>
-          </a:fillRef>
-          <a:effectRef idx="0">
-            <a:schemeClr val="accent1"/>
-          </a:effectRef>
-          <a:fontRef idx="minor">
-            <a:schemeClr val="lt1"/>
-          </a:fontRef>
-        </p:style>
-        <p:txBody>
-          <a:bodyPr rtlCol="0" anchor="ctr"/>
-          <a:lstStyle/>
-          <a:p>
-            <a:pPr algn="ctr"/>
-            <a:endParaRPr lang="en-US" sz="2000"/>
-          </a:p>
-        </p:txBody>
-      </p:sp>
-      <p:sp>
-        <p:nvSpPr>
-          <p:cNvPr id="67" name="TextBox 66">
-            <a:extLst>
-              <a:ext uri="{FF2B5EF4-FFF2-40B4-BE49-F238E27FC236}">
-                <a16:creationId xmlns:a16="http://schemas.microsoft.com/office/drawing/2014/main" id="{89B5B1E2-7221-5C41-AFD8-79C42182E21B}"/>
-              </a:ext>
-            </a:extLst>
-          </p:cNvPr>
-          <p:cNvSpPr txBox="1"/>
-          <p:nvPr/>
-        </p:nvSpPr>
-        <p:spPr>
-          <a:xfrm>
-            <a:off x="1919431" y="1342076"/>
-            <a:ext cx="1317456" cy="707886"/>
-          </a:xfrm>
-          <a:prstGeom prst="rect">
-            <a:avLst/>
-          </a:prstGeom>
-          <a:noFill/>
-        </p:spPr>
-        <p:txBody>
-          <a:bodyPr wrap="square" rtlCol="0">
-            <a:spAutoFit/>
-          </a:bodyPr>
-          <a:lstStyle/>
-          <a:p>
-            <a:pPr algn="ctr"/>
-            <a:r>
-              <a:rPr lang="en-US" altLang="zh-CN" sz="2000" dirty="0"/>
-              <a:t>API</a:t>
-            </a:r>
-            <a:r>
-              <a:rPr lang="en-US" sz="2000" dirty="0"/>
-              <a:t> command</a:t>
-            </a:r>
-          </a:p>
-        </p:txBody>
-      </p:sp>
-      <p:sp>
-        <p:nvSpPr>
-          <p:cNvPr id="68" name="TextBox 67">
-            <a:extLst>
-              <a:ext uri="{FF2B5EF4-FFF2-40B4-BE49-F238E27FC236}">
-                <a16:creationId xmlns:a16="http://schemas.microsoft.com/office/drawing/2014/main" id="{B5AFA252-8E64-6341-BF3A-6362A3C2F889}"/>
-              </a:ext>
-            </a:extLst>
-          </p:cNvPr>
-          <p:cNvSpPr txBox="1"/>
-          <p:nvPr/>
-        </p:nvSpPr>
-        <p:spPr>
-          <a:xfrm>
-            <a:off x="4829973" y="1407858"/>
-            <a:ext cx="1374882" cy="1015663"/>
-          </a:xfrm>
-          <a:prstGeom prst="rect">
-            <a:avLst/>
-          </a:prstGeom>
-          <a:noFill/>
-        </p:spPr>
-        <p:txBody>
-          <a:bodyPr wrap="square" rtlCol="0">
-            <a:spAutoFit/>
-          </a:bodyPr>
-          <a:lstStyle/>
-          <a:p>
-            <a:pPr algn="ctr"/>
-            <a:r>
-              <a:rPr lang="en-US" sz="2000" dirty="0"/>
-              <a:t>CTA command</a:t>
-            </a:r>
-          </a:p>
-          <a:p>
-            <a:endParaRPr lang="en-US" sz="2000" dirty="0"/>
-          </a:p>
-        </p:txBody>
-      </p:sp>
-      <p:sp>
-        <p:nvSpPr>
-          <p:cNvPr id="71" name="Arrow: Left-Right 31">
-            <a:extLst>
-              <a:ext uri="{FF2B5EF4-FFF2-40B4-BE49-F238E27FC236}">
-                <a16:creationId xmlns:a16="http://schemas.microsoft.com/office/drawing/2014/main" id="{6C55F45A-E80B-6642-9666-37D0E47D4D26}"/>
-              </a:ext>
-            </a:extLst>
-          </p:cNvPr>
-          <p:cNvSpPr/>
-          <p:nvPr/>
-        </p:nvSpPr>
-        <p:spPr>
-          <a:xfrm>
-            <a:off x="4910481" y="1085682"/>
-            <a:ext cx="1210845" cy="303377"/>
-          </a:xfrm>
-          <a:prstGeom prst="leftRightArrow">
-            <a:avLst/>
-          </a:prstGeom>
-          <a:solidFill>
-            <a:srgbClr val="B0DDF2"/>
-          </a:solidFill>
-          <a:ln w="19050">
-            <a:solidFill>
-              <a:schemeClr val="tx1"/>
-            </a:solidFill>
-          </a:ln>
-        </p:spPr>
-        <p:style>
-          <a:lnRef idx="2">
-            <a:schemeClr val="accent1">
-              <a:shade val="50000"/>
-            </a:schemeClr>
-          </a:lnRef>
-          <a:fillRef idx="1">
-            <a:schemeClr val="accent1"/>
-          </a:fillRef>
-          <a:effectRef idx="0">
-            <a:schemeClr val="accent1"/>
-          </a:effectRef>
-          <a:fontRef idx="minor">
-            <a:schemeClr val="lt1"/>
-          </a:fontRef>
-        </p:style>
-        <p:txBody>
-          <a:bodyPr rtlCol="0" anchor="ctr"/>
-          <a:lstStyle/>
-          <a:p>
-            <a:pPr algn="ctr"/>
-            <a:endParaRPr lang="en-US" sz="2000"/>
-          </a:p>
-        </p:txBody>
-      </p:sp>
-      <p:sp>
-        <p:nvSpPr>
-          <p:cNvPr id="22" name="Rounded Rectangle 21">
-            <a:extLst>
-              <a:ext uri="{FF2B5EF4-FFF2-40B4-BE49-F238E27FC236}">
-                <a16:creationId xmlns:a16="http://schemas.microsoft.com/office/drawing/2014/main" id="{8FABE294-9C11-DB40-93A8-0C1C531F6012}"/>
-              </a:ext>
-            </a:extLst>
-          </p:cNvPr>
-          <p:cNvSpPr/>
-          <p:nvPr/>
-        </p:nvSpPr>
-        <p:spPr>
-          <a:xfrm>
-            <a:off x="3229498" y="712123"/>
-            <a:ext cx="1680983" cy="1337839"/>
-          </a:xfrm>
-          <a:prstGeom prst="roundRect">
-            <a:avLst/>
-          </a:prstGeom>
-          <a:solidFill>
-            <a:srgbClr val="13D2FF"/>
-          </a:solidFill>
-          <a:ln w="19050">
-            <a:solidFill>
-              <a:schemeClr val="tx1"/>
-            </a:solidFill>
-          </a:ln>
-        </p:spPr>
-        <p:style>
-          <a:lnRef idx="2">
-            <a:schemeClr val="accent1">
-              <a:shade val="50000"/>
-            </a:schemeClr>
-          </a:lnRef>
-          <a:fillRef idx="1">
-            <a:schemeClr val="accent1"/>
-          </a:fillRef>
-          <a:effectRef idx="0">
-            <a:schemeClr val="accent1"/>
-          </a:effectRef>
-          <a:fontRef idx="minor">
-            <a:schemeClr val="lt1"/>
-          </a:fontRef>
-        </p:style>
-        <p:txBody>
-          <a:bodyPr rtlCol="0" anchor="ctr"/>
-          <a:lstStyle/>
-          <a:p>
-            <a:pPr algn="ctr"/>
-            <a:r>
-              <a:rPr lang="en-US" sz="2000" dirty="0">
-                <a:solidFill>
-                  <a:schemeClr val="tx1"/>
-                </a:solidFill>
-              </a:rPr>
-              <a:t>GPUSched</a:t>
-            </a:r>
-          </a:p>
-        </p:txBody>
-      </p:sp>
-      <p:sp>
-        <p:nvSpPr>
-          <p:cNvPr id="23" name="Rounded Rectangle 22">
-            <a:extLst>
-              <a:ext uri="{FF2B5EF4-FFF2-40B4-BE49-F238E27FC236}">
-                <a16:creationId xmlns:a16="http://schemas.microsoft.com/office/drawing/2014/main" id="{99FCAE7D-AD1D-424A-8FA8-C0F8C0FF5492}"/>
-              </a:ext>
-            </a:extLst>
-          </p:cNvPr>
-          <p:cNvSpPr/>
-          <p:nvPr/>
-        </p:nvSpPr>
-        <p:spPr>
-          <a:xfrm>
-            <a:off x="6126985" y="825407"/>
-            <a:ext cx="5663878" cy="1337839"/>
-          </a:xfrm>
-          <a:prstGeom prst="roundRect">
-            <a:avLst/>
-          </a:prstGeom>
-          <a:solidFill>
-            <a:srgbClr val="13D2FF"/>
-          </a:solidFill>
-          <a:ln w="19050">
-            <a:solidFill>
-              <a:schemeClr val="tx1"/>
-            </a:solidFill>
-          </a:ln>
-        </p:spPr>
-        <p:style>
-          <a:lnRef idx="2">
-            <a:schemeClr val="accent1">
-              <a:shade val="50000"/>
-            </a:schemeClr>
-          </a:lnRef>
-          <a:fillRef idx="1">
-            <a:schemeClr val="accent1"/>
-          </a:fillRef>
-          <a:effectRef idx="0">
-            <a:schemeClr val="accent1"/>
-          </a:effectRef>
-          <a:fontRef idx="minor">
-            <a:schemeClr val="lt1"/>
-          </a:fontRef>
-        </p:style>
-        <p:txBody>
-          <a:bodyPr rtlCol="0" anchor="t"/>
-          <a:lstStyle/>
-          <a:p>
-            <a:pPr algn="ctr"/>
-            <a:r>
-              <a:rPr lang="en-US" altLang="zh-CN" sz="2000" dirty="0">
-                <a:solidFill>
-                  <a:schemeClr val="tx1"/>
-                </a:solidFill>
-              </a:rPr>
-              <a:t>SM</a:t>
-            </a:r>
-            <a:r>
-              <a:rPr lang="zh-CN" altLang="en-US" sz="2000" dirty="0">
-                <a:solidFill>
-                  <a:schemeClr val="tx1"/>
-                </a:solidFill>
-              </a:rPr>
-              <a:t> </a:t>
-            </a:r>
-            <a:r>
-              <a:rPr lang="en-US" altLang="zh-CN" sz="2000" dirty="0">
-                <a:solidFill>
-                  <a:schemeClr val="tx1"/>
-                </a:solidFill>
-              </a:rPr>
-              <a:t>blob</a:t>
-            </a:r>
-            <a:endParaRPr lang="en-US" sz="2000" dirty="0">
-              <a:solidFill>
-                <a:schemeClr val="tx1"/>
-              </a:solidFill>
-            </a:endParaRPr>
-          </a:p>
-        </p:txBody>
-      </p:sp>
-      <p:sp>
-        <p:nvSpPr>
-          <p:cNvPr id="24" name="Rectangle 23">
-            <a:extLst>
-              <a:ext uri="{FF2B5EF4-FFF2-40B4-BE49-F238E27FC236}">
-                <a16:creationId xmlns:a16="http://schemas.microsoft.com/office/drawing/2014/main" id="{DADD8424-00FC-884C-8585-C5B30DAFE135}"/>
-              </a:ext>
-            </a:extLst>
-          </p:cNvPr>
-          <p:cNvSpPr/>
-          <p:nvPr/>
-        </p:nvSpPr>
-        <p:spPr>
-          <a:xfrm>
-            <a:off x="6515238" y="1340467"/>
-            <a:ext cx="964096" cy="586408"/>
-          </a:xfrm>
-          <a:prstGeom prst="rect">
-            <a:avLst/>
-          </a:prstGeom>
-          <a:solidFill>
-            <a:schemeClr val="accent2">
-              <a:lumMod val="60000"/>
-              <a:lumOff val="40000"/>
-            </a:schemeClr>
-          </a:solidFill>
-          <a:ln w="19050">
-            <a:solidFill>
-              <a:schemeClr val="tx1"/>
-            </a:solidFill>
-          </a:ln>
-        </p:spPr>
-        <p:style>
-          <a:lnRef idx="2">
-            <a:schemeClr val="accent2">
-              <a:shade val="50000"/>
-            </a:schemeClr>
-          </a:lnRef>
-          <a:fillRef idx="1">
-            <a:schemeClr val="accent2"/>
-          </a:fillRef>
-          <a:effectRef idx="0">
-            <a:schemeClr val="accent2"/>
-          </a:effectRef>
-          <a:fontRef idx="minor">
-            <a:schemeClr val="lt1"/>
-          </a:fontRef>
-        </p:style>
-        <p:txBody>
-          <a:bodyPr rtlCol="0" anchor="ctr"/>
-          <a:lstStyle/>
-          <a:p>
-            <a:pPr algn="ctr"/>
-            <a:r>
-              <a:rPr lang="en-US" sz="2000" dirty="0">
-                <a:solidFill>
-                  <a:schemeClr val="tx1"/>
-                </a:solidFill>
-              </a:rPr>
-              <a:t>SM</a:t>
-            </a:r>
-          </a:p>
-        </p:txBody>
-      </p:sp>
-      <p:sp>
-        <p:nvSpPr>
-          <p:cNvPr id="25" name="Rectangle 24">
-            <a:extLst>
-              <a:ext uri="{FF2B5EF4-FFF2-40B4-BE49-F238E27FC236}">
-                <a16:creationId xmlns:a16="http://schemas.microsoft.com/office/drawing/2014/main" id="{4B81B752-9F51-8749-9D43-23BA7965100F}"/>
-              </a:ext>
-            </a:extLst>
-          </p:cNvPr>
-          <p:cNvSpPr/>
-          <p:nvPr/>
-        </p:nvSpPr>
-        <p:spPr>
-          <a:xfrm>
-            <a:off x="7763567" y="1340467"/>
-            <a:ext cx="964096" cy="586408"/>
-          </a:xfrm>
-          <a:prstGeom prst="rect">
-            <a:avLst/>
-          </a:prstGeom>
-          <a:solidFill>
-            <a:schemeClr val="accent2">
-              <a:lumMod val="60000"/>
-              <a:lumOff val="40000"/>
-            </a:schemeClr>
-          </a:solidFill>
-          <a:ln w="19050">
-            <a:solidFill>
-              <a:schemeClr val="tx1"/>
-            </a:solidFill>
-          </a:ln>
-        </p:spPr>
-        <p:style>
-          <a:lnRef idx="2">
-            <a:schemeClr val="accent2">
-              <a:shade val="50000"/>
-            </a:schemeClr>
-          </a:lnRef>
-          <a:fillRef idx="1">
-            <a:schemeClr val="accent2"/>
-          </a:fillRef>
-          <a:effectRef idx="0">
-            <a:schemeClr val="accent2"/>
-          </a:effectRef>
-          <a:fontRef idx="minor">
-            <a:schemeClr val="lt1"/>
-          </a:fontRef>
-        </p:style>
-        <p:txBody>
-          <a:bodyPr rtlCol="0" anchor="ctr"/>
-          <a:lstStyle/>
-          <a:p>
-            <a:pPr algn="ctr"/>
-            <a:r>
-              <a:rPr lang="en-US" sz="2000" dirty="0">
-                <a:solidFill>
-                  <a:schemeClr val="tx1"/>
-                </a:solidFill>
-              </a:rPr>
-              <a:t>SM</a:t>
-            </a:r>
-          </a:p>
-        </p:txBody>
-      </p:sp>
-      <p:sp>
-        <p:nvSpPr>
-          <p:cNvPr id="26" name="Rectangle 25">
-            <a:extLst>
-              <a:ext uri="{FF2B5EF4-FFF2-40B4-BE49-F238E27FC236}">
-                <a16:creationId xmlns:a16="http://schemas.microsoft.com/office/drawing/2014/main" id="{20FF6375-BA76-C94F-99CC-2FE64817AF43}"/>
-              </a:ext>
-            </a:extLst>
-          </p:cNvPr>
-          <p:cNvSpPr/>
-          <p:nvPr/>
-        </p:nvSpPr>
-        <p:spPr>
-          <a:xfrm>
-            <a:off x="10350513" y="1340467"/>
-            <a:ext cx="964096" cy="586408"/>
-          </a:xfrm>
-          <a:prstGeom prst="rect">
-            <a:avLst/>
-          </a:prstGeom>
-          <a:solidFill>
-            <a:schemeClr val="accent2">
-              <a:lumMod val="60000"/>
-              <a:lumOff val="40000"/>
-            </a:schemeClr>
-          </a:solidFill>
-          <a:ln w="19050">
-            <a:solidFill>
-              <a:schemeClr val="tx1"/>
-            </a:solidFill>
-          </a:ln>
-        </p:spPr>
-        <p:style>
-          <a:lnRef idx="2">
-            <a:schemeClr val="accent2">
-              <a:shade val="50000"/>
-            </a:schemeClr>
-          </a:lnRef>
-          <a:fillRef idx="1">
-            <a:schemeClr val="accent2"/>
-          </a:fillRef>
-          <a:effectRef idx="0">
-            <a:schemeClr val="accent2"/>
-          </a:effectRef>
-          <a:fontRef idx="minor">
-            <a:schemeClr val="lt1"/>
-          </a:fontRef>
-        </p:style>
-        <p:txBody>
-          <a:bodyPr rtlCol="0" anchor="ctr"/>
-          <a:lstStyle/>
-          <a:p>
-            <a:pPr algn="ctr"/>
-            <a:r>
-              <a:rPr lang="en-US" sz="2000" dirty="0">
-                <a:solidFill>
-                  <a:schemeClr val="tx1"/>
-                </a:solidFill>
-              </a:rPr>
-              <a:t>SM</a:t>
-            </a:r>
-          </a:p>
-        </p:txBody>
-      </p:sp>
-      <p:sp>
-        <p:nvSpPr>
-          <p:cNvPr id="27" name="TextBox 26">
-            <a:extLst>
-              <a:ext uri="{FF2B5EF4-FFF2-40B4-BE49-F238E27FC236}">
-                <a16:creationId xmlns:a16="http://schemas.microsoft.com/office/drawing/2014/main" id="{9B7E9EC4-8D89-5C48-B276-2999FEEB8CF9}"/>
-              </a:ext>
-            </a:extLst>
-          </p:cNvPr>
-          <p:cNvSpPr txBox="1"/>
-          <p:nvPr/>
-        </p:nvSpPr>
-        <p:spPr>
-          <a:xfrm>
-            <a:off x="9037176" y="1433616"/>
-            <a:ext cx="1018227" cy="400110"/>
-          </a:xfrm>
-          <a:prstGeom prst="rect">
-            <a:avLst/>
-          </a:prstGeom>
-          <a:noFill/>
-          <a:ln w="19050">
-            <a:noFill/>
-          </a:ln>
-        </p:spPr>
-        <p:txBody>
-          <a:bodyPr wrap="none" rtlCol="0">
-            <a:spAutoFit/>
-          </a:bodyPr>
-          <a:lstStyle/>
-          <a:p>
-            <a:r>
-              <a:rPr lang="en-US" sz="2000" dirty="0"/>
-              <a:t>…………..</a:t>
-            </a:r>
-          </a:p>
-        </p:txBody>
-      </p:sp>
-    </p:spTree>
-    <p:extLst>
-      <p:ext uri="{BB962C8B-B14F-4D97-AF65-F5344CB8AC3E}">
-        <p14:creationId xmlns:p14="http://schemas.microsoft.com/office/powerpoint/2010/main" val="2903233499"/>
-      </p:ext>
-    </p:extLst>
-  </p:cSld>
-  <p:clrMapOvr>
-    <a:masterClrMapping/>
-  </p:clrMapOvr>
-</p:sld>
-</file>
-
 <file path=ppt/slides/slide4.xml><?xml version="1.0" encoding="utf-8"?>
 <p:sld xmlns:a="http://schemas.openxmlformats.org/drawingml/2006/main" xmlns:r="http://schemas.openxmlformats.org/officeDocument/2006/relationships" xmlns:p="http://schemas.openxmlformats.org/presentationml/2006/main">
   <p:cSld>
@@ -8802,7 +8823,7 @@
                   <a:schemeClr val="tx1"/>
                 </a:solidFill>
               </a:rPr>
-              <a:t>blob</a:t>
+              <a:t>Group</a:t>
             </a:r>
             <a:endParaRPr lang="en-US" sz="2000" dirty="0">
               <a:solidFill>
@@ -9257,7 +9278,7 @@
                   <a:schemeClr val="tx1"/>
                 </a:solidFill>
               </a:rPr>
-              <a:t>blob</a:t>
+              <a:t>Group</a:t>
             </a:r>
             <a:endParaRPr lang="en-US" sz="2000" dirty="0">
               <a:solidFill>
@@ -9293,7 +9314,7 @@
               <a:lumOff val="40000"/>
             </a:schemeClr>
           </a:solidFill>
-          <a:ln w="19050">
+          <a:ln w="38100">
             <a:solidFill>
               <a:schemeClr val="tx1"/>
             </a:solidFill>
@@ -9357,7 +9378,7 @@
               <a:lumOff val="40000"/>
             </a:schemeClr>
           </a:solidFill>
-          <a:ln w="19050">
+          <a:ln w="38100">
             <a:solidFill>
               <a:schemeClr val="tx1"/>
             </a:solidFill>
@@ -9421,7 +9442,7 @@
               <a:lumOff val="40000"/>
             </a:schemeClr>
           </a:solidFill>
-          <a:ln w="19050">
+          <a:ln w="38100">
             <a:solidFill>
               <a:schemeClr val="tx1"/>
             </a:solidFill>

--- a/figures/scheduler.pptx
+++ b/figures/scheduler.pptx
@@ -200,7 +200,7 @@
           <a:p>
             <a:fld id="{9D8D1EA7-5FBA-43A7-969F-33446051D9B1}" type="datetimeFigureOut">
               <a:rPr lang="en-US" smtClean="0"/>
-              <a:t>5/16/20</a:t>
+              <a:t>8/12/21</a:t>
             </a:fld>
             <a:endParaRPr lang="en-US"/>
           </a:p>
@@ -950,7 +950,7 @@
           <a:p>
             <a:fld id="{99B48964-E526-4DA8-9D44-D80007F26EA1}" type="datetimeFigureOut">
               <a:rPr lang="en-US" smtClean="0"/>
-              <a:t>5/16/20</a:t>
+              <a:t>8/12/21</a:t>
             </a:fld>
             <a:endParaRPr lang="en-US"/>
           </a:p>
@@ -1148,7 +1148,7 @@
           <a:p>
             <a:fld id="{99B48964-E526-4DA8-9D44-D80007F26EA1}" type="datetimeFigureOut">
               <a:rPr lang="en-US" smtClean="0"/>
-              <a:t>5/16/20</a:t>
+              <a:t>8/12/21</a:t>
             </a:fld>
             <a:endParaRPr lang="en-US"/>
           </a:p>
@@ -1356,7 +1356,7 @@
           <a:p>
             <a:fld id="{99B48964-E526-4DA8-9D44-D80007F26EA1}" type="datetimeFigureOut">
               <a:rPr lang="en-US" smtClean="0"/>
-              <a:t>5/16/20</a:t>
+              <a:t>8/12/21</a:t>
             </a:fld>
             <a:endParaRPr lang="en-US"/>
           </a:p>
@@ -1554,7 +1554,7 @@
           <a:p>
             <a:fld id="{99B48964-E526-4DA8-9D44-D80007F26EA1}" type="datetimeFigureOut">
               <a:rPr lang="en-US" smtClean="0"/>
-              <a:t>5/16/20</a:t>
+              <a:t>8/12/21</a:t>
             </a:fld>
             <a:endParaRPr lang="en-US"/>
           </a:p>
@@ -1829,7 +1829,7 @@
           <a:p>
             <a:fld id="{99B48964-E526-4DA8-9D44-D80007F26EA1}" type="datetimeFigureOut">
               <a:rPr lang="en-US" smtClean="0"/>
-              <a:t>5/16/20</a:t>
+              <a:t>8/12/21</a:t>
             </a:fld>
             <a:endParaRPr lang="en-US"/>
           </a:p>
@@ -2094,7 +2094,7 @@
           <a:p>
             <a:fld id="{99B48964-E526-4DA8-9D44-D80007F26EA1}" type="datetimeFigureOut">
               <a:rPr lang="en-US" smtClean="0"/>
-              <a:t>5/16/20</a:t>
+              <a:t>8/12/21</a:t>
             </a:fld>
             <a:endParaRPr lang="en-US"/>
           </a:p>
@@ -2506,7 +2506,7 @@
           <a:p>
             <a:fld id="{99B48964-E526-4DA8-9D44-D80007F26EA1}" type="datetimeFigureOut">
               <a:rPr lang="en-US" smtClean="0"/>
-              <a:t>5/16/20</a:t>
+              <a:t>8/12/21</a:t>
             </a:fld>
             <a:endParaRPr lang="en-US"/>
           </a:p>
@@ -2647,7 +2647,7 @@
           <a:p>
             <a:fld id="{99B48964-E526-4DA8-9D44-D80007F26EA1}" type="datetimeFigureOut">
               <a:rPr lang="en-US" smtClean="0"/>
-              <a:t>5/16/20</a:t>
+              <a:t>8/12/21</a:t>
             </a:fld>
             <a:endParaRPr lang="en-US"/>
           </a:p>
@@ -2760,7 +2760,7 @@
           <a:p>
             <a:fld id="{99B48964-E526-4DA8-9D44-D80007F26EA1}" type="datetimeFigureOut">
               <a:rPr lang="en-US" smtClean="0"/>
-              <a:t>5/16/20</a:t>
+              <a:t>8/12/21</a:t>
             </a:fld>
             <a:endParaRPr lang="en-US"/>
           </a:p>
@@ -3071,7 +3071,7 @@
           <a:p>
             <a:fld id="{99B48964-E526-4DA8-9D44-D80007F26EA1}" type="datetimeFigureOut">
               <a:rPr lang="en-US" smtClean="0"/>
-              <a:t>5/16/20</a:t>
+              <a:t>8/12/21</a:t>
             </a:fld>
             <a:endParaRPr lang="en-US"/>
           </a:p>
@@ -3359,7 +3359,7 @@
           <a:p>
             <a:fld id="{99B48964-E526-4DA8-9D44-D80007F26EA1}" type="datetimeFigureOut">
               <a:rPr lang="en-US" smtClean="0"/>
-              <a:t>5/16/20</a:t>
+              <a:t>8/12/21</a:t>
             </a:fld>
             <a:endParaRPr lang="en-US"/>
           </a:p>
@@ -3600,7 +3600,7 @@
           <a:p>
             <a:fld id="{99B48964-E526-4DA8-9D44-D80007F26EA1}" type="datetimeFigureOut">
               <a:rPr lang="en-US" smtClean="0"/>
-              <a:t>5/16/20</a:t>
+              <a:t>8/12/21</a:t>
             </a:fld>
             <a:endParaRPr lang="en-US"/>
           </a:p>
@@ -6521,8 +6521,166 @@
         </p:nvSpPr>
         <p:spPr>
           <a:xfrm>
-            <a:off x="2389189" y="899052"/>
-            <a:ext cx="5815011" cy="2021948"/>
+            <a:off x="919533" y="705080"/>
+            <a:ext cx="8520750" cy="4065224"/>
+          </a:xfrm>
+          <a:prstGeom prst="roundRect">
+            <a:avLst/>
+          </a:prstGeom>
+          <a:solidFill>
+            <a:schemeClr val="accent6">
+              <a:lumMod val="60000"/>
+              <a:lumOff val="40000"/>
+            </a:schemeClr>
+          </a:solidFill>
+          <a:ln w="19050">
+            <a:solidFill>
+              <a:schemeClr val="tx1"/>
+            </a:solidFill>
+          </a:ln>
+        </p:spPr>
+        <p:style>
+          <a:lnRef idx="2">
+            <a:schemeClr val="accent1">
+              <a:shade val="50000"/>
+            </a:schemeClr>
+          </a:lnRef>
+          <a:fillRef idx="1">
+            <a:schemeClr val="accent1"/>
+          </a:fillRef>
+          <a:effectRef idx="0">
+            <a:schemeClr val="accent1"/>
+          </a:effectRef>
+          <a:fontRef idx="minor">
+            <a:schemeClr val="lt1"/>
+          </a:fontRef>
+        </p:style>
+        <p:txBody>
+          <a:bodyPr rtlCol="0" anchor="t"/>
+          <a:lstStyle/>
+          <a:p>
+            <a:pPr algn="ctr"/>
+            <a:r>
+              <a:rPr lang="en-US" sz="2000" dirty="0">
+                <a:solidFill>
+                  <a:schemeClr val="tx1"/>
+                </a:solidFill>
+              </a:rPr>
+              <a:t>GPU</a:t>
+            </a:r>
+          </a:p>
+        </p:txBody>
+      </p:sp>
+      <p:sp>
+        <p:nvSpPr>
+          <p:cNvPr id="23" name="Arrow: Left-Right 31">
+            <a:extLst>
+              <a:ext uri="{FF2B5EF4-FFF2-40B4-BE49-F238E27FC236}">
+                <a16:creationId xmlns:a16="http://schemas.microsoft.com/office/drawing/2014/main" id="{6249F92C-5FD0-3A46-BEC5-8E28292C8095}"/>
+              </a:ext>
+            </a:extLst>
+          </p:cNvPr>
+          <p:cNvSpPr/>
+          <p:nvPr/>
+        </p:nvSpPr>
+        <p:spPr>
+          <a:xfrm>
+            <a:off x="7307352" y="2243565"/>
+            <a:ext cx="2370938" cy="257528"/>
+          </a:xfrm>
+          <a:prstGeom prst="leftRightArrow">
+            <a:avLst/>
+          </a:prstGeom>
+          <a:solidFill>
+            <a:srgbClr val="B0DDF2"/>
+          </a:solidFill>
+          <a:ln w="19050">
+            <a:solidFill>
+              <a:schemeClr val="tx1"/>
+            </a:solidFill>
+          </a:ln>
+        </p:spPr>
+        <p:style>
+          <a:lnRef idx="2">
+            <a:schemeClr val="accent1">
+              <a:shade val="50000"/>
+            </a:schemeClr>
+          </a:lnRef>
+          <a:fillRef idx="1">
+            <a:schemeClr val="accent1"/>
+          </a:fillRef>
+          <a:effectRef idx="0">
+            <a:schemeClr val="accent1"/>
+          </a:effectRef>
+          <a:fontRef idx="minor">
+            <a:schemeClr val="lt1"/>
+          </a:fontRef>
+        </p:style>
+        <p:txBody>
+          <a:bodyPr rtlCol="0" anchor="ctr"/>
+          <a:lstStyle/>
+          <a:p>
+            <a:pPr algn="ctr"/>
+            <a:endParaRPr lang="en-US" sz="2000"/>
+          </a:p>
+        </p:txBody>
+      </p:sp>
+      <p:sp>
+        <p:nvSpPr>
+          <p:cNvPr id="25" name="TextBox 24">
+            <a:extLst>
+              <a:ext uri="{FF2B5EF4-FFF2-40B4-BE49-F238E27FC236}">
+                <a16:creationId xmlns:a16="http://schemas.microsoft.com/office/drawing/2014/main" id="{6814E60B-3ABB-8A4A-9194-561120D0A27E}"/>
+              </a:ext>
+            </a:extLst>
+          </p:cNvPr>
+          <p:cNvSpPr txBox="1"/>
+          <p:nvPr/>
+        </p:nvSpPr>
+        <p:spPr>
+          <a:xfrm>
+            <a:off x="-124464" y="398100"/>
+            <a:ext cx="1317456" cy="707886"/>
+          </a:xfrm>
+          <a:prstGeom prst="rect">
+            <a:avLst/>
+          </a:prstGeom>
+          <a:noFill/>
+        </p:spPr>
+        <p:txBody>
+          <a:bodyPr wrap="square" rtlCol="0">
+            <a:spAutoFit/>
+          </a:bodyPr>
+          <a:lstStyle/>
+          <a:p>
+            <a:pPr algn="ctr"/>
+            <a:r>
+              <a:rPr lang="en-US" altLang="zh-CN" sz="2000" dirty="0"/>
+              <a:t>API</a:t>
+            </a:r>
+            <a:r>
+              <a:rPr lang="en-US" sz="2000" dirty="0"/>
+              <a:t> command</a:t>
+            </a:r>
+          </a:p>
+        </p:txBody>
+      </p:sp>
+      <p:sp>
+        <p:nvSpPr>
+          <p:cNvPr id="31" name="Rounded Rectangle 30">
+            <a:extLst>
+              <a:ext uri="{FF2B5EF4-FFF2-40B4-BE49-F238E27FC236}">
+                <a16:creationId xmlns:a16="http://schemas.microsoft.com/office/drawing/2014/main" id="{B7818CD2-CE3C-6D48-A844-D80B35326C6F}"/>
+              </a:ext>
+            </a:extLst>
+          </p:cNvPr>
+          <p:cNvSpPr/>
+          <p:nvPr/>
+        </p:nvSpPr>
+        <p:spPr>
+          <a:xfrm>
+            <a:off x="9440283" y="817468"/>
+            <a:ext cx="3076196" cy="3124860"/>
           </a:xfrm>
           <a:prstGeom prst="roundRect">
             <a:avLst/>
@@ -6553,210 +6711,7 @@
           </a:fontRef>
         </p:style>
         <p:txBody>
-          <a:bodyPr rtlCol="0" anchor="t"/>
-          <a:lstStyle/>
-          <a:p>
-            <a:pPr algn="ctr"/>
-            <a:r>
-              <a:rPr lang="en-US" sz="2000" dirty="0">
-                <a:solidFill>
-                  <a:schemeClr val="tx1"/>
-                </a:solidFill>
-              </a:rPr>
-              <a:t>GPUSched</a:t>
-            </a:r>
-          </a:p>
-        </p:txBody>
-      </p:sp>
-      <p:cxnSp>
-        <p:nvCxnSpPr>
-          <p:cNvPr id="45" name="Straight Arrow Connector 44">
-            <a:extLst>
-              <a:ext uri="{FF2B5EF4-FFF2-40B4-BE49-F238E27FC236}">
-                <a16:creationId xmlns:a16="http://schemas.microsoft.com/office/drawing/2014/main" id="{D37AA336-0550-DB44-B026-CE734AC92298}"/>
-              </a:ext>
-            </a:extLst>
-          </p:cNvPr>
-          <p:cNvCxnSpPr>
-            <a:cxnSpLocks/>
-            <a:endCxn id="43" idx="1"/>
-          </p:cNvCxnSpPr>
-          <p:nvPr/>
-        </p:nvCxnSpPr>
-        <p:spPr>
-          <a:xfrm>
-            <a:off x="534264" y="2457727"/>
-            <a:ext cx="3505199" cy="0"/>
-          </a:xfrm>
-          <a:prstGeom prst="straightConnector1">
-            <a:avLst/>
-          </a:prstGeom>
-          <a:ln w="57150">
-            <a:solidFill>
-              <a:schemeClr val="tx1"/>
-            </a:solidFill>
-            <a:tailEnd type="triangle"/>
-          </a:ln>
-        </p:spPr>
-        <p:style>
-          <a:lnRef idx="1">
-            <a:schemeClr val="accent1"/>
-          </a:lnRef>
-          <a:fillRef idx="0">
-            <a:schemeClr val="accent1"/>
-          </a:fillRef>
-          <a:effectRef idx="0">
-            <a:schemeClr val="accent1"/>
-          </a:effectRef>
-          <a:fontRef idx="minor">
-            <a:schemeClr val="tx1"/>
-          </a:fontRef>
-        </p:style>
-      </p:cxnSp>
-      <p:sp>
-        <p:nvSpPr>
-          <p:cNvPr id="23" name="Arrow: Left-Right 31">
-            <a:extLst>
-              <a:ext uri="{FF2B5EF4-FFF2-40B4-BE49-F238E27FC236}">
-                <a16:creationId xmlns:a16="http://schemas.microsoft.com/office/drawing/2014/main" id="{6249F92C-5FD0-3A46-BEC5-8E28292C8095}"/>
-              </a:ext>
-            </a:extLst>
-          </p:cNvPr>
-          <p:cNvSpPr/>
-          <p:nvPr/>
-        </p:nvSpPr>
-        <p:spPr>
-          <a:xfrm>
-            <a:off x="534264" y="1471625"/>
-            <a:ext cx="2370938" cy="257528"/>
-          </a:xfrm>
-          <a:prstGeom prst="leftRightArrow">
-            <a:avLst/>
-          </a:prstGeom>
-          <a:solidFill>
-            <a:srgbClr val="B0DDF2"/>
-          </a:solidFill>
-          <a:ln w="19050">
-            <a:solidFill>
-              <a:schemeClr val="tx1"/>
-            </a:solidFill>
-          </a:ln>
-        </p:spPr>
-        <p:style>
-          <a:lnRef idx="2">
-            <a:schemeClr val="accent1">
-              <a:shade val="50000"/>
-            </a:schemeClr>
-          </a:lnRef>
-          <a:fillRef idx="1">
-            <a:schemeClr val="accent1"/>
-          </a:fillRef>
-          <a:effectRef idx="0">
-            <a:schemeClr val="accent1"/>
-          </a:effectRef>
-          <a:fontRef idx="minor">
-            <a:schemeClr val="lt1"/>
-          </a:fontRef>
-        </p:style>
-        <p:txBody>
-          <a:bodyPr rtlCol="0" anchor="ctr"/>
-          <a:lstStyle/>
-          <a:p>
-            <a:pPr algn="ctr"/>
-            <a:endParaRPr lang="en-US" sz="2000"/>
-          </a:p>
-        </p:txBody>
-      </p:sp>
-      <p:sp>
-        <p:nvSpPr>
-          <p:cNvPr id="25" name="TextBox 24">
-            <a:extLst>
-              <a:ext uri="{FF2B5EF4-FFF2-40B4-BE49-F238E27FC236}">
-                <a16:creationId xmlns:a16="http://schemas.microsoft.com/office/drawing/2014/main" id="{6814E60B-3ABB-8A4A-9194-561120D0A27E}"/>
-              </a:ext>
-            </a:extLst>
-          </p:cNvPr>
-          <p:cNvSpPr txBox="1"/>
-          <p:nvPr/>
-        </p:nvSpPr>
-        <p:spPr>
-          <a:xfrm>
-            <a:off x="1010884" y="763739"/>
-            <a:ext cx="1317456" cy="707886"/>
-          </a:xfrm>
-          <a:prstGeom prst="rect">
-            <a:avLst/>
-          </a:prstGeom>
-          <a:noFill/>
-        </p:spPr>
-        <p:txBody>
-          <a:bodyPr wrap="square" rtlCol="0">
-            <a:spAutoFit/>
-          </a:bodyPr>
-          <a:lstStyle/>
-          <a:p>
-            <a:pPr algn="ctr"/>
-            <a:r>
-              <a:rPr lang="en-US" altLang="zh-CN" sz="2000" dirty="0"/>
-              <a:t>API</a:t>
-            </a:r>
-            <a:r>
-              <a:rPr lang="en-US" sz="2000" dirty="0"/>
-              <a:t> command</a:t>
-            </a:r>
-          </a:p>
-        </p:txBody>
-      </p:sp>
-      <p:sp>
-        <p:nvSpPr>
-          <p:cNvPr id="29" name="Rectangle 28">
-            <a:extLst>
-              <a:ext uri="{FF2B5EF4-FFF2-40B4-BE49-F238E27FC236}">
-                <a16:creationId xmlns:a16="http://schemas.microsoft.com/office/drawing/2014/main" id="{60BBAA7F-2825-304B-BEC7-E51BCE0EB1B4}"/>
-              </a:ext>
-            </a:extLst>
-          </p:cNvPr>
-          <p:cNvSpPr/>
-          <p:nvPr/>
-        </p:nvSpPr>
-        <p:spPr>
-          <a:xfrm>
-            <a:off x="2905202" y="1307185"/>
-            <a:ext cx="1134261" cy="586408"/>
-          </a:xfrm>
-          <a:prstGeom prst="rect">
-            <a:avLst/>
-          </a:prstGeom>
-          <a:solidFill>
-            <a:schemeClr val="accent2">
-              <a:lumMod val="60000"/>
-              <a:lumOff val="40000"/>
-            </a:schemeClr>
-          </a:solidFill>
-          <a:ln w="38100">
-            <a:solidFill>
-              <a:schemeClr val="tx1"/>
-            </a:solidFill>
-          </a:ln>
-        </p:spPr>
-        <p:style>
-          <a:lnRef idx="2">
-            <a:schemeClr val="accent2">
-              <a:shade val="50000"/>
-            </a:schemeClr>
-          </a:lnRef>
-          <a:fillRef idx="1">
-            <a:schemeClr val="accent2"/>
-          </a:fillRef>
-          <a:effectRef idx="0">
-            <a:schemeClr val="accent2"/>
-          </a:effectRef>
-          <a:fontRef idx="minor">
-            <a:schemeClr val="lt1"/>
-          </a:fontRef>
-        </p:style>
-        <p:txBody>
-          <a:bodyPr rtlCol="0" anchor="ctr"/>
+          <a:bodyPr rtlCol="0" anchor="b"/>
           <a:lstStyle/>
           <a:p>
             <a:pPr algn="ctr"/>
@@ -6766,23 +6721,7 @@
                   <a:schemeClr val="tx1"/>
                 </a:solidFill>
               </a:rPr>
-              <a:t>Kernel</a:t>
-            </a:r>
-            <a:r>
-              <a:rPr lang="zh-CN" altLang="en-US" sz="2000" dirty="0">
-                <a:solidFill>
-                  <a:schemeClr val="tx1"/>
-                </a:solidFill>
-              </a:rPr>
-              <a:t> </a:t>
-            </a:r>
-            <a:r>
-              <a:rPr lang="en-US" altLang="zh-CN" sz="2000" dirty="0">
-                <a:solidFill>
-                  <a:schemeClr val="tx1"/>
-                </a:solidFill>
-              </a:rPr>
-              <a:t>handler</a:t>
+              <a:t>CPU</a:t>
             </a:r>
             <a:endParaRPr lang="en-US" sz="2000" dirty="0">
               <a:solidFill>
@@ -6792,94 +6731,12 @@
           </a:p>
         </p:txBody>
       </p:sp>
-      <p:sp>
-        <p:nvSpPr>
-          <p:cNvPr id="31" name="Rounded Rectangle 30">
-            <a:extLst>
-              <a:ext uri="{FF2B5EF4-FFF2-40B4-BE49-F238E27FC236}">
-                <a16:creationId xmlns:a16="http://schemas.microsoft.com/office/drawing/2014/main" id="{B7818CD2-CE3C-6D48-A844-D80B35326C6F}"/>
-              </a:ext>
-            </a:extLst>
-          </p:cNvPr>
-          <p:cNvSpPr/>
-          <p:nvPr/>
-        </p:nvSpPr>
-        <p:spPr>
-          <a:xfrm>
-            <a:off x="2389188" y="3085440"/>
-            <a:ext cx="5815011" cy="3124860"/>
-          </a:xfrm>
-          <a:prstGeom prst="roundRect">
-            <a:avLst/>
-          </a:prstGeom>
-          <a:solidFill>
-            <a:srgbClr val="13D2FF"/>
-          </a:solidFill>
-          <a:ln w="19050">
-            <a:solidFill>
-              <a:schemeClr val="tx1"/>
-            </a:solidFill>
-          </a:ln>
-        </p:spPr>
-        <p:style>
-          <a:lnRef idx="2">
-            <a:schemeClr val="accent1">
-              <a:shade val="50000"/>
-            </a:schemeClr>
-          </a:lnRef>
-          <a:fillRef idx="1">
-            <a:schemeClr val="accent1"/>
-          </a:fillRef>
-          <a:effectRef idx="0">
-            <a:schemeClr val="accent1"/>
-          </a:effectRef>
-          <a:fontRef idx="minor">
-            <a:schemeClr val="lt1"/>
-          </a:fontRef>
-        </p:style>
-        <p:txBody>
-          <a:bodyPr rtlCol="0" anchor="b"/>
-          <a:lstStyle/>
-          <a:p>
-            <a:pPr algn="ctr"/>
-            <a:r>
-              <a:rPr lang="en-US" altLang="zh-CN" sz="2000" dirty="0">
-                <a:solidFill>
-                  <a:schemeClr val="tx1"/>
-                </a:solidFill>
-              </a:rPr>
-              <a:t>GPGPU-Sim</a:t>
-            </a:r>
-            <a:r>
-              <a:rPr lang="zh-CN" altLang="en-US" sz="2000" dirty="0">
-                <a:solidFill>
-                  <a:schemeClr val="tx1"/>
-                </a:solidFill>
-              </a:rPr>
-              <a:t> </a:t>
-            </a:r>
-            <a:r>
-              <a:rPr lang="en-US" altLang="zh-CN" sz="2000" dirty="0">
-                <a:solidFill>
-                  <a:schemeClr val="tx1"/>
-                </a:solidFill>
-              </a:rPr>
-              <a:t>lib</a:t>
-            </a:r>
-            <a:endParaRPr lang="en-US" sz="2000" dirty="0">
-              <a:solidFill>
-                <a:schemeClr val="tx1"/>
-              </a:solidFill>
-            </a:endParaRPr>
-          </a:p>
-        </p:txBody>
-      </p:sp>
       <p:graphicFrame>
         <p:nvGraphicFramePr>
-          <p:cNvPr id="32" name="Table 31">
-            <a:extLst>
-              <a:ext uri="{FF2B5EF4-FFF2-40B4-BE49-F238E27FC236}">
-                <a16:creationId xmlns:a16="http://schemas.microsoft.com/office/drawing/2014/main" id="{1C313508-E6EE-B746-BB64-2A49E9305EE3}"/>
+          <p:cNvPr id="34" name="Table 33">
+            <a:extLst>
+              <a:ext uri="{FF2B5EF4-FFF2-40B4-BE49-F238E27FC236}">
+                <a16:creationId xmlns:a16="http://schemas.microsoft.com/office/drawing/2014/main" id="{2E481102-7C64-0F43-BDE1-CA1A8FF612C5}"/>
               </a:ext>
             </a:extLst>
           </p:cNvPr>
@@ -6889,14 +6746,14 @@
           <p:nvPr>
             <p:extLst>
               <p:ext uri="{D42A27DB-BD31-4B8C-83A1-F6EECF244321}">
-                <p14:modId xmlns:p14="http://schemas.microsoft.com/office/powerpoint/2010/main" val="2144791687"/>
+                <p14:modId xmlns:p14="http://schemas.microsoft.com/office/powerpoint/2010/main" val="2617796662"/>
               </p:ext>
             </p:extLst>
           </p:nvPr>
         </p:nvGraphicFramePr>
         <p:xfrm>
-          <a:off x="3164805" y="5225189"/>
-          <a:ext cx="4263776" cy="396240"/>
+          <a:off x="8734697" y="4455570"/>
+          <a:ext cx="1356754" cy="1185068"/>
         </p:xfrm>
         <a:graphic>
           <a:graphicData uri="http://schemas.openxmlformats.org/drawingml/2006/table">
@@ -6905,691 +6762,14 @@
                 <a:tableStyleId>{5C22544A-7EE6-4342-B048-85BDC9FD1C3A}</a:tableStyleId>
               </a:tblPr>
               <a:tblGrid>
-                <a:gridCol w="532972">
-                  <a:extLst>
-                    <a:ext uri="{9D8B030D-6E8A-4147-A177-3AD203B41FA5}">
-                      <a16:colId xmlns:a16="http://schemas.microsoft.com/office/drawing/2014/main" val="715010210"/>
-                    </a:ext>
-                  </a:extLst>
-                </a:gridCol>
-                <a:gridCol w="532972">
-                  <a:extLst>
-                    <a:ext uri="{9D8B030D-6E8A-4147-A177-3AD203B41FA5}">
-                      <a16:colId xmlns:a16="http://schemas.microsoft.com/office/drawing/2014/main" val="4164978965"/>
-                    </a:ext>
-                  </a:extLst>
-                </a:gridCol>
-                <a:gridCol w="532972">
-                  <a:extLst>
-                    <a:ext uri="{9D8B030D-6E8A-4147-A177-3AD203B41FA5}">
-                      <a16:colId xmlns:a16="http://schemas.microsoft.com/office/drawing/2014/main" val="469186599"/>
-                    </a:ext>
-                  </a:extLst>
-                </a:gridCol>
-                <a:gridCol w="532972">
-                  <a:extLst>
-                    <a:ext uri="{9D8B030D-6E8A-4147-A177-3AD203B41FA5}">
-                      <a16:colId xmlns:a16="http://schemas.microsoft.com/office/drawing/2014/main" val="2360870804"/>
-                    </a:ext>
-                  </a:extLst>
-                </a:gridCol>
-                <a:gridCol w="532972">
-                  <a:extLst>
-                    <a:ext uri="{9D8B030D-6E8A-4147-A177-3AD203B41FA5}">
-                      <a16:colId xmlns:a16="http://schemas.microsoft.com/office/drawing/2014/main" val="1544137110"/>
-                    </a:ext>
-                  </a:extLst>
-                </a:gridCol>
-                <a:gridCol w="532972">
-                  <a:extLst>
-                    <a:ext uri="{9D8B030D-6E8A-4147-A177-3AD203B41FA5}">
-                      <a16:colId xmlns:a16="http://schemas.microsoft.com/office/drawing/2014/main" val="3348002178"/>
-                    </a:ext>
-                  </a:extLst>
-                </a:gridCol>
-                <a:gridCol w="532972">
-                  <a:extLst>
-                    <a:ext uri="{9D8B030D-6E8A-4147-A177-3AD203B41FA5}">
-                      <a16:colId xmlns:a16="http://schemas.microsoft.com/office/drawing/2014/main" val="1154429950"/>
-                    </a:ext>
-                  </a:extLst>
-                </a:gridCol>
-                <a:gridCol w="532972">
-                  <a:extLst>
-                    <a:ext uri="{9D8B030D-6E8A-4147-A177-3AD203B41FA5}">
-                      <a16:colId xmlns:a16="http://schemas.microsoft.com/office/drawing/2014/main" val="3956358605"/>
-                    </a:ext>
-                  </a:extLst>
-                </a:gridCol>
-              </a:tblGrid>
-              <a:tr h="387513">
-                <a:tc>
-                  <a:txBody>
-                    <a:bodyPr/>
-                    <a:lstStyle/>
-                    <a:p>
-                      <a:pPr marL="0" algn="ctr" defTabSz="914400" rtl="0" eaLnBrk="1" latinLnBrk="0" hangingPunct="1"/>
-                      <a:r>
-                        <a:rPr lang="en-US" altLang="zh-CN" sz="2000" b="0" kern="1200" dirty="0">
-                          <a:solidFill>
-                            <a:schemeClr val="tx1"/>
-                          </a:solidFill>
-                          <a:latin typeface="+mn-lt"/>
-                          <a:ea typeface="+mn-ea"/>
-                          <a:cs typeface="+mn-cs"/>
-                        </a:rPr>
-                        <a:t>K3</a:t>
-                      </a:r>
-                      <a:endParaRPr lang="en-US" sz="2000" b="0" kern="1200" dirty="0">
-                        <a:solidFill>
-                          <a:schemeClr val="tx1"/>
-                        </a:solidFill>
-                        <a:latin typeface="+mn-lt"/>
-                        <a:ea typeface="+mn-ea"/>
-                        <a:cs typeface="+mn-cs"/>
-                      </a:endParaRPr>
-                    </a:p>
-                  </a:txBody>
-                  <a:tcPr>
-                    <a:lnL w="12700" cap="flat" cmpd="sng" algn="ctr">
-                      <a:solidFill>
-                        <a:schemeClr val="tx1"/>
-                      </a:solidFill>
-                      <a:prstDash val="solid"/>
-                      <a:round/>
-                      <a:headEnd type="none" w="med" len="med"/>
-                      <a:tailEnd type="none" w="med" len="med"/>
-                    </a:lnL>
-                    <a:lnR w="12700" cap="flat" cmpd="sng" algn="ctr">
-                      <a:solidFill>
-                        <a:schemeClr val="tx1"/>
-                      </a:solidFill>
-                      <a:prstDash val="solid"/>
-                      <a:round/>
-                      <a:headEnd type="none" w="med" len="med"/>
-                      <a:tailEnd type="none" w="med" len="med"/>
-                    </a:lnR>
-                    <a:lnT w="12700" cap="flat" cmpd="sng" algn="ctr">
-                      <a:solidFill>
-                        <a:schemeClr val="tx1"/>
-                      </a:solidFill>
-                      <a:prstDash val="solid"/>
-                      <a:round/>
-                      <a:headEnd type="none" w="med" len="med"/>
-                      <a:tailEnd type="none" w="med" len="med"/>
-                    </a:lnT>
-                    <a:lnB w="12700" cap="flat" cmpd="sng" algn="ctr">
-                      <a:solidFill>
-                        <a:schemeClr val="tx1"/>
-                      </a:solidFill>
-                      <a:prstDash val="solid"/>
-                      <a:round/>
-                      <a:headEnd type="none" w="med" len="med"/>
-                      <a:tailEnd type="none" w="med" len="med"/>
-                    </a:lnB>
-                    <a:solidFill>
-                      <a:schemeClr val="accent6">
-                        <a:lumMod val="40000"/>
-                        <a:lumOff val="60000"/>
-                      </a:schemeClr>
-                    </a:solidFill>
-                  </a:tcPr>
-                </a:tc>
-                <a:tc>
-                  <a:txBody>
-                    <a:bodyPr/>
-                    <a:lstStyle/>
-                    <a:p>
-                      <a:pPr marL="0" algn="ctr" defTabSz="914400" rtl="0" eaLnBrk="1" latinLnBrk="0" hangingPunct="1"/>
-                      <a:r>
-                        <a:rPr lang="en-US" altLang="zh-CN" sz="2000" b="0" kern="1200" dirty="0">
-                          <a:solidFill>
-                            <a:schemeClr val="tx1"/>
-                          </a:solidFill>
-                          <a:latin typeface="+mn-lt"/>
-                          <a:ea typeface="+mn-ea"/>
-                          <a:cs typeface="+mn-cs"/>
-                        </a:rPr>
-                        <a:t>K4</a:t>
-                      </a:r>
-                      <a:endParaRPr lang="en-US" sz="2000" b="0" kern="1200" dirty="0">
-                        <a:solidFill>
-                          <a:schemeClr val="tx1"/>
-                        </a:solidFill>
-                        <a:latin typeface="+mn-lt"/>
-                        <a:ea typeface="+mn-ea"/>
-                        <a:cs typeface="+mn-cs"/>
-                      </a:endParaRPr>
-                    </a:p>
-                  </a:txBody>
-                  <a:tcPr>
-                    <a:lnL w="12700" cap="flat" cmpd="sng" algn="ctr">
-                      <a:solidFill>
-                        <a:schemeClr val="tx1"/>
-                      </a:solidFill>
-                      <a:prstDash val="solid"/>
-                      <a:round/>
-                      <a:headEnd type="none" w="med" len="med"/>
-                      <a:tailEnd type="none" w="med" len="med"/>
-                    </a:lnL>
-                    <a:lnR w="12700" cap="flat" cmpd="sng" algn="ctr">
-                      <a:solidFill>
-                        <a:schemeClr val="tx1"/>
-                      </a:solidFill>
-                      <a:prstDash val="solid"/>
-                      <a:round/>
-                      <a:headEnd type="none" w="med" len="med"/>
-                      <a:tailEnd type="none" w="med" len="med"/>
-                    </a:lnR>
-                    <a:lnT w="12700" cap="flat" cmpd="sng" algn="ctr">
-                      <a:solidFill>
-                        <a:schemeClr val="tx1"/>
-                      </a:solidFill>
-                      <a:prstDash val="solid"/>
-                      <a:round/>
-                      <a:headEnd type="none" w="med" len="med"/>
-                      <a:tailEnd type="none" w="med" len="med"/>
-                    </a:lnT>
-                    <a:lnB w="12700" cap="flat" cmpd="sng" algn="ctr">
-                      <a:solidFill>
-                        <a:schemeClr val="tx1"/>
-                      </a:solidFill>
-                      <a:prstDash val="solid"/>
-                      <a:round/>
-                      <a:headEnd type="none" w="med" len="med"/>
-                      <a:tailEnd type="none" w="med" len="med"/>
-                    </a:lnB>
-                    <a:solidFill>
-                      <a:schemeClr val="accent6">
-                        <a:lumMod val="40000"/>
-                        <a:lumOff val="60000"/>
-                      </a:schemeClr>
-                    </a:solidFill>
-                  </a:tcPr>
-                </a:tc>
-                <a:tc>
-                  <a:txBody>
-                    <a:bodyPr/>
-                    <a:lstStyle/>
-                    <a:p>
-                      <a:pPr marL="0" algn="ctr" defTabSz="914400" rtl="0" eaLnBrk="1" latinLnBrk="0" hangingPunct="1"/>
-                      <a:r>
-                        <a:rPr lang="en-US" altLang="zh-CN" sz="2000" b="0" kern="1200" dirty="0">
-                          <a:solidFill>
-                            <a:schemeClr val="tx1"/>
-                          </a:solidFill>
-                          <a:latin typeface="+mn-lt"/>
-                          <a:ea typeface="+mn-ea"/>
-                          <a:cs typeface="+mn-cs"/>
-                        </a:rPr>
-                        <a:t>K5</a:t>
-                      </a:r>
-                      <a:endParaRPr lang="en-US" sz="2000" b="0" kern="1200" dirty="0">
-                        <a:solidFill>
-                          <a:schemeClr val="tx1"/>
-                        </a:solidFill>
-                        <a:latin typeface="+mn-lt"/>
-                        <a:ea typeface="+mn-ea"/>
-                        <a:cs typeface="+mn-cs"/>
-                      </a:endParaRPr>
-                    </a:p>
-                  </a:txBody>
-                  <a:tcPr>
-                    <a:lnL w="12700" cap="flat" cmpd="sng" algn="ctr">
-                      <a:solidFill>
-                        <a:schemeClr val="tx1"/>
-                      </a:solidFill>
-                      <a:prstDash val="solid"/>
-                      <a:round/>
-                      <a:headEnd type="none" w="med" len="med"/>
-                      <a:tailEnd type="none" w="med" len="med"/>
-                    </a:lnL>
-                    <a:lnR w="12700" cap="flat" cmpd="sng" algn="ctr">
-                      <a:solidFill>
-                        <a:schemeClr val="tx1"/>
-                      </a:solidFill>
-                      <a:prstDash val="solid"/>
-                      <a:round/>
-                      <a:headEnd type="none" w="med" len="med"/>
-                      <a:tailEnd type="none" w="med" len="med"/>
-                    </a:lnR>
-                    <a:lnT w="12700" cap="flat" cmpd="sng" algn="ctr">
-                      <a:solidFill>
-                        <a:schemeClr val="tx1"/>
-                      </a:solidFill>
-                      <a:prstDash val="solid"/>
-                      <a:round/>
-                      <a:headEnd type="none" w="med" len="med"/>
-                      <a:tailEnd type="none" w="med" len="med"/>
-                    </a:lnT>
-                    <a:lnB w="12700" cap="flat" cmpd="sng" algn="ctr">
-                      <a:solidFill>
-                        <a:schemeClr val="tx1"/>
-                      </a:solidFill>
-                      <a:prstDash val="solid"/>
-                      <a:round/>
-                      <a:headEnd type="none" w="med" len="med"/>
-                      <a:tailEnd type="none" w="med" len="med"/>
-                    </a:lnB>
-                    <a:solidFill>
-                      <a:schemeClr val="accent6">
-                        <a:lumMod val="40000"/>
-                        <a:lumOff val="60000"/>
-                      </a:schemeClr>
-                    </a:solidFill>
-                  </a:tcPr>
-                </a:tc>
-                <a:tc>
-                  <a:txBody>
-                    <a:bodyPr/>
-                    <a:lstStyle/>
-                    <a:p>
-                      <a:pPr marL="0" algn="ctr" defTabSz="914400" rtl="0" eaLnBrk="1" latinLnBrk="0" hangingPunct="1"/>
-                      <a:endParaRPr lang="en-US" sz="2000" b="0" kern="1200" dirty="0">
-                        <a:solidFill>
-                          <a:schemeClr val="tx1"/>
-                        </a:solidFill>
-                        <a:latin typeface="+mn-lt"/>
-                        <a:ea typeface="+mn-ea"/>
-                        <a:cs typeface="+mn-cs"/>
-                      </a:endParaRPr>
-                    </a:p>
-                  </a:txBody>
-                  <a:tcPr>
-                    <a:lnL w="12700" cap="flat" cmpd="sng" algn="ctr">
-                      <a:solidFill>
-                        <a:schemeClr val="tx1"/>
-                      </a:solidFill>
-                      <a:prstDash val="solid"/>
-                      <a:round/>
-                      <a:headEnd type="none" w="med" len="med"/>
-                      <a:tailEnd type="none" w="med" len="med"/>
-                    </a:lnL>
-                    <a:lnR w="12700" cap="flat" cmpd="sng" algn="ctr">
-                      <a:solidFill>
-                        <a:schemeClr val="tx1"/>
-                      </a:solidFill>
-                      <a:prstDash val="solid"/>
-                      <a:round/>
-                      <a:headEnd type="none" w="med" len="med"/>
-                      <a:tailEnd type="none" w="med" len="med"/>
-                    </a:lnR>
-                    <a:lnT w="12700" cap="flat" cmpd="sng" algn="ctr">
-                      <a:solidFill>
-                        <a:schemeClr val="tx1"/>
-                      </a:solidFill>
-                      <a:prstDash val="solid"/>
-                      <a:round/>
-                      <a:headEnd type="none" w="med" len="med"/>
-                      <a:tailEnd type="none" w="med" len="med"/>
-                    </a:lnT>
-                    <a:lnB w="12700" cap="flat" cmpd="sng" algn="ctr">
-                      <a:solidFill>
-                        <a:schemeClr val="tx1"/>
-                      </a:solidFill>
-                      <a:prstDash val="solid"/>
-                      <a:round/>
-                      <a:headEnd type="none" w="med" len="med"/>
-                      <a:tailEnd type="none" w="med" len="med"/>
-                    </a:lnB>
-                    <a:solidFill>
-                      <a:schemeClr val="accent6">
-                        <a:lumMod val="40000"/>
-                        <a:lumOff val="60000"/>
-                      </a:schemeClr>
-                    </a:solidFill>
-                  </a:tcPr>
-                </a:tc>
-                <a:tc>
-                  <a:txBody>
-                    <a:bodyPr/>
-                    <a:lstStyle/>
-                    <a:p>
-                      <a:pPr marL="0" algn="ctr" defTabSz="914400" rtl="0" eaLnBrk="1" latinLnBrk="0" hangingPunct="1"/>
-                      <a:endParaRPr lang="en-US" sz="2000" b="0" kern="1200" dirty="0">
-                        <a:solidFill>
-                          <a:schemeClr val="tx1"/>
-                        </a:solidFill>
-                        <a:latin typeface="+mn-lt"/>
-                        <a:ea typeface="+mn-ea"/>
-                        <a:cs typeface="+mn-cs"/>
-                      </a:endParaRPr>
-                    </a:p>
-                  </a:txBody>
-                  <a:tcPr anchor="ctr">
-                    <a:lnL w="12700" cap="flat" cmpd="sng" algn="ctr">
-                      <a:solidFill>
-                        <a:schemeClr val="tx1"/>
-                      </a:solidFill>
-                      <a:prstDash val="solid"/>
-                      <a:round/>
-                      <a:headEnd type="none" w="med" len="med"/>
-                      <a:tailEnd type="none" w="med" len="med"/>
-                    </a:lnL>
-                    <a:lnR w="12700" cap="flat" cmpd="sng" algn="ctr">
-                      <a:solidFill>
-                        <a:schemeClr val="tx1"/>
-                      </a:solidFill>
-                      <a:prstDash val="solid"/>
-                      <a:round/>
-                      <a:headEnd type="none" w="med" len="med"/>
-                      <a:tailEnd type="none" w="med" len="med"/>
-                    </a:lnR>
-                    <a:lnT w="12700" cap="flat" cmpd="sng" algn="ctr">
-                      <a:solidFill>
-                        <a:schemeClr val="tx1"/>
-                      </a:solidFill>
-                      <a:prstDash val="solid"/>
-                      <a:round/>
-                      <a:headEnd type="none" w="med" len="med"/>
-                      <a:tailEnd type="none" w="med" len="med"/>
-                    </a:lnT>
-                    <a:lnB w="12700" cap="flat" cmpd="sng" algn="ctr">
-                      <a:solidFill>
-                        <a:schemeClr val="tx1"/>
-                      </a:solidFill>
-                      <a:prstDash val="solid"/>
-                      <a:round/>
-                      <a:headEnd type="none" w="med" len="med"/>
-                      <a:tailEnd type="none" w="med" len="med"/>
-                    </a:lnB>
-                    <a:solidFill>
-                      <a:schemeClr val="accent6">
-                        <a:lumMod val="40000"/>
-                        <a:lumOff val="60000"/>
-                      </a:schemeClr>
-                    </a:solidFill>
-                  </a:tcPr>
-                </a:tc>
-                <a:tc>
-                  <a:txBody>
-                    <a:bodyPr/>
-                    <a:lstStyle/>
-                    <a:p>
-                      <a:pPr marL="0" algn="ctr" defTabSz="914400" rtl="0" eaLnBrk="1" latinLnBrk="0" hangingPunct="1"/>
-                      <a:endParaRPr lang="en-US" sz="2000" b="0" kern="1200" dirty="0">
-                        <a:solidFill>
-                          <a:schemeClr val="tx1"/>
-                        </a:solidFill>
-                        <a:latin typeface="+mn-lt"/>
-                        <a:ea typeface="+mn-ea"/>
-                        <a:cs typeface="+mn-cs"/>
-                      </a:endParaRPr>
-                    </a:p>
-                  </a:txBody>
-                  <a:tcPr>
-                    <a:lnL w="12700" cap="flat" cmpd="sng" algn="ctr">
-                      <a:solidFill>
-                        <a:schemeClr val="tx1"/>
-                      </a:solidFill>
-                      <a:prstDash val="solid"/>
-                      <a:round/>
-                      <a:headEnd type="none" w="med" len="med"/>
-                      <a:tailEnd type="none" w="med" len="med"/>
-                    </a:lnL>
-                    <a:lnR w="12700" cap="flat" cmpd="sng" algn="ctr">
-                      <a:solidFill>
-                        <a:schemeClr val="tx1"/>
-                      </a:solidFill>
-                      <a:prstDash val="solid"/>
-                      <a:round/>
-                      <a:headEnd type="none" w="med" len="med"/>
-                      <a:tailEnd type="none" w="med" len="med"/>
-                    </a:lnR>
-                    <a:lnT w="12700" cap="flat" cmpd="sng" algn="ctr">
-                      <a:solidFill>
-                        <a:schemeClr val="tx1"/>
-                      </a:solidFill>
-                      <a:prstDash val="solid"/>
-                      <a:round/>
-                      <a:headEnd type="none" w="med" len="med"/>
-                      <a:tailEnd type="none" w="med" len="med"/>
-                    </a:lnT>
-                    <a:lnB w="12700" cap="flat" cmpd="sng" algn="ctr">
-                      <a:solidFill>
-                        <a:schemeClr val="tx1"/>
-                      </a:solidFill>
-                      <a:prstDash val="solid"/>
-                      <a:round/>
-                      <a:headEnd type="none" w="med" len="med"/>
-                      <a:tailEnd type="none" w="med" len="med"/>
-                    </a:lnB>
-                    <a:solidFill>
-                      <a:schemeClr val="accent6">
-                        <a:lumMod val="40000"/>
-                        <a:lumOff val="60000"/>
-                      </a:schemeClr>
-                    </a:solidFill>
-                  </a:tcPr>
-                </a:tc>
-                <a:tc>
-                  <a:txBody>
-                    <a:bodyPr/>
-                    <a:lstStyle/>
-                    <a:p>
-                      <a:pPr marL="0" algn="ctr" defTabSz="914400" rtl="0" eaLnBrk="1" latinLnBrk="0" hangingPunct="1"/>
-                      <a:endParaRPr lang="en-US" sz="2000" b="0" kern="1200" dirty="0">
-                        <a:solidFill>
-                          <a:schemeClr val="tx1"/>
-                        </a:solidFill>
-                        <a:latin typeface="+mn-lt"/>
-                        <a:ea typeface="+mn-ea"/>
-                        <a:cs typeface="+mn-cs"/>
-                      </a:endParaRPr>
-                    </a:p>
-                  </a:txBody>
-                  <a:tcPr>
-                    <a:lnL w="12700" cap="flat" cmpd="sng" algn="ctr">
-                      <a:solidFill>
-                        <a:schemeClr val="tx1"/>
-                      </a:solidFill>
-                      <a:prstDash val="solid"/>
-                      <a:round/>
-                      <a:headEnd type="none" w="med" len="med"/>
-                      <a:tailEnd type="none" w="med" len="med"/>
-                    </a:lnL>
-                    <a:lnR w="12700" cap="flat" cmpd="sng" algn="ctr">
-                      <a:solidFill>
-                        <a:schemeClr val="tx1"/>
-                      </a:solidFill>
-                      <a:prstDash val="solid"/>
-                      <a:round/>
-                      <a:headEnd type="none" w="med" len="med"/>
-                      <a:tailEnd type="none" w="med" len="med"/>
-                    </a:lnR>
-                    <a:lnT w="12700" cap="flat" cmpd="sng" algn="ctr">
-                      <a:solidFill>
-                        <a:schemeClr val="tx1"/>
-                      </a:solidFill>
-                      <a:prstDash val="solid"/>
-                      <a:round/>
-                      <a:headEnd type="none" w="med" len="med"/>
-                      <a:tailEnd type="none" w="med" len="med"/>
-                    </a:lnT>
-                    <a:lnB w="12700" cap="flat" cmpd="sng" algn="ctr">
-                      <a:solidFill>
-                        <a:schemeClr val="tx1"/>
-                      </a:solidFill>
-                      <a:prstDash val="solid"/>
-                      <a:round/>
-                      <a:headEnd type="none" w="med" len="med"/>
-                      <a:tailEnd type="none" w="med" len="med"/>
-                    </a:lnB>
-                    <a:solidFill>
-                      <a:schemeClr val="accent6">
-                        <a:lumMod val="40000"/>
-                        <a:lumOff val="60000"/>
-                      </a:schemeClr>
-                    </a:solidFill>
-                  </a:tcPr>
-                </a:tc>
-                <a:tc>
-                  <a:txBody>
-                    <a:bodyPr/>
-                    <a:lstStyle/>
-                    <a:p>
-                      <a:pPr marL="0" algn="ctr" defTabSz="914400" rtl="0" eaLnBrk="1" latinLnBrk="0" hangingPunct="1"/>
-                      <a:endParaRPr lang="en-US" sz="2000" b="0" kern="1200" dirty="0">
-                        <a:solidFill>
-                          <a:schemeClr val="tx1"/>
-                        </a:solidFill>
-                        <a:latin typeface="+mn-lt"/>
-                        <a:ea typeface="+mn-ea"/>
-                        <a:cs typeface="+mn-cs"/>
-                      </a:endParaRPr>
-                    </a:p>
-                  </a:txBody>
-                  <a:tcPr>
-                    <a:lnL w="12700" cap="flat" cmpd="sng" algn="ctr">
-                      <a:solidFill>
-                        <a:schemeClr val="tx1"/>
-                      </a:solidFill>
-                      <a:prstDash val="solid"/>
-                      <a:round/>
-                      <a:headEnd type="none" w="med" len="med"/>
-                      <a:tailEnd type="none" w="med" len="med"/>
-                    </a:lnL>
-                    <a:lnR w="12700" cap="flat" cmpd="sng" algn="ctr">
-                      <a:solidFill>
-                        <a:schemeClr val="tx1"/>
-                      </a:solidFill>
-                      <a:prstDash val="solid"/>
-                      <a:round/>
-                      <a:headEnd type="none" w="med" len="med"/>
-                      <a:tailEnd type="none" w="med" len="med"/>
-                    </a:lnR>
-                    <a:lnT w="12700" cap="flat" cmpd="sng" algn="ctr">
-                      <a:solidFill>
-                        <a:schemeClr val="tx1"/>
-                      </a:solidFill>
-                      <a:prstDash val="solid"/>
-                      <a:round/>
-                      <a:headEnd type="none" w="med" len="med"/>
-                      <a:tailEnd type="none" w="med" len="med"/>
-                    </a:lnT>
-                    <a:lnB w="12700" cap="flat" cmpd="sng" algn="ctr">
-                      <a:solidFill>
-                        <a:schemeClr val="tx1"/>
-                      </a:solidFill>
-                      <a:prstDash val="solid"/>
-                      <a:round/>
-                      <a:headEnd type="none" w="med" len="med"/>
-                      <a:tailEnd type="none" w="med" len="med"/>
-                    </a:lnB>
-                    <a:solidFill>
-                      <a:schemeClr val="accent6">
-                        <a:lumMod val="40000"/>
-                        <a:lumOff val="60000"/>
-                      </a:schemeClr>
-                    </a:solidFill>
-                  </a:tcPr>
-                </a:tc>
-                <a:extLst>
-                  <a:ext uri="{0D108BD9-81ED-4DB2-BD59-A6C34878D82A}">
-                    <a16:rowId xmlns:a16="http://schemas.microsoft.com/office/drawing/2014/main" val="3008411283"/>
-                  </a:ext>
-                </a:extLst>
-              </a:tr>
-            </a:tbl>
-          </a:graphicData>
-        </a:graphic>
-      </p:graphicFrame>
-      <p:sp>
-        <p:nvSpPr>
-          <p:cNvPr id="2" name="Down Arrow 1">
-            <a:extLst>
-              <a:ext uri="{FF2B5EF4-FFF2-40B4-BE49-F238E27FC236}">
-                <a16:creationId xmlns:a16="http://schemas.microsoft.com/office/drawing/2014/main" id="{6298C443-75D5-7A4F-A1F5-C1ADDA2F2408}"/>
-              </a:ext>
-            </a:extLst>
-          </p:cNvPr>
-          <p:cNvSpPr/>
-          <p:nvPr/>
-        </p:nvSpPr>
-        <p:spPr>
-          <a:xfrm>
-            <a:off x="3297467" y="1952092"/>
-            <a:ext cx="335270" cy="3252669"/>
-          </a:xfrm>
-          <a:prstGeom prst="downArrow">
-            <a:avLst>
-              <a:gd name="adj1" fmla="val 50000"/>
-              <a:gd name="adj2" fmla="val 50000"/>
-            </a:avLst>
-          </a:prstGeom>
-          <a:solidFill>
-            <a:srgbClr val="B0DDF2"/>
-          </a:solidFill>
-          <a:ln w="19050">
-            <a:solidFill>
-              <a:schemeClr val="tx1"/>
-            </a:solidFill>
-          </a:ln>
-        </p:spPr>
-        <p:style>
-          <a:lnRef idx="2">
-            <a:schemeClr val="accent1">
-              <a:shade val="50000"/>
-            </a:schemeClr>
-          </a:lnRef>
-          <a:fillRef idx="1">
-            <a:schemeClr val="accent1"/>
-          </a:fillRef>
-          <a:effectRef idx="0">
-            <a:schemeClr val="accent1"/>
-          </a:effectRef>
-          <a:fontRef idx="minor">
-            <a:schemeClr val="lt1"/>
-          </a:fontRef>
-        </p:style>
-        <p:txBody>
-          <a:bodyPr rtlCol="0" anchor="ctr"/>
-          <a:lstStyle/>
-          <a:p>
-            <a:pPr algn="ctr"/>
-            <a:endParaRPr lang="en-US" sz="2000"/>
-          </a:p>
-        </p:txBody>
-      </p:sp>
-      <p:graphicFrame>
-        <p:nvGraphicFramePr>
-          <p:cNvPr id="34" name="Table 33">
-            <a:extLst>
-              <a:ext uri="{FF2B5EF4-FFF2-40B4-BE49-F238E27FC236}">
-                <a16:creationId xmlns:a16="http://schemas.microsoft.com/office/drawing/2014/main" id="{2E481102-7C64-0F43-BDE1-CA1A8FF612C5}"/>
-              </a:ext>
-            </a:extLst>
-          </p:cNvPr>
-          <p:cNvGraphicFramePr>
-            <a:graphicFrameLocks noGrp="1"/>
-          </p:cNvGraphicFramePr>
-          <p:nvPr>
-            <p:extLst>
-              <p:ext uri="{D42A27DB-BD31-4B8C-83A1-F6EECF244321}">
-                <p14:modId xmlns:p14="http://schemas.microsoft.com/office/powerpoint/2010/main" val="4053525438"/>
-              </p:ext>
-            </p:extLst>
-          </p:nvPr>
-        </p:nvGraphicFramePr>
-        <p:xfrm>
-          <a:off x="3806770" y="3189049"/>
-          <a:ext cx="1887186" cy="1584960"/>
-        </p:xfrm>
-        <a:graphic>
-          <a:graphicData uri="http://schemas.openxmlformats.org/drawingml/2006/table">
-            <a:tbl>
-              <a:tblPr firstRow="1" bandRow="1">
-                <a:tableStyleId>{5C22544A-7EE6-4342-B048-85BDC9FD1C3A}</a:tableStyleId>
-              </a:tblPr>
-              <a:tblGrid>
-                <a:gridCol w="943593">
+                <a:gridCol w="716767">
                   <a:extLst>
                     <a:ext uri="{9D8B030D-6E8A-4147-A177-3AD203B41FA5}">
                       <a16:colId xmlns:a16="http://schemas.microsoft.com/office/drawing/2014/main" val="1997404274"/>
                     </a:ext>
                   </a:extLst>
                 </a:gridCol>
-                <a:gridCol w="943593">
+                <a:gridCol w="639987">
                   <a:extLst>
                     <a:ext uri="{9D8B030D-6E8A-4147-A177-3AD203B41FA5}">
                       <a16:colId xmlns:a16="http://schemas.microsoft.com/office/drawing/2014/main" val="3624857573"/>
@@ -7597,21 +6777,13 @@
                   </a:extLst>
                 </a:gridCol>
               </a:tblGrid>
-              <a:tr h="327423">
+              <a:tr h="296267">
                 <a:tc>
                   <a:txBody>
                     <a:bodyPr/>
                     <a:lstStyle/>
                     <a:p>
-                      <a:r>
-                        <a:rPr lang="en-US" altLang="zh-CN" sz="2000" b="0" dirty="0">
-                          <a:solidFill>
-                            <a:schemeClr val="tx1"/>
-                          </a:solidFill>
-                        </a:rPr>
-                        <a:t>SM1</a:t>
-                      </a:r>
-                      <a:endParaRPr lang="en-US" sz="2000" b="0" dirty="0">
+                      <a:endParaRPr lang="en-US" sz="800" b="0" dirty="0">
                         <a:solidFill>
                           <a:schemeClr val="tx1"/>
                         </a:solidFill>
@@ -7656,10 +6828,9 @@
                       <a:tailEnd type="none" w="med" len="med"/>
                     </a:lnB>
                     <a:solidFill>
-                      <a:schemeClr val="accent6">
-                        <a:lumMod val="40000"/>
-                        <a:lumOff val="60000"/>
-                      </a:schemeClr>
+                      <a:srgbClr val="FF85FF">
+                        <a:alpha val="75686"/>
+                      </a:srgbClr>
                     </a:solidFill>
                   </a:tcPr>
                 </a:tc>
@@ -7668,15 +6839,7 @@
                     <a:bodyPr/>
                     <a:lstStyle/>
                     <a:p>
-                      <a:r>
-                        <a:rPr lang="en-US" altLang="zh-CN" sz="2000" b="0" dirty="0">
-                          <a:solidFill>
-                            <a:schemeClr val="tx1"/>
-                          </a:solidFill>
-                        </a:rPr>
-                        <a:t>K1</a:t>
-                      </a:r>
-                      <a:endParaRPr lang="en-US" sz="2000" b="0" dirty="0">
+                      <a:endParaRPr lang="en-US" sz="800" b="0" dirty="0">
                         <a:solidFill>
                           <a:schemeClr val="tx1"/>
                         </a:solidFill>
@@ -7721,10 +6884,9 @@
                       <a:tailEnd type="none" w="med" len="med"/>
                     </a:lnB>
                     <a:solidFill>
-                      <a:schemeClr val="accent6">
-                        <a:lumMod val="40000"/>
-                        <a:lumOff val="60000"/>
-                      </a:schemeClr>
+                      <a:srgbClr val="FF85FF">
+                        <a:alpha val="75686"/>
+                      </a:srgbClr>
                     </a:solidFill>
                   </a:tcPr>
                 </a:tc>
@@ -7734,21 +6896,13 @@
                   </a:ext>
                 </a:extLst>
               </a:tr>
-              <a:tr h="327423">
+              <a:tr h="296267">
                 <a:tc>
                   <a:txBody>
                     <a:bodyPr/>
                     <a:lstStyle/>
                     <a:p>
-                      <a:r>
-                        <a:rPr lang="en-US" altLang="zh-CN" sz="2000" b="0" dirty="0">
-                          <a:solidFill>
-                            <a:schemeClr val="tx1"/>
-                          </a:solidFill>
-                        </a:rPr>
-                        <a:t>SM2</a:t>
-                      </a:r>
-                      <a:endParaRPr lang="en-US" sz="2000" b="0" dirty="0">
+                      <a:endParaRPr lang="en-US" sz="800" b="0" dirty="0">
                         <a:solidFill>
                           <a:schemeClr val="tx1"/>
                         </a:solidFill>
@@ -7793,10 +6947,9 @@
                       <a:tailEnd type="none" w="med" len="med"/>
                     </a:lnB>
                     <a:solidFill>
-                      <a:schemeClr val="accent6">
-                        <a:lumMod val="40000"/>
-                        <a:lumOff val="60000"/>
-                      </a:schemeClr>
+                      <a:srgbClr val="FF85FF">
+                        <a:alpha val="75686"/>
+                      </a:srgbClr>
                     </a:solidFill>
                   </a:tcPr>
                 </a:tc>
@@ -7805,15 +6958,7 @@
                     <a:bodyPr/>
                     <a:lstStyle/>
                     <a:p>
-                      <a:r>
-                        <a:rPr lang="en-US" altLang="zh-CN" sz="2000" b="0" dirty="0">
-                          <a:solidFill>
-                            <a:schemeClr val="tx1"/>
-                          </a:solidFill>
-                        </a:rPr>
-                        <a:t>K2</a:t>
-                      </a:r>
-                      <a:endParaRPr lang="en-US" sz="2000" b="0" dirty="0">
+                      <a:endParaRPr lang="en-US" sz="800" b="0" dirty="0">
                         <a:solidFill>
                           <a:schemeClr val="tx1"/>
                         </a:solidFill>
@@ -7858,10 +7003,9 @@
                       <a:tailEnd type="none" w="med" len="med"/>
                     </a:lnB>
                     <a:solidFill>
-                      <a:schemeClr val="accent6">
-                        <a:lumMod val="40000"/>
-                        <a:lumOff val="60000"/>
-                      </a:schemeClr>
+                      <a:srgbClr val="FF85FF">
+                        <a:alpha val="75686"/>
+                      </a:srgbClr>
                     </a:solidFill>
                   </a:tcPr>
                 </a:tc>
@@ -7871,21 +7015,21 @@
                   </a:ext>
                 </a:extLst>
               </a:tr>
-              <a:tr h="327423">
+              <a:tr h="296267">
                 <a:tc>
                   <a:txBody>
                     <a:bodyPr/>
                     <a:lstStyle/>
                     <a:p>
                       <a:r>
-                        <a:rPr lang="en-US" altLang="zh-CN" sz="2000" b="0" dirty="0">
+                        <a:rPr lang="en-US" altLang="zh-CN" sz="800" b="0" dirty="0">
                           <a:solidFill>
                             <a:schemeClr val="tx1"/>
                           </a:solidFill>
                         </a:rPr>
                         <a:t>…</a:t>
                       </a:r>
-                      <a:endParaRPr lang="en-US" sz="2000" b="0" dirty="0">
+                      <a:endParaRPr lang="en-US" sz="800" b="0" dirty="0">
                         <a:solidFill>
                           <a:schemeClr val="tx1"/>
                         </a:solidFill>
@@ -7930,10 +7074,9 @@
                       <a:tailEnd type="none" w="med" len="med"/>
                     </a:lnB>
                     <a:solidFill>
-                      <a:schemeClr val="accent6">
-                        <a:lumMod val="40000"/>
-                        <a:lumOff val="60000"/>
-                      </a:schemeClr>
+                      <a:srgbClr val="FF85FF">
+                        <a:alpha val="75686"/>
+                      </a:srgbClr>
                     </a:solidFill>
                   </a:tcPr>
                 </a:tc>
@@ -7943,14 +7086,14 @@
                     <a:lstStyle/>
                     <a:p>
                       <a:r>
-                        <a:rPr lang="en-US" altLang="zh-CN" sz="2000" b="0" dirty="0">
+                        <a:rPr lang="en-US" altLang="zh-CN" sz="800" b="0" dirty="0">
                           <a:solidFill>
                             <a:schemeClr val="tx1"/>
                           </a:solidFill>
                         </a:rPr>
                         <a:t>…</a:t>
                       </a:r>
-                      <a:endParaRPr lang="en-US" sz="2000" b="0" dirty="0">
+                      <a:endParaRPr lang="en-US" sz="800" b="0" dirty="0">
                         <a:solidFill>
                           <a:schemeClr val="tx1"/>
                         </a:solidFill>
@@ -7995,10 +7138,9 @@
                       <a:tailEnd type="none" w="med" len="med"/>
                     </a:lnB>
                     <a:solidFill>
-                      <a:schemeClr val="accent6">
-                        <a:lumMod val="40000"/>
-                        <a:lumOff val="60000"/>
-                      </a:schemeClr>
+                      <a:srgbClr val="FF85FF">
+                        <a:alpha val="75686"/>
+                      </a:srgbClr>
                     </a:solidFill>
                   </a:tcPr>
                 </a:tc>
@@ -8008,37 +7150,13 @@
                   </a:ext>
                 </a:extLst>
               </a:tr>
-              <a:tr h="327423">
+              <a:tr h="296267">
                 <a:tc>
                   <a:txBody>
                     <a:bodyPr/>
                     <a:lstStyle/>
                     <a:p>
-                      <a:r>
-                        <a:rPr lang="en-US" altLang="zh-CN" sz="2000" b="0" dirty="0">
-                          <a:solidFill>
-                            <a:schemeClr val="tx1"/>
-                          </a:solidFill>
-                        </a:rPr>
-                        <a:t>SM</a:t>
-                      </a:r>
-                      <a:r>
-                        <a:rPr lang="zh-CN" altLang="en-US" sz="2000" b="0" dirty="0">
-                          <a:solidFill>
-                            <a:schemeClr val="tx1"/>
-                          </a:solidFill>
-                        </a:rPr>
-                        <a:t> </a:t>
-                      </a:r>
-                      <a:r>
-                        <a:rPr lang="en-US" altLang="zh-CN" sz="2000" b="0" dirty="0">
-                          <a:solidFill>
-                            <a:schemeClr val="tx1"/>
-                          </a:solidFill>
-                        </a:rPr>
-                        <a:t>84</a:t>
-                      </a:r>
-                      <a:endParaRPr lang="en-US" sz="2000" b="0" dirty="0">
+                      <a:endParaRPr lang="en-US" sz="800" b="0" dirty="0">
                         <a:solidFill>
                           <a:schemeClr val="tx1"/>
                         </a:solidFill>
@@ -8083,10 +7201,9 @@
                       <a:tailEnd type="none" w="med" len="med"/>
                     </a:lnB>
                     <a:solidFill>
-                      <a:schemeClr val="accent6">
-                        <a:lumMod val="40000"/>
-                        <a:lumOff val="60000"/>
-                      </a:schemeClr>
+                      <a:srgbClr val="FF85FF">
+                        <a:alpha val="75686"/>
+                      </a:srgbClr>
                     </a:solidFill>
                   </a:tcPr>
                 </a:tc>
@@ -8095,7 +7212,7 @@
                     <a:bodyPr/>
                     <a:lstStyle/>
                     <a:p>
-                      <a:endParaRPr lang="en-US" sz="2000" b="0" dirty="0">
+                      <a:endParaRPr lang="en-US" sz="800" b="0" dirty="0">
                         <a:solidFill>
                           <a:schemeClr val="tx1"/>
                         </a:solidFill>
@@ -8140,10 +7257,9 @@
                       <a:tailEnd type="none" w="med" len="med"/>
                     </a:lnB>
                     <a:solidFill>
-                      <a:schemeClr val="accent6">
-                        <a:lumMod val="40000"/>
-                        <a:lumOff val="60000"/>
-                      </a:schemeClr>
+                      <a:srgbClr val="FF85FF">
+                        <a:alpha val="75686"/>
+                      </a:srgbClr>
                     </a:solidFill>
                   </a:tcPr>
                 </a:tc>
@@ -8159,10 +7275,10 @@
       </p:graphicFrame>
       <p:sp>
         <p:nvSpPr>
-          <p:cNvPr id="35" name="TextBox 34">
-            <a:extLst>
-              <a:ext uri="{FF2B5EF4-FFF2-40B4-BE49-F238E27FC236}">
-                <a16:creationId xmlns:a16="http://schemas.microsoft.com/office/drawing/2014/main" id="{81B7CA6A-6AB7-F645-8686-12643B665DA5}"/>
+          <p:cNvPr id="53" name="TextBox 52">
+            <a:extLst>
+              <a:ext uri="{FF2B5EF4-FFF2-40B4-BE49-F238E27FC236}">
+                <a16:creationId xmlns:a16="http://schemas.microsoft.com/office/drawing/2014/main" id="{5578E930-3D06-B341-93A9-3A9C5F64B747}"/>
               </a:ext>
             </a:extLst>
           </p:cNvPr>
@@ -8171,8 +7287,8 @@
         </p:nvSpPr>
         <p:spPr>
           <a:xfrm>
-            <a:off x="2475573" y="5558838"/>
-            <a:ext cx="1680074" cy="400110"/>
+            <a:off x="8360834" y="1430322"/>
+            <a:ext cx="1317456" cy="707886"/>
           </a:xfrm>
           <a:prstGeom prst="rect">
             <a:avLst/>
@@ -8188,26 +7304,21 @@
             <a:pPr algn="ctr"/>
             <a:r>
               <a:rPr lang="en-US" altLang="zh-CN" sz="2000" dirty="0"/>
-              <a:t>Kernel</a:t>
-            </a:r>
-            <a:r>
-              <a:rPr lang="zh-CN" altLang="en-US" sz="2000" dirty="0"/>
-              <a:t> </a:t>
-            </a:r>
-            <a:r>
-              <a:rPr lang="en-US" altLang="zh-CN" sz="2000" dirty="0"/>
-              <a:t>Queue</a:t>
-            </a:r>
-            <a:endParaRPr lang="en-US" sz="2000" dirty="0"/>
-          </a:p>
-        </p:txBody>
-      </p:sp>
-      <p:sp>
-        <p:nvSpPr>
-          <p:cNvPr id="36" name="Down Arrow 35">
-            <a:extLst>
-              <a:ext uri="{FF2B5EF4-FFF2-40B4-BE49-F238E27FC236}">
-                <a16:creationId xmlns:a16="http://schemas.microsoft.com/office/drawing/2014/main" id="{33247F76-ACBC-E445-AF68-60F85EF870CB}"/>
+              <a:t>CTA</a:t>
+            </a:r>
+            <a:r>
+              <a:rPr lang="en-US" sz="2000" dirty="0"/>
+              <a:t> command</a:t>
+            </a:r>
+          </a:p>
+        </p:txBody>
+      </p:sp>
+      <p:sp>
+        <p:nvSpPr>
+          <p:cNvPr id="26" name="Rounded Rectangle 25">
+            <a:extLst>
+              <a:ext uri="{FF2B5EF4-FFF2-40B4-BE49-F238E27FC236}">
+                <a16:creationId xmlns:a16="http://schemas.microsoft.com/office/drawing/2014/main" id="{4ABFD3D7-0BB9-984B-AB26-B14A3EC117B1}"/>
               </a:ext>
             </a:extLst>
           </p:cNvPr>
@@ -8215,15 +7326,17 @@
           <p:nvPr/>
         </p:nvSpPr>
         <p:spPr>
-          <a:xfrm rot="10800000">
-            <a:off x="6678651" y="4396999"/>
-            <a:ext cx="335269" cy="828189"/>
-          </a:xfrm>
-          <a:prstGeom prst="downArrow">
+          <a:xfrm>
+            <a:off x="3456654" y="1279571"/>
+            <a:ext cx="801265" cy="488613"/>
+          </a:xfrm>
+          <a:prstGeom prst="roundRect">
             <a:avLst/>
           </a:prstGeom>
           <a:solidFill>
-            <a:srgbClr val="B0DDF2"/>
+            <a:srgbClr val="FF85FF">
+              <a:alpha val="75686"/>
+            </a:srgbClr>
           </a:solidFill>
           <a:ln w="19050">
             <a:solidFill>
@@ -8248,150 +7361,27 @@
           </a:fontRef>
         </p:style>
         <p:txBody>
-          <a:bodyPr rtlCol="0" anchor="ctr"/>
+          <a:bodyPr rtlCol="0" anchor="t"/>
           <a:lstStyle/>
           <a:p>
             <a:pPr algn="ctr"/>
-            <a:endParaRPr lang="en-US" sz="2000"/>
-          </a:p>
-        </p:txBody>
-      </p:sp>
-      <p:sp>
-        <p:nvSpPr>
-          <p:cNvPr id="37" name="Rectangle 36">
-            <a:extLst>
-              <a:ext uri="{FF2B5EF4-FFF2-40B4-BE49-F238E27FC236}">
-                <a16:creationId xmlns:a16="http://schemas.microsoft.com/office/drawing/2014/main" id="{7B5B9BFF-3B6A-4743-9C7A-D43AC93E3D91}"/>
-              </a:ext>
-            </a:extLst>
-          </p:cNvPr>
-          <p:cNvSpPr/>
-          <p:nvPr/>
-        </p:nvSpPr>
-        <p:spPr>
-          <a:xfrm>
-            <a:off x="6294320" y="3541898"/>
-            <a:ext cx="1134261" cy="828190"/>
-          </a:xfrm>
-          <a:prstGeom prst="rect">
-            <a:avLst/>
-          </a:prstGeom>
-          <a:solidFill>
-            <a:schemeClr val="accent2">
-              <a:lumMod val="60000"/>
-              <a:lumOff val="40000"/>
-            </a:schemeClr>
-          </a:solidFill>
-          <a:ln w="38100">
-            <a:solidFill>
-              <a:schemeClr val="tx1"/>
-            </a:solidFill>
-          </a:ln>
-        </p:spPr>
-        <p:style>
-          <a:lnRef idx="2">
-            <a:schemeClr val="accent2">
-              <a:shade val="50000"/>
-            </a:schemeClr>
-          </a:lnRef>
-          <a:fillRef idx="1">
-            <a:schemeClr val="accent2"/>
-          </a:fillRef>
-          <a:effectRef idx="0">
-            <a:schemeClr val="accent2"/>
-          </a:effectRef>
-          <a:fontRef idx="minor">
-            <a:schemeClr val="lt1"/>
-          </a:fontRef>
-        </p:style>
-        <p:txBody>
-          <a:bodyPr rtlCol="0" anchor="ctr"/>
-          <a:lstStyle/>
-          <a:p>
-            <a:pPr algn="ctr"/>
-            <a:r>
-              <a:rPr lang="en-US" altLang="zh-CN" sz="2000" dirty="0">
+            <a:r>
+              <a:rPr lang="en-US" sz="2000" dirty="0">
                 <a:solidFill>
                   <a:schemeClr val="tx1"/>
                 </a:solidFill>
               </a:rPr>
-              <a:t>CTA</a:t>
-            </a:r>
-            <a:r>
-              <a:rPr lang="zh-CN" altLang="en-US" sz="2000" dirty="0">
-                <a:solidFill>
-                  <a:schemeClr val="tx1"/>
-                </a:solidFill>
-              </a:rPr>
-              <a:t> </a:t>
-            </a:r>
-            <a:r>
-              <a:rPr lang="en-US" altLang="zh-CN" sz="2000" dirty="0">
-                <a:solidFill>
-                  <a:schemeClr val="tx1"/>
-                </a:solidFill>
-              </a:rPr>
-              <a:t>launcher</a:t>
-            </a:r>
-            <a:endParaRPr lang="en-US" sz="2000" dirty="0">
-              <a:solidFill>
-                <a:schemeClr val="tx1"/>
-              </a:solidFill>
-            </a:endParaRPr>
-          </a:p>
-        </p:txBody>
-      </p:sp>
-      <p:sp>
-        <p:nvSpPr>
-          <p:cNvPr id="38" name="TextBox 37">
-            <a:extLst>
-              <a:ext uri="{FF2B5EF4-FFF2-40B4-BE49-F238E27FC236}">
-                <a16:creationId xmlns:a16="http://schemas.microsoft.com/office/drawing/2014/main" id="{11E3558E-1077-DC41-A5AE-07E2BC4DD97D}"/>
-              </a:ext>
-            </a:extLst>
-          </p:cNvPr>
-          <p:cNvSpPr txBox="1"/>
-          <p:nvPr/>
-        </p:nvSpPr>
-        <p:spPr>
-          <a:xfrm>
-            <a:off x="4578412" y="4710856"/>
-            <a:ext cx="1680074" cy="400110"/>
-          </a:xfrm>
-          <a:prstGeom prst="rect">
-            <a:avLst/>
-          </a:prstGeom>
-          <a:noFill/>
-        </p:spPr>
-        <p:txBody>
-          <a:bodyPr wrap="square" rtlCol="0">
-            <a:spAutoFit/>
-          </a:bodyPr>
-          <a:lstStyle/>
-          <a:p>
-            <a:pPr algn="ctr"/>
-            <a:r>
-              <a:rPr lang="en-US" altLang="zh-CN" sz="2000" dirty="0"/>
-              <a:t>Launch</a:t>
-            </a:r>
-            <a:r>
-              <a:rPr lang="zh-CN" altLang="en-US" sz="2000" dirty="0"/>
-              <a:t> </a:t>
-            </a:r>
-            <a:r>
-              <a:rPr lang="en-US" altLang="zh-CN" sz="2000" dirty="0"/>
-              <a:t>Table</a:t>
-            </a:r>
-            <a:endParaRPr lang="en-US" sz="2000" dirty="0"/>
-          </a:p>
-        </p:txBody>
-      </p:sp>
-      <p:sp>
-        <p:nvSpPr>
-          <p:cNvPr id="39" name="Arrow: Left-Right 31">
-            <a:extLst>
-              <a:ext uri="{FF2B5EF4-FFF2-40B4-BE49-F238E27FC236}">
-                <a16:creationId xmlns:a16="http://schemas.microsoft.com/office/drawing/2014/main" id="{2B2E7BD8-DA02-F143-BC25-6ECD07985FEC}"/>
+              <a:t>CU</a:t>
+            </a:r>
+          </a:p>
+        </p:txBody>
+      </p:sp>
+      <p:sp>
+        <p:nvSpPr>
+          <p:cNvPr id="27" name="Rounded Rectangle 26">
+            <a:extLst>
+              <a:ext uri="{FF2B5EF4-FFF2-40B4-BE49-F238E27FC236}">
+                <a16:creationId xmlns:a16="http://schemas.microsoft.com/office/drawing/2014/main" id="{FD7D05F9-272A-BB4C-9F52-D1E46580A7CB}"/>
               </a:ext>
             </a:extLst>
           </p:cNvPr>
@@ -8400,14 +7390,16 @@
         </p:nvSpPr>
         <p:spPr>
           <a:xfrm>
-            <a:off x="5696218" y="4153945"/>
-            <a:ext cx="598102" cy="256414"/>
-          </a:xfrm>
-          <a:prstGeom prst="leftRightArrow">
+            <a:off x="2377142" y="1298393"/>
+            <a:ext cx="801265" cy="488613"/>
+          </a:xfrm>
+          <a:prstGeom prst="roundRect">
             <a:avLst/>
           </a:prstGeom>
           <a:solidFill>
-            <a:srgbClr val="B0DDF2"/>
+            <a:srgbClr val="FF85FF">
+              <a:alpha val="75686"/>
+            </a:srgbClr>
           </a:solidFill>
           <a:ln w="19050">
             <a:solidFill>
@@ -8432,198 +7424,27 @@
           </a:fontRef>
         </p:style>
         <p:txBody>
-          <a:bodyPr rtlCol="0" anchor="ctr"/>
+          <a:bodyPr rtlCol="0" anchor="t"/>
           <a:lstStyle/>
           <a:p>
             <a:pPr algn="ctr"/>
-            <a:endParaRPr lang="en-US" sz="2000"/>
-          </a:p>
-        </p:txBody>
-      </p:sp>
-      <p:sp>
-        <p:nvSpPr>
-          <p:cNvPr id="42" name="TextBox 41">
-            <a:extLst>
-              <a:ext uri="{FF2B5EF4-FFF2-40B4-BE49-F238E27FC236}">
-                <a16:creationId xmlns:a16="http://schemas.microsoft.com/office/drawing/2014/main" id="{ED117A25-286D-F444-9CB8-239EC31CD49C}"/>
-              </a:ext>
-            </a:extLst>
-          </p:cNvPr>
-          <p:cNvSpPr txBox="1"/>
-          <p:nvPr/>
-        </p:nvSpPr>
-        <p:spPr>
-          <a:xfrm>
-            <a:off x="750369" y="2488335"/>
-            <a:ext cx="1317456" cy="400110"/>
-          </a:xfrm>
-          <a:prstGeom prst="rect">
-            <a:avLst/>
-          </a:prstGeom>
-          <a:noFill/>
-        </p:spPr>
-        <p:txBody>
-          <a:bodyPr wrap="square" rtlCol="0">
-            <a:spAutoFit/>
-          </a:bodyPr>
-          <a:lstStyle/>
-          <a:p>
-            <a:pPr algn="ctr"/>
-            <a:r>
-              <a:rPr lang="en-US" altLang="zh-CN" sz="2000" dirty="0"/>
-              <a:t>Tick</a:t>
-            </a:r>
-            <a:r>
-              <a:rPr lang="zh-CN" altLang="en-US" sz="2000" dirty="0"/>
-              <a:t> </a:t>
-            </a:r>
-            <a:r>
-              <a:rPr lang="en-US" altLang="zh-CN" sz="2000" dirty="0"/>
-              <a:t>signal</a:t>
-            </a:r>
-            <a:endParaRPr lang="en-US" sz="2000" dirty="0"/>
-          </a:p>
-        </p:txBody>
-      </p:sp>
-      <p:sp>
-        <p:nvSpPr>
-          <p:cNvPr id="43" name="Rectangle 42">
-            <a:extLst>
-              <a:ext uri="{FF2B5EF4-FFF2-40B4-BE49-F238E27FC236}">
-                <a16:creationId xmlns:a16="http://schemas.microsoft.com/office/drawing/2014/main" id="{04CD0469-CF3B-3540-9CCA-2907D2AC0526}"/>
-              </a:ext>
-            </a:extLst>
-          </p:cNvPr>
-          <p:cNvSpPr/>
-          <p:nvPr/>
-        </p:nvSpPr>
-        <p:spPr>
-          <a:xfrm>
-            <a:off x="4039463" y="2164523"/>
-            <a:ext cx="1134261" cy="586408"/>
-          </a:xfrm>
-          <a:prstGeom prst="rect">
-            <a:avLst/>
-          </a:prstGeom>
-          <a:solidFill>
-            <a:schemeClr val="accent2">
-              <a:lumMod val="60000"/>
-              <a:lumOff val="40000"/>
-            </a:schemeClr>
-          </a:solidFill>
-          <a:ln w="38100">
-            <a:solidFill>
-              <a:schemeClr val="tx1"/>
-            </a:solidFill>
-          </a:ln>
-        </p:spPr>
-        <p:style>
-          <a:lnRef idx="2">
-            <a:schemeClr val="accent2">
-              <a:shade val="50000"/>
-            </a:schemeClr>
-          </a:lnRef>
-          <a:fillRef idx="1">
-            <a:schemeClr val="accent2"/>
-          </a:fillRef>
-          <a:effectRef idx="0">
-            <a:schemeClr val="accent2"/>
-          </a:effectRef>
-          <a:fontRef idx="minor">
-            <a:schemeClr val="lt1"/>
-          </a:fontRef>
-        </p:style>
-        <p:txBody>
-          <a:bodyPr rtlCol="0" anchor="ctr"/>
-          <a:lstStyle/>
-          <a:p>
-            <a:pPr algn="ctr"/>
-            <a:r>
-              <a:rPr lang="en-US" altLang="zh-CN" sz="2000" dirty="0">
+            <a:r>
+              <a:rPr lang="en-US" sz="2000" dirty="0">
                 <a:solidFill>
                   <a:schemeClr val="tx1"/>
                 </a:solidFill>
               </a:rPr>
-              <a:t>Tick</a:t>
-            </a:r>
-            <a:r>
-              <a:rPr lang="zh-CN" altLang="en-US" sz="2000" dirty="0">
-                <a:solidFill>
-                  <a:schemeClr val="tx1"/>
-                </a:solidFill>
-              </a:rPr>
-              <a:t> </a:t>
-            </a:r>
-            <a:r>
-              <a:rPr lang="en-US" altLang="zh-CN" sz="2000" dirty="0">
-                <a:solidFill>
-                  <a:schemeClr val="tx1"/>
-                </a:solidFill>
-              </a:rPr>
-              <a:t>handler</a:t>
-            </a:r>
-            <a:endParaRPr lang="en-US" sz="2000" dirty="0">
-              <a:solidFill>
-                <a:schemeClr val="tx1"/>
-              </a:solidFill>
-            </a:endParaRPr>
-          </a:p>
-        </p:txBody>
-      </p:sp>
-      <p:cxnSp>
-        <p:nvCxnSpPr>
-          <p:cNvPr id="9" name="Elbow Connector 8">
-            <a:extLst>
-              <a:ext uri="{FF2B5EF4-FFF2-40B4-BE49-F238E27FC236}">
-                <a16:creationId xmlns:a16="http://schemas.microsoft.com/office/drawing/2014/main" id="{F78CCEA0-4BEC-C347-8AB0-56D78F2EC42C}"/>
-              </a:ext>
-            </a:extLst>
-          </p:cNvPr>
-          <p:cNvCxnSpPr>
-            <a:cxnSpLocks/>
-            <a:stCxn id="43" idx="3"/>
-            <a:endCxn id="37" idx="1"/>
-          </p:cNvCxnSpPr>
-          <p:nvPr/>
-        </p:nvCxnSpPr>
-        <p:spPr>
-          <a:xfrm>
-            <a:off x="5173724" y="2457727"/>
-            <a:ext cx="1120596" cy="1498266"/>
-          </a:xfrm>
-          <a:prstGeom prst="bentConnector3">
-            <a:avLst>
-              <a:gd name="adj1" fmla="val 70400"/>
-            </a:avLst>
-          </a:prstGeom>
-          <a:ln w="57150">
-            <a:solidFill>
-              <a:schemeClr val="tx1"/>
-            </a:solidFill>
-            <a:tailEnd type="triangle"/>
-          </a:ln>
-        </p:spPr>
-        <p:style>
-          <a:lnRef idx="1">
-            <a:schemeClr val="accent1"/>
-          </a:lnRef>
-          <a:fillRef idx="0">
-            <a:schemeClr val="accent1"/>
-          </a:fillRef>
-          <a:effectRef idx="0">
-            <a:schemeClr val="accent1"/>
-          </a:effectRef>
-          <a:fontRef idx="minor">
-            <a:schemeClr val="tx1"/>
-          </a:fontRef>
-        </p:style>
-      </p:cxnSp>
-      <p:sp>
-        <p:nvSpPr>
-          <p:cNvPr id="20" name="Left-Up Arrow 19">
-            <a:extLst>
-              <a:ext uri="{FF2B5EF4-FFF2-40B4-BE49-F238E27FC236}">
-                <a16:creationId xmlns:a16="http://schemas.microsoft.com/office/drawing/2014/main" id="{DDF96FA9-0E32-F84D-A031-C4213BCF35D9}"/>
+              <a:t>CU</a:t>
+            </a:r>
+          </a:p>
+        </p:txBody>
+      </p:sp>
+      <p:sp>
+        <p:nvSpPr>
+          <p:cNvPr id="28" name="Rounded Rectangle 27">
+            <a:extLst>
+              <a:ext uri="{FF2B5EF4-FFF2-40B4-BE49-F238E27FC236}">
+                <a16:creationId xmlns:a16="http://schemas.microsoft.com/office/drawing/2014/main" id="{DDE8DF43-CA84-C849-8EBC-30EB11C547E9}"/>
               </a:ext>
             </a:extLst>
           </p:cNvPr>
@@ -8631,19 +7452,17 @@
           <p:nvPr/>
         </p:nvSpPr>
         <p:spPr>
-          <a:xfrm rot="10800000">
-            <a:off x="6482476" y="2050442"/>
-            <a:ext cx="3474323" cy="1498267"/>
-          </a:xfrm>
-          <a:prstGeom prst="leftUpArrow">
-            <a:avLst>
-              <a:gd name="adj1" fmla="val 9742"/>
-              <a:gd name="adj2" fmla="val 10166"/>
-              <a:gd name="adj3" fmla="val 12286"/>
-            </a:avLst>
+          <a:xfrm>
+            <a:off x="1299042" y="1298393"/>
+            <a:ext cx="801265" cy="488613"/>
+          </a:xfrm>
+          <a:prstGeom prst="roundRect">
+            <a:avLst/>
           </a:prstGeom>
           <a:solidFill>
-            <a:srgbClr val="B0DDF2"/>
+            <a:srgbClr val="FF85FF">
+              <a:alpha val="75686"/>
+            </a:srgbClr>
           </a:solidFill>
           <a:ln w="19050">
             <a:solidFill>
@@ -8668,55 +7487,521 @@
           </a:fontRef>
         </p:style>
         <p:txBody>
-          <a:bodyPr rot="0" spcFirstLastPara="0" vertOverflow="overflow" horzOverflow="overflow" vert="horz" wrap="square" lIns="91440" tIns="45720" rIns="91440" bIns="45720" numCol="1" spcCol="0" rtlCol="0" fromWordArt="0" anchor="ctr" anchorCtr="0" forceAA="0" compatLnSpc="1">
-            <a:prstTxWarp prst="textNoShape">
-              <a:avLst/>
-            </a:prstTxWarp>
-            <a:noAutofit/>
-          </a:bodyPr>
+          <a:bodyPr rtlCol="0" anchor="t"/>
           <a:lstStyle/>
           <a:p>
             <a:pPr algn="ctr"/>
-            <a:endParaRPr lang="en-US" sz="2000"/>
-          </a:p>
-        </p:txBody>
-      </p:sp>
-      <p:sp>
-        <p:nvSpPr>
-          <p:cNvPr id="53" name="TextBox 52">
-            <a:extLst>
-              <a:ext uri="{FF2B5EF4-FFF2-40B4-BE49-F238E27FC236}">
-                <a16:creationId xmlns:a16="http://schemas.microsoft.com/office/drawing/2014/main" id="{5578E930-3D06-B341-93A9-3A9C5F64B747}"/>
-              </a:ext>
-            </a:extLst>
-          </p:cNvPr>
-          <p:cNvSpPr txBox="1"/>
+            <a:r>
+              <a:rPr lang="en-US" sz="2000" dirty="0">
+                <a:solidFill>
+                  <a:schemeClr val="tx1"/>
+                </a:solidFill>
+              </a:rPr>
+              <a:t>CU</a:t>
+            </a:r>
+          </a:p>
+        </p:txBody>
+      </p:sp>
+      <p:sp>
+        <p:nvSpPr>
+          <p:cNvPr id="30" name="Rounded Rectangle 29">
+            <a:extLst>
+              <a:ext uri="{FF2B5EF4-FFF2-40B4-BE49-F238E27FC236}">
+                <a16:creationId xmlns:a16="http://schemas.microsoft.com/office/drawing/2014/main" id="{E6BD1F3F-DFBA-3C42-A858-694B687E5EEF}"/>
+              </a:ext>
+            </a:extLst>
+          </p:cNvPr>
+          <p:cNvSpPr/>
           <p:nvPr/>
         </p:nvSpPr>
         <p:spPr>
           <a:xfrm>
-            <a:off x="8360834" y="1430322"/>
-            <a:ext cx="1317456" cy="707886"/>
-          </a:xfrm>
-          <a:prstGeom prst="rect">
-            <a:avLst/>
-          </a:prstGeom>
-          <a:noFill/>
-        </p:spPr>
-        <p:txBody>
-          <a:bodyPr wrap="square" rtlCol="0">
-            <a:spAutoFit/>
-          </a:bodyPr>
+            <a:off x="1299042" y="2002116"/>
+            <a:ext cx="801265" cy="488613"/>
+          </a:xfrm>
+          <a:prstGeom prst="roundRect">
+            <a:avLst/>
+          </a:prstGeom>
+          <a:solidFill>
+            <a:srgbClr val="FF85FF">
+              <a:alpha val="75686"/>
+            </a:srgbClr>
+          </a:solidFill>
+          <a:ln w="19050">
+            <a:solidFill>
+              <a:schemeClr val="tx1"/>
+            </a:solidFill>
+          </a:ln>
+        </p:spPr>
+        <p:style>
+          <a:lnRef idx="2">
+            <a:schemeClr val="accent1">
+              <a:shade val="50000"/>
+            </a:schemeClr>
+          </a:lnRef>
+          <a:fillRef idx="1">
+            <a:schemeClr val="accent1"/>
+          </a:fillRef>
+          <a:effectRef idx="0">
+            <a:schemeClr val="accent1"/>
+          </a:effectRef>
+          <a:fontRef idx="minor">
+            <a:schemeClr val="lt1"/>
+          </a:fontRef>
+        </p:style>
+        <p:txBody>
+          <a:bodyPr rtlCol="0" anchor="t"/>
           <a:lstStyle/>
           <a:p>
             <a:pPr algn="ctr"/>
             <a:r>
-              <a:rPr lang="en-US" altLang="zh-CN" sz="2000" dirty="0"/>
-              <a:t>CTA</a:t>
-            </a:r>
-            <a:r>
-              <a:rPr lang="en-US" sz="2000" dirty="0"/>
-              <a:t> command</a:t>
+              <a:rPr lang="en-US" sz="2000" dirty="0">
+                <a:solidFill>
+                  <a:schemeClr val="tx1"/>
+                </a:solidFill>
+              </a:rPr>
+              <a:t>TLB</a:t>
+            </a:r>
+          </a:p>
+        </p:txBody>
+      </p:sp>
+      <p:sp>
+        <p:nvSpPr>
+          <p:cNvPr id="40" name="Rounded Rectangle 39">
+            <a:extLst>
+              <a:ext uri="{FF2B5EF4-FFF2-40B4-BE49-F238E27FC236}">
+                <a16:creationId xmlns:a16="http://schemas.microsoft.com/office/drawing/2014/main" id="{38FB6C7E-34EC-364F-9F0B-4847881C3BEE}"/>
+              </a:ext>
+            </a:extLst>
+          </p:cNvPr>
+          <p:cNvSpPr/>
+          <p:nvPr/>
+        </p:nvSpPr>
+        <p:spPr>
+          <a:xfrm>
+            <a:off x="2377142" y="2002115"/>
+            <a:ext cx="801265" cy="488613"/>
+          </a:xfrm>
+          <a:prstGeom prst="roundRect">
+            <a:avLst/>
+          </a:prstGeom>
+          <a:solidFill>
+            <a:srgbClr val="FF85FF">
+              <a:alpha val="75686"/>
+            </a:srgbClr>
+          </a:solidFill>
+          <a:ln w="19050">
+            <a:solidFill>
+              <a:schemeClr val="tx1"/>
+            </a:solidFill>
+          </a:ln>
+        </p:spPr>
+        <p:style>
+          <a:lnRef idx="2">
+            <a:schemeClr val="accent1">
+              <a:shade val="50000"/>
+            </a:schemeClr>
+          </a:lnRef>
+          <a:fillRef idx="1">
+            <a:schemeClr val="accent1"/>
+          </a:fillRef>
+          <a:effectRef idx="0">
+            <a:schemeClr val="accent1"/>
+          </a:effectRef>
+          <a:fontRef idx="minor">
+            <a:schemeClr val="lt1"/>
+          </a:fontRef>
+        </p:style>
+        <p:txBody>
+          <a:bodyPr rtlCol="0" anchor="t"/>
+          <a:lstStyle/>
+          <a:p>
+            <a:pPr algn="ctr"/>
+            <a:r>
+              <a:rPr lang="en-US" sz="2000" dirty="0">
+                <a:solidFill>
+                  <a:schemeClr val="tx1"/>
+                </a:solidFill>
+              </a:rPr>
+              <a:t>TLB</a:t>
+            </a:r>
+          </a:p>
+        </p:txBody>
+      </p:sp>
+      <p:sp>
+        <p:nvSpPr>
+          <p:cNvPr id="41" name="Rounded Rectangle 40">
+            <a:extLst>
+              <a:ext uri="{FF2B5EF4-FFF2-40B4-BE49-F238E27FC236}">
+                <a16:creationId xmlns:a16="http://schemas.microsoft.com/office/drawing/2014/main" id="{3008409E-C766-1846-865B-7E2952EBCF66}"/>
+              </a:ext>
+            </a:extLst>
+          </p:cNvPr>
+          <p:cNvSpPr/>
+          <p:nvPr/>
+        </p:nvSpPr>
+        <p:spPr>
+          <a:xfrm>
+            <a:off x="3456653" y="1970000"/>
+            <a:ext cx="801265" cy="488613"/>
+          </a:xfrm>
+          <a:prstGeom prst="roundRect">
+            <a:avLst/>
+          </a:prstGeom>
+          <a:solidFill>
+            <a:srgbClr val="FF85FF">
+              <a:alpha val="75686"/>
+            </a:srgbClr>
+          </a:solidFill>
+          <a:ln w="19050">
+            <a:solidFill>
+              <a:schemeClr val="tx1"/>
+            </a:solidFill>
+          </a:ln>
+        </p:spPr>
+        <p:style>
+          <a:lnRef idx="2">
+            <a:schemeClr val="accent1">
+              <a:shade val="50000"/>
+            </a:schemeClr>
+          </a:lnRef>
+          <a:fillRef idx="1">
+            <a:schemeClr val="accent1"/>
+          </a:fillRef>
+          <a:effectRef idx="0">
+            <a:schemeClr val="accent1"/>
+          </a:effectRef>
+          <a:fontRef idx="minor">
+            <a:schemeClr val="lt1"/>
+          </a:fontRef>
+        </p:style>
+        <p:txBody>
+          <a:bodyPr rtlCol="0" anchor="t"/>
+          <a:lstStyle/>
+          <a:p>
+            <a:pPr algn="ctr"/>
+            <a:r>
+              <a:rPr lang="en-US" sz="2000" dirty="0">
+                <a:solidFill>
+                  <a:schemeClr val="tx1"/>
+                </a:solidFill>
+              </a:rPr>
+              <a:t>TLB</a:t>
+            </a:r>
+          </a:p>
+        </p:txBody>
+      </p:sp>
+      <p:sp>
+        <p:nvSpPr>
+          <p:cNvPr id="46" name="Rounded Rectangle 45">
+            <a:extLst>
+              <a:ext uri="{FF2B5EF4-FFF2-40B4-BE49-F238E27FC236}">
+                <a16:creationId xmlns:a16="http://schemas.microsoft.com/office/drawing/2014/main" id="{A17E5658-9E78-7948-A6F7-1A3F567E8CA0}"/>
+              </a:ext>
+            </a:extLst>
+          </p:cNvPr>
+          <p:cNvSpPr/>
+          <p:nvPr/>
+        </p:nvSpPr>
+        <p:spPr>
+          <a:xfrm>
+            <a:off x="1299042" y="2743479"/>
+            <a:ext cx="801265" cy="488613"/>
+          </a:xfrm>
+          <a:prstGeom prst="roundRect">
+            <a:avLst/>
+          </a:prstGeom>
+          <a:solidFill>
+            <a:srgbClr val="FF85FF">
+              <a:alpha val="75686"/>
+            </a:srgbClr>
+          </a:solidFill>
+          <a:ln w="19050">
+            <a:solidFill>
+              <a:schemeClr val="tx1"/>
+            </a:solidFill>
+          </a:ln>
+        </p:spPr>
+        <p:style>
+          <a:lnRef idx="2">
+            <a:schemeClr val="accent1">
+              <a:shade val="50000"/>
+            </a:schemeClr>
+          </a:lnRef>
+          <a:fillRef idx="1">
+            <a:schemeClr val="accent1"/>
+          </a:fillRef>
+          <a:effectRef idx="0">
+            <a:schemeClr val="accent1"/>
+          </a:effectRef>
+          <a:fontRef idx="minor">
+            <a:schemeClr val="lt1"/>
+          </a:fontRef>
+        </p:style>
+        <p:txBody>
+          <a:bodyPr rtlCol="0" anchor="t"/>
+          <a:lstStyle/>
+          <a:p>
+            <a:pPr algn="ctr"/>
+            <a:r>
+              <a:rPr lang="en-US" sz="2000" dirty="0">
+                <a:solidFill>
+                  <a:schemeClr val="tx1"/>
+                </a:solidFill>
+              </a:rPr>
+              <a:t>L1</a:t>
+            </a:r>
+          </a:p>
+        </p:txBody>
+      </p:sp>
+      <p:sp>
+        <p:nvSpPr>
+          <p:cNvPr id="47" name="Rounded Rectangle 46">
+            <a:extLst>
+              <a:ext uri="{FF2B5EF4-FFF2-40B4-BE49-F238E27FC236}">
+                <a16:creationId xmlns:a16="http://schemas.microsoft.com/office/drawing/2014/main" id="{F635E77D-C2E4-EE40-8981-C362E2E884CA}"/>
+              </a:ext>
+            </a:extLst>
+          </p:cNvPr>
+          <p:cNvSpPr/>
+          <p:nvPr/>
+        </p:nvSpPr>
+        <p:spPr>
+          <a:xfrm>
+            <a:off x="2377142" y="2743478"/>
+            <a:ext cx="801265" cy="488613"/>
+          </a:xfrm>
+          <a:prstGeom prst="roundRect">
+            <a:avLst/>
+          </a:prstGeom>
+          <a:solidFill>
+            <a:srgbClr val="FF85FF">
+              <a:alpha val="75686"/>
+            </a:srgbClr>
+          </a:solidFill>
+          <a:ln w="19050">
+            <a:solidFill>
+              <a:schemeClr val="tx1"/>
+            </a:solidFill>
+          </a:ln>
+        </p:spPr>
+        <p:style>
+          <a:lnRef idx="2">
+            <a:schemeClr val="accent1">
+              <a:shade val="50000"/>
+            </a:schemeClr>
+          </a:lnRef>
+          <a:fillRef idx="1">
+            <a:schemeClr val="accent1"/>
+          </a:fillRef>
+          <a:effectRef idx="0">
+            <a:schemeClr val="accent1"/>
+          </a:effectRef>
+          <a:fontRef idx="minor">
+            <a:schemeClr val="lt1"/>
+          </a:fontRef>
+        </p:style>
+        <p:txBody>
+          <a:bodyPr rtlCol="0" anchor="t"/>
+          <a:lstStyle/>
+          <a:p>
+            <a:pPr algn="ctr"/>
+            <a:r>
+              <a:rPr lang="en-US" sz="2000" dirty="0">
+                <a:solidFill>
+                  <a:schemeClr val="tx1"/>
+                </a:solidFill>
+              </a:rPr>
+              <a:t>L1</a:t>
+            </a:r>
+          </a:p>
+        </p:txBody>
+      </p:sp>
+      <p:sp>
+        <p:nvSpPr>
+          <p:cNvPr id="48" name="Rounded Rectangle 47">
+            <a:extLst>
+              <a:ext uri="{FF2B5EF4-FFF2-40B4-BE49-F238E27FC236}">
+                <a16:creationId xmlns:a16="http://schemas.microsoft.com/office/drawing/2014/main" id="{71F25226-57A6-D544-BC8D-A6F8F1A43124}"/>
+              </a:ext>
+            </a:extLst>
+          </p:cNvPr>
+          <p:cNvSpPr/>
+          <p:nvPr/>
+        </p:nvSpPr>
+        <p:spPr>
+          <a:xfrm>
+            <a:off x="3456652" y="2696774"/>
+            <a:ext cx="801265" cy="488613"/>
+          </a:xfrm>
+          <a:prstGeom prst="roundRect">
+            <a:avLst/>
+          </a:prstGeom>
+          <a:solidFill>
+            <a:srgbClr val="FF85FF">
+              <a:alpha val="75686"/>
+            </a:srgbClr>
+          </a:solidFill>
+          <a:ln w="19050">
+            <a:solidFill>
+              <a:schemeClr val="tx1"/>
+            </a:solidFill>
+          </a:ln>
+        </p:spPr>
+        <p:style>
+          <a:lnRef idx="2">
+            <a:schemeClr val="accent1">
+              <a:shade val="50000"/>
+            </a:schemeClr>
+          </a:lnRef>
+          <a:fillRef idx="1">
+            <a:schemeClr val="accent1"/>
+          </a:fillRef>
+          <a:effectRef idx="0">
+            <a:schemeClr val="accent1"/>
+          </a:effectRef>
+          <a:fontRef idx="minor">
+            <a:schemeClr val="lt1"/>
+          </a:fontRef>
+        </p:style>
+        <p:txBody>
+          <a:bodyPr rtlCol="0" anchor="t"/>
+          <a:lstStyle/>
+          <a:p>
+            <a:pPr algn="ctr"/>
+            <a:r>
+              <a:rPr lang="en-US" sz="2000" dirty="0">
+                <a:solidFill>
+                  <a:schemeClr val="tx1"/>
+                </a:solidFill>
+              </a:rPr>
+              <a:t>L1</a:t>
+            </a:r>
+          </a:p>
+        </p:txBody>
+      </p:sp>
+      <p:sp>
+        <p:nvSpPr>
+          <p:cNvPr id="49" name="Rounded Rectangle 48">
+            <a:extLst>
+              <a:ext uri="{FF2B5EF4-FFF2-40B4-BE49-F238E27FC236}">
+                <a16:creationId xmlns:a16="http://schemas.microsoft.com/office/drawing/2014/main" id="{29958ED9-9846-6448-8D75-63EF494A2869}"/>
+              </a:ext>
+            </a:extLst>
+          </p:cNvPr>
+          <p:cNvSpPr/>
+          <p:nvPr/>
+        </p:nvSpPr>
+        <p:spPr>
+          <a:xfrm>
+            <a:off x="1299042" y="3625910"/>
+            <a:ext cx="2958875" cy="488068"/>
+          </a:xfrm>
+          <a:prstGeom prst="roundRect">
+            <a:avLst/>
+          </a:prstGeom>
+          <a:solidFill>
+            <a:srgbClr val="FF85FF">
+              <a:alpha val="75686"/>
+            </a:srgbClr>
+          </a:solidFill>
+          <a:ln w="19050">
+            <a:solidFill>
+              <a:schemeClr val="tx1"/>
+            </a:solidFill>
+          </a:ln>
+        </p:spPr>
+        <p:style>
+          <a:lnRef idx="2">
+            <a:schemeClr val="accent1">
+              <a:shade val="50000"/>
+            </a:schemeClr>
+          </a:lnRef>
+          <a:fillRef idx="1">
+            <a:schemeClr val="accent1"/>
+          </a:fillRef>
+          <a:effectRef idx="0">
+            <a:schemeClr val="accent1"/>
+          </a:effectRef>
+          <a:fontRef idx="minor">
+            <a:schemeClr val="lt1"/>
+          </a:fontRef>
+        </p:style>
+        <p:txBody>
+          <a:bodyPr rtlCol="0" anchor="t"/>
+          <a:lstStyle/>
+          <a:p>
+            <a:pPr algn="ctr"/>
+            <a:r>
+              <a:rPr lang="en-US" sz="2000" dirty="0">
+                <a:solidFill>
+                  <a:schemeClr val="tx1"/>
+                </a:solidFill>
+              </a:rPr>
+              <a:t>L2</a:t>
+            </a:r>
+          </a:p>
+        </p:txBody>
+      </p:sp>
+      <p:sp>
+        <p:nvSpPr>
+          <p:cNvPr id="50" name="Rounded Rectangle 49">
+            <a:extLst>
+              <a:ext uri="{FF2B5EF4-FFF2-40B4-BE49-F238E27FC236}">
+                <a16:creationId xmlns:a16="http://schemas.microsoft.com/office/drawing/2014/main" id="{613C5EC1-AB11-7547-9563-8C69C17183DB}"/>
+              </a:ext>
+            </a:extLst>
+          </p:cNvPr>
+          <p:cNvSpPr/>
+          <p:nvPr/>
+        </p:nvSpPr>
+        <p:spPr>
+          <a:xfrm>
+            <a:off x="4852381" y="1105986"/>
+            <a:ext cx="2750920" cy="3492382"/>
+          </a:xfrm>
+          <a:prstGeom prst="roundRect">
+            <a:avLst/>
+          </a:prstGeom>
+          <a:solidFill>
+            <a:srgbClr val="FF85FF">
+              <a:alpha val="74902"/>
+            </a:srgbClr>
+          </a:solidFill>
+          <a:ln w="19050">
+            <a:solidFill>
+              <a:schemeClr val="tx1"/>
+            </a:solidFill>
+          </a:ln>
+        </p:spPr>
+        <p:style>
+          <a:lnRef idx="2">
+            <a:schemeClr val="accent1">
+              <a:shade val="50000"/>
+            </a:schemeClr>
+          </a:lnRef>
+          <a:fillRef idx="1">
+            <a:schemeClr val="accent1"/>
+          </a:fillRef>
+          <a:effectRef idx="0">
+            <a:schemeClr val="accent1"/>
+          </a:effectRef>
+          <a:fontRef idx="minor">
+            <a:schemeClr val="lt1"/>
+          </a:fontRef>
+        </p:style>
+        <p:txBody>
+          <a:bodyPr rtlCol="0" anchor="t"/>
+          <a:lstStyle/>
+          <a:p>
+            <a:pPr algn="ctr"/>
+            <a:r>
+              <a:rPr lang="en-US" sz="2000" dirty="0">
+                <a:solidFill>
+                  <a:schemeClr val="tx1"/>
+                </a:solidFill>
+              </a:rPr>
+              <a:t>GPU</a:t>
             </a:r>
           </a:p>
         </p:txBody>
